--- a/BDA_IFM/03Preprocessing.pptx
+++ b/BDA_IFM/03Preprocessing.pptx
@@ -182,9 +182,7 @@
 
 <file path=ppt/commentAuthors.xml><?xml version="1.0" encoding="utf-8"?>
 <p:cmAuthorLst xmlns:a="http://schemas.openxmlformats.org/drawingml/2006/main" xmlns:r="http://schemas.openxmlformats.org/officeDocument/2006/relationships" xmlns:p="http://schemas.openxmlformats.org/presentationml/2006/main">
-  <p:cmAuthor id="1" name="Xueqing Liu" initials="XL" lastIdx="34" clrIdx="0">
-    <p:extLst/>
-  </p:cmAuthor>
+  <p:cmAuthor id="1" name="Xueqing Liu" initials="XL" lastIdx="34" clrIdx="0"/>
 </p:cmAuthorLst>
 </file>
 
@@ -270,7 +268,7 @@
           <a:p>
             <a:fld id="{F87AF23C-6CAB-4A6A-B3BC-A88F610E0570}" type="datetimeFigureOut">
               <a:rPr lang="en-US" smtClean="0"/>
-              <a:t>9/27/2023</a:t>
+              <a:t>9/29/2024</a:t>
             </a:fld>
             <a:endParaRPr lang="en-US"/>
           </a:p>
@@ -334,38 +332,37 @@
           <a:p>
             <a:pPr lvl="0"/>
             <a:r>
-              <a:rPr lang="en-US" smtClean="0"/>
+              <a:rPr lang="en-US"/>
               <a:t>Click to edit Master text styles</a:t>
             </a:r>
           </a:p>
           <a:p>
             <a:pPr lvl="1"/>
             <a:r>
-              <a:rPr lang="en-US" smtClean="0"/>
+              <a:rPr lang="en-US"/>
               <a:t>Second level</a:t>
             </a:r>
           </a:p>
           <a:p>
             <a:pPr lvl="2"/>
             <a:r>
-              <a:rPr lang="en-US" smtClean="0"/>
+              <a:rPr lang="en-US"/>
               <a:t>Third level</a:t>
             </a:r>
           </a:p>
           <a:p>
             <a:pPr lvl="3"/>
             <a:r>
-              <a:rPr lang="en-US" smtClean="0"/>
+              <a:rPr lang="en-US"/>
               <a:t>Fourth level</a:t>
             </a:r>
           </a:p>
           <a:p>
             <a:pPr lvl="4"/>
             <a:r>
-              <a:rPr lang="en-US" smtClean="0"/>
+              <a:rPr lang="en-US"/>
               <a:t>Fifth level</a:t>
             </a:r>
-            <a:endParaRPr lang="en-US"/>
           </a:p>
         </p:txBody>
       </p:sp>
@@ -753,7 +750,7 @@
           <a:bodyPr/>
           <a:lstStyle/>
           <a:p>
-            <a:endParaRPr lang="en-US" altLang="en-US" smtClean="0">
+            <a:endParaRPr lang="en-US" altLang="en-US">
               <a:solidFill>
                 <a:schemeClr val="hlink"/>
               </a:solidFill>
@@ -993,7 +990,7 @@
           <a:bodyPr/>
           <a:lstStyle/>
           <a:p>
-            <a:endParaRPr lang="en-US" altLang="en-US" smtClean="0"/>
+            <a:endParaRPr lang="en-US" altLang="en-US"/>
           </a:p>
         </p:txBody>
       </p:sp>
@@ -1231,7 +1228,7 @@
           <a:bodyPr/>
           <a:lstStyle/>
           <a:p>
-            <a:endParaRPr lang="en-US" altLang="en-US" smtClean="0">
+            <a:endParaRPr lang="en-US" altLang="en-US">
               <a:solidFill>
                 <a:schemeClr val="hlink"/>
               </a:solidFill>
@@ -1472,7 +1469,7 @@
           <a:lstStyle/>
           <a:p>
             <a:r>
-              <a:rPr lang="en-US" altLang="en-US" dirty="0" smtClean="0"/>
+              <a:rPr lang="en-US" altLang="en-US" dirty="0"/>
               <a:t>Should ask students to do some survey on data integration.  -JH</a:t>
             </a:r>
           </a:p>
@@ -1710,7 +1707,7 @@
           <a:bodyPr/>
           <a:lstStyle/>
           <a:p>
-            <a:endParaRPr lang="en-US" altLang="en-US" smtClean="0"/>
+            <a:endParaRPr lang="en-US" altLang="en-US"/>
           </a:p>
         </p:txBody>
       </p:sp>
@@ -1795,7 +1792,7 @@
           <a:bodyPr/>
           <a:lstStyle/>
           <a:p>
-            <a:endParaRPr lang="en-US" altLang="en-US" smtClean="0"/>
+            <a:endParaRPr lang="en-US" altLang="en-US"/>
           </a:p>
         </p:txBody>
       </p:sp>
@@ -1880,7 +1877,7 @@
           <a:bodyPr/>
           <a:lstStyle/>
           <a:p>
-            <a:endParaRPr lang="en-US" altLang="en-US" smtClean="0"/>
+            <a:endParaRPr lang="en-US" altLang="en-US"/>
           </a:p>
         </p:txBody>
       </p:sp>
@@ -2081,7 +2078,7 @@
               </a:pPr>
               <a:t>17</a:t>
             </a:fld>
-            <a:endParaRPr lang="en-US" altLang="en-US" smtClean="0">
+            <a:endParaRPr lang="en-US" altLang="en-US">
               <a:solidFill>
                 <a:prstClr val="black"/>
               </a:solidFill>
@@ -2144,7 +2141,7 @@
           <a:bodyPr/>
           <a:lstStyle/>
           <a:p>
-            <a:endParaRPr lang="en-US" altLang="en-US" smtClean="0"/>
+            <a:endParaRPr lang="en-US" altLang="en-US"/>
           </a:p>
         </p:txBody>
       </p:sp>
@@ -2345,7 +2342,7 @@
               </a:pPr>
               <a:t>18</a:t>
             </a:fld>
-            <a:endParaRPr lang="en-US" altLang="en-US" smtClean="0">
+            <a:endParaRPr lang="en-US" altLang="en-US">
               <a:solidFill>
                 <a:prstClr val="black"/>
               </a:solidFill>
@@ -2408,7 +2405,7 @@
           <a:bodyPr/>
           <a:lstStyle/>
           <a:p>
-            <a:endParaRPr lang="en-US" altLang="en-US" dirty="0" smtClean="0"/>
+            <a:endParaRPr lang="en-US" altLang="en-US" dirty="0"/>
           </a:p>
         </p:txBody>
       </p:sp>
@@ -2609,7 +2606,7 @@
               </a:pPr>
               <a:t>19</a:t>
             </a:fld>
-            <a:endParaRPr lang="en-US" altLang="en-US" smtClean="0">
+            <a:endParaRPr lang="en-US" altLang="en-US">
               <a:solidFill>
                 <a:prstClr val="black"/>
               </a:solidFill>
@@ -2672,7 +2669,7 @@
           <a:bodyPr/>
           <a:lstStyle/>
           <a:p>
-            <a:endParaRPr lang="en-US" altLang="en-US" smtClean="0"/>
+            <a:endParaRPr lang="en-US" altLang="en-US"/>
           </a:p>
         </p:txBody>
       </p:sp>
@@ -2873,7 +2870,7 @@
               </a:pPr>
               <a:t>20</a:t>
             </a:fld>
-            <a:endParaRPr lang="en-US" altLang="en-US" smtClean="0">
+            <a:endParaRPr lang="en-US" altLang="en-US">
               <a:solidFill>
                 <a:prstClr val="black"/>
               </a:solidFill>
@@ -2936,7 +2933,7 @@
           <a:bodyPr/>
           <a:lstStyle/>
           <a:p>
-            <a:endParaRPr lang="en-US" altLang="en-US" smtClean="0"/>
+            <a:endParaRPr lang="en-US" altLang="en-US"/>
           </a:p>
         </p:txBody>
       </p:sp>
@@ -3172,7 +3169,7 @@
           <a:bodyPr/>
           <a:lstStyle/>
           <a:p>
-            <a:endParaRPr lang="en-US" altLang="en-US" smtClean="0"/>
+            <a:endParaRPr lang="en-US" altLang="en-US"/>
           </a:p>
         </p:txBody>
       </p:sp>
@@ -3373,7 +3370,7 @@
               </a:pPr>
               <a:t>21</a:t>
             </a:fld>
-            <a:endParaRPr lang="en-US" altLang="en-US" smtClean="0">
+            <a:endParaRPr lang="en-US" altLang="en-US">
               <a:solidFill>
                 <a:prstClr val="black"/>
               </a:solidFill>
@@ -3436,7 +3433,7 @@
           <a:bodyPr/>
           <a:lstStyle/>
           <a:p>
-            <a:endParaRPr lang="en-US" altLang="en-US" smtClean="0"/>
+            <a:endParaRPr lang="en-US" altLang="en-US"/>
           </a:p>
         </p:txBody>
       </p:sp>
@@ -3637,7 +3634,7 @@
               </a:pPr>
               <a:t>22</a:t>
             </a:fld>
-            <a:endParaRPr lang="en-US" altLang="en-US" smtClean="0">
+            <a:endParaRPr lang="en-US" altLang="en-US">
               <a:solidFill>
                 <a:prstClr val="black"/>
               </a:solidFill>
@@ -3700,7 +3697,7 @@
           <a:bodyPr/>
           <a:lstStyle/>
           <a:p>
-            <a:endParaRPr lang="en-US" altLang="en-US" smtClean="0"/>
+            <a:endParaRPr lang="en-US" altLang="en-US"/>
           </a:p>
         </p:txBody>
       </p:sp>
@@ -3938,7 +3935,7 @@
           <a:bodyPr/>
           <a:lstStyle/>
           <a:p>
-            <a:endParaRPr lang="en-US" altLang="en-US" smtClean="0">
+            <a:endParaRPr lang="en-US" altLang="en-US">
               <a:solidFill>
                 <a:schemeClr val="hlink"/>
               </a:solidFill>
@@ -4175,20 +4172,20 @@
           <a:lstStyle/>
           <a:p>
             <a:r>
-              <a:rPr lang="en-US" altLang="en-US" dirty="0" smtClean="0"/>
+              <a:rPr lang="en-US" altLang="en-US" dirty="0"/>
               <a:t>MK 09/09/05: Wiki has dimensionality reduction as feature extraction (PCA) and feature subset selection. It states both wavelet transforms and PCA as forms of data compression. It does not have any pages for "</a:t>
             </a:r>
             <a:r>
-              <a:rPr lang="en-US" altLang="en-US" dirty="0" err="1" smtClean="0"/>
+              <a:rPr lang="en-US" altLang="en-US" dirty="0" err="1"/>
               <a:t>numerosity</a:t>
             </a:r>
             <a:r>
-              <a:rPr lang="en-US" altLang="en-US" dirty="0" smtClean="0"/>
+              <a:rPr lang="en-US" altLang="en-US" dirty="0"/>
               <a:t> reduction". We claim there are many different ways to organize data reduction strategies, which is true, so this presentation below should be OK. Let’s discuss.</a:t>
             </a:r>
           </a:p>
           <a:p>
-            <a:endParaRPr lang="en-US" altLang="en-US" dirty="0" smtClean="0"/>
+            <a:endParaRPr lang="en-US" altLang="en-US" dirty="0"/>
           </a:p>
         </p:txBody>
       </p:sp>
@@ -4420,7 +4417,7 @@
           <a:bodyPr/>
           <a:lstStyle/>
           <a:p>
-            <a:endParaRPr lang="en-US" altLang="en-US" smtClean="0"/>
+            <a:endParaRPr lang="en-US" altLang="en-US"/>
           </a:p>
         </p:txBody>
       </p:sp>
@@ -4656,7 +4653,7 @@
           <a:bodyPr/>
           <a:lstStyle/>
           <a:p>
-            <a:endParaRPr lang="en-US" altLang="en-US" smtClean="0"/>
+            <a:endParaRPr lang="en-US" altLang="en-US"/>
           </a:p>
         </p:txBody>
       </p:sp>
@@ -5243,15 +5240,15 @@
           <a:lstStyle/>
           <a:p>
             <a:r>
-              <a:rPr lang="en-US" altLang="en-US" smtClean="0"/>
+              <a:rPr lang="en-US" altLang="en-US"/>
               <a:t>Removed 09/09/10: V-optimal: with the least </a:t>
             </a:r>
             <a:r>
-              <a:rPr lang="en-US" altLang="en-US" i="1" smtClean="0"/>
+              <a:rPr lang="en-US" altLang="en-US" i="1"/>
               <a:t>histogram variance</a:t>
             </a:r>
             <a:r>
-              <a:rPr lang="en-US" altLang="en-US" smtClean="0"/>
+              <a:rPr lang="en-US" altLang="en-US"/>
               <a:t> (weighted sum of the original values that each bucket represents)</a:t>
             </a:r>
           </a:p>
@@ -5485,7 +5482,7 @@
           <a:bodyPr/>
           <a:lstStyle/>
           <a:p>
-            <a:endParaRPr lang="en-US" altLang="en-US" smtClean="0"/>
+            <a:endParaRPr lang="en-US" altLang="en-US"/>
           </a:p>
         </p:txBody>
       </p:sp>
@@ -5721,7 +5718,7 @@
           <a:bodyPr lIns="93488" tIns="46744" rIns="93488" bIns="46744"/>
           <a:lstStyle/>
           <a:p>
-            <a:endParaRPr lang="en-US" altLang="en-US" smtClean="0"/>
+            <a:endParaRPr lang="en-US" altLang="en-US"/>
           </a:p>
         </p:txBody>
       </p:sp>
@@ -5953,7 +5950,7 @@
           <a:bodyPr/>
           <a:lstStyle/>
           <a:p>
-            <a:endParaRPr lang="en-US" altLang="en-US" smtClean="0"/>
+            <a:endParaRPr lang="en-US" altLang="en-US"/>
           </a:p>
         </p:txBody>
       </p:sp>
@@ -6185,7 +6182,7 @@
           <a:bodyPr/>
           <a:lstStyle/>
           <a:p>
-            <a:endParaRPr lang="en-US" altLang="en-US" smtClean="0"/>
+            <a:endParaRPr lang="en-US" altLang="en-US"/>
           </a:p>
         </p:txBody>
       </p:sp>
@@ -6425,7 +6422,7 @@
           <a:bodyPr/>
           <a:lstStyle/>
           <a:p>
-            <a:endParaRPr lang="en-US" altLang="en-US" smtClean="0"/>
+            <a:endParaRPr lang="en-US" altLang="en-US"/>
           </a:p>
         </p:txBody>
       </p:sp>
@@ -6666,12 +6663,12 @@
           <a:lstStyle/>
           <a:p>
             <a:r>
-              <a:rPr lang="en-US" altLang="en-US" smtClean="0"/>
+              <a:rPr lang="en-US" altLang="en-US"/>
               <a:t>PCA and Wavelet are forms of data compression also.</a:t>
             </a:r>
           </a:p>
           <a:p>
-            <a:endParaRPr lang="en-US" altLang="en-US" smtClean="0"/>
+            <a:endParaRPr lang="en-US" altLang="en-US"/>
           </a:p>
         </p:txBody>
       </p:sp>
@@ -6919,7 +6916,7 @@
           <a:bodyPr lIns="90748" tIns="45373" rIns="90748" bIns="45373"/>
           <a:lstStyle/>
           <a:p>
-            <a:endParaRPr lang="en-US" altLang="en-US" smtClean="0"/>
+            <a:endParaRPr lang="en-US" altLang="en-US"/>
           </a:p>
         </p:txBody>
       </p:sp>
@@ -7159,7 +7156,7 @@
           <a:bodyPr/>
           <a:lstStyle/>
           <a:p>
-            <a:endParaRPr lang="en-US" altLang="en-US" smtClean="0"/>
+            <a:endParaRPr lang="en-US" altLang="en-US"/>
           </a:p>
         </p:txBody>
       </p:sp>
@@ -7403,7 +7400,7 @@
           <a:bodyPr lIns="92813" tIns="46406" rIns="92813" bIns="46406"/>
           <a:lstStyle/>
           <a:p>
-            <a:endParaRPr lang="en-US" altLang="en-US" smtClean="0"/>
+            <a:endParaRPr lang="en-US" altLang="en-US"/>
           </a:p>
         </p:txBody>
       </p:sp>
@@ -7647,7 +7644,7 @@
           <a:bodyPr/>
           <a:lstStyle/>
           <a:p>
-            <a:endParaRPr lang="en-US" altLang="en-US" smtClean="0"/>
+            <a:endParaRPr lang="en-US" altLang="en-US"/>
           </a:p>
         </p:txBody>
       </p:sp>
@@ -7883,7 +7880,7 @@
           <a:bodyPr/>
           <a:lstStyle/>
           <a:p>
-            <a:endParaRPr lang="en-US" altLang="en-US" smtClean="0"/>
+            <a:endParaRPr lang="en-US" altLang="en-US"/>
           </a:p>
         </p:txBody>
       </p:sp>
@@ -8120,7 +8117,7 @@
           <a:lstStyle/>
           <a:p>
             <a:r>
-              <a:rPr lang="en-US" altLang="en-US" smtClean="0"/>
+              <a:rPr lang="en-US" altLang="en-US"/>
               <a:t>08.09.12 MK: Slide moved here from Ch. 3.  Added examples.</a:t>
             </a:r>
           </a:p>
@@ -8360,7 +8357,7 @@
           <a:bodyPr/>
           <a:lstStyle/>
           <a:p>
-            <a:endParaRPr lang="en-US" altLang="en-US" smtClean="0">
+            <a:endParaRPr lang="en-US" altLang="en-US">
               <a:solidFill>
                 <a:schemeClr val="hlink"/>
               </a:solidFill>
@@ -8608,7 +8605,7 @@
           <a:bodyPr/>
           <a:lstStyle/>
           <a:p>
-            <a:endParaRPr lang="en-US" altLang="en-US" smtClean="0"/>
+            <a:endParaRPr lang="en-US" altLang="en-US"/>
           </a:p>
         </p:txBody>
       </p:sp>
@@ -8844,7 +8841,7 @@
           <a:bodyPr/>
           <a:lstStyle/>
           <a:p>
-            <a:endParaRPr lang="en-US" altLang="en-US" smtClean="0"/>
+            <a:endParaRPr lang="en-US" altLang="en-US"/>
           </a:p>
         </p:txBody>
       </p:sp>
@@ -9080,7 +9077,7 @@
           <a:bodyPr/>
           <a:lstStyle/>
           <a:p>
-            <a:endParaRPr lang="en-US" altLang="en-US" smtClean="0"/>
+            <a:endParaRPr lang="en-US" altLang="en-US"/>
           </a:p>
         </p:txBody>
       </p:sp>
@@ -9328,7 +9325,7 @@
           <a:bodyPr lIns="90748" tIns="45373" rIns="90748" bIns="45373"/>
           <a:lstStyle/>
           <a:p>
-            <a:endParaRPr lang="en-US" altLang="en-US" smtClean="0"/>
+            <a:endParaRPr lang="en-US" altLang="en-US"/>
           </a:p>
         </p:txBody>
       </p:sp>
@@ -9576,7 +9573,7 @@
           <a:bodyPr lIns="90748" tIns="45373" rIns="90748" bIns="45373"/>
           <a:lstStyle/>
           <a:p>
-            <a:endParaRPr lang="en-US" altLang="en-US" smtClean="0"/>
+            <a:endParaRPr lang="en-US" altLang="en-US"/>
           </a:p>
         </p:txBody>
       </p:sp>
@@ -9814,7 +9811,7 @@
           <a:bodyPr/>
           <a:lstStyle/>
           <a:p>
-            <a:endParaRPr lang="en-US" altLang="en-US" smtClean="0">
+            <a:endParaRPr lang="en-US" altLang="en-US">
               <a:solidFill>
                 <a:schemeClr val="hlink"/>
               </a:solidFill>
@@ -10059,7 +10056,7 @@
           <a:lstStyle/>
           <a:p>
             <a:r>
-              <a:rPr lang="en-US" altLang="en-US" b="1" smtClean="0"/>
+              <a:rPr lang="en-US" altLang="en-US" b="1"/>
               <a:t>JH: put SVD at clustering high-D reduction.</a:t>
             </a:r>
           </a:p>
@@ -10302,7 +10299,7 @@
           <a:lstStyle/>
           <a:p>
             <a:r>
-              <a:rPr lang="en-US" altLang="en-US" b="1" smtClean="0"/>
+              <a:rPr lang="en-US" altLang="en-US" b="1"/>
               <a:t>JH: put SVD at clustering high-D reduction.</a:t>
             </a:r>
           </a:p>
@@ -10536,7 +10533,7 @@
           <a:bodyPr/>
           <a:lstStyle/>
           <a:p>
-            <a:endParaRPr lang="en-US" altLang="en-US" smtClean="0"/>
+            <a:endParaRPr lang="en-US" altLang="en-US"/>
           </a:p>
         </p:txBody>
       </p:sp>
@@ -10768,7 +10765,7 @@
           <a:bodyPr/>
           <a:lstStyle/>
           <a:p>
-            <a:endParaRPr lang="en-US" altLang="en-US" smtClean="0"/>
+            <a:endParaRPr lang="en-US" altLang="en-US"/>
           </a:p>
         </p:txBody>
       </p:sp>
@@ -11004,7 +11001,7 @@
           <a:bodyPr/>
           <a:lstStyle/>
           <a:p>
-            <a:endParaRPr lang="en-US" altLang="en-US" smtClean="0"/>
+            <a:endParaRPr lang="en-US" altLang="en-US"/>
           </a:p>
         </p:txBody>
       </p:sp>
@@ -11244,7 +11241,7 @@
           <a:bodyPr lIns="90748" tIns="45373" rIns="90748" bIns="45373"/>
           <a:lstStyle/>
           <a:p>
-            <a:endParaRPr lang="en-US" altLang="en-US" smtClean="0"/>
+            <a:endParaRPr lang="en-US" altLang="en-US"/>
           </a:p>
         </p:txBody>
       </p:sp>
@@ -11476,7 +11473,7 @@
           <a:bodyPr/>
           <a:lstStyle/>
           <a:p>
-            <a:endParaRPr lang="en-US" altLang="en-US" smtClean="0"/>
+            <a:endParaRPr lang="en-US" altLang="en-US"/>
           </a:p>
         </p:txBody>
       </p:sp>
@@ -11724,7 +11721,7 @@
           <a:bodyPr/>
           <a:lstStyle/>
           <a:p>
-            <a:endParaRPr lang="en-US" altLang="en-US" smtClean="0"/>
+            <a:endParaRPr lang="en-US" altLang="en-US"/>
           </a:p>
         </p:txBody>
       </p:sp>
@@ -11956,7 +11953,7 @@
           <a:bodyPr/>
           <a:lstStyle/>
           <a:p>
-            <a:endParaRPr lang="en-US" altLang="en-US" smtClean="0"/>
+            <a:endParaRPr lang="en-US" altLang="en-US"/>
           </a:p>
         </p:txBody>
       </p:sp>
@@ -12189,7 +12186,7 @@
           <a:lstStyle/>
           <a:p>
             <a:r>
-              <a:rPr lang="en-US" altLang="en-US" dirty="0" smtClean="0"/>
+              <a:rPr lang="en-US" altLang="en-US" dirty="0"/>
               <a:t>MK 08.11.02: This needs to be updated to reflect changes.</a:t>
             </a:r>
           </a:p>
@@ -12427,7 +12424,7 @@
           <a:bodyPr/>
           <a:lstStyle/>
           <a:p>
-            <a:endParaRPr lang="en-US" altLang="en-US" smtClean="0"/>
+            <a:endParaRPr lang="en-US" altLang="en-US"/>
           </a:p>
         </p:txBody>
       </p:sp>
@@ -12663,7 +12660,7 @@
           <a:bodyPr/>
           <a:lstStyle/>
           <a:p>
-            <a:endParaRPr lang="en-US" altLang="en-US" smtClean="0"/>
+            <a:endParaRPr lang="en-US" altLang="en-US"/>
           </a:p>
         </p:txBody>
       </p:sp>
@@ -12907,7 +12904,7 @@
           <a:bodyPr/>
           <a:lstStyle/>
           <a:p>
-            <a:endParaRPr lang="en-US" altLang="en-US" smtClean="0"/>
+            <a:endParaRPr lang="en-US" altLang="en-US"/>
           </a:p>
         </p:txBody>
       </p:sp>
@@ -13144,7 +13141,7 @@
           <a:lstStyle/>
           <a:p>
             <a:r>
-              <a:rPr lang="en-US" altLang="en-US" smtClean="0"/>
+              <a:rPr lang="en-US" altLang="en-US"/>
               <a:t>Enrich using data integration research!!</a:t>
             </a:r>
           </a:p>
@@ -13214,10 +13211,9 @@
           </a:lstStyle>
           <a:p>
             <a:r>
-              <a:rPr lang="en-US" dirty="0" smtClean="0"/>
+              <a:rPr lang="en-US" dirty="0"/>
               <a:t>Click to edit Master title style</a:t>
             </a:r>
-            <a:endParaRPr lang="en-US" dirty="0"/>
           </a:p>
         </p:txBody>
       </p:sp>
@@ -13286,10 +13282,9 @@
           </a:lstStyle>
           <a:p>
             <a:r>
-              <a:rPr lang="en-US" dirty="0" smtClean="0"/>
+              <a:rPr lang="en-US" dirty="0"/>
               <a:t>Click to edit master subtitle style</a:t>
             </a:r>
-            <a:endParaRPr lang="en-US" dirty="0"/>
           </a:p>
         </p:txBody>
       </p:sp>
@@ -13358,13 +13353,6 @@
   <p:clrMapOvr>
     <a:masterClrMapping/>
   </p:clrMapOvr>
-  <p:timing>
-    <p:tnLst>
-      <p:par>
-        <p:cTn id="1" dur="indefinite" restart="never" nodeType="tmRoot"/>
-      </p:par>
-    </p:tnLst>
-  </p:timing>
 </p:sldLayout>
 </file>
 
@@ -13410,10 +13398,9 @@
           </a:lstStyle>
           <a:p>
             <a:r>
-              <a:rPr lang="en-US" dirty="0" smtClean="0"/>
+              <a:rPr lang="en-US" dirty="0"/>
               <a:t>Click to edit Master title style</a:t>
             </a:r>
-            <a:endParaRPr lang="en-US" dirty="0"/>
           </a:p>
         </p:txBody>
       </p:sp>
@@ -13455,38 +13442,37 @@
           <a:p>
             <a:pPr lvl="0"/>
             <a:r>
-              <a:rPr lang="en-US" dirty="0" smtClean="0"/>
+              <a:rPr lang="en-US" dirty="0"/>
               <a:t>Click to edit Master text styles</a:t>
             </a:r>
           </a:p>
           <a:p>
             <a:pPr lvl="1"/>
             <a:r>
-              <a:rPr lang="en-US" dirty="0" smtClean="0"/>
+              <a:rPr lang="en-US" dirty="0"/>
               <a:t>Second level</a:t>
             </a:r>
           </a:p>
           <a:p>
             <a:pPr lvl="2"/>
             <a:r>
-              <a:rPr lang="en-US" dirty="0" smtClean="0"/>
+              <a:rPr lang="en-US" dirty="0"/>
               <a:t> Third level</a:t>
             </a:r>
           </a:p>
           <a:p>
             <a:pPr lvl="3"/>
             <a:r>
-              <a:rPr lang="en-US" dirty="0" smtClean="0"/>
+              <a:rPr lang="en-US" dirty="0"/>
               <a:t> Fourth level</a:t>
             </a:r>
           </a:p>
           <a:p>
             <a:pPr lvl="4"/>
             <a:r>
-              <a:rPr lang="en-US" dirty="0" smtClean="0"/>
+              <a:rPr lang="en-US" dirty="0"/>
               <a:t> Fifth level</a:t>
             </a:r>
-            <a:endParaRPr lang="en-US" dirty="0"/>
           </a:p>
         </p:txBody>
       </p:sp>
@@ -13495,13 +13481,6 @@
   <p:clrMapOvr>
     <a:masterClrMapping/>
   </p:clrMapOvr>
-  <p:timing>
-    <p:tnLst>
-      <p:par>
-        <p:cTn id="1" dur="indefinite" restart="never" nodeType="tmRoot"/>
-      </p:par>
-    </p:tnLst>
-  </p:timing>
 </p:sldLayout>
 </file>
 
@@ -13571,10 +13550,9 @@
           <a:lstStyle/>
           <a:p>
             <a:r>
-              <a:rPr lang="en-US" smtClean="0"/>
+              <a:rPr lang="en-US"/>
               <a:t>Click to edit Master title style</a:t>
             </a:r>
-            <a:endParaRPr lang="en-US"/>
           </a:p>
         </p:txBody>
       </p:sp>
@@ -13628,38 +13606,37 @@
           <a:p>
             <a:pPr lvl="0"/>
             <a:r>
-              <a:rPr lang="en-US" smtClean="0"/>
+              <a:rPr lang="en-US"/>
               <a:t>Click to edit Master text styles</a:t>
             </a:r>
           </a:p>
           <a:p>
             <a:pPr lvl="1"/>
             <a:r>
-              <a:rPr lang="en-US" smtClean="0"/>
+              <a:rPr lang="en-US"/>
               <a:t>Second level</a:t>
             </a:r>
           </a:p>
           <a:p>
             <a:pPr lvl="2"/>
             <a:r>
-              <a:rPr lang="en-US" smtClean="0"/>
+              <a:rPr lang="en-US"/>
               <a:t>Third level</a:t>
             </a:r>
           </a:p>
           <a:p>
             <a:pPr lvl="3"/>
             <a:r>
-              <a:rPr lang="en-US" smtClean="0"/>
+              <a:rPr lang="en-US"/>
               <a:t>Fourth level</a:t>
             </a:r>
           </a:p>
           <a:p>
             <a:pPr lvl="4"/>
             <a:r>
-              <a:rPr lang="en-US" smtClean="0"/>
+              <a:rPr lang="en-US"/>
               <a:t>Fifth level</a:t>
             </a:r>
-            <a:endParaRPr lang="en-US"/>
           </a:p>
         </p:txBody>
       </p:sp>
@@ -13713,38 +13690,37 @@
           <a:p>
             <a:pPr lvl="0"/>
             <a:r>
-              <a:rPr lang="en-US" smtClean="0"/>
+              <a:rPr lang="en-US"/>
               <a:t>Click to edit Master text styles</a:t>
             </a:r>
           </a:p>
           <a:p>
             <a:pPr lvl="1"/>
             <a:r>
-              <a:rPr lang="en-US" smtClean="0"/>
+              <a:rPr lang="en-US"/>
               <a:t>Second level</a:t>
             </a:r>
           </a:p>
           <a:p>
             <a:pPr lvl="2"/>
             <a:r>
-              <a:rPr lang="en-US" smtClean="0"/>
+              <a:rPr lang="en-US"/>
               <a:t>Third level</a:t>
             </a:r>
           </a:p>
           <a:p>
             <a:pPr lvl="3"/>
             <a:r>
-              <a:rPr lang="en-US" smtClean="0"/>
+              <a:rPr lang="en-US"/>
               <a:t>Fourth level</a:t>
             </a:r>
           </a:p>
           <a:p>
             <a:pPr lvl="4"/>
             <a:r>
-              <a:rPr lang="en-US" smtClean="0"/>
+              <a:rPr lang="en-US"/>
               <a:t>Fifth level</a:t>
             </a:r>
-            <a:endParaRPr lang="en-US"/>
           </a:p>
         </p:txBody>
       </p:sp>
@@ -13784,7 +13760,7 @@
               <a:pPr>
                 <a:defRPr/>
               </a:pPr>
-              <a:t>9/27/2023</a:t>
+              <a:t>9/29/2024</a:t>
             </a:fld>
             <a:endParaRPr lang="en-US"/>
           </a:p>
@@ -13919,10 +13895,9 @@
           <a:lstStyle/>
           <a:p>
             <a:r>
-              <a:rPr lang="en-US" smtClean="0"/>
+              <a:rPr lang="en-US"/>
               <a:t>Click to edit Master title style</a:t>
             </a:r>
-            <a:endParaRPr lang="en-US"/>
           </a:p>
         </p:txBody>
       </p:sp>
@@ -13948,38 +13923,37 @@
           <a:p>
             <a:pPr lvl="0"/>
             <a:r>
-              <a:rPr lang="en-US" smtClean="0"/>
+              <a:rPr lang="en-US"/>
               <a:t>Click to edit Master text styles</a:t>
             </a:r>
           </a:p>
           <a:p>
             <a:pPr lvl="1"/>
             <a:r>
-              <a:rPr lang="en-US" smtClean="0"/>
+              <a:rPr lang="en-US"/>
               <a:t>Second level</a:t>
             </a:r>
           </a:p>
           <a:p>
             <a:pPr lvl="2"/>
             <a:r>
-              <a:rPr lang="en-US" smtClean="0"/>
+              <a:rPr lang="en-US"/>
               <a:t>Third level</a:t>
             </a:r>
           </a:p>
           <a:p>
             <a:pPr lvl="3"/>
             <a:r>
-              <a:rPr lang="en-US" smtClean="0"/>
+              <a:rPr lang="en-US"/>
               <a:t>Fourth level</a:t>
             </a:r>
           </a:p>
           <a:p>
             <a:pPr lvl="4"/>
             <a:r>
-              <a:rPr lang="en-US" smtClean="0"/>
+              <a:rPr lang="en-US"/>
               <a:t>Fifth level</a:t>
             </a:r>
-            <a:endParaRPr lang="en-US"/>
           </a:p>
         </p:txBody>
       </p:sp>
@@ -14005,38 +13979,37 @@
           <a:p>
             <a:pPr lvl="0"/>
             <a:r>
-              <a:rPr lang="en-US" smtClean="0"/>
+              <a:rPr lang="en-US"/>
               <a:t>Click to edit Master text styles</a:t>
             </a:r>
           </a:p>
           <a:p>
             <a:pPr lvl="1"/>
             <a:r>
-              <a:rPr lang="en-US" smtClean="0"/>
+              <a:rPr lang="en-US"/>
               <a:t>Second level</a:t>
             </a:r>
           </a:p>
           <a:p>
             <a:pPr lvl="2"/>
             <a:r>
-              <a:rPr lang="en-US" smtClean="0"/>
+              <a:rPr lang="en-US"/>
               <a:t>Third level</a:t>
             </a:r>
           </a:p>
           <a:p>
             <a:pPr lvl="3"/>
             <a:r>
-              <a:rPr lang="en-US" smtClean="0"/>
+              <a:rPr lang="en-US"/>
               <a:t>Fourth level</a:t>
             </a:r>
           </a:p>
           <a:p>
             <a:pPr lvl="4"/>
             <a:r>
-              <a:rPr lang="en-US" smtClean="0"/>
+              <a:rPr lang="en-US"/>
               <a:t>Fifth level</a:t>
             </a:r>
-            <a:endParaRPr lang="en-US"/>
           </a:p>
         </p:txBody>
       </p:sp>
@@ -14062,38 +14035,37 @@
           <a:p>
             <a:pPr lvl="0"/>
             <a:r>
-              <a:rPr lang="en-US" smtClean="0"/>
+              <a:rPr lang="en-US"/>
               <a:t>Click to edit Master text styles</a:t>
             </a:r>
           </a:p>
           <a:p>
             <a:pPr lvl="1"/>
             <a:r>
-              <a:rPr lang="en-US" smtClean="0"/>
+              <a:rPr lang="en-US"/>
               <a:t>Second level</a:t>
             </a:r>
           </a:p>
           <a:p>
             <a:pPr lvl="2"/>
             <a:r>
-              <a:rPr lang="en-US" smtClean="0"/>
+              <a:rPr lang="en-US"/>
               <a:t>Third level</a:t>
             </a:r>
           </a:p>
           <a:p>
             <a:pPr lvl="3"/>
             <a:r>
-              <a:rPr lang="en-US" smtClean="0"/>
+              <a:rPr lang="en-US"/>
               <a:t>Fourth level</a:t>
             </a:r>
           </a:p>
           <a:p>
             <a:pPr lvl="4"/>
             <a:r>
-              <a:rPr lang="en-US" smtClean="0"/>
+              <a:rPr lang="en-US"/>
               <a:t>Fifth level</a:t>
             </a:r>
-            <a:endParaRPr lang="en-US"/>
           </a:p>
         </p:txBody>
       </p:sp>
@@ -14133,7 +14105,7 @@
               <a:pPr>
                 <a:defRPr/>
               </a:pPr>
-              <a:t>9/27/2023</a:t>
+              <a:t>9/29/2024</a:t>
             </a:fld>
             <a:endParaRPr lang="en-US"/>
           </a:p>
@@ -14278,10 +14250,9 @@
           <a:lstStyle/>
           <a:p>
             <a:r>
-              <a:rPr lang="en-US" dirty="0" smtClean="0"/>
+              <a:rPr lang="en-US" dirty="0"/>
               <a:t>Click to edit Master title style</a:t>
             </a:r>
-            <a:endParaRPr lang="en-US" dirty="0"/>
           </a:p>
         </p:txBody>
       </p:sp>
@@ -14312,38 +14283,37 @@
           <a:p>
             <a:pPr lvl="0"/>
             <a:r>
-              <a:rPr lang="en-US" dirty="0" smtClean="0"/>
+              <a:rPr lang="en-US" dirty="0"/>
               <a:t> Click to edit Master text styles</a:t>
             </a:r>
           </a:p>
           <a:p>
             <a:pPr lvl="1"/>
             <a:r>
-              <a:rPr lang="en-US" dirty="0" smtClean="0"/>
+              <a:rPr lang="en-US" dirty="0"/>
               <a:t> Second level</a:t>
             </a:r>
           </a:p>
           <a:p>
             <a:pPr lvl="2"/>
             <a:r>
-              <a:rPr lang="en-US" dirty="0" smtClean="0"/>
+              <a:rPr lang="en-US" dirty="0"/>
               <a:t> Third level</a:t>
             </a:r>
           </a:p>
           <a:p>
             <a:pPr lvl="3"/>
             <a:r>
-              <a:rPr lang="en-US" dirty="0" smtClean="0"/>
+              <a:rPr lang="en-US" dirty="0"/>
               <a:t> Fourth level</a:t>
             </a:r>
           </a:p>
           <a:p>
             <a:pPr lvl="4"/>
             <a:r>
-              <a:rPr lang="en-US" dirty="0" smtClean="0"/>
+              <a:rPr lang="en-US" dirty="0"/>
               <a:t> Fifth level</a:t>
             </a:r>
-            <a:endParaRPr lang="en-US" dirty="0"/>
           </a:p>
         </p:txBody>
       </p:sp>
@@ -14519,13 +14489,6 @@
     <p:sldLayoutId id="2147483679" r:id="rId4"/>
     <p:sldLayoutId id="2147483680" r:id="rId5"/>
   </p:sldLayoutIdLst>
-  <p:timing>
-    <p:tnLst>
-      <p:par>
-        <p:cTn id="1" dur="indefinite" restart="never" nodeType="tmRoot"/>
-      </p:par>
-    </p:tnLst>
-  </p:timing>
   <p:hf hdr="0" ftr="0" dt="0"/>
   <p:txStyles>
     <p:titleStyle>
@@ -14928,12 +14891,8 @@
           <a:lstStyle/>
           <a:p>
             <a:r>
-              <a:rPr lang="en-US" altLang="zh-TW" dirty="0" smtClean="0"/>
-              <a:t>Data Mining: Concepts and </a:t>
-            </a:r>
-            <a:r>
               <a:rPr lang="en-US" altLang="zh-TW" dirty="0"/>
-              <a:t>Principles</a:t>
+              <a:t>Data Mining: Concepts and Principles</a:t>
             </a:r>
             <a:br>
               <a:rPr lang="en-US" altLang="zh-TW" dirty="0"/>
@@ -14966,23 +14925,15 @@
           <a:lstStyle/>
           <a:p>
             <a:r>
-              <a:rPr lang="en-US" altLang="zh-TW" dirty="0" smtClean="0"/>
-              <a:t>Slightly </a:t>
-            </a:r>
-            <a:r>
-              <a:rPr lang="en-US" altLang="zh-TW" dirty="0" smtClean="0"/>
-              <a:t>modified </a:t>
-            </a:r>
-            <a:r>
-              <a:rPr lang="en-US" altLang="zh-TW" dirty="0" smtClean="0"/>
-              <a:t>from the slides by Prof. </a:t>
-            </a:r>
-            <a:r>
-              <a:rPr lang="en-US" altLang="zh-TW" dirty="0" err="1" smtClean="0"/>
+              <a:rPr lang="en-US" altLang="zh-TW" dirty="0"/>
+              <a:t>Slightly modified from the slides by Prof. </a:t>
+            </a:r>
+            <a:r>
+              <a:rPr lang="en-US" altLang="zh-TW" dirty="0" err="1"/>
               <a:t>Jiawei</a:t>
             </a:r>
             <a:r>
-              <a:rPr lang="en-US" altLang="zh-TW" dirty="0" smtClean="0"/>
+              <a:rPr lang="en-US" altLang="zh-TW" dirty="0"/>
               <a:t> Han, UIUC CS412 Course (Introduction to Data Mining)</a:t>
             </a:r>
           </a:p>
@@ -15001,14 +14952,6 @@
   <p:clrMapOvr>
     <a:masterClrMapping/>
   </p:clrMapOvr>
-  <mc:AlternateContent xmlns:mc="http://schemas.openxmlformats.org/markup-compatibility/2006" xmlns:p14="http://schemas.microsoft.com/office/powerpoint/2010/main">
-    <mc:Choice Requires="p14">
-      <p:transition spd="slow" p14:dur="2000"/>
-    </mc:Choice>
-    <mc:Fallback xmlns="">
-      <p:transition spd="slow"/>
-    </mc:Fallback>
-  </mc:AlternateContent>
 </p:sld>
 </file>
 
@@ -15053,7 +14996,7 @@
           <a:p>
             <a:pPr eaLnBrk="1" hangingPunct="1"/>
             <a:r>
-              <a:rPr lang="en-US" altLang="en-US" dirty="0" smtClean="0"/>
+              <a:rPr lang="en-US" altLang="en-US" dirty="0"/>
               <a:t>How to Handle Noisy Data?</a:t>
             </a:r>
           </a:p>
@@ -15088,23 +15031,15 @@
           <a:p>
             <a:pPr lvl="1" eaLnBrk="1" hangingPunct="1"/>
             <a:r>
-              <a:rPr lang="en-US" altLang="en-US" sz="2400" dirty="0" smtClean="0"/>
-              <a:t>First </a:t>
-            </a:r>
-            <a:r>
               <a:rPr lang="en-US" altLang="en-US" sz="2400" dirty="0"/>
-              <a:t>sort data and partition into (equal-frequency) bins</a:t>
+              <a:t>First sort data and partition into (equal-frequency) bins</a:t>
             </a:r>
           </a:p>
           <a:p>
             <a:pPr lvl="1" eaLnBrk="1" hangingPunct="1"/>
             <a:r>
-              <a:rPr lang="en-US" altLang="en-US" sz="2400" dirty="0" smtClean="0"/>
-              <a:t>Then </a:t>
-            </a:r>
-            <a:r>
               <a:rPr lang="en-US" altLang="en-US" sz="2400" dirty="0"/>
-              <a:t>one can </a:t>
+              <a:t>Then one can </a:t>
             </a:r>
             <a:r>
               <a:rPr lang="en-US" altLang="en-US" sz="2400" b="1" dirty="0"/>
@@ -15125,12 +15060,8 @@
           <a:p>
             <a:pPr lvl="1" eaLnBrk="1" hangingPunct="1"/>
             <a:r>
-              <a:rPr lang="en-US" altLang="en-US" sz="2400" dirty="0" smtClean="0"/>
-              <a:t>Smooth </a:t>
-            </a:r>
-            <a:r>
               <a:rPr lang="en-US" altLang="en-US" sz="2400" dirty="0"/>
-              <a:t>by fitting the data into regression functions</a:t>
+              <a:t>Smooth by fitting the data into regression functions</a:t>
             </a:r>
           </a:p>
           <a:p>
@@ -15143,34 +15074,22 @@
           <a:p>
             <a:pPr lvl="1" eaLnBrk="1" hangingPunct="1"/>
             <a:r>
-              <a:rPr lang="en-US" altLang="en-US" sz="2400" dirty="0" smtClean="0"/>
-              <a:t>Detect </a:t>
-            </a:r>
-            <a:r>
               <a:rPr lang="en-US" altLang="en-US" sz="2400" dirty="0"/>
-              <a:t>and remove outliers</a:t>
+              <a:t>Detect and remove outliers</a:t>
             </a:r>
           </a:p>
           <a:p>
             <a:pPr eaLnBrk="1" hangingPunct="1"/>
             <a:r>
-              <a:rPr lang="en-US" altLang="en-US" sz="2400" dirty="0" smtClean="0"/>
-              <a:t>Semi-supervised: Combined </a:t>
-            </a:r>
-            <a:r>
               <a:rPr lang="en-US" altLang="en-US" sz="2400" dirty="0"/>
-              <a:t>computer and human inspection</a:t>
+              <a:t>Semi-supervised: Combined computer and human inspection</a:t>
             </a:r>
           </a:p>
           <a:p>
             <a:pPr lvl="1" eaLnBrk="1" hangingPunct="1"/>
             <a:r>
-              <a:rPr lang="en-US" altLang="en-US" sz="2400" dirty="0" smtClean="0"/>
-              <a:t>Detect </a:t>
-            </a:r>
-            <a:r>
               <a:rPr lang="en-US" altLang="en-US" sz="2400" dirty="0"/>
-              <a:t>suspicious values and check by human (e.g., deal with possible outliers)</a:t>
+              <a:t>Detect suspicious values and check by human (e.g., deal with possible outliers)</a:t>
             </a:r>
           </a:p>
         </p:txBody>
@@ -15185,21 +15104,6 @@
   <p:clrMapOvr>
     <a:masterClrMapping/>
   </p:clrMapOvr>
-  <mc:AlternateContent xmlns:mc="http://schemas.openxmlformats.org/markup-compatibility/2006" xmlns:p14="http://schemas.microsoft.com/office/powerpoint/2010/main">
-    <mc:Choice Requires="p14">
-      <p:transition spd="slow" p14:dur="2000"/>
-    </mc:Choice>
-    <mc:Fallback xmlns="">
-      <p:transition spd="slow"/>
-    </mc:Fallback>
-  </mc:AlternateContent>
-  <p:timing>
-    <p:tnLst>
-      <p:par>
-        <p:cTn id="1" dur="indefinite" restart="never" nodeType="tmRoot"/>
-      </p:par>
-    </p:tnLst>
-  </p:timing>
 </p:sld>
 </file>
 
@@ -15244,7 +15148,7 @@
           <a:p>
             <a:pPr eaLnBrk="1" hangingPunct="1"/>
             <a:r>
-              <a:rPr lang="en-US" altLang="en-US" dirty="0" smtClean="0"/>
+              <a:rPr lang="en-US" altLang="en-US" dirty="0"/>
               <a:t>Data Cleaning as a Process</a:t>
             </a:r>
           </a:p>
@@ -15413,21 +15317,6 @@
   <p:clrMapOvr>
     <a:masterClrMapping/>
   </p:clrMapOvr>
-  <mc:AlternateContent xmlns:mc="http://schemas.openxmlformats.org/markup-compatibility/2006" xmlns:p14="http://schemas.microsoft.com/office/powerpoint/2010/main">
-    <mc:Choice Requires="p14">
-      <p:transition spd="slow" p14:dur="2000"/>
-    </mc:Choice>
-    <mc:Fallback xmlns="">
-      <p:transition spd="slow"/>
-    </mc:Fallback>
-  </mc:AlternateContent>
-  <p:timing>
-    <p:tnLst>
-      <p:par>
-        <p:cTn id="1" dur="indefinite" restart="never" nodeType="tmRoot"/>
-      </p:par>
-    </p:tnLst>
-  </p:timing>
 </p:sld>
 </file>
 
@@ -15517,16 +15406,10 @@
               </a:lnSpc>
             </a:pPr>
             <a:r>
-              <a:rPr lang="en-US" altLang="en-US" dirty="0" smtClean="0">
-                <a:latin typeface="Calibri" panose="020F0502020204030204" pitchFamily="34" charset="0"/>
-              </a:rPr>
-              <a:t>Data </a:t>
-            </a:r>
-            <a:r>
               <a:rPr lang="en-US" altLang="en-US" dirty="0">
                 <a:latin typeface="Calibri" panose="020F0502020204030204" pitchFamily="34" charset="0"/>
               </a:rPr>
-              <a:t>Cleaning</a:t>
+              <a:t>Data Cleaning</a:t>
             </a:r>
           </a:p>
           <a:p>
@@ -15552,17 +15435,8 @@
               <a:rPr lang="en-US" altLang="en-US" dirty="0">
                 <a:latin typeface="Calibri" panose="020F0502020204030204" pitchFamily="34" charset="0"/>
               </a:rPr>
-              <a:t>Data Reduction and </a:t>
-            </a:r>
-            <a:r>
-              <a:rPr lang="en-US" altLang="en-US" dirty="0" smtClean="0">
-                <a:latin typeface="Calibri" panose="020F0502020204030204" pitchFamily="34" charset="0"/>
-              </a:rPr>
-              <a:t>Transformation </a:t>
-            </a:r>
-            <a:endParaRPr lang="en-US" altLang="en-US" dirty="0">
-              <a:latin typeface="Calibri" panose="020F0502020204030204" pitchFamily="34" charset="0"/>
-            </a:endParaRPr>
+              <a:t>Data Reduction and Transformation </a:t>
+            </a:r>
           </a:p>
           <a:p>
             <a:pPr>
@@ -15571,20 +15445,11 @@
               </a:lnSpc>
             </a:pPr>
             <a:r>
-              <a:rPr lang="en-US" altLang="en-US" dirty="0" smtClean="0">
-                <a:latin typeface="Calibri" panose="020F0502020204030204" pitchFamily="34" charset="0"/>
-              </a:rPr>
-              <a:t>Dimensionality </a:t>
-            </a:r>
-            <a:r>
               <a:rPr lang="en-US" altLang="en-US" dirty="0">
                 <a:latin typeface="Calibri" panose="020F0502020204030204" pitchFamily="34" charset="0"/>
               </a:rPr>
-              <a:t>Reduction </a:t>
-            </a:r>
-            <a:endParaRPr lang="en-US" altLang="en-US" dirty="0" smtClean="0">
-              <a:latin typeface="Calibri" panose="020F0502020204030204" pitchFamily="34" charset="0"/>
-            </a:endParaRPr>
+              <a:t>Dimensionality Reduction </a:t>
+            </a:r>
           </a:p>
           <a:p>
             <a:pPr>
@@ -15593,14 +15458,11 @@
               </a:lnSpc>
             </a:pPr>
             <a:r>
-              <a:rPr lang="en-US" altLang="en-US" dirty="0" smtClean="0">
+              <a:rPr lang="en-US" altLang="en-US" dirty="0">
                 <a:latin typeface="Calibri" panose="020F0502020204030204" pitchFamily="34" charset="0"/>
               </a:rPr>
               <a:t>Summary</a:t>
             </a:r>
-            <a:endParaRPr lang="en-US" altLang="en-US" dirty="0">
-              <a:latin typeface="Calibri" panose="020F0502020204030204" pitchFamily="34" charset="0"/>
-            </a:endParaRPr>
           </a:p>
         </p:txBody>
       </p:sp>
@@ -15758,13 +15620,6 @@
   <p:transition>
     <p:zoom/>
   </p:transition>
-  <p:timing>
-    <p:tnLst>
-      <p:par>
-        <p:cTn id="1" dur="indefinite" restart="never" nodeType="tmRoot"/>
-      </p:par>
-    </p:tnLst>
-  </p:timing>
 </p:sld>
 </file>
 
@@ -15809,7 +15664,7 @@
           <a:p>
             <a:pPr eaLnBrk="1" hangingPunct="1"/>
             <a:r>
-              <a:rPr lang="en-US" altLang="en-US" dirty="0" smtClean="0"/>
+              <a:rPr lang="en-US" altLang="en-US" dirty="0"/>
               <a:t>Data Integration</a:t>
             </a:r>
           </a:p>
@@ -15837,26 +15692,22 @@
           <a:p>
             <a:pPr eaLnBrk="1" hangingPunct="1"/>
             <a:r>
-              <a:rPr lang="en-US" altLang="en-US" sz="2400" dirty="0" smtClean="0"/>
+              <a:rPr lang="en-US" altLang="en-US" sz="2400" dirty="0"/>
               <a:t>Data integration</a:t>
             </a:r>
           </a:p>
           <a:p>
             <a:pPr lvl="1" eaLnBrk="1" hangingPunct="1"/>
             <a:r>
-              <a:rPr lang="en-US" altLang="en-US" sz="2400" dirty="0" smtClean="0"/>
+              <a:rPr lang="en-US" altLang="en-US" sz="2400" dirty="0"/>
               <a:t>Combining data from multiple sources into a coherent store</a:t>
             </a:r>
           </a:p>
           <a:p>
             <a:pPr eaLnBrk="1" hangingPunct="1"/>
             <a:r>
-              <a:rPr lang="en-US" altLang="en-US" sz="2400" dirty="0" smtClean="0"/>
-              <a:t>Schema </a:t>
-            </a:r>
-            <a:r>
               <a:rPr lang="en-US" altLang="en-US" sz="2400" dirty="0"/>
-              <a:t>integration: e.g., </a:t>
+              <a:t>Schema integration: e.g., </a:t>
             </a:r>
             <a:r>
               <a:rPr lang="en-US" altLang="en-US" sz="2400" dirty="0" err="1"/>
@@ -15898,13 +15749,8 @@
             <a:pPr eaLnBrk="1" hangingPunct="1"/>
             <a:r>
               <a:rPr lang="en-US" altLang="en-US" sz="2400" b="1" dirty="0"/>
-              <a:t>Entity </a:t>
-            </a:r>
-            <a:r>
-              <a:rPr lang="en-US" altLang="en-US" sz="2400" b="1" dirty="0" smtClean="0"/>
-              <a:t>identification: </a:t>
-            </a:r>
-            <a:endParaRPr lang="en-US" altLang="en-US" sz="2400" b="1" dirty="0"/>
+              <a:t>Entity identification: </a:t>
+            </a:r>
           </a:p>
           <a:p>
             <a:pPr lvl="1" eaLnBrk="1" hangingPunct="1"/>
@@ -15946,21 +15792,6 @@
   <p:clrMapOvr>
     <a:masterClrMapping/>
   </p:clrMapOvr>
-  <mc:AlternateContent xmlns:mc="http://schemas.openxmlformats.org/markup-compatibility/2006" xmlns:p14="http://schemas.microsoft.com/office/powerpoint/2010/main">
-    <mc:Choice Requires="p14">
-      <p:transition spd="slow" p14:dur="2000"/>
-    </mc:Choice>
-    <mc:Fallback xmlns="">
-      <p:transition spd="slow"/>
-    </mc:Fallback>
-  </mc:AlternateContent>
-  <p:timing>
-    <p:tnLst>
-      <p:par>
-        <p:cTn id="1" dur="indefinite" restart="never" nodeType="tmRoot"/>
-      </p:par>
-    </p:tnLst>
-  </p:timing>
 </p:sld>
 </file>
 
@@ -16118,21 +15949,6 @@
   <p:clrMapOvr>
     <a:masterClrMapping/>
   </p:clrMapOvr>
-  <mc:AlternateContent xmlns:mc="http://schemas.openxmlformats.org/markup-compatibility/2006" xmlns:p14="http://schemas.microsoft.com/office/powerpoint/2010/main">
-    <mc:Choice Requires="p14">
-      <p:transition spd="slow" p14:dur="2000"/>
-    </mc:Choice>
-    <mc:Fallback xmlns="">
-      <p:transition spd="slow"/>
-    </mc:Fallback>
-  </mc:AlternateContent>
-  <p:timing>
-    <p:tnLst>
-      <p:par>
-        <p:cTn id="1" dur="indefinite" restart="never" nodeType="tmRoot"/>
-      </p:par>
-    </p:tnLst>
-  </p:timing>
 </p:sld>
 </file>
 
@@ -16177,15 +15993,7 @@
           <a:p>
             <a:r>
               <a:rPr lang="en-US" altLang="en-US" dirty="0"/>
-              <a:t>Correlation Analysis </a:t>
-            </a:r>
-            <a:r>
-              <a:rPr lang="en-US" altLang="en-US" dirty="0" smtClean="0"/>
-              <a:t>(for Categorical </a:t>
-            </a:r>
-            <a:r>
-              <a:rPr lang="en-US" altLang="en-US" dirty="0"/>
-              <a:t>Data)</a:t>
+              <a:t>Correlation Analysis (for Categorical Data)</a:t>
             </a:r>
           </a:p>
         </p:txBody>
@@ -16231,13 +16039,7 @@
               <a:rPr lang="en-US" altLang="en-US" b="1" dirty="0">
                 <a:latin typeface="Calibri" panose="020F0502020204030204" pitchFamily="34" charset="0"/>
               </a:rPr>
-              <a:t> (chi-square) </a:t>
-            </a:r>
-            <a:r>
-              <a:rPr lang="en-US" altLang="en-US" b="1" dirty="0" smtClean="0">
-                <a:latin typeface="Calibri" panose="020F0502020204030204" pitchFamily="34" charset="0"/>
-              </a:rPr>
-              <a:t>test:</a:t>
+              <a:t> (chi-square) test:</a:t>
             </a:r>
             <a:endParaRPr lang="el-GR" altLang="en-US" b="1" dirty="0">
               <a:latin typeface="Calibri" panose="020F0502020204030204" pitchFamily="34" charset="0"/>
@@ -16269,7 +16071,7 @@
                 <a:spcPct val="110000"/>
               </a:lnSpc>
             </a:pPr>
-            <a:endParaRPr lang="en-US" altLang="en-US" dirty="0" smtClean="0">
+            <a:endParaRPr lang="en-US" altLang="en-US" dirty="0">
               <a:latin typeface="Calibri" panose="020F0502020204030204" pitchFamily="34" charset="0"/>
             </a:endParaRPr>
           </a:p>
@@ -16280,24 +16082,8 @@
               </a:lnSpc>
             </a:pPr>
             <a:r>
-              <a:rPr lang="en-US" dirty="0" smtClean="0"/>
-              <a:t>Null </a:t>
-            </a:r>
-            <a:r>
               <a:rPr lang="en-US" dirty="0"/>
-              <a:t>hypothesis: </a:t>
-            </a:r>
-            <a:r>
-              <a:rPr lang="en-US" dirty="0" smtClean="0"/>
-              <a:t>The </a:t>
-            </a:r>
-            <a:r>
-              <a:rPr lang="en-US" dirty="0"/>
-              <a:t>two distributions are </a:t>
-            </a:r>
-            <a:r>
-              <a:rPr lang="en-US" dirty="0" smtClean="0"/>
-              <a:t>independent</a:t>
+              <a:t>Null hypothesis: The two distributions are independent</a:t>
             </a:r>
           </a:p>
           <a:p>
@@ -16307,16 +16093,10 @@
               </a:lnSpc>
             </a:pPr>
             <a:r>
-              <a:rPr lang="en-US" altLang="en-US" dirty="0" smtClean="0">
-                <a:latin typeface="Calibri" panose="020F0502020204030204" pitchFamily="34" charset="0"/>
-              </a:rPr>
-              <a:t>The </a:t>
-            </a:r>
-            <a:r>
               <a:rPr lang="en-US" altLang="en-US" dirty="0">
                 <a:latin typeface="Calibri" panose="020F0502020204030204" pitchFamily="34" charset="0"/>
               </a:rPr>
-              <a:t>cells that contribute the most to the </a:t>
+              <a:t>The cells that contribute the most to the </a:t>
             </a:r>
             <a:r>
               <a:rPr lang="el-GR" altLang="en-US" dirty="0">
@@ -16334,13 +16114,7 @@
               <a:rPr lang="en-US" altLang="en-US" dirty="0">
                 <a:latin typeface="Calibri" panose="020F0502020204030204" pitchFamily="34" charset="0"/>
               </a:rPr>
-              <a:t> value are those whose actual count is very different from the expected </a:t>
-            </a:r>
-            <a:r>
-              <a:rPr lang="en-US" altLang="en-US" dirty="0" smtClean="0">
-                <a:latin typeface="Calibri" panose="020F0502020204030204" pitchFamily="34" charset="0"/>
-              </a:rPr>
-              <a:t>count</a:t>
+              <a:t> value are those whose actual count is very different from the expected count</a:t>
             </a:r>
           </a:p>
           <a:p>
@@ -16371,17 +16145,8 @@
               <a:rPr lang="en-US" altLang="en-US" dirty="0">
                 <a:latin typeface="Calibri" panose="020F0502020204030204" pitchFamily="34" charset="0"/>
               </a:rPr>
-              <a:t> value, the more likely the variables are </a:t>
-            </a:r>
-            <a:r>
-              <a:rPr lang="en-US" altLang="en-US" dirty="0" smtClean="0">
-                <a:latin typeface="Calibri" panose="020F0502020204030204" pitchFamily="34" charset="0"/>
-              </a:rPr>
-              <a:t>related</a:t>
-            </a:r>
-            <a:endParaRPr lang="en-US" altLang="en-US" dirty="0">
-              <a:latin typeface="Calibri" panose="020F0502020204030204" pitchFamily="34" charset="0"/>
-            </a:endParaRPr>
+              <a:t> value, the more likely the variables are related</a:t>
+            </a:r>
           </a:p>
           <a:p>
             <a:pPr>
@@ -16390,16 +16155,10 @@
               </a:lnSpc>
             </a:pPr>
             <a:r>
-              <a:rPr lang="en-US" altLang="en-US" dirty="0" smtClean="0">
-                <a:latin typeface="Calibri" panose="020F0502020204030204" pitchFamily="34" charset="0"/>
-              </a:rPr>
-              <a:t>Note:  Correlation </a:t>
-            </a:r>
-            <a:r>
               <a:rPr lang="en-US" altLang="en-US" dirty="0">
                 <a:latin typeface="Calibri" panose="020F0502020204030204" pitchFamily="34" charset="0"/>
               </a:rPr>
-              <a:t>does not imply causality</a:t>
+              <a:t>Note:  Correlation does not imply causality</a:t>
             </a:r>
           </a:p>
           <a:p>
@@ -16467,13 +16226,6 @@
   <p:transition>
     <p:zoom/>
   </p:transition>
-  <p:timing>
-    <p:tnLst>
-      <p:par>
-        <p:cTn id="1" dur="indefinite" restart="never" nodeType="tmRoot"/>
-      </p:par>
-    </p:tnLst>
-  </p:timing>
 </p:sld>
 </file>
 
@@ -16596,7 +16348,7 @@
               </a:lnSpc>
             </a:pPr>
             <a:r>
-              <a:rPr lang="el-GR" altLang="en-US" dirty="0" smtClean="0">
+              <a:rPr lang="el-GR" altLang="en-US" dirty="0">
                 <a:latin typeface="Calibri" panose="020F0502020204030204" pitchFamily="34" charset="0"/>
               </a:rPr>
               <a:t>Χ</a:t>
@@ -16699,7 +16451,7 @@
           <a:graphicData uri="http://schemas.openxmlformats.org/presentationml/2006/ole">
             <mc:AlternateContent xmlns:mc="http://schemas.openxmlformats.org/markup-compatibility/2006">
               <mc:Choice xmlns:v="urn:schemas-microsoft-com:vml" Requires="v">
-                <p:oleObj spid="_x0000_s35905" name="Equation" r:id="rId4" imgW="4381500" imgH="419100" progId="Equation.3">
+                <p:oleObj spid="_x0000_s35906" name="Equation" r:id="rId4" imgW="4381500" imgH="419100" progId="Equation.3">
                   <p:embed/>
                 </p:oleObj>
               </mc:Choice>
@@ -16852,7 +16604,7 @@
                         <a:buNone/>
                         <a:tabLst/>
                       </a:pPr>
-                      <a:endParaRPr kumimoji="0" lang="en-US" sz="1600" b="0" i="0" u="none" strike="noStrike" cap="none" normalizeH="0" baseline="0" dirty="0" smtClean="0">
+                      <a:endParaRPr kumimoji="0" lang="en-US" sz="1600" b="0" i="0" u="none" strike="noStrike" cap="none" normalizeH="0" baseline="0" dirty="0">
                         <a:ln>
                           <a:noFill/>
                         </a:ln>
@@ -16934,7 +16686,7 @@
                         <a:tabLst/>
                       </a:pPr>
                       <a:r>
-                        <a:rPr kumimoji="0" lang="en-US" sz="1600" b="0" i="0" u="none" strike="noStrike" cap="none" normalizeH="0" baseline="0" smtClean="0">
+                        <a:rPr kumimoji="0" lang="en-US" sz="1600" b="0" i="0" u="none" strike="noStrike" cap="none" normalizeH="0" baseline="0">
                           <a:ln>
                             <a:noFill/>
                           </a:ln>
@@ -17018,7 +16770,7 @@
                         <a:tabLst/>
                       </a:pPr>
                       <a:r>
-                        <a:rPr kumimoji="0" lang="en-US" sz="1600" b="0" i="0" u="none" strike="noStrike" cap="none" normalizeH="0" baseline="0" smtClean="0">
+                        <a:rPr kumimoji="0" lang="en-US" sz="1600" b="0" i="0" u="none" strike="noStrike" cap="none" normalizeH="0" baseline="0">
                           <a:ln>
                             <a:noFill/>
                           </a:ln>
@@ -17102,7 +16854,7 @@
                         <a:tabLst/>
                       </a:pPr>
                       <a:r>
-                        <a:rPr kumimoji="0" lang="en-US" sz="1600" b="0" i="0" u="none" strike="noStrike" cap="none" normalizeH="0" baseline="0" smtClean="0">
+                        <a:rPr kumimoji="0" lang="en-US" sz="1600" b="0" i="0" u="none" strike="noStrike" cap="none" normalizeH="0" baseline="0">
                           <a:ln>
                             <a:noFill/>
                           </a:ln>
@@ -17193,7 +16945,7 @@
                         <a:tabLst/>
                       </a:pPr>
                       <a:r>
-                        <a:rPr kumimoji="0" lang="en-US" sz="1600" b="0" i="0" u="none" strike="noStrike" cap="none" normalizeH="0" baseline="0" smtClean="0">
+                        <a:rPr kumimoji="0" lang="en-US" sz="1600" b="0" i="0" u="none" strike="noStrike" cap="none" normalizeH="0" baseline="0">
                           <a:ln>
                             <a:noFill/>
                           </a:ln>
@@ -17277,7 +17029,7 @@
                         <a:tabLst/>
                       </a:pPr>
                       <a:r>
-                        <a:rPr kumimoji="0" lang="en-US" sz="1600" b="0" i="0" u="none" strike="noStrike" cap="none" normalizeH="0" baseline="0" dirty="0" smtClean="0">
+                        <a:rPr kumimoji="0" lang="en-US" sz="1600" b="0" i="0" u="none" strike="noStrike" cap="none" normalizeH="0" baseline="0" dirty="0">
                           <a:ln>
                             <a:noFill/>
                           </a:ln>
@@ -17361,7 +17113,7 @@
                         <a:tabLst/>
                       </a:pPr>
                       <a:r>
-                        <a:rPr kumimoji="0" lang="en-US" sz="1600" b="0" i="0" u="none" strike="noStrike" cap="none" normalizeH="0" baseline="0" dirty="0" smtClean="0">
+                        <a:rPr kumimoji="0" lang="en-US" sz="1600" b="0" i="0" u="none" strike="noStrike" cap="none" normalizeH="0" baseline="0" dirty="0">
                           <a:ln>
                             <a:noFill/>
                           </a:ln>
@@ -17445,7 +17197,7 @@
                         <a:tabLst/>
                       </a:pPr>
                       <a:r>
-                        <a:rPr kumimoji="0" lang="en-US" sz="1600" b="0" i="0" u="none" strike="noStrike" cap="none" normalizeH="0" baseline="0" smtClean="0">
+                        <a:rPr kumimoji="0" lang="en-US" sz="1600" b="0" i="0" u="none" strike="noStrike" cap="none" normalizeH="0" baseline="0">
                           <a:ln>
                             <a:noFill/>
                           </a:ln>
@@ -17536,7 +17288,7 @@
                         <a:tabLst/>
                       </a:pPr>
                       <a:r>
-                        <a:rPr kumimoji="0" lang="en-US" sz="1600" b="0" i="0" u="none" strike="noStrike" cap="none" normalizeH="0" baseline="0" dirty="0" smtClean="0">
+                        <a:rPr kumimoji="0" lang="en-US" sz="1600" b="0" i="0" u="none" strike="noStrike" cap="none" normalizeH="0" baseline="0" dirty="0">
                           <a:ln>
                             <a:noFill/>
                           </a:ln>
@@ -17620,7 +17372,7 @@
                         <a:tabLst/>
                       </a:pPr>
                       <a:r>
-                        <a:rPr kumimoji="0" lang="en-US" sz="1600" b="0" i="0" u="none" strike="noStrike" cap="none" normalizeH="0" baseline="0" dirty="0" smtClean="0">
+                        <a:rPr kumimoji="0" lang="en-US" sz="1600" b="0" i="0" u="none" strike="noStrike" cap="none" normalizeH="0" baseline="0" dirty="0">
                           <a:ln>
                             <a:noFill/>
                           </a:ln>
@@ -17704,7 +17456,7 @@
                         <a:tabLst/>
                       </a:pPr>
                       <a:r>
-                        <a:rPr kumimoji="0" lang="en-US" sz="1600" b="0" i="0" u="none" strike="noStrike" cap="none" normalizeH="0" baseline="0" dirty="0" smtClean="0">
+                        <a:rPr kumimoji="0" lang="en-US" sz="1600" b="0" i="0" u="none" strike="noStrike" cap="none" normalizeH="0" baseline="0" dirty="0">
                           <a:ln>
                             <a:noFill/>
                           </a:ln>
@@ -17788,7 +17540,7 @@
                         <a:tabLst/>
                       </a:pPr>
                       <a:r>
-                        <a:rPr kumimoji="0" lang="en-US" sz="1600" b="0" i="0" u="none" strike="noStrike" cap="none" normalizeH="0" baseline="0" smtClean="0">
+                        <a:rPr kumimoji="0" lang="en-US" sz="1600" b="0" i="0" u="none" strike="noStrike" cap="none" normalizeH="0" baseline="0">
                           <a:ln>
                             <a:noFill/>
                           </a:ln>
@@ -17879,7 +17631,7 @@
                         <a:tabLst/>
                       </a:pPr>
                       <a:r>
-                        <a:rPr kumimoji="0" lang="en-US" sz="1600" b="0" i="0" u="none" strike="noStrike" cap="none" normalizeH="0" baseline="0" smtClean="0">
+                        <a:rPr kumimoji="0" lang="en-US" sz="1600" b="0" i="0" u="none" strike="noStrike" cap="none" normalizeH="0" baseline="0">
                           <a:ln>
                             <a:noFill/>
                           </a:ln>
@@ -17963,7 +17715,7 @@
                         <a:tabLst/>
                       </a:pPr>
                       <a:r>
-                        <a:rPr kumimoji="0" lang="en-US" sz="1600" b="0" i="0" u="none" strike="noStrike" cap="none" normalizeH="0" baseline="0" smtClean="0">
+                        <a:rPr kumimoji="0" lang="en-US" sz="1600" b="0" i="0" u="none" strike="noStrike" cap="none" normalizeH="0" baseline="0">
                           <a:ln>
                             <a:noFill/>
                           </a:ln>
@@ -18047,7 +17799,7 @@
                         <a:tabLst/>
                       </a:pPr>
                       <a:r>
-                        <a:rPr kumimoji="0" lang="en-US" sz="1600" b="0" i="0" u="none" strike="noStrike" cap="none" normalizeH="0" baseline="0" smtClean="0">
+                        <a:rPr kumimoji="0" lang="en-US" sz="1600" b="0" i="0" u="none" strike="noStrike" cap="none" normalizeH="0" baseline="0">
                           <a:ln>
                             <a:noFill/>
                           </a:ln>
@@ -18131,7 +17883,7 @@
                         <a:tabLst/>
                       </a:pPr>
                       <a:r>
-                        <a:rPr kumimoji="0" lang="en-US" sz="1600" b="0" i="0" u="none" strike="noStrike" cap="none" normalizeH="0" baseline="0" dirty="0" smtClean="0">
+                        <a:rPr kumimoji="0" lang="en-US" sz="1600" b="0" i="0" u="none" strike="noStrike" cap="none" normalizeH="0" baseline="0" dirty="0">
                           <a:ln>
                             <a:noFill/>
                           </a:ln>
@@ -18226,16 +17978,10 @@
           <a:lstStyle/>
           <a:p>
             <a:r>
-              <a:rPr lang="en-US" sz="2000" dirty="0" smtClean="0">
-                <a:latin typeface="AvenirNextCondensed-Regular"/>
-              </a:rPr>
-              <a:t>We </a:t>
-            </a:r>
-            <a:r>
               <a:rPr lang="en-US" sz="2000" dirty="0">
                 <a:latin typeface="AvenirNextCondensed-Regular"/>
               </a:rPr>
-              <a:t>can reject the</a:t>
+              <a:t>We can reject the</a:t>
             </a:r>
           </a:p>
           <a:p>
@@ -18251,25 +17997,7 @@
               <a:rPr lang="en-US" sz="2000" dirty="0">
                 <a:latin typeface="AvenirNextCondensed-Regular"/>
               </a:rPr>
-              <a:t>independence at </a:t>
-            </a:r>
-            <a:r>
-              <a:rPr lang="en-US" sz="2000" dirty="0" smtClean="0">
-                <a:latin typeface="AvenirNextCondensed-Regular"/>
-              </a:rPr>
-              <a:t>a confidence </a:t>
-            </a:r>
-            <a:r>
-              <a:rPr lang="en-US" sz="2000" dirty="0">
-                <a:latin typeface="AvenirNextCondensed-Regular"/>
-              </a:rPr>
-              <a:t>level </a:t>
-            </a:r>
-            <a:r>
-              <a:rPr lang="en-US" sz="2000" dirty="0" smtClean="0">
-                <a:latin typeface="AvenirNextCondensed-Regular"/>
-              </a:rPr>
-              <a:t>of 0.001</a:t>
+              <a:t>independence at a confidence level of 0.001</a:t>
             </a:r>
             <a:endParaRPr lang="en-US" dirty="0"/>
           </a:p>
@@ -18300,17 +18028,16 @@
           <a:lstStyle/>
           <a:p>
             <a:r>
-              <a:rPr lang="en-US" dirty="0" smtClean="0"/>
+              <a:rPr lang="en-US" dirty="0"/>
               <a:t>How to derive 90?</a:t>
             </a:r>
           </a:p>
           <a:p>
             <a:pPr lvl="1"/>
             <a:r>
-              <a:rPr lang="en-US" dirty="0" smtClean="0"/>
+              <a:rPr lang="en-US" dirty="0"/>
               <a:t>450/1500 * 300 = 90</a:t>
             </a:r>
-            <a:endParaRPr lang="en-US" dirty="0"/>
           </a:p>
         </p:txBody>
       </p:sp>
@@ -18327,13 +18054,6 @@
   <p:transition>
     <p:zoom/>
   </p:transition>
-  <p:timing>
-    <p:tnLst>
-      <p:par>
-        <p:cTn id="1" dur="indefinite" restart="never" nodeType="tmRoot"/>
-      </p:par>
-    </p:tnLst>
-  </p:timing>
 </p:sld>
 </file>
 
@@ -18377,7 +18097,7 @@
           <a:lstStyle/>
           <a:p>
             <a:r>
-              <a:rPr lang="en-US" altLang="en-US" dirty="0" smtClean="0"/>
+              <a:rPr lang="en-US" altLang="en-US" dirty="0"/>
               <a:t>Variance for Single Variable (Numerical Data)</a:t>
             </a:r>
           </a:p>
@@ -18409,44 +18129,41 @@
               </a:lnSpc>
             </a:pPr>
             <a:r>
-              <a:rPr lang="en-US" altLang="en-US" sz="2400" dirty="0" smtClean="0">
+              <a:rPr lang="en-US" altLang="en-US" sz="2400" dirty="0">
                 <a:latin typeface="Calibri" panose="020F0502020204030204" pitchFamily="34" charset="0"/>
               </a:rPr>
               <a:t>The variance of a random variable </a:t>
             </a:r>
             <a:r>
-              <a:rPr lang="en-US" altLang="en-US" sz="2400" i="1" dirty="0" smtClean="0">
+              <a:rPr lang="en-US" altLang="en-US" sz="2400" i="1" dirty="0">
                 <a:latin typeface="Calibri" panose="020F0502020204030204" pitchFamily="34" charset="0"/>
               </a:rPr>
               <a:t>X</a:t>
             </a:r>
             <a:r>
-              <a:rPr lang="en-US" altLang="en-US" sz="2400" dirty="0" smtClean="0">
+              <a:rPr lang="en-US" altLang="en-US" sz="2400" dirty="0">
                 <a:latin typeface="Calibri" panose="020F0502020204030204" pitchFamily="34" charset="0"/>
               </a:rPr>
               <a:t> provides a measure of how much the value of </a:t>
             </a:r>
             <a:r>
-              <a:rPr lang="en-US" altLang="en-US" sz="2400" i="1" dirty="0" smtClean="0">
+              <a:rPr lang="en-US" altLang="en-US" sz="2400" i="1" dirty="0">
                 <a:latin typeface="Calibri" panose="020F0502020204030204" pitchFamily="34" charset="0"/>
               </a:rPr>
               <a:t>X</a:t>
             </a:r>
             <a:r>
-              <a:rPr lang="en-US" altLang="en-US" sz="2400" dirty="0" smtClean="0">
+              <a:rPr lang="en-US" altLang="en-US" sz="2400" dirty="0">
                 <a:latin typeface="Calibri" panose="020F0502020204030204" pitchFamily="34" charset="0"/>
               </a:rPr>
               <a:t> deviates from the mean or expected value of </a:t>
             </a:r>
             <a:r>
-              <a:rPr lang="en-US" altLang="en-US" sz="2400" i="1" dirty="0" smtClean="0">
+              <a:rPr lang="en-US" altLang="en-US" sz="2400" i="1" dirty="0">
                 <a:latin typeface="Calibri" panose="020F0502020204030204" pitchFamily="34" charset="0"/>
               </a:rPr>
               <a:t>X:</a:t>
             </a:r>
-            <a:endParaRPr lang="en-US" altLang="en-US" sz="2400" i="1" dirty="0">
-              <a:latin typeface="Calibri" panose="020F0502020204030204" pitchFamily="34" charset="0"/>
-            </a:endParaRPr>
           </a:p>
           <a:p>
             <a:pPr lvl="2">
@@ -18456,7 +18173,7 @@
               <a:buNone/>
             </a:pPr>
             <a:r>
-              <a:rPr lang="en-US" altLang="en-US" sz="2400" dirty="0" smtClean="0">
+              <a:rPr lang="en-US" altLang="en-US" sz="2400" dirty="0">
                 <a:latin typeface="Calibri" panose="020F0502020204030204" pitchFamily="34" charset="0"/>
               </a:rPr>
               <a:t> </a:t>
@@ -18479,7 +18196,7 @@
                 <a:spcPct val="110000"/>
               </a:lnSpc>
             </a:pPr>
-            <a:endParaRPr lang="en-US" altLang="en-US" sz="2400" dirty="0" smtClean="0">
+            <a:endParaRPr lang="en-US" altLang="en-US" sz="2400" dirty="0">
               <a:latin typeface="Calibri" panose="020F0502020204030204" pitchFamily="34" charset="0"/>
             </a:endParaRPr>
           </a:p>
@@ -18490,34 +18207,16 @@
               </a:lnSpc>
             </a:pPr>
             <a:r>
-              <a:rPr lang="en-US" altLang="en-US" sz="2400" dirty="0" smtClean="0">
+              <a:rPr lang="en-US" altLang="en-US" sz="2400" dirty="0">
                 <a:latin typeface="Calibri" panose="020F0502020204030204" pitchFamily="34" charset="0"/>
               </a:rPr>
               <a:t> where</a:t>
             </a:r>
             <a:r>
-              <a:rPr lang="en-US" altLang="en-US" sz="2400" b="1" dirty="0" smtClean="0">
+              <a:rPr lang="en-US" altLang="en-US" sz="2400" b="1" dirty="0">
                 <a:latin typeface="Calibri" panose="020F0502020204030204" pitchFamily="34" charset="0"/>
               </a:rPr>
               <a:t> </a:t>
-            </a:r>
-            <a:r>
-              <a:rPr lang="el-GR" altLang="en-US" sz="2400" dirty="0" smtClean="0">
-                <a:latin typeface="Calibri" panose="020F0502020204030204" pitchFamily="34" charset="0"/>
-              </a:rPr>
-              <a:t>σ</a:t>
-            </a:r>
-            <a:r>
-              <a:rPr lang="en-US" altLang="en-US" sz="2400" baseline="30000" dirty="0" smtClean="0">
-                <a:latin typeface="Calibri" panose="020F0502020204030204" pitchFamily="34" charset="0"/>
-              </a:rPr>
-              <a:t>2</a:t>
-            </a:r>
-            <a:r>
-              <a:rPr lang="en-US" altLang="en-US" sz="2400" dirty="0" smtClean="0">
-                <a:latin typeface="Calibri" panose="020F0502020204030204" pitchFamily="34" charset="0"/>
-              </a:rPr>
-              <a:t> is the variance of X, </a:t>
             </a:r>
             <a:r>
               <a:rPr lang="el-GR" altLang="en-US" sz="2400" dirty="0">
@@ -18526,28 +18225,34 @@
               <a:t>σ</a:t>
             </a:r>
             <a:r>
+              <a:rPr lang="en-US" altLang="en-US" sz="2400" baseline="30000" dirty="0">
+                <a:latin typeface="Calibri" panose="020F0502020204030204" pitchFamily="34" charset="0"/>
+              </a:rPr>
+              <a:t>2</a:t>
+            </a:r>
+            <a:r>
               <a:rPr lang="en-US" altLang="en-US" sz="2400" dirty="0">
                 <a:latin typeface="Calibri" panose="020F0502020204030204" pitchFamily="34" charset="0"/>
               </a:rPr>
-              <a:t> is </a:t>
-            </a:r>
-            <a:r>
-              <a:rPr lang="en-US" altLang="en-US" sz="2400" dirty="0" smtClean="0">
+              <a:t> is the variance of X, </a:t>
+            </a:r>
+            <a:r>
+              <a:rPr lang="el-GR" altLang="en-US" sz="2400" dirty="0">
                 <a:latin typeface="Calibri" panose="020F0502020204030204" pitchFamily="34" charset="0"/>
               </a:rPr>
-              <a:t>called </a:t>
-            </a:r>
-            <a:r>
-              <a:rPr lang="en-US" altLang="en-US" sz="2400" i="1" dirty="0" smtClean="0">
+              <a:t>σ</a:t>
+            </a:r>
+            <a:r>
+              <a:rPr lang="en-US" altLang="en-US" sz="2400" dirty="0">
                 <a:latin typeface="Calibri" panose="020F0502020204030204" pitchFamily="34" charset="0"/>
               </a:rPr>
-              <a:t>standard </a:t>
+              <a:t> is called </a:t>
             </a:r>
             <a:r>
               <a:rPr lang="en-US" altLang="en-US" sz="2400" i="1" dirty="0">
                 <a:latin typeface="Calibri" panose="020F0502020204030204" pitchFamily="34" charset="0"/>
               </a:rPr>
-              <a:t>deviation</a:t>
+              <a:t>standard deviation</a:t>
             </a:r>
           </a:p>
           <a:p>
@@ -18558,32 +18263,29 @@
               <a:buNone/>
             </a:pPr>
             <a:r>
-              <a:rPr lang="el-GR" altLang="en-US" sz="2400" dirty="0" smtClean="0">
+              <a:rPr lang="el-GR" altLang="en-US" sz="2400" dirty="0">
                 <a:latin typeface="Calibri" panose="020F0502020204030204" pitchFamily="34" charset="0"/>
               </a:rPr>
               <a:t>µ</a:t>
             </a:r>
             <a:r>
-              <a:rPr lang="en-US" altLang="en-US" sz="2400" dirty="0" smtClean="0">
+              <a:rPr lang="en-US" altLang="en-US" sz="2400" dirty="0">
                 <a:latin typeface="Calibri" panose="020F0502020204030204" pitchFamily="34" charset="0"/>
               </a:rPr>
               <a:t> is the mean, and </a:t>
             </a:r>
             <a:r>
-              <a:rPr lang="el-GR" altLang="en-US" sz="2400" dirty="0" smtClean="0">
+              <a:rPr lang="el-GR" altLang="en-US" sz="2400" dirty="0">
                 <a:latin typeface="Calibri" panose="020F0502020204030204" pitchFamily="34" charset="0"/>
               </a:rPr>
               <a:t>µ</a:t>
             </a:r>
             <a:r>
-              <a:rPr lang="en-US" altLang="en-US" sz="2400" dirty="0" smtClean="0">
+              <a:rPr lang="en-US" altLang="en-US" sz="2400" dirty="0">
                 <a:latin typeface="Calibri" panose="020F0502020204030204" pitchFamily="34" charset="0"/>
               </a:rPr>
               <a:t> = E[X] is the expected value of X</a:t>
             </a:r>
-            <a:endParaRPr lang="en-US" altLang="en-US" sz="2400" dirty="0">
-              <a:latin typeface="Calibri" panose="020F0502020204030204" pitchFamily="34" charset="0"/>
-            </a:endParaRPr>
           </a:p>
           <a:p>
             <a:pPr lvl="1">
@@ -18592,7 +18294,7 @@
               </a:lnSpc>
             </a:pPr>
             <a:r>
-              <a:rPr lang="en-US" altLang="en-US" sz="2400" dirty="0" smtClean="0">
+              <a:rPr lang="en-US" altLang="en-US" sz="2400" dirty="0">
                 <a:latin typeface="Calibri" panose="020F0502020204030204" pitchFamily="34" charset="0"/>
               </a:rPr>
               <a:t> That is, variance is the expected value of the square deviation from the mean</a:t>
@@ -18605,7 +18307,7 @@
               </a:lnSpc>
             </a:pPr>
             <a:r>
-              <a:rPr lang="en-US" altLang="en-US" sz="2400" dirty="0" smtClean="0">
+              <a:rPr lang="en-US" altLang="en-US" sz="2400" dirty="0">
                 <a:latin typeface="Calibri" panose="020F0502020204030204" pitchFamily="34" charset="0"/>
               </a:rPr>
               <a:t> It can also be written as:</a:t>
@@ -18618,32 +18320,29 @@
               </a:lnSpc>
             </a:pPr>
             <a:r>
-              <a:rPr lang="en-US" altLang="en-US" sz="2400" dirty="0" smtClean="0">
+              <a:rPr lang="en-US" altLang="en-US" sz="2400" dirty="0">
                 <a:latin typeface="Calibri" panose="020F0502020204030204" pitchFamily="34" charset="0"/>
               </a:rPr>
               <a:t>Sample variance is the average squared deviation of the data value </a:t>
             </a:r>
             <a:r>
-              <a:rPr lang="en-US" altLang="en-US" sz="2400" i="1" dirty="0" smtClean="0">
+              <a:rPr lang="en-US" altLang="en-US" sz="2400" i="1" dirty="0">
                 <a:latin typeface="Calibri" panose="020F0502020204030204" pitchFamily="34" charset="0"/>
               </a:rPr>
               <a:t>x</a:t>
             </a:r>
             <a:r>
-              <a:rPr lang="en-US" altLang="en-US" sz="2400" baseline="-25000" dirty="0" smtClean="0">
+              <a:rPr lang="en-US" altLang="en-US" sz="2400" baseline="-25000" dirty="0">
                 <a:latin typeface="Calibri" panose="020F0502020204030204" pitchFamily="34" charset="0"/>
               </a:rPr>
               <a:t>i</a:t>
             </a:r>
             <a:r>
-              <a:rPr lang="en-US" altLang="en-US" sz="2400" dirty="0" smtClean="0">
+              <a:rPr lang="en-US" altLang="en-US" sz="2400" dirty="0">
                 <a:latin typeface="Calibri" panose="020F0502020204030204" pitchFamily="34" charset="0"/>
               </a:rPr>
               <a:t> from the sample mean </a:t>
             </a:r>
-            <a:endParaRPr lang="en-US" altLang="en-US" sz="2400" dirty="0">
-              <a:latin typeface="Calibri" panose="020F0502020204030204" pitchFamily="34" charset="0"/>
-            </a:endParaRPr>
           </a:p>
         </p:txBody>
       </p:sp>
@@ -18653,9 +18352,7 @@
           <p:cNvGraphicFramePr>
             <a:graphicFrameLocks noChangeAspect="1"/>
           </p:cNvGraphicFramePr>
-          <p:nvPr>
-            <p:extLst/>
-          </p:nvPr>
+          <p:nvPr/>
         </p:nvGraphicFramePr>
         <p:xfrm>
           <a:off x="1785648" y="2179236"/>
@@ -18665,7 +18362,7 @@
           <a:graphicData uri="http://schemas.openxmlformats.org/presentationml/2006/ole">
             <mc:AlternateContent xmlns:mc="http://schemas.openxmlformats.org/markup-compatibility/2006">
               <mc:Choice xmlns:v="urn:schemas-microsoft-com:vml" Requires="v">
-                <p:oleObj spid="_x0000_s43131" name="Equation" r:id="rId4" imgW="4178160" imgH="838080" progId="Equation.DSMT4">
+                <p:oleObj spid="_x0000_s43135" name="Equation" r:id="rId4" imgW="4178160" imgH="838080" progId="Equation.DSMT4">
                   <p:embed/>
                 </p:oleObj>
               </mc:Choice>
@@ -18722,7 +18419,7 @@
           <a:graphicData uri="http://schemas.openxmlformats.org/presentationml/2006/ole">
             <mc:AlternateContent xmlns:mc="http://schemas.openxmlformats.org/markup-compatibility/2006">
               <mc:Choice xmlns:v="urn:schemas-microsoft-com:vml" Requires="v">
-                <p:oleObj spid="_x0000_s43132" name="Equation" r:id="rId6" imgW="3555720" imgH="228600" progId="Equation.DSMT4">
+                <p:oleObj spid="_x0000_s43136" name="Equation" r:id="rId6" imgW="3555720" imgH="228600" progId="Equation.DSMT4">
                   <p:embed/>
                 </p:oleObj>
               </mc:Choice>
@@ -18763,9 +18460,7 @@
           <p:cNvGraphicFramePr>
             <a:graphicFrameLocks noChangeAspect="1"/>
           </p:cNvGraphicFramePr>
-          <p:nvPr>
-            <p:extLst/>
-          </p:nvPr>
+          <p:nvPr/>
         </p:nvGraphicFramePr>
         <p:xfrm>
           <a:off x="3975888" y="5824177"/>
@@ -18775,7 +18470,7 @@
           <a:graphicData uri="http://schemas.openxmlformats.org/presentationml/2006/ole">
             <mc:AlternateContent xmlns:mc="http://schemas.openxmlformats.org/markup-compatibility/2006">
               <mc:Choice xmlns:v="urn:schemas-microsoft-com:vml" Requires="v">
-                <p:oleObj spid="_x0000_s43133" name="Equation" r:id="rId8" imgW="1193760" imgH="431640" progId="Equation.DSMT4">
+                <p:oleObj spid="_x0000_s43137" name="Equation" r:id="rId8" imgW="1193760" imgH="431640" progId="Equation.DSMT4">
                   <p:embed/>
                 </p:oleObj>
               </mc:Choice>
@@ -18832,7 +18527,7 @@
           <a:graphicData uri="http://schemas.openxmlformats.org/presentationml/2006/ole">
             <mc:AlternateContent xmlns:mc="http://schemas.openxmlformats.org/markup-compatibility/2006">
               <mc:Choice xmlns:v="urn:schemas-microsoft-com:vml" Requires="v">
-                <p:oleObj spid="_x0000_s43134" name="Equation" r:id="rId10" imgW="152280" imgH="203040" progId="Equation.DSMT4">
+                <p:oleObj spid="_x0000_s43138" name="Equation" r:id="rId10" imgW="152280" imgH="203040" progId="Equation.DSMT4">
                   <p:embed/>
                 </p:oleObj>
               </mc:Choice>
@@ -18877,21 +18572,6 @@
   <p:clrMapOvr>
     <a:masterClrMapping/>
   </p:clrMapOvr>
-  <mc:AlternateContent xmlns:mc="http://schemas.openxmlformats.org/markup-compatibility/2006" xmlns:p14="http://schemas.microsoft.com/office/powerpoint/2010/main">
-    <mc:Choice Requires="p14">
-      <p:transition spd="slow" p14:dur="2000"/>
-    </mc:Choice>
-    <mc:Fallback xmlns="">
-      <p:transition spd="slow"/>
-    </mc:Fallback>
-  </mc:AlternateContent>
-  <p:timing>
-    <p:tnLst>
-      <p:par>
-        <p:cTn id="1" dur="indefinite" restart="never" nodeType="tmRoot"/>
-      </p:par>
-    </p:tnLst>
-  </p:timing>
 </p:sld>
 </file>
 
@@ -18935,7 +18615,7 @@
           <a:lstStyle/>
           <a:p>
             <a:r>
-              <a:rPr lang="en-US" altLang="en-US" dirty="0" smtClean="0"/>
+              <a:rPr lang="en-US" altLang="en-US" dirty="0"/>
               <a:t>Covariance for Two Variables </a:t>
             </a:r>
           </a:p>
@@ -18967,34 +18647,10 @@
               </a:lnSpc>
             </a:pPr>
             <a:r>
-              <a:rPr lang="en-US" altLang="en-US" sz="2400" dirty="0" smtClean="0">
-                <a:latin typeface="Calibri" panose="020F0502020204030204" pitchFamily="34" charset="0"/>
-              </a:rPr>
-              <a:t>Covariance between two </a:t>
-            </a:r>
-            <a:r>
               <a:rPr lang="en-US" altLang="en-US" sz="2400" dirty="0">
                 <a:latin typeface="Calibri" panose="020F0502020204030204" pitchFamily="34" charset="0"/>
               </a:rPr>
-              <a:t>variables </a:t>
-            </a:r>
-            <a:r>
-              <a:rPr lang="en-US" altLang="en-US" sz="2400" i="1" dirty="0" smtClean="0">
-                <a:latin typeface="Calibri" panose="020F0502020204030204" pitchFamily="34" charset="0"/>
-              </a:rPr>
-              <a:t>X</a:t>
-            </a:r>
-            <a:r>
-              <a:rPr lang="en-US" altLang="en-US" sz="2400" baseline="-25000" dirty="0" smtClean="0">
-                <a:latin typeface="Calibri" panose="020F0502020204030204" pitchFamily="34" charset="0"/>
-              </a:rPr>
-              <a:t>1</a:t>
-            </a:r>
-            <a:r>
-              <a:rPr lang="en-US" altLang="en-US" sz="2400" dirty="0" smtClean="0">
-                <a:latin typeface="Calibri" panose="020F0502020204030204" pitchFamily="34" charset="0"/>
-              </a:rPr>
-              <a:t> and </a:t>
+              <a:t>Covariance between two variables </a:t>
             </a:r>
             <a:r>
               <a:rPr lang="en-US" altLang="en-US" sz="2400" i="1" dirty="0">
@@ -19006,6 +18662,24 @@
               <a:rPr lang="en-US" altLang="en-US" sz="2400" baseline="-25000" dirty="0">
                 <a:latin typeface="Calibri" panose="020F0502020204030204" pitchFamily="34" charset="0"/>
               </a:rPr>
+              <a:t>1</a:t>
+            </a:r>
+            <a:r>
+              <a:rPr lang="en-US" altLang="en-US" sz="2400" dirty="0">
+                <a:latin typeface="Calibri" panose="020F0502020204030204" pitchFamily="34" charset="0"/>
+              </a:rPr>
+              <a:t> and </a:t>
+            </a:r>
+            <a:r>
+              <a:rPr lang="en-US" altLang="en-US" sz="2400" i="1" dirty="0">
+                <a:latin typeface="Calibri" panose="020F0502020204030204" pitchFamily="34" charset="0"/>
+              </a:rPr>
+              <a:t>X</a:t>
+            </a:r>
+            <a:r>
+              <a:rPr lang="en-US" altLang="en-US" sz="2400" baseline="-25000" dirty="0">
+                <a:latin typeface="Calibri" panose="020F0502020204030204" pitchFamily="34" charset="0"/>
+              </a:rPr>
               <a:t>2</a:t>
             </a:r>
             <a:r>
@@ -19014,9 +18688,6 @@
               </a:rPr>
               <a:t> </a:t>
             </a:r>
-            <a:endParaRPr lang="en-US" altLang="en-US" sz="2400" dirty="0" smtClean="0">
-              <a:latin typeface="Calibri" panose="020F0502020204030204" pitchFamily="34" charset="0"/>
-            </a:endParaRPr>
           </a:p>
           <a:p>
             <a:pPr marL="0" indent="0">
@@ -19040,124 +18711,76 @@
               <a:rPr lang="en-US" altLang="en-US" sz="2400" dirty="0">
                 <a:latin typeface="Calibri" panose="020F0502020204030204" pitchFamily="34" charset="0"/>
               </a:rPr>
-              <a:t>where </a:t>
-            </a:r>
-            <a:r>
-              <a:rPr lang="en-US" altLang="en-US" sz="2400" dirty="0" smtClean="0">
-                <a:latin typeface="Calibri" panose="020F0502020204030204" pitchFamily="34" charset="0"/>
-              </a:rPr>
-              <a:t>µ</a:t>
-            </a:r>
-            <a:r>
-              <a:rPr lang="en-US" altLang="en-US" sz="2400" baseline="-25000" dirty="0" smtClean="0">
+              <a:t>where µ</a:t>
+            </a:r>
+            <a:r>
+              <a:rPr lang="en-US" altLang="en-US" sz="2400" baseline="-25000" dirty="0">
                 <a:latin typeface="Calibri" panose="020F0502020204030204" pitchFamily="34" charset="0"/>
               </a:rPr>
               <a:t>1</a:t>
             </a:r>
             <a:r>
-              <a:rPr lang="en-US" altLang="en-US" sz="2400" dirty="0" smtClean="0">
+              <a:rPr lang="en-US" altLang="en-US" sz="2400" dirty="0">
                 <a:latin typeface="Calibri" panose="020F0502020204030204" pitchFamily="34" charset="0"/>
               </a:rPr>
               <a:t> = E[</a:t>
             </a:r>
             <a:r>
-              <a:rPr lang="en-US" altLang="en-US" sz="2400" i="1" dirty="0" smtClean="0">
+              <a:rPr lang="en-US" altLang="en-US" sz="2400" i="1" dirty="0">
                 <a:latin typeface="Calibri" panose="020F0502020204030204" pitchFamily="34" charset="0"/>
               </a:rPr>
               <a:t>X</a:t>
             </a:r>
             <a:r>
-              <a:rPr lang="en-US" altLang="en-US" sz="2400" baseline="-25000" dirty="0" smtClean="0">
+              <a:rPr lang="en-US" altLang="en-US" sz="2400" baseline="-25000" dirty="0">
                 <a:latin typeface="Calibri" panose="020F0502020204030204" pitchFamily="34" charset="0"/>
               </a:rPr>
               <a:t>1</a:t>
             </a:r>
             <a:r>
-              <a:rPr lang="en-US" altLang="en-US" sz="2400" dirty="0" smtClean="0">
-                <a:latin typeface="Calibri" panose="020F0502020204030204" pitchFamily="34" charset="0"/>
-              </a:rPr>
-              <a:t>] is the </a:t>
-            </a:r>
-            <a:r>
               <a:rPr lang="en-US" altLang="en-US" sz="2400" dirty="0">
                 <a:latin typeface="Calibri" panose="020F0502020204030204" pitchFamily="34" charset="0"/>
               </a:rPr>
-              <a:t>respective </a:t>
-            </a:r>
-            <a:r>
-              <a:rPr lang="en-US" altLang="en-US" sz="2400" dirty="0" smtClean="0">
+              <a:t>] is the respective mean or </a:t>
+            </a:r>
+            <a:r>
+              <a:rPr lang="en-US" altLang="en-US" sz="2400" b="1" dirty="0">
                 <a:latin typeface="Calibri" panose="020F0502020204030204" pitchFamily="34" charset="0"/>
               </a:rPr>
-              <a:t>mean </a:t>
+              <a:t>expected value</a:t>
             </a:r>
             <a:r>
               <a:rPr lang="en-US" altLang="en-US" sz="2400" dirty="0">
                 <a:latin typeface="Calibri" panose="020F0502020204030204" pitchFamily="34" charset="0"/>
               </a:rPr>
-              <a:t>or </a:t>
-            </a:r>
-            <a:r>
-              <a:rPr lang="en-US" altLang="en-US" sz="2400" b="1" dirty="0">
+              <a:t> of </a:t>
+            </a:r>
+            <a:r>
+              <a:rPr lang="en-US" altLang="en-US" sz="2400" i="1" dirty="0">
                 <a:latin typeface="Calibri" panose="020F0502020204030204" pitchFamily="34" charset="0"/>
               </a:rPr>
-              <a:t>expected </a:t>
-            </a:r>
-            <a:r>
-              <a:rPr lang="en-US" altLang="en-US" sz="2400" b="1" dirty="0" smtClean="0">
+              <a:t>X</a:t>
+            </a:r>
+            <a:r>
+              <a:rPr lang="en-US" altLang="en-US" sz="2400" baseline="-25000" dirty="0">
                 <a:latin typeface="Calibri" panose="020F0502020204030204" pitchFamily="34" charset="0"/>
               </a:rPr>
-              <a:t>value</a:t>
-            </a:r>
-            <a:r>
-              <a:rPr lang="en-US" altLang="en-US" sz="2400" dirty="0" smtClean="0">
-                <a:latin typeface="Calibri" panose="020F0502020204030204" pitchFamily="34" charset="0"/>
-              </a:rPr>
-              <a:t> </a:t>
+              <a:t>1</a:t>
             </a:r>
             <a:r>
               <a:rPr lang="en-US" altLang="en-US" sz="2400" dirty="0">
                 <a:latin typeface="Calibri" panose="020F0502020204030204" pitchFamily="34" charset="0"/>
               </a:rPr>
-              <a:t>of </a:t>
-            </a:r>
-            <a:r>
-              <a:rPr lang="en-US" altLang="en-US" sz="2400" i="1" dirty="0" smtClean="0">
-                <a:latin typeface="Calibri" panose="020F0502020204030204" pitchFamily="34" charset="0"/>
-              </a:rPr>
-              <a:t>X</a:t>
-            </a:r>
-            <a:r>
-              <a:rPr lang="en-US" altLang="en-US" sz="2400" baseline="-25000" dirty="0" smtClean="0">
-                <a:latin typeface="Calibri" panose="020F0502020204030204" pitchFamily="34" charset="0"/>
-              </a:rPr>
-              <a:t>1</a:t>
-            </a:r>
-            <a:r>
-              <a:rPr lang="en-US" altLang="en-US" sz="2400" dirty="0" smtClean="0">
-                <a:latin typeface="Calibri" panose="020F0502020204030204" pitchFamily="34" charset="0"/>
-              </a:rPr>
-              <a:t>; similarly </a:t>
-            </a:r>
-            <a:r>
-              <a:rPr lang="en-US" altLang="en-US" sz="2400" dirty="0">
-                <a:latin typeface="Calibri" panose="020F0502020204030204" pitchFamily="34" charset="0"/>
-              </a:rPr>
-              <a:t>for </a:t>
-            </a:r>
-            <a:r>
-              <a:rPr lang="en-US" altLang="en-US" sz="2400" dirty="0" smtClean="0">
-                <a:latin typeface="Calibri" panose="020F0502020204030204" pitchFamily="34" charset="0"/>
-              </a:rPr>
-              <a:t>µ</a:t>
-            </a:r>
-            <a:r>
-              <a:rPr lang="en-US" altLang="en-US" sz="2400" baseline="-25000" dirty="0" smtClean="0">
+              <a:t>; similarly for µ</a:t>
+            </a:r>
+            <a:r>
+              <a:rPr lang="en-US" altLang="en-US" sz="2400" baseline="-25000" dirty="0">
                 <a:latin typeface="Calibri" panose="020F0502020204030204" pitchFamily="34" charset="0"/>
               </a:rPr>
               <a:t>2</a:t>
             </a:r>
             <a:r>
-              <a:rPr lang="en-US" altLang="en-US" sz="2400" dirty="0" smtClean="0">
+              <a:rPr lang="en-US" altLang="en-US" sz="2400" dirty="0">
                 <a:latin typeface="Calibri" panose="020F0502020204030204" pitchFamily="34" charset="0"/>
               </a:rPr>
               <a:t>  </a:t>
@@ -19170,55 +18793,31 @@
               </a:lnSpc>
             </a:pPr>
             <a:r>
-              <a:rPr lang="en-US" altLang="en-US" sz="2400" dirty="0" smtClean="0">
-                <a:latin typeface="Calibri" panose="020F0502020204030204" pitchFamily="34" charset="0"/>
-              </a:rPr>
-              <a:t>Sample covariance </a:t>
-            </a:r>
-            <a:r>
               <a:rPr lang="en-US" altLang="en-US" sz="2400" dirty="0">
                 <a:latin typeface="Calibri" panose="020F0502020204030204" pitchFamily="34" charset="0"/>
               </a:rPr>
-              <a:t>between </a:t>
-            </a:r>
-            <a:r>
-              <a:rPr lang="en-US" altLang="en-US" sz="2400" dirty="0" smtClean="0">
-                <a:latin typeface="Calibri" panose="020F0502020204030204" pitchFamily="34" charset="0"/>
-              </a:rPr>
-              <a:t>X</a:t>
-            </a:r>
-            <a:r>
-              <a:rPr lang="en-US" altLang="en-US" sz="2400" baseline="-25000" dirty="0" smtClean="0">
+              <a:t>Sample covariance between X</a:t>
+            </a:r>
+            <a:r>
+              <a:rPr lang="en-US" altLang="en-US" sz="2400" baseline="-25000" dirty="0">
                 <a:latin typeface="Calibri" panose="020F0502020204030204" pitchFamily="34" charset="0"/>
               </a:rPr>
               <a:t>1</a:t>
             </a:r>
             <a:r>
-              <a:rPr lang="en-US" altLang="en-US" sz="2400" dirty="0" smtClean="0">
-                <a:latin typeface="Calibri" panose="020F0502020204030204" pitchFamily="34" charset="0"/>
-              </a:rPr>
-              <a:t> </a:t>
-            </a:r>
-            <a:r>
               <a:rPr lang="en-US" altLang="en-US" sz="2400" dirty="0">
                 <a:latin typeface="Calibri" panose="020F0502020204030204" pitchFamily="34" charset="0"/>
               </a:rPr>
-              <a:t>and </a:t>
-            </a:r>
-            <a:r>
-              <a:rPr lang="en-US" altLang="en-US" sz="2400" dirty="0" smtClean="0">
-                <a:latin typeface="Calibri" panose="020F0502020204030204" pitchFamily="34" charset="0"/>
-              </a:rPr>
-              <a:t>X</a:t>
-            </a:r>
-            <a:r>
-              <a:rPr lang="en-US" altLang="en-US" sz="2400" baseline="-25000" dirty="0" smtClean="0">
+              <a:t> and X</a:t>
+            </a:r>
+            <a:r>
+              <a:rPr lang="en-US" altLang="en-US" sz="2400" baseline="-25000" dirty="0">
                 <a:latin typeface="Calibri" panose="020F0502020204030204" pitchFamily="34" charset="0"/>
               </a:rPr>
               <a:t>2</a:t>
             </a:r>
             <a:r>
-              <a:rPr lang="en-US" altLang="en-US" sz="2400" dirty="0" smtClean="0">
+              <a:rPr lang="en-US" altLang="en-US" sz="2400" dirty="0">
                 <a:latin typeface="Calibri" panose="020F0502020204030204" pitchFamily="34" charset="0"/>
               </a:rPr>
               <a:t>:</a:t>
@@ -19231,22 +18830,10 @@
               </a:lnSpc>
             </a:pPr>
             <a:r>
-              <a:rPr lang="en-US" altLang="en-US" sz="2400" dirty="0" smtClean="0">
-                <a:latin typeface="Calibri" panose="020F0502020204030204" pitchFamily="34" charset="0"/>
-              </a:rPr>
-              <a:t>Sample </a:t>
-            </a:r>
-            <a:r>
               <a:rPr lang="en-US" altLang="en-US" sz="2400" dirty="0">
                 <a:latin typeface="Calibri" panose="020F0502020204030204" pitchFamily="34" charset="0"/>
               </a:rPr>
-              <a:t>covariance </a:t>
-            </a:r>
-            <a:r>
-              <a:rPr lang="en-US" altLang="en-US" sz="2400" dirty="0" smtClean="0">
-                <a:latin typeface="Calibri" panose="020F0502020204030204" pitchFamily="34" charset="0"/>
-              </a:rPr>
-              <a:t>is a generalization of the sample variance:</a:t>
+              <a:t>Sample covariance is a generalization of the sample variance:</a:t>
             </a:r>
             <a:endParaRPr lang="en-US" altLang="en-US" sz="2400" b="1" dirty="0">
               <a:latin typeface="Calibri" panose="020F0502020204030204" pitchFamily="34" charset="0"/>
@@ -19258,7 +18845,7 @@
                 <a:spcPct val="110000"/>
               </a:lnSpc>
             </a:pPr>
-            <a:endParaRPr lang="en-US" altLang="en-US" sz="2400" b="1" dirty="0" smtClean="0">
+            <a:endParaRPr lang="en-US" altLang="en-US" sz="2400" b="1" dirty="0">
               <a:latin typeface="Calibri" panose="020F0502020204030204" pitchFamily="34" charset="0"/>
             </a:endParaRPr>
           </a:p>
@@ -19269,25 +18856,25 @@
               </a:lnSpc>
             </a:pPr>
             <a:r>
-              <a:rPr lang="en-US" altLang="en-US" sz="2400" b="1" dirty="0" smtClean="0">
+              <a:rPr lang="en-US" altLang="en-US" sz="2400" b="1" dirty="0">
                 <a:latin typeface="Calibri" panose="020F0502020204030204" pitchFamily="34" charset="0"/>
               </a:rPr>
               <a:t>Positive covariance:</a:t>
             </a:r>
             <a:r>
-              <a:rPr lang="en-US" altLang="en-US" sz="2400" dirty="0" smtClean="0">
+              <a:rPr lang="en-US" altLang="en-US" sz="2400" dirty="0">
                 <a:latin typeface="Calibri" panose="020F0502020204030204" pitchFamily="34" charset="0"/>
               </a:rPr>
               <a:t> If </a:t>
             </a:r>
             <a:r>
-              <a:rPr lang="el-GR" altLang="en-US" sz="2400" dirty="0" smtClean="0">
+              <a:rPr lang="el-GR" altLang="en-US" sz="2400" dirty="0">
                 <a:latin typeface="Calibri" panose="020F0502020204030204" pitchFamily="34" charset="0"/>
               </a:rPr>
               <a:t>σ</a:t>
             </a:r>
             <a:r>
-              <a:rPr lang="en-US" altLang="en-US" sz="2400" baseline="-25000" dirty="0" smtClean="0">
+              <a:rPr lang="en-US" altLang="en-US" sz="2400" baseline="-25000" dirty="0">
                 <a:latin typeface="Calibri" panose="020F0502020204030204" pitchFamily="34" charset="0"/>
               </a:rPr>
               <a:t>12 </a:t>
@@ -19296,17 +18883,8 @@
               <a:rPr lang="en-US" altLang="en-US" sz="2400" dirty="0">
                 <a:latin typeface="Calibri" panose="020F0502020204030204" pitchFamily="34" charset="0"/>
               </a:rPr>
-              <a:t>&gt; </a:t>
-            </a:r>
-            <a:r>
-              <a:rPr lang="en-US" altLang="en-US" sz="2400" dirty="0" smtClean="0">
-                <a:latin typeface="Calibri" panose="020F0502020204030204" pitchFamily="34" charset="0"/>
-              </a:rPr>
-              <a:t>0</a:t>
-            </a:r>
-            <a:endParaRPr lang="en-US" altLang="en-US" sz="2400" dirty="0">
-              <a:latin typeface="Calibri" panose="020F0502020204030204" pitchFamily="34" charset="0"/>
-            </a:endParaRPr>
+              <a:t>&gt; 0</a:t>
+            </a:r>
           </a:p>
           <a:p>
             <a:pPr>
@@ -19324,13 +18902,7 @@
               <a:rPr lang="en-US" altLang="en-US" sz="2400" dirty="0">
                 <a:latin typeface="Calibri" panose="020F0502020204030204" pitchFamily="34" charset="0"/>
               </a:rPr>
-              <a:t>: </a:t>
-            </a:r>
-            <a:r>
-              <a:rPr lang="en-US" altLang="en-US" sz="2400" dirty="0" smtClean="0">
-                <a:latin typeface="Calibri" panose="020F0502020204030204" pitchFamily="34" charset="0"/>
-              </a:rPr>
-              <a:t>If </a:t>
+              <a:t>: If </a:t>
             </a:r>
             <a:r>
               <a:rPr lang="el-GR" altLang="en-US" sz="2400" dirty="0">
@@ -19342,23 +18914,14 @@
               <a:rPr lang="en-US" altLang="en-US" sz="2400" baseline="-25000" dirty="0">
                 <a:latin typeface="Calibri" panose="020F0502020204030204" pitchFamily="34" charset="0"/>
               </a:rPr>
-              <a:t>12 </a:t>
-            </a:r>
-            <a:r>
-              <a:rPr lang="en-US" altLang="en-US" sz="2400" baseline="-25000" dirty="0" smtClean="0">
-                <a:latin typeface="Calibri" panose="020F0502020204030204" pitchFamily="34" charset="0"/>
-              </a:rPr>
-              <a:t> </a:t>
-            </a:r>
-            <a:r>
-              <a:rPr lang="en-US" altLang="en-US" sz="2400" dirty="0" smtClean="0">
+              <a:t>12  </a:t>
+            </a:r>
+            <a:r>
+              <a:rPr lang="en-US" altLang="en-US" sz="2400" dirty="0">
                 <a:latin typeface="Calibri" panose="020F0502020204030204" pitchFamily="34" charset="0"/>
               </a:rPr>
               <a:t>&lt; 0 </a:t>
             </a:r>
-            <a:endParaRPr lang="en-US" altLang="en-US" sz="2400" dirty="0">
-              <a:latin typeface="Calibri" panose="020F0502020204030204" pitchFamily="34" charset="0"/>
-            </a:endParaRPr>
           </a:p>
           <a:p>
             <a:pPr>
@@ -19397,25 +18960,25 @@
               <a:t>2 </a:t>
             </a:r>
             <a:r>
-              <a:rPr lang="en-US" altLang="en-US" sz="2400" dirty="0" smtClean="0">
+              <a:rPr lang="en-US" altLang="en-US" sz="2400" dirty="0">
                 <a:latin typeface="Calibri" panose="020F0502020204030204" pitchFamily="34" charset="0"/>
               </a:rPr>
               <a:t>are</a:t>
             </a:r>
             <a:r>
-              <a:rPr lang="en-US" altLang="en-US" sz="2400" baseline="-25000" dirty="0" smtClean="0">
+              <a:rPr lang="en-US" altLang="en-US" sz="2400" baseline="-25000" dirty="0">
                 <a:latin typeface="Calibri" panose="020F0502020204030204" pitchFamily="34" charset="0"/>
               </a:rPr>
               <a:t> </a:t>
             </a:r>
             <a:r>
-              <a:rPr lang="en-US" altLang="en-US" sz="2400" dirty="0" smtClean="0">
+              <a:rPr lang="en-US" altLang="en-US" sz="2400" dirty="0">
                 <a:latin typeface="Calibri" panose="020F0502020204030204" pitchFamily="34" charset="0"/>
               </a:rPr>
               <a:t>independent, </a:t>
             </a:r>
             <a:r>
-              <a:rPr lang="el-GR" altLang="en-US" sz="2400" dirty="0" smtClean="0">
+              <a:rPr lang="el-GR" altLang="en-US" sz="2400" dirty="0">
                 <a:latin typeface="Calibri" panose="020F0502020204030204" pitchFamily="34" charset="0"/>
               </a:rPr>
               <a:t>σ</a:t>
@@ -19427,38 +18990,20 @@
               <a:t>12</a:t>
             </a:r>
             <a:r>
-              <a:rPr lang="en-US" altLang="en-US" sz="2400" dirty="0" smtClean="0">
-                <a:latin typeface="Calibri" panose="020F0502020204030204" pitchFamily="34" charset="0"/>
-              </a:rPr>
-              <a:t> </a:t>
-            </a:r>
-            <a:r>
               <a:rPr lang="en-US" altLang="en-US" sz="2400" dirty="0">
                 <a:latin typeface="Calibri" panose="020F0502020204030204" pitchFamily="34" charset="0"/>
               </a:rPr>
-              <a:t>= 0 but the </a:t>
-            </a:r>
-            <a:r>
-              <a:rPr lang="en-US" altLang="en-US" sz="2400" dirty="0" smtClean="0">
-                <a:latin typeface="Calibri" panose="020F0502020204030204" pitchFamily="34" charset="0"/>
-              </a:rPr>
-              <a:t>reverse </a:t>
-            </a:r>
+              <a:t> = 0 but the reverse is not true</a:t>
+            </a:r>
+          </a:p>
+          <a:p>
+            <a:pPr lvl="1"/>
             <a:r>
               <a:rPr lang="en-US" altLang="en-US" sz="2400" dirty="0">
                 <a:latin typeface="Calibri" panose="020F0502020204030204" pitchFamily="34" charset="0"/>
               </a:rPr>
-              <a:t>is not </a:t>
-            </a:r>
-            <a:r>
-              <a:rPr lang="en-US" altLang="en-US" sz="2400" dirty="0" smtClean="0">
-                <a:latin typeface="Calibri" panose="020F0502020204030204" pitchFamily="34" charset="0"/>
-              </a:rPr>
-              <a:t>true</a:t>
-            </a:r>
-            <a:endParaRPr lang="en-US" altLang="en-US" sz="2400" dirty="0">
-              <a:latin typeface="Calibri" panose="020F0502020204030204" pitchFamily="34" charset="0"/>
-            </a:endParaRPr>
+              <a:t>Some pairs of random variables may have a covariance 0 but are not independent</a:t>
+            </a:r>
           </a:p>
           <a:p>
             <a:pPr lvl="1"/>
@@ -19466,40 +19011,7 @@
               <a:rPr lang="en-US" altLang="en-US" sz="2400" dirty="0">
                 <a:latin typeface="Calibri" panose="020F0502020204030204" pitchFamily="34" charset="0"/>
               </a:rPr>
-              <a:t>Some pairs of random variables may have a covariance </a:t>
-            </a:r>
-            <a:r>
-              <a:rPr lang="en-US" altLang="en-US" sz="2400" dirty="0" smtClean="0">
-                <a:latin typeface="Calibri" panose="020F0502020204030204" pitchFamily="34" charset="0"/>
-              </a:rPr>
-              <a:t>0 </a:t>
-            </a:r>
-            <a:r>
-              <a:rPr lang="en-US" altLang="en-US" sz="2400" dirty="0">
-                <a:latin typeface="Calibri" panose="020F0502020204030204" pitchFamily="34" charset="0"/>
-              </a:rPr>
-              <a:t>but are not </a:t>
-            </a:r>
-            <a:r>
-              <a:rPr lang="en-US" altLang="en-US" sz="2400" dirty="0" smtClean="0">
-                <a:latin typeface="Calibri" panose="020F0502020204030204" pitchFamily="34" charset="0"/>
-              </a:rPr>
-              <a:t>independent</a:t>
-            </a:r>
-          </a:p>
-          <a:p>
-            <a:pPr lvl="1"/>
-            <a:r>
-              <a:rPr lang="en-US" altLang="en-US" sz="2400" dirty="0" smtClean="0">
-                <a:latin typeface="Calibri" panose="020F0502020204030204" pitchFamily="34" charset="0"/>
-              </a:rPr>
-              <a:t>Only </a:t>
-            </a:r>
-            <a:r>
-              <a:rPr lang="en-US" altLang="en-US" sz="2400" dirty="0">
-                <a:latin typeface="Calibri" panose="020F0502020204030204" pitchFamily="34" charset="0"/>
-              </a:rPr>
-              <a:t>under some additional assumptions (e.g., the data follow multivariate normal distributions) does a covariance of 0 imply independence</a:t>
+              <a:t>Only under some additional assumptions (e.g., the data follow multivariate normal distributions) does a covariance of 0 imply independence</a:t>
             </a:r>
           </a:p>
         </p:txBody>
@@ -19510,9 +19022,7 @@
           <p:cNvGraphicFramePr>
             <a:graphicFrameLocks noChangeAspect="1"/>
           </p:cNvGraphicFramePr>
-          <p:nvPr>
-            <p:extLst/>
-          </p:nvPr>
+          <p:nvPr/>
         </p:nvGraphicFramePr>
         <p:xfrm>
           <a:off x="1878014" y="1637035"/>
@@ -19522,7 +19032,7 @@
           <a:graphicData uri="http://schemas.openxmlformats.org/presentationml/2006/ole">
             <mc:AlternateContent xmlns:mc="http://schemas.openxmlformats.org/markup-compatibility/2006">
               <mc:Choice xmlns:v="urn:schemas-microsoft-com:vml" Requires="v">
-                <p:oleObj spid="_x0000_s44125" name="Equation" r:id="rId4" imgW="4381200" imgH="228600" progId="Equation.DSMT4">
+                <p:oleObj spid="_x0000_s44128" name="Equation" r:id="rId4" imgW="4381200" imgH="228600" progId="Equation.DSMT4">
                   <p:embed/>
                 </p:oleObj>
               </mc:Choice>
@@ -19563,9 +19073,7 @@
           <p:cNvGraphicFramePr>
             <a:graphicFrameLocks noChangeAspect="1"/>
           </p:cNvGraphicFramePr>
-          <p:nvPr>
-            <p:extLst/>
-          </p:nvPr>
+          <p:nvPr/>
         </p:nvGraphicFramePr>
         <p:xfrm>
           <a:off x="5845662" y="2465141"/>
@@ -19575,7 +19083,7 @@
           <a:graphicData uri="http://schemas.openxmlformats.org/presentationml/2006/ole">
             <mc:AlternateContent xmlns:mc="http://schemas.openxmlformats.org/markup-compatibility/2006">
               <mc:Choice xmlns:v="urn:schemas-microsoft-com:vml" Requires="v">
-                <p:oleObj spid="_x0000_s44126" name="Equation" r:id="rId6" imgW="1777680" imgH="431640" progId="Equation.DSMT4">
+                <p:oleObj spid="_x0000_s44129" name="Equation" r:id="rId6" imgW="1777680" imgH="431640" progId="Equation.DSMT4">
                   <p:embed/>
                 </p:oleObj>
               </mc:Choice>
@@ -19632,7 +19140,7 @@
           <a:graphicData uri="http://schemas.openxmlformats.org/presentationml/2006/ole">
             <mc:AlternateContent xmlns:mc="http://schemas.openxmlformats.org/markup-compatibility/2006">
               <mc:Choice xmlns:v="urn:schemas-microsoft-com:vml" Requires="v">
-                <p:oleObj spid="_x0000_s44127" name="Equation" r:id="rId8" imgW="3124080" imgH="431640" progId="Equation.DSMT4">
+                <p:oleObj spid="_x0000_s44130" name="Equation" r:id="rId8" imgW="3124080" imgH="431640" progId="Equation.DSMT4">
                   <p:embed/>
                 </p:oleObj>
               </mc:Choice>
@@ -19677,21 +19185,6 @@
   <p:clrMapOvr>
     <a:masterClrMapping/>
   </p:clrMapOvr>
-  <mc:AlternateContent xmlns:mc="http://schemas.openxmlformats.org/markup-compatibility/2006" xmlns:p14="http://schemas.microsoft.com/office/powerpoint/2010/main">
-    <mc:Choice Requires="p14">
-      <p:transition spd="slow" p14:dur="2000"/>
-    </mc:Choice>
-    <mc:Fallback xmlns="">
-      <p:transition spd="slow"/>
-    </mc:Fallback>
-  </mc:AlternateContent>
-  <p:timing>
-    <p:tnLst>
-      <p:par>
-        <p:cTn id="1" dur="indefinite" restart="never" nodeType="tmRoot"/>
-      </p:par>
-    </p:tnLst>
-  </p:timing>
 </p:sld>
 </file>
 
@@ -19735,7 +19228,7 @@
           <a:lstStyle/>
           <a:p>
             <a:r>
-              <a:rPr lang="en-US" altLang="en-US" dirty="0" smtClean="0"/>
+              <a:rPr lang="en-US" altLang="en-US" dirty="0"/>
               <a:t>Example:  Calculation of Covariance</a:t>
             </a:r>
           </a:p>
@@ -19768,68 +19261,35 @@
               <a:defRPr/>
             </a:pPr>
             <a:r>
-              <a:rPr lang="en-US" sz="2400" dirty="0" smtClean="0">
-                <a:latin typeface="Calibri" pitchFamily="34" charset="0"/>
-              </a:rPr>
-              <a:t>Suppose </a:t>
-            </a:r>
-            <a:r>
               <a:rPr lang="en-US" sz="2400" dirty="0">
                 <a:latin typeface="Calibri" pitchFamily="34" charset="0"/>
               </a:rPr>
-              <a:t>two stocks </a:t>
-            </a:r>
-            <a:r>
-              <a:rPr lang="en-US" sz="2400" dirty="0" smtClean="0">
-                <a:latin typeface="Calibri" pitchFamily="34" charset="0"/>
-              </a:rPr>
-              <a:t>X</a:t>
-            </a:r>
-            <a:r>
-              <a:rPr lang="en-US" sz="2400" baseline="-25000" dirty="0" smtClean="0">
+              <a:t>Suppose two stocks X</a:t>
+            </a:r>
+            <a:r>
+              <a:rPr lang="en-US" sz="2400" baseline="-25000" dirty="0">
                 <a:latin typeface="Calibri" pitchFamily="34" charset="0"/>
               </a:rPr>
               <a:t>1</a:t>
             </a:r>
             <a:r>
-              <a:rPr lang="en-US" sz="2400" dirty="0" smtClean="0">
-                <a:latin typeface="Calibri" pitchFamily="34" charset="0"/>
-              </a:rPr>
-              <a:t> </a:t>
-            </a:r>
-            <a:r>
               <a:rPr lang="en-US" sz="2400" dirty="0">
                 <a:latin typeface="Calibri" pitchFamily="34" charset="0"/>
               </a:rPr>
-              <a:t>and </a:t>
-            </a:r>
-            <a:r>
-              <a:rPr lang="en-US" sz="2400" dirty="0" smtClean="0">
-                <a:latin typeface="Calibri" pitchFamily="34" charset="0"/>
-              </a:rPr>
-              <a:t>X</a:t>
-            </a:r>
-            <a:r>
-              <a:rPr lang="en-US" sz="2400" baseline="-25000" dirty="0" smtClean="0">
+              <a:t> and X</a:t>
+            </a:r>
+            <a:r>
+              <a:rPr lang="en-US" sz="2400" baseline="-25000" dirty="0">
                 <a:latin typeface="Calibri" pitchFamily="34" charset="0"/>
               </a:rPr>
               <a:t>2</a:t>
             </a:r>
             <a:r>
-              <a:rPr lang="en-US" sz="2400" dirty="0" smtClean="0">
-                <a:latin typeface="Calibri" pitchFamily="34" charset="0"/>
-              </a:rPr>
-              <a:t> </a:t>
-            </a:r>
-            <a:r>
               <a:rPr lang="en-US" sz="2400" dirty="0">
                 <a:latin typeface="Calibri" pitchFamily="34" charset="0"/>
               </a:rPr>
-              <a:t>have the following values in one week:  </a:t>
-            </a:r>
-            <a:endParaRPr lang="en-US" sz="2400" dirty="0" smtClean="0">
-              <a:latin typeface="Calibri" pitchFamily="34" charset="0"/>
-            </a:endParaRPr>
+              <a:t> have the following values in one week:  </a:t>
+            </a:r>
           </a:p>
           <a:p>
             <a:pPr lvl="2">
@@ -19839,26 +19299,11 @@
               <a:defRPr/>
             </a:pPr>
             <a:r>
-              <a:rPr lang="en-US" sz="2400" dirty="0" smtClean="0">
-                <a:latin typeface="Calibri" pitchFamily="34" charset="0"/>
-              </a:rPr>
-              <a:t>(</a:t>
-            </a:r>
-            <a:r>
               <a:rPr lang="en-US" sz="2400" dirty="0">
                 <a:latin typeface="Calibri" pitchFamily="34" charset="0"/>
               </a:rPr>
-              <a:t>2, 5), (3, 8), (5, 10), (4, 11), (6, 14</a:t>
-            </a:r>
-            <a:r>
-              <a:rPr lang="en-US" sz="2400" dirty="0" smtClean="0">
-                <a:latin typeface="Calibri" pitchFamily="34" charset="0"/>
-              </a:rPr>
-              <a:t>)</a:t>
-            </a:r>
-            <a:endParaRPr lang="en-US" sz="2400" dirty="0">
-              <a:latin typeface="Calibri" pitchFamily="34" charset="0"/>
-            </a:endParaRPr>
+              <a:t>(2, 5), (3, 8), (5, 10), (4, 11), (6, 14)</a:t>
+            </a:r>
           </a:p>
           <a:p>
             <a:pPr>
@@ -19871,13 +19316,7 @@
               <a:rPr lang="en-US" sz="2400" dirty="0">
                 <a:latin typeface="Calibri" pitchFamily="34" charset="0"/>
               </a:rPr>
-              <a:t>Question:  If the stocks are affected by the same industry trends, will their prices rise or fall together</a:t>
-            </a:r>
-            <a:r>
-              <a:rPr lang="en-US" sz="2400" dirty="0" smtClean="0">
-                <a:latin typeface="Calibri" pitchFamily="34" charset="0"/>
-              </a:rPr>
-              <a:t>?</a:t>
+              <a:t>Question:  If the stocks are affected by the same industry trends, will their prices rise or fall together?</a:t>
             </a:r>
           </a:p>
           <a:p>
@@ -19938,16 +19377,10 @@
               <a:t>1</a:t>
             </a:r>
             <a:r>
-              <a:rPr lang="en-US" sz="2400" dirty="0" smtClean="0">
-                <a:latin typeface="Calibri" pitchFamily="34" charset="0"/>
-              </a:rPr>
-              <a:t>) </a:t>
-            </a:r>
-            <a:r>
               <a:rPr lang="en-US" sz="2400" dirty="0">
                 <a:latin typeface="Calibri" pitchFamily="34" charset="0"/>
               </a:rPr>
-              <a:t>= (2 + 3 + 5 + 4 + 6)/ 5 = 20/5 = 4</a:t>
+              <a:t>) = (2 + 3 + 5 + 4 + 6)/ 5 = 20/5 = 4</a:t>
             </a:r>
           </a:p>
           <a:p>
@@ -19970,16 +19403,10 @@
               <a:t>2</a:t>
             </a:r>
             <a:r>
-              <a:rPr lang="en-US" sz="2400" dirty="0" smtClean="0">
-                <a:latin typeface="Calibri" pitchFamily="34" charset="0"/>
-              </a:rPr>
-              <a:t>) </a:t>
-            </a:r>
-            <a:r>
               <a:rPr lang="en-US" sz="2400" dirty="0">
                 <a:latin typeface="Calibri" pitchFamily="34" charset="0"/>
               </a:rPr>
-              <a:t>= (5 + 8 + 10 + 11 + 14) /5 = 48/5 = 9.6</a:t>
+              <a:t>) = (5 + 8 + 10 + 11 + 14) /5 = 48/5 = 9.6</a:t>
             </a:r>
           </a:p>
           <a:p>
@@ -20002,28 +19429,10 @@
               <a:t>12</a:t>
             </a:r>
             <a:r>
-              <a:rPr lang="en-US" sz="2400" dirty="0" smtClean="0">
-                <a:latin typeface="Calibri" pitchFamily="34" charset="0"/>
-              </a:rPr>
-              <a:t> </a:t>
-            </a:r>
-            <a:r>
               <a:rPr lang="en-US" sz="2400" dirty="0">
                 <a:latin typeface="Calibri" pitchFamily="34" charset="0"/>
               </a:rPr>
-              <a:t>= (</a:t>
-            </a:r>
-            <a:r>
-              <a:rPr lang="en-US" sz="2400" dirty="0" smtClean="0">
-                <a:latin typeface="Calibri" pitchFamily="34" charset="0"/>
-              </a:rPr>
-              <a:t>2×5 + 3×8 + 5×10 + 4×11 + 6×14</a:t>
-            </a:r>
-            <a:r>
-              <a:rPr lang="en-US" sz="2400" dirty="0">
-                <a:latin typeface="Calibri" pitchFamily="34" charset="0"/>
-              </a:rPr>
-              <a:t>)/5 − 4 × 9.6 = 4</a:t>
+              <a:t> = (2×5 + 3×8 + 5×10 + 4×11 + 6×14)/5 − 4 × 9.6 = 4</a:t>
             </a:r>
           </a:p>
           <a:p>
@@ -20079,13 +19488,7 @@
               <a:rPr lang="en-US" sz="2400" dirty="0">
                 <a:latin typeface="Calibri" pitchFamily="34" charset="0"/>
               </a:rPr>
-              <a:t> &gt; </a:t>
-            </a:r>
-            <a:r>
-              <a:rPr lang="en-US" sz="2400" dirty="0" smtClean="0">
-                <a:latin typeface="Calibri" pitchFamily="34" charset="0"/>
-              </a:rPr>
-              <a:t>0</a:t>
+              <a:t> &gt; 0</a:t>
             </a:r>
           </a:p>
         </p:txBody>
@@ -20096,9 +19499,7 @@
           <p:cNvGraphicFramePr>
             <a:graphicFrameLocks noChangeAspect="1"/>
           </p:cNvGraphicFramePr>
-          <p:nvPr>
-            <p:extLst/>
-          </p:nvPr>
+          <p:nvPr/>
         </p:nvGraphicFramePr>
         <p:xfrm>
           <a:off x="1447155" y="3585335"/>
@@ -20108,7 +19509,7 @@
           <a:graphicData uri="http://schemas.openxmlformats.org/presentationml/2006/ole">
             <mc:AlternateContent xmlns:mc="http://schemas.openxmlformats.org/markup-compatibility/2006">
               <mc:Choice xmlns:v="urn:schemas-microsoft-com:vml" Requires="v">
-                <p:oleObj spid="_x0000_s45119" name="Equation" r:id="rId4" imgW="4381200" imgH="228600" progId="Equation.DSMT4">
+                <p:oleObj spid="_x0000_s45121" name="Equation" r:id="rId4" imgW="4381200" imgH="228600" progId="Equation.DSMT4">
                   <p:embed/>
                 </p:oleObj>
               </mc:Choice>
@@ -20149,9 +19550,7 @@
           <p:cNvGraphicFramePr>
             <a:graphicFrameLocks noChangeAspect="1"/>
           </p:cNvGraphicFramePr>
-          <p:nvPr>
-            <p:extLst/>
-          </p:nvPr>
+          <p:nvPr/>
         </p:nvGraphicFramePr>
         <p:xfrm>
           <a:off x="5904990" y="4150053"/>
@@ -20161,7 +19560,7 @@
           <a:graphicData uri="http://schemas.openxmlformats.org/presentationml/2006/ole">
             <mc:AlternateContent xmlns:mc="http://schemas.openxmlformats.org/markup-compatibility/2006">
               <mc:Choice xmlns:v="urn:schemas-microsoft-com:vml" Requires="v">
-                <p:oleObj spid="_x0000_s45120" name="Equation" r:id="rId6" imgW="1803240" imgH="228600" progId="Equation.DSMT4">
+                <p:oleObj spid="_x0000_s45122" name="Equation" r:id="rId6" imgW="1803240" imgH="228600" progId="Equation.DSMT4">
                   <p:embed/>
                 </p:oleObj>
               </mc:Choice>
@@ -20206,21 +19605,6 @@
   <p:clrMapOvr>
     <a:masterClrMapping/>
   </p:clrMapOvr>
-  <mc:AlternateContent xmlns:mc="http://schemas.openxmlformats.org/markup-compatibility/2006" xmlns:p14="http://schemas.microsoft.com/office/powerpoint/2010/main">
-    <mc:Choice Requires="p14">
-      <p:transition spd="slow" p14:dur="2000"/>
-    </mc:Choice>
-    <mc:Fallback xmlns="">
-      <p:transition spd="slow"/>
-    </mc:Fallback>
-  </mc:AlternateContent>
-  <p:timing>
-    <p:tnLst>
-      <p:par>
-        <p:cTn id="1" dur="indefinite" restart="never" nodeType="tmRoot"/>
-      </p:par>
-    </p:tnLst>
-  </p:timing>
 </p:sld>
 </file>
 
@@ -20310,16 +19694,10 @@
               </a:lnSpc>
             </a:pPr>
             <a:r>
-              <a:rPr lang="en-US" altLang="en-US" dirty="0" smtClean="0">
-                <a:latin typeface="Calibri" panose="020F0502020204030204" pitchFamily="34" charset="0"/>
-              </a:rPr>
-              <a:t>Data </a:t>
-            </a:r>
-            <a:r>
               <a:rPr lang="en-US" altLang="en-US" dirty="0">
                 <a:latin typeface="Calibri" panose="020F0502020204030204" pitchFamily="34" charset="0"/>
               </a:rPr>
-              <a:t>Cleaning</a:t>
+              <a:t>Data Cleaning</a:t>
             </a:r>
           </a:p>
           <a:p>
@@ -20345,17 +19723,8 @@
               <a:rPr lang="en-US" altLang="en-US" dirty="0">
                 <a:latin typeface="Calibri" panose="020F0502020204030204" pitchFamily="34" charset="0"/>
               </a:rPr>
-              <a:t>Data Reduction and </a:t>
-            </a:r>
-            <a:r>
-              <a:rPr lang="en-US" altLang="en-US" dirty="0" smtClean="0">
-                <a:latin typeface="Calibri" panose="020F0502020204030204" pitchFamily="34" charset="0"/>
-              </a:rPr>
-              <a:t>Transformation </a:t>
-            </a:r>
-            <a:endParaRPr lang="en-US" altLang="en-US" dirty="0">
-              <a:latin typeface="Calibri" panose="020F0502020204030204" pitchFamily="34" charset="0"/>
-            </a:endParaRPr>
+              <a:t>Data Reduction and Transformation </a:t>
+            </a:r>
           </a:p>
           <a:p>
             <a:pPr>
@@ -20364,20 +19733,11 @@
               </a:lnSpc>
             </a:pPr>
             <a:r>
-              <a:rPr lang="en-US" altLang="en-US" dirty="0" smtClean="0">
-                <a:latin typeface="Calibri" panose="020F0502020204030204" pitchFamily="34" charset="0"/>
-              </a:rPr>
-              <a:t>Dimensionality </a:t>
-            </a:r>
-            <a:r>
               <a:rPr lang="en-US" altLang="en-US" dirty="0">
                 <a:latin typeface="Calibri" panose="020F0502020204030204" pitchFamily="34" charset="0"/>
               </a:rPr>
-              <a:t>Reduction </a:t>
-            </a:r>
-            <a:endParaRPr lang="en-US" altLang="en-US" dirty="0" smtClean="0">
-              <a:latin typeface="Calibri" panose="020F0502020204030204" pitchFamily="34" charset="0"/>
-            </a:endParaRPr>
+              <a:t>Dimensionality Reduction </a:t>
+            </a:r>
           </a:p>
           <a:p>
             <a:pPr>
@@ -20386,14 +19746,11 @@
               </a:lnSpc>
             </a:pPr>
             <a:r>
-              <a:rPr lang="en-US" altLang="en-US" dirty="0" smtClean="0">
+              <a:rPr lang="en-US" altLang="en-US" dirty="0">
                 <a:latin typeface="Calibri" panose="020F0502020204030204" pitchFamily="34" charset="0"/>
               </a:rPr>
               <a:t>Summary</a:t>
             </a:r>
-            <a:endParaRPr lang="en-US" altLang="en-US" dirty="0">
-              <a:latin typeface="Calibri" panose="020F0502020204030204" pitchFamily="34" charset="0"/>
-            </a:endParaRPr>
           </a:p>
         </p:txBody>
       </p:sp>
@@ -20547,13 +19904,6 @@
   <p:transition>
     <p:zoom/>
   </p:transition>
-  <p:timing>
-    <p:tnLst>
-      <p:par>
-        <p:cTn id="1" dur="indefinite" restart="never" nodeType="tmRoot"/>
-      </p:par>
-    </p:tnLst>
-  </p:timing>
 </p:sld>
 </file>
 
@@ -20598,11 +19948,7 @@
           <a:p>
             <a:r>
               <a:rPr lang="en-US" altLang="en-US" dirty="0"/>
-              <a:t>Correlation </a:t>
-            </a:r>
-            <a:r>
-              <a:rPr lang="en-US" altLang="en-US" dirty="0" smtClean="0"/>
-              <a:t>between Two Numerical Variables</a:t>
+              <a:t>Correlation between Two Numerical Variables</a:t>
             </a:r>
           </a:p>
         </p:txBody>
@@ -20645,19 +19991,7 @@
               <a:rPr lang="en-US" altLang="en-US" sz="2400" dirty="0">
                 <a:latin typeface="Calibri" panose="020F0502020204030204" pitchFamily="34" charset="0"/>
               </a:rPr>
-              <a:t> </a:t>
-            </a:r>
-            <a:r>
-              <a:rPr lang="en-US" altLang="en-US" sz="2400" dirty="0" smtClean="0">
-                <a:latin typeface="Calibri" panose="020F0502020204030204" pitchFamily="34" charset="0"/>
-              </a:rPr>
-              <a:t>between two </a:t>
-            </a:r>
-            <a:r>
-              <a:rPr lang="en-US" altLang="en-US" sz="2400" dirty="0">
-                <a:latin typeface="Calibri" panose="020F0502020204030204" pitchFamily="34" charset="0"/>
-              </a:rPr>
-              <a:t>variables X</a:t>
+              <a:t> between two variables X</a:t>
             </a:r>
             <a:r>
               <a:rPr lang="en-US" altLang="en-US" sz="2400" baseline="-25000" dirty="0">
@@ -20669,29 +20003,20 @@
               <a:rPr lang="en-US" altLang="en-US" sz="2400" dirty="0">
                 <a:latin typeface="Calibri" panose="020F0502020204030204" pitchFamily="34" charset="0"/>
               </a:rPr>
-              <a:t>and </a:t>
-            </a:r>
-            <a:r>
-              <a:rPr lang="en-US" altLang="en-US" sz="2400" dirty="0" smtClean="0">
-                <a:latin typeface="Calibri" panose="020F0502020204030204" pitchFamily="34" charset="0"/>
-              </a:rPr>
-              <a:t>X</a:t>
-            </a:r>
-            <a:r>
-              <a:rPr lang="en-US" altLang="en-US" sz="2400" baseline="-25000" dirty="0" smtClean="0">
+              <a:t>and X</a:t>
+            </a:r>
+            <a:r>
+              <a:rPr lang="en-US" altLang="en-US" sz="2400" baseline="-25000" dirty="0">
                 <a:latin typeface="Calibri" panose="020F0502020204030204" pitchFamily="34" charset="0"/>
               </a:rPr>
               <a:t>2 </a:t>
             </a:r>
             <a:r>
-              <a:rPr lang="en-US" altLang="en-US" sz="2400" dirty="0" smtClean="0">
+              <a:rPr lang="en-US" altLang="en-US" sz="2400" dirty="0">
                 <a:latin typeface="Calibri" panose="020F0502020204030204" pitchFamily="34" charset="0"/>
               </a:rPr>
               <a:t>is the standard covariance, obtained by normalizing the covariance with the standard deviation of each variable</a:t>
             </a:r>
-            <a:endParaRPr lang="en-US" altLang="en-US" sz="2400" dirty="0">
-              <a:latin typeface="Calibri" panose="020F0502020204030204" pitchFamily="34" charset="0"/>
-            </a:endParaRPr>
           </a:p>
           <a:p>
             <a:pPr>
@@ -20710,7 +20035,7 @@
               </a:spcAft>
             </a:pPr>
             <a:r>
-              <a:rPr lang="en-US" altLang="en-US" sz="2400" b="1" dirty="0" smtClean="0">
+              <a:rPr lang="en-US" altLang="en-US" sz="2400" b="1" dirty="0">
                 <a:latin typeface="Calibri" panose="020F0502020204030204" pitchFamily="34" charset="0"/>
               </a:rPr>
               <a:t>Sample correlation </a:t>
@@ -20719,19 +20044,7 @@
               <a:rPr lang="en-US" altLang="en-US" sz="2400" dirty="0">
                 <a:latin typeface="Calibri" panose="020F0502020204030204" pitchFamily="34" charset="0"/>
               </a:rPr>
-              <a:t>for </a:t>
-            </a:r>
-            <a:r>
-              <a:rPr lang="en-US" altLang="en-US" sz="2400" dirty="0" smtClean="0">
-                <a:latin typeface="Calibri" panose="020F0502020204030204" pitchFamily="34" charset="0"/>
-              </a:rPr>
-              <a:t>two attributes </a:t>
-            </a:r>
-            <a:r>
-              <a:rPr lang="en-US" altLang="en-US" sz="2400" dirty="0">
-                <a:latin typeface="Calibri" panose="020F0502020204030204" pitchFamily="34" charset="0"/>
-              </a:rPr>
-              <a:t>X</a:t>
+              <a:t>for two attributes X</a:t>
             </a:r>
             <a:r>
               <a:rPr lang="en-US" altLang="en-US" sz="2400" baseline="-25000" dirty="0">
@@ -20743,22 +20056,16 @@
               <a:rPr lang="en-US" altLang="en-US" sz="2400" dirty="0">
                 <a:latin typeface="Calibri" panose="020F0502020204030204" pitchFamily="34" charset="0"/>
               </a:rPr>
-              <a:t>and </a:t>
-            </a:r>
-            <a:r>
-              <a:rPr lang="en-US" altLang="en-US" sz="2400" dirty="0" smtClean="0">
-                <a:latin typeface="Calibri" panose="020F0502020204030204" pitchFamily="34" charset="0"/>
-              </a:rPr>
-              <a:t>X</a:t>
-            </a:r>
-            <a:r>
-              <a:rPr lang="en-US" altLang="en-US" sz="2400" baseline="-25000" dirty="0" smtClean="0">
+              <a:t>and X</a:t>
+            </a:r>
+            <a:r>
+              <a:rPr lang="en-US" altLang="en-US" sz="2400" baseline="-25000" dirty="0">
                 <a:latin typeface="Calibri" panose="020F0502020204030204" pitchFamily="34" charset="0"/>
               </a:rPr>
               <a:t>2</a:t>
             </a:r>
             <a:r>
-              <a:rPr lang="en-US" altLang="en-US" sz="2400" dirty="0" smtClean="0">
+              <a:rPr lang="en-US" altLang="en-US" sz="2400" dirty="0">
                 <a:latin typeface="Calibri" panose="020F0502020204030204" pitchFamily="34" charset="0"/>
               </a:rPr>
               <a:t>:</a:t>
@@ -20771,7 +20078,7 @@
               </a:spcAft>
               <a:buNone/>
             </a:pPr>
-            <a:endParaRPr lang="en-US" altLang="en-US" sz="2400" dirty="0" smtClean="0">
+            <a:endParaRPr lang="en-US" altLang="en-US" sz="2400" dirty="0">
               <a:latin typeface="Calibri" panose="020F0502020204030204" pitchFamily="34" charset="0"/>
             </a:endParaRPr>
           </a:p>
@@ -20783,34 +20090,70 @@
               <a:buNone/>
             </a:pPr>
             <a:r>
-              <a:rPr lang="en-US" altLang="en-US" sz="2400" dirty="0" smtClean="0">
-                <a:latin typeface="Calibri" panose="020F0502020204030204" pitchFamily="34" charset="0"/>
-              </a:rPr>
-              <a:t>where n </a:t>
-            </a:r>
-            <a:r>
               <a:rPr lang="en-US" altLang="en-US" sz="2400" dirty="0">
                 <a:latin typeface="Calibri" panose="020F0502020204030204" pitchFamily="34" charset="0"/>
               </a:rPr>
-              <a:t>is the number of tuples, </a:t>
-            </a:r>
-            <a:r>
-              <a:rPr lang="en-US" altLang="en-US" sz="2400" dirty="0" smtClean="0">
-                <a:latin typeface="Calibri" panose="020F0502020204030204" pitchFamily="34" charset="0"/>
-              </a:rPr>
-              <a:t>µ</a:t>
-            </a:r>
-            <a:r>
-              <a:rPr lang="en-US" altLang="en-US" sz="2400" baseline="-25000" dirty="0" smtClean="0">
+              <a:t>where n is the number of tuples, µ</a:t>
+            </a:r>
+            <a:r>
+              <a:rPr lang="en-US" altLang="en-US" sz="2400" baseline="-25000" dirty="0">
                 <a:latin typeface="Calibri" panose="020F0502020204030204" pitchFamily="34" charset="0"/>
               </a:rPr>
               <a:t>1</a:t>
             </a:r>
             <a:r>
-              <a:rPr lang="en-US" altLang="en-US" sz="2400" dirty="0" smtClean="0">
+              <a:rPr lang="en-US" altLang="en-US" sz="2400" dirty="0">
                 <a:latin typeface="Calibri" panose="020F0502020204030204" pitchFamily="34" charset="0"/>
               </a:rPr>
-              <a:t> </a:t>
+              <a:t> and µ</a:t>
+            </a:r>
+            <a:r>
+              <a:rPr lang="en-US" altLang="en-US" sz="2400" baseline="-25000" dirty="0">
+                <a:latin typeface="Calibri" panose="020F0502020204030204" pitchFamily="34" charset="0"/>
+              </a:rPr>
+              <a:t>2</a:t>
+            </a:r>
+            <a:r>
+              <a:rPr lang="en-US" altLang="en-US" sz="2400" dirty="0">
+                <a:latin typeface="Calibri" panose="020F0502020204030204" pitchFamily="34" charset="0"/>
+              </a:rPr>
+              <a:t> are the respective means of X</a:t>
+            </a:r>
+            <a:r>
+              <a:rPr lang="en-US" altLang="en-US" sz="2400" baseline="-25000" dirty="0">
+                <a:latin typeface="Calibri" panose="020F0502020204030204" pitchFamily="34" charset="0"/>
+              </a:rPr>
+              <a:t>1</a:t>
+            </a:r>
+            <a:r>
+              <a:rPr lang="en-US" altLang="en-US" sz="2400" dirty="0">
+                <a:latin typeface="Calibri" panose="020F0502020204030204" pitchFamily="34" charset="0"/>
+              </a:rPr>
+              <a:t> and X</a:t>
+            </a:r>
+            <a:r>
+              <a:rPr lang="en-US" altLang="en-US" sz="2400" baseline="-25000" dirty="0">
+                <a:latin typeface="Calibri" panose="020F0502020204030204" pitchFamily="34" charset="0"/>
+              </a:rPr>
+              <a:t>2 </a:t>
+            </a:r>
+            <a:r>
+              <a:rPr lang="en-US" altLang="en-US" sz="2400" dirty="0">
+                <a:latin typeface="Calibri" panose="020F0502020204030204" pitchFamily="34" charset="0"/>
+              </a:rPr>
+              <a:t>, </a:t>
+            </a:r>
+            <a:r>
+              <a:rPr lang="el-GR" altLang="en-US" sz="2400" dirty="0">
+                <a:latin typeface="Calibri" panose="020F0502020204030204" pitchFamily="34" charset="0"/>
+              </a:rPr>
+              <a:t>σ</a:t>
+            </a:r>
+            <a:r>
+              <a:rPr lang="en-US" altLang="en-US" sz="2400" baseline="-25000" dirty="0">
+                <a:latin typeface="Calibri" panose="020F0502020204030204" pitchFamily="34" charset="0"/>
+              </a:rPr>
+              <a:t>1 </a:t>
             </a:r>
             <a:r>
               <a:rPr lang="en-US" altLang="en-US" sz="2400" dirty="0">
@@ -20819,34 +20162,22 @@
               <a:t>and </a:t>
             </a:r>
             <a:r>
-              <a:rPr lang="en-US" altLang="en-US" sz="2400" dirty="0" smtClean="0">
+              <a:rPr lang="el-GR" altLang="en-US" sz="2400" dirty="0">
                 <a:latin typeface="Calibri" panose="020F0502020204030204" pitchFamily="34" charset="0"/>
               </a:rPr>
-              <a:t>µ</a:t>
-            </a:r>
-            <a:r>
-              <a:rPr lang="en-US" altLang="en-US" sz="2400" baseline="-25000" dirty="0" smtClean="0">
+              <a:t>σ</a:t>
+            </a:r>
+            <a:r>
+              <a:rPr lang="en-US" altLang="en-US" sz="2400" baseline="-25000" dirty="0">
                 <a:latin typeface="Calibri" panose="020F0502020204030204" pitchFamily="34" charset="0"/>
               </a:rPr>
-              <a:t>2</a:t>
+              <a:t>2 </a:t>
             </a:r>
             <a:r>
               <a:rPr lang="en-US" altLang="en-US" sz="2400" dirty="0">
                 <a:latin typeface="Calibri" panose="020F0502020204030204" pitchFamily="34" charset="0"/>
               </a:rPr>
-              <a:t> </a:t>
-            </a:r>
-            <a:r>
-              <a:rPr lang="en-US" altLang="en-US" sz="2400" dirty="0" smtClean="0">
-                <a:latin typeface="Calibri" panose="020F0502020204030204" pitchFamily="34" charset="0"/>
-              </a:rPr>
-              <a:t>are </a:t>
-            </a:r>
-            <a:r>
-              <a:rPr lang="en-US" altLang="en-US" sz="2400" dirty="0">
-                <a:latin typeface="Calibri" panose="020F0502020204030204" pitchFamily="34" charset="0"/>
-              </a:rPr>
-              <a:t>the respective means of X</a:t>
+              <a:t>are the respective standard deviation of X</a:t>
             </a:r>
             <a:r>
               <a:rPr lang="en-US" altLang="en-US" sz="2400" baseline="-25000" dirty="0">
@@ -20855,103 +20186,13 @@
               <a:t>1</a:t>
             </a:r>
             <a:r>
-              <a:rPr lang="en-US" altLang="en-US" sz="2400" dirty="0" smtClean="0">
-                <a:latin typeface="Calibri" panose="020F0502020204030204" pitchFamily="34" charset="0"/>
-              </a:rPr>
-              <a:t> </a:t>
-            </a:r>
-            <a:r>
               <a:rPr lang="en-US" altLang="en-US" sz="2400" dirty="0">
                 <a:latin typeface="Calibri" panose="020F0502020204030204" pitchFamily="34" charset="0"/>
               </a:rPr>
-              <a:t>and </a:t>
-            </a:r>
-            <a:r>
-              <a:rPr lang="en-US" altLang="en-US" sz="2400" dirty="0" smtClean="0">
-                <a:latin typeface="Calibri" panose="020F0502020204030204" pitchFamily="34" charset="0"/>
-              </a:rPr>
-              <a:t>X</a:t>
-            </a:r>
-            <a:r>
-              <a:rPr lang="en-US" altLang="en-US" sz="2400" baseline="-25000" dirty="0" smtClean="0">
-                <a:latin typeface="Calibri" panose="020F0502020204030204" pitchFamily="34" charset="0"/>
-              </a:rPr>
-              <a:t>2 </a:t>
-            </a:r>
-            <a:r>
-              <a:rPr lang="en-US" altLang="en-US" sz="2400" dirty="0" smtClean="0">
-                <a:latin typeface="Calibri" panose="020F0502020204030204" pitchFamily="34" charset="0"/>
-              </a:rPr>
-              <a:t>, </a:t>
-            </a:r>
-            <a:r>
-              <a:rPr lang="el-GR" altLang="en-US" sz="2400" dirty="0" smtClean="0">
-                <a:latin typeface="Calibri" panose="020F0502020204030204" pitchFamily="34" charset="0"/>
-              </a:rPr>
-              <a:t>σ</a:t>
-            </a:r>
-            <a:r>
-              <a:rPr lang="en-US" altLang="en-US" sz="2400" baseline="-25000" dirty="0" smtClean="0">
-                <a:latin typeface="Calibri" panose="020F0502020204030204" pitchFamily="34" charset="0"/>
-              </a:rPr>
-              <a:t>1 </a:t>
-            </a:r>
-            <a:r>
-              <a:rPr lang="en-US" altLang="en-US" sz="2400" dirty="0">
-                <a:latin typeface="Calibri" panose="020F0502020204030204" pitchFamily="34" charset="0"/>
-              </a:rPr>
-              <a:t>and </a:t>
-            </a:r>
-            <a:r>
-              <a:rPr lang="el-GR" altLang="en-US" sz="2400" dirty="0" smtClean="0">
-                <a:latin typeface="Calibri" panose="020F0502020204030204" pitchFamily="34" charset="0"/>
-              </a:rPr>
-              <a:t>σ</a:t>
-            </a:r>
-            <a:r>
-              <a:rPr lang="en-US" altLang="en-US" sz="2400" baseline="-25000" dirty="0" smtClean="0">
-                <a:latin typeface="Calibri" panose="020F0502020204030204" pitchFamily="34" charset="0"/>
-              </a:rPr>
-              <a:t>2 </a:t>
-            </a:r>
-            <a:r>
-              <a:rPr lang="en-US" altLang="en-US" sz="2400" dirty="0">
-                <a:latin typeface="Calibri" panose="020F0502020204030204" pitchFamily="34" charset="0"/>
-              </a:rPr>
-              <a:t>are the respective standard deviation of </a:t>
-            </a:r>
-            <a:r>
-              <a:rPr lang="en-US" altLang="en-US" sz="2400" dirty="0" smtClean="0">
-                <a:latin typeface="Calibri" panose="020F0502020204030204" pitchFamily="34" charset="0"/>
-              </a:rPr>
-              <a:t>X</a:t>
-            </a:r>
-            <a:r>
-              <a:rPr lang="en-US" altLang="en-US" sz="2400" baseline="-25000" dirty="0" smtClean="0">
-                <a:latin typeface="Calibri" panose="020F0502020204030204" pitchFamily="34" charset="0"/>
-              </a:rPr>
-              <a:t>1</a:t>
-            </a:r>
-            <a:r>
-              <a:rPr lang="en-US" altLang="en-US" sz="2400" dirty="0" smtClean="0">
-                <a:latin typeface="Calibri" panose="020F0502020204030204" pitchFamily="34" charset="0"/>
-              </a:rPr>
-              <a:t> </a:t>
-            </a:r>
-            <a:r>
-              <a:rPr lang="en-US" altLang="en-US" sz="2400" dirty="0">
-                <a:latin typeface="Calibri" panose="020F0502020204030204" pitchFamily="34" charset="0"/>
-              </a:rPr>
-              <a:t>and </a:t>
-            </a:r>
-            <a:r>
-              <a:rPr lang="en-US" altLang="en-US" sz="2400" dirty="0" smtClean="0">
-                <a:latin typeface="Calibri" panose="020F0502020204030204" pitchFamily="34" charset="0"/>
-              </a:rPr>
-              <a:t>X</a:t>
-            </a:r>
-            <a:r>
-              <a:rPr lang="en-US" altLang="en-US" sz="2400" baseline="-25000" dirty="0" smtClean="0">
+              <a:t> and X</a:t>
+            </a:r>
+            <a:r>
+              <a:rPr lang="en-US" altLang="en-US" sz="2400" baseline="-25000" dirty="0">
                 <a:latin typeface="Calibri" panose="020F0502020204030204" pitchFamily="34" charset="0"/>
               </a:rPr>
               <a:t>2</a:t>
@@ -20964,85 +20205,49 @@
               </a:spcAft>
             </a:pPr>
             <a:r>
-              <a:rPr lang="en-US" altLang="en-US" sz="2400" dirty="0" smtClean="0">
+              <a:rPr lang="en-US" altLang="en-US" sz="2400" dirty="0">
                 <a:latin typeface="Calibri" panose="020F0502020204030204" pitchFamily="34" charset="0"/>
               </a:rPr>
               <a:t>If </a:t>
             </a:r>
             <a:r>
-              <a:rPr lang="el-GR" altLang="en-US" sz="2400" dirty="0" smtClean="0">
+              <a:rPr lang="el-GR" altLang="en-US" sz="2400" dirty="0">
                 <a:latin typeface="Calibri" panose="020F0502020204030204" pitchFamily="34" charset="0"/>
               </a:rPr>
               <a:t>ρ</a:t>
             </a:r>
             <a:r>
-              <a:rPr lang="en-US" altLang="en-US" sz="2400" baseline="-25000" dirty="0" smtClean="0">
+              <a:rPr lang="en-US" altLang="en-US" sz="2400" baseline="-25000" dirty="0">
                 <a:latin typeface="Calibri" panose="020F0502020204030204" pitchFamily="34" charset="0"/>
               </a:rPr>
               <a:t>12</a:t>
             </a:r>
             <a:r>
-              <a:rPr lang="en-US" altLang="en-US" sz="2400" dirty="0" smtClean="0">
-                <a:latin typeface="Calibri" panose="020F0502020204030204" pitchFamily="34" charset="0"/>
-              </a:rPr>
-              <a:t> </a:t>
-            </a:r>
-            <a:r>
               <a:rPr lang="en-US" altLang="en-US" sz="2400" dirty="0">
                 <a:latin typeface="Calibri" panose="020F0502020204030204" pitchFamily="34" charset="0"/>
               </a:rPr>
-              <a:t>&gt; </a:t>
-            </a:r>
-            <a:r>
-              <a:rPr lang="en-US" altLang="en-US" sz="2400" dirty="0" smtClean="0">
+              <a:t> &gt; 0: A and B are positively correlated (X</a:t>
+            </a:r>
+            <a:r>
+              <a:rPr lang="en-US" altLang="en-US" sz="2400" baseline="-25000" dirty="0">
                 <a:latin typeface="Calibri" panose="020F0502020204030204" pitchFamily="34" charset="0"/>
               </a:rPr>
-              <a:t>0: A </a:t>
+              <a:t>1</a:t>
             </a:r>
             <a:r>
               <a:rPr lang="en-US" altLang="en-US" sz="2400" dirty="0">
                 <a:latin typeface="Calibri" panose="020F0502020204030204" pitchFamily="34" charset="0"/>
               </a:rPr>
-              <a:t>and B are positively correlated (</a:t>
-            </a:r>
-            <a:r>
-              <a:rPr lang="en-US" altLang="en-US" sz="2400" dirty="0" smtClean="0">
-                <a:latin typeface="Calibri" panose="020F0502020204030204" pitchFamily="34" charset="0"/>
-              </a:rPr>
-              <a:t>X</a:t>
-            </a:r>
-            <a:r>
-              <a:rPr lang="en-US" altLang="en-US" sz="2400" baseline="-25000" dirty="0" smtClean="0">
-                <a:latin typeface="Calibri" panose="020F0502020204030204" pitchFamily="34" charset="0"/>
-              </a:rPr>
-              <a:t>1</a:t>
-            </a:r>
-            <a:r>
-              <a:rPr lang="en-US" altLang="en-US" sz="2400" dirty="0" smtClean="0">
-                <a:latin typeface="Calibri" panose="020F0502020204030204" pitchFamily="34" charset="0"/>
-              </a:rPr>
-              <a:t>’s </a:t>
-            </a:r>
-            <a:r>
-              <a:rPr lang="en-US" altLang="en-US" sz="2400" dirty="0">
-                <a:latin typeface="Calibri" panose="020F0502020204030204" pitchFamily="34" charset="0"/>
-              </a:rPr>
-              <a:t>values increase as </a:t>
-            </a:r>
-            <a:r>
-              <a:rPr lang="en-US" altLang="en-US" sz="2400" dirty="0" smtClean="0">
-                <a:latin typeface="Calibri" panose="020F0502020204030204" pitchFamily="34" charset="0"/>
-              </a:rPr>
-              <a:t>X</a:t>
-            </a:r>
-            <a:r>
-              <a:rPr lang="en-US" altLang="en-US" sz="2400" baseline="-25000" dirty="0" smtClean="0">
+              <a:t>’s values increase as X</a:t>
+            </a:r>
+            <a:r>
+              <a:rPr lang="en-US" altLang="en-US" sz="2400" baseline="-25000" dirty="0">
                 <a:latin typeface="Calibri" panose="020F0502020204030204" pitchFamily="34" charset="0"/>
               </a:rPr>
               <a:t>2</a:t>
             </a:r>
             <a:r>
-              <a:rPr lang="en-US" altLang="en-US" sz="2400" dirty="0" smtClean="0">
+              <a:rPr lang="en-US" altLang="en-US" sz="2400" dirty="0">
                 <a:latin typeface="Calibri" panose="020F0502020204030204" pitchFamily="34" charset="0"/>
               </a:rPr>
               <a:t>’s)</a:t>
@@ -21055,26 +20260,11 @@
               </a:spcAft>
             </a:pPr>
             <a:r>
-              <a:rPr lang="en-US" altLang="en-US" sz="2400" dirty="0" smtClean="0">
-                <a:latin typeface="Calibri" panose="020F0502020204030204" pitchFamily="34" charset="0"/>
-              </a:rPr>
-              <a:t> </a:t>
-            </a:r>
-            <a:r>
               <a:rPr lang="en-US" altLang="en-US" sz="2400" dirty="0">
                 <a:latin typeface="Calibri" panose="020F0502020204030204" pitchFamily="34" charset="0"/>
               </a:rPr>
-              <a:t>The higher, the stronger </a:t>
-            </a:r>
-            <a:r>
-              <a:rPr lang="en-US" altLang="en-US" sz="2400" dirty="0" smtClean="0">
-                <a:latin typeface="Calibri" panose="020F0502020204030204" pitchFamily="34" charset="0"/>
-              </a:rPr>
-              <a:t>correlation</a:t>
-            </a:r>
-            <a:endParaRPr lang="en-US" altLang="en-US" sz="2400" dirty="0">
-              <a:latin typeface="Calibri" panose="020F0502020204030204" pitchFamily="34" charset="0"/>
-            </a:endParaRPr>
+              <a:t> The higher, the stronger correlation</a:t>
+            </a:r>
           </a:p>
           <a:p>
             <a:pPr>
@@ -21083,13 +20273,13 @@
               </a:spcAft>
             </a:pPr>
             <a:r>
-              <a:rPr lang="en-US" altLang="en-US" sz="2400" dirty="0" smtClean="0">
+              <a:rPr lang="en-US" altLang="en-US" sz="2400" dirty="0">
                 <a:latin typeface="Calibri" panose="020F0502020204030204" pitchFamily="34" charset="0"/>
               </a:rPr>
               <a:t>If </a:t>
             </a:r>
             <a:r>
-              <a:rPr lang="el-GR" altLang="en-US" sz="2400" dirty="0" smtClean="0">
+              <a:rPr lang="el-GR" altLang="en-US" sz="2400" dirty="0">
                 <a:latin typeface="Calibri" panose="020F0502020204030204" pitchFamily="34" charset="0"/>
               </a:rPr>
               <a:t>ρ</a:t>
@@ -21104,25 +20294,7 @@
               <a:rPr lang="en-US" altLang="en-US" sz="2400" dirty="0">
                 <a:latin typeface="Calibri" panose="020F0502020204030204" pitchFamily="34" charset="0"/>
               </a:rPr>
-              <a:t> </a:t>
-            </a:r>
-            <a:r>
-              <a:rPr lang="en-US" altLang="en-US" sz="2400" dirty="0" smtClean="0">
-                <a:latin typeface="Calibri" panose="020F0502020204030204" pitchFamily="34" charset="0"/>
-              </a:rPr>
-              <a:t>= </a:t>
-            </a:r>
-            <a:r>
-              <a:rPr lang="en-US" altLang="en-US" sz="2400" dirty="0">
-                <a:latin typeface="Calibri" panose="020F0502020204030204" pitchFamily="34" charset="0"/>
-              </a:rPr>
-              <a:t>0: </a:t>
-            </a:r>
-            <a:r>
-              <a:rPr lang="en-US" altLang="en-US" sz="2400" dirty="0" smtClean="0">
-                <a:latin typeface="Calibri" panose="020F0502020204030204" pitchFamily="34" charset="0"/>
-              </a:rPr>
-              <a:t>independent (under the same assumption as discussed in co-variance)</a:t>
+              <a:t> = 0: independent (under the same assumption as discussed in co-variance)</a:t>
             </a:r>
           </a:p>
           <a:p>
@@ -21132,13 +20304,13 @@
               </a:spcAft>
             </a:pPr>
             <a:r>
-              <a:rPr lang="en-US" altLang="en-US" sz="2400" dirty="0" smtClean="0">
+              <a:rPr lang="en-US" altLang="en-US" sz="2400" dirty="0">
                 <a:latin typeface="Calibri" panose="020F0502020204030204" pitchFamily="34" charset="0"/>
               </a:rPr>
               <a:t>If </a:t>
             </a:r>
             <a:r>
-              <a:rPr lang="el-GR" altLang="en-US" sz="2400" dirty="0" smtClean="0">
+              <a:rPr lang="el-GR" altLang="en-US" sz="2400" dirty="0">
                 <a:latin typeface="Calibri" panose="020F0502020204030204" pitchFamily="34" charset="0"/>
               </a:rPr>
               <a:t>ρ</a:t>
@@ -21150,16 +20322,10 @@
               <a:t>12</a:t>
             </a:r>
             <a:r>
-              <a:rPr lang="en-US" altLang="en-US" sz="2400" dirty="0" smtClean="0">
-                <a:latin typeface="Calibri" panose="020F0502020204030204" pitchFamily="34" charset="0"/>
-              </a:rPr>
-              <a:t> </a:t>
-            </a:r>
-            <a:r>
               <a:rPr lang="en-US" altLang="en-US" sz="2400" dirty="0">
                 <a:latin typeface="Calibri" panose="020F0502020204030204" pitchFamily="34" charset="0"/>
               </a:rPr>
-              <a:t>&lt; 0: negatively correlated</a:t>
+              <a:t> &lt; 0: negatively correlated</a:t>
             </a:r>
           </a:p>
         </p:txBody>
@@ -21170,9 +20336,7 @@
           <p:cNvGraphicFramePr>
             <a:graphicFrameLocks noChangeAspect="1"/>
           </p:cNvGraphicFramePr>
-          <p:nvPr>
-            <p:extLst/>
-          </p:nvPr>
+          <p:nvPr/>
         </p:nvGraphicFramePr>
         <p:xfrm>
           <a:off x="3856775" y="1880689"/>
@@ -21182,7 +20346,7 @@
           <a:graphicData uri="http://schemas.openxmlformats.org/presentationml/2006/ole">
             <mc:AlternateContent xmlns:mc="http://schemas.openxmlformats.org/markup-compatibility/2006">
               <mc:Choice xmlns:v="urn:schemas-microsoft-com:vml" Requires="v">
-                <p:oleObj spid="_x0000_s46143" name="Equation" r:id="rId4" imgW="1384200" imgH="469800" progId="Equation.DSMT4">
+                <p:oleObj spid="_x0000_s46145" name="Equation" r:id="rId4" imgW="1384200" imgH="469800" progId="Equation.DSMT4">
                   <p:embed/>
                 </p:oleObj>
               </mc:Choice>
@@ -21223,9 +20387,7 @@
           <p:cNvGraphicFramePr>
             <a:graphicFrameLocks noChangeAspect="1"/>
           </p:cNvGraphicFramePr>
-          <p:nvPr>
-            <p:extLst/>
-          </p:nvPr>
+          <p:nvPr/>
         </p:nvGraphicFramePr>
         <p:xfrm>
           <a:off x="7017725" y="2337510"/>
@@ -21235,7 +20397,7 @@
           <a:graphicData uri="http://schemas.openxmlformats.org/presentationml/2006/ole">
             <mc:AlternateContent xmlns:mc="http://schemas.openxmlformats.org/markup-compatibility/2006">
               <mc:Choice xmlns:v="urn:schemas-microsoft-com:vml" Requires="v">
-                <p:oleObj spid="_x0000_s46144" name="Equation" r:id="rId6" imgW="2577960" imgH="876240" progId="Equation.DSMT4">
+                <p:oleObj spid="_x0000_s46146" name="Equation" r:id="rId6" imgW="2577960" imgH="876240" progId="Equation.DSMT4">
                   <p:embed/>
                 </p:oleObj>
               </mc:Choice>
@@ -21280,21 +20442,6 @@
   <p:clrMapOvr>
     <a:masterClrMapping/>
   </p:clrMapOvr>
-  <mc:AlternateContent xmlns:mc="http://schemas.openxmlformats.org/markup-compatibility/2006" xmlns:p14="http://schemas.microsoft.com/office/powerpoint/2010/main">
-    <mc:Choice Requires="p14">
-      <p:transition spd="slow" p14:dur="2000"/>
-    </mc:Choice>
-    <mc:Fallback xmlns="">
-      <p:transition spd="slow"/>
-    </mc:Fallback>
-  </mc:AlternateContent>
-  <p:timing>
-    <p:tnLst>
-      <p:par>
-        <p:cTn id="1" dur="indefinite" restart="never" nodeType="tmRoot"/>
-      </p:par>
-    </p:tnLst>
-  </p:timing>
 </p:sld>
 </file>
 
@@ -21338,7 +20485,7 @@
           <a:lstStyle/>
           <a:p>
             <a:r>
-              <a:rPr lang="en-US" altLang="en-US" dirty="0" smtClean="0"/>
+              <a:rPr lang="en-US" altLang="en-US" dirty="0"/>
               <a:t>Visualizing Changes of Correlation Coefficient</a:t>
             </a:r>
           </a:p>
@@ -21373,28 +20520,12 @@
               </a:spcAft>
             </a:pPr>
             <a:r>
-              <a:rPr lang="en-US" altLang="en-US" sz="2400" dirty="0" smtClean="0">
+              <a:rPr lang="en-US" altLang="en-US" sz="2400" dirty="0">
                 <a:solidFill>
                   <a:srgbClr val="000000"/>
                 </a:solidFill>
               </a:rPr>
-              <a:t>Correlation coefficient value range: [</a:t>
-            </a:r>
-            <a:r>
-              <a:rPr lang="en-US" altLang="en-US" sz="2400" dirty="0">
-                <a:solidFill>
-                  <a:srgbClr val="000000"/>
-                </a:solidFill>
-              </a:rPr>
-              <a:t>–</a:t>
-            </a:r>
-            <a:r>
-              <a:rPr lang="en-US" altLang="en-US" sz="2400" dirty="0" smtClean="0">
-                <a:solidFill>
-                  <a:srgbClr val="000000"/>
-                </a:solidFill>
-              </a:rPr>
-              <a:t>1, 1]</a:t>
+              <a:t>Correlation coefficient value range: [–1, 1]</a:t>
             </a:r>
           </a:p>
           <a:p>
@@ -21407,50 +20538,17 @@
               </a:spcAft>
             </a:pPr>
             <a:r>
-              <a:rPr lang="en-US" altLang="en-US" sz="2400" dirty="0" smtClean="0">
+              <a:rPr lang="en-US" altLang="en-US" sz="2400" dirty="0">
                 <a:solidFill>
                   <a:srgbClr val="000000"/>
                 </a:solidFill>
               </a:rPr>
-              <a:t>A set of scatter </a:t>
-            </a:r>
-            <a:r>
-              <a:rPr lang="en-US" altLang="en-US" sz="2400" dirty="0">
-                <a:solidFill>
-                  <a:srgbClr val="000000"/>
-                </a:solidFill>
-              </a:rPr>
-              <a:t>plots </a:t>
-            </a:r>
-            <a:r>
-              <a:rPr lang="en-US" altLang="en-US" sz="2400" dirty="0" smtClean="0">
-                <a:solidFill>
-                  <a:srgbClr val="000000"/>
-                </a:solidFill>
-              </a:rPr>
-              <a:t>shows sets of points and their correlation coefficients changing from </a:t>
-            </a:r>
-            <a:r>
-              <a:rPr lang="en-US" altLang="en-US" sz="2400" dirty="0">
-                <a:solidFill>
-                  <a:srgbClr val="000000"/>
-                </a:solidFill>
-              </a:rPr>
-              <a:t>–1 to </a:t>
-            </a:r>
-            <a:r>
-              <a:rPr lang="en-US" altLang="en-US" sz="2400" dirty="0" smtClean="0">
-                <a:solidFill>
-                  <a:srgbClr val="000000"/>
-                </a:solidFill>
-              </a:rPr>
-              <a:t>1 </a:t>
-            </a:r>
-            <a:r>
-              <a:rPr lang="en-US" altLang="en-US" sz="2400" dirty="0" smtClean="0"/>
+              <a:t>A set of scatter plots shows sets of points and their correlation coefficients changing from –1 to 1 </a:t>
+            </a:r>
+            <a:r>
+              <a:rPr lang="en-US" altLang="en-US" sz="2400" dirty="0"/>
               <a:t> </a:t>
             </a:r>
-            <a:endParaRPr lang="en-US" altLang="en-US" sz="2400" dirty="0"/>
           </a:p>
         </p:txBody>
       </p:sp>
@@ -21460,9 +20558,7 @@
           <p:cNvGraphicFramePr>
             <a:graphicFrameLocks noChangeAspect="1"/>
           </p:cNvGraphicFramePr>
-          <p:nvPr>
-            <p:extLst/>
-          </p:nvPr>
+          <p:nvPr/>
         </p:nvGraphicFramePr>
         <p:xfrm>
           <a:off x="0" y="1256281"/>
@@ -21472,7 +20568,7 @@
           <a:graphicData uri="http://schemas.openxmlformats.org/presentationml/2006/ole">
             <mc:AlternateContent xmlns:mc="http://schemas.openxmlformats.org/markup-compatibility/2006">
               <mc:Choice xmlns:v="urn:schemas-microsoft-com:vml" Requires="v">
-                <p:oleObj spid="_x0000_s47137" name="Bitmap Image" r:id="rId4" imgW="6035563" imgH="5784081" progId="Paint.Picture">
+                <p:oleObj spid="_x0000_s47138" name="Bitmap Image" r:id="rId4" imgW="6035563" imgH="5784081" progId="Paint.Picture">
                   <p:embed/>
                 </p:oleObj>
               </mc:Choice>
@@ -21559,21 +20655,6 @@
   <p:clrMapOvr>
     <a:masterClrMapping/>
   </p:clrMapOvr>
-  <mc:AlternateContent xmlns:mc="http://schemas.openxmlformats.org/markup-compatibility/2006" xmlns:p14="http://schemas.microsoft.com/office/powerpoint/2010/main">
-    <mc:Choice Requires="p14">
-      <p:transition spd="slow" p14:dur="2000"/>
-    </mc:Choice>
-    <mc:Fallback xmlns="">
-      <p:transition spd="slow"/>
-    </mc:Fallback>
-  </mc:AlternateContent>
-  <p:timing>
-    <p:tnLst>
-      <p:par>
-        <p:cTn id="1" dur="indefinite" restart="never" nodeType="tmRoot"/>
-      </p:par>
-    </p:tnLst>
-  </p:timing>
 </p:sld>
 </file>
 
@@ -21617,7 +20698,7 @@
           <a:lstStyle/>
           <a:p>
             <a:r>
-              <a:rPr lang="en-US" altLang="en-US" dirty="0" smtClean="0"/>
+              <a:rPr lang="en-US" altLang="en-US" dirty="0"/>
               <a:t>Covariance Matrix</a:t>
             </a:r>
           </a:p>
@@ -21649,56 +20730,35 @@
               </a:spcAft>
             </a:pPr>
             <a:r>
-              <a:rPr lang="en-US" sz="2400" dirty="0" smtClean="0">
+              <a:rPr lang="en-US" sz="2400" dirty="0">
                 <a:latin typeface="Calibri" pitchFamily="34" charset="0"/>
               </a:rPr>
               <a:t>The variance and covariance information for the two variables X</a:t>
             </a:r>
             <a:r>
-              <a:rPr lang="en-US" sz="2400" baseline="-25000" dirty="0" smtClean="0">
+              <a:rPr lang="en-US" sz="2400" baseline="-25000" dirty="0">
                 <a:latin typeface="Calibri" pitchFamily="34" charset="0"/>
               </a:rPr>
               <a:t>1</a:t>
             </a:r>
             <a:r>
-              <a:rPr lang="en-US" sz="2400" dirty="0" smtClean="0">
+              <a:rPr lang="en-US" sz="2400" dirty="0">
                 <a:latin typeface="Calibri" pitchFamily="34" charset="0"/>
               </a:rPr>
               <a:t> and X</a:t>
             </a:r>
             <a:r>
-              <a:rPr lang="en-US" sz="2400" baseline="-25000" dirty="0" smtClean="0">
+              <a:rPr lang="en-US" sz="2400" baseline="-25000" dirty="0">
                 <a:latin typeface="Calibri" pitchFamily="34" charset="0"/>
               </a:rPr>
               <a:t>2</a:t>
             </a:r>
             <a:r>
-              <a:rPr lang="en-US" sz="2400" dirty="0" smtClean="0">
-                <a:latin typeface="Calibri" pitchFamily="34" charset="0"/>
-              </a:rPr>
-              <a:t> can </a:t>
-            </a:r>
-            <a:r>
               <a:rPr lang="en-US" sz="2400" dirty="0">
                 <a:latin typeface="Calibri" pitchFamily="34" charset="0"/>
               </a:rPr>
-              <a:t>be </a:t>
-            </a:r>
-            <a:r>
-              <a:rPr lang="en-US" sz="2400" dirty="0" smtClean="0">
-                <a:latin typeface="Calibri" pitchFamily="34" charset="0"/>
-              </a:rPr>
-              <a:t>summarized as 2 X 2 covariance matrix </a:t>
-            </a:r>
-            <a:r>
-              <a:rPr lang="en-US" sz="2400" dirty="0">
-                <a:latin typeface="Calibri" pitchFamily="34" charset="0"/>
-              </a:rPr>
-              <a:t>as </a:t>
-            </a:r>
-            <a:endParaRPr lang="en-US" sz="2400" dirty="0" smtClean="0">
-              <a:latin typeface="Calibri" pitchFamily="34" charset="0"/>
-            </a:endParaRPr>
+              <a:t> can be summarized as 2 X 2 covariance matrix as </a:t>
+            </a:r>
           </a:p>
           <a:p>
             <a:pPr>
@@ -21742,7 +20802,7 @@
               <a:buNone/>
               <a:defRPr/>
             </a:pPr>
-            <a:endParaRPr lang="en-US" sz="2400" dirty="0" smtClean="0">
+            <a:endParaRPr lang="en-US" sz="2400" dirty="0">
               <a:latin typeface="Calibri" pitchFamily="34" charset="0"/>
             </a:endParaRPr>
           </a:p>
@@ -21754,26 +20814,23 @@
               <a:defRPr/>
             </a:pPr>
             <a:r>
-              <a:rPr lang="en-US" sz="2400" dirty="0" smtClean="0">
+              <a:rPr lang="en-US" sz="2400" dirty="0">
                 <a:latin typeface="Calibri" pitchFamily="34" charset="0"/>
               </a:rPr>
               <a:t>Generalizing it to </a:t>
             </a:r>
             <a:r>
-              <a:rPr lang="en-US" sz="2400" i="1" dirty="0" smtClean="0">
+              <a:rPr lang="en-US" sz="2400" i="1" dirty="0">
                 <a:latin typeface="Calibri" pitchFamily="34" charset="0"/>
               </a:rPr>
               <a:t>d</a:t>
             </a:r>
             <a:r>
-              <a:rPr lang="en-US" sz="2400" dirty="0" smtClean="0">
+              <a:rPr lang="en-US" sz="2400" dirty="0">
                 <a:latin typeface="Calibri" pitchFamily="34" charset="0"/>
               </a:rPr>
               <a:t> dimensions, we have,</a:t>
             </a:r>
-            <a:endParaRPr lang="en-US" sz="2400" dirty="0">
-              <a:latin typeface="Calibri" pitchFamily="34" charset="0"/>
-            </a:endParaRPr>
           </a:p>
           <a:p>
             <a:pPr marL="0" indent="0">
@@ -21782,7 +20839,7 @@
               </a:spcBef>
               <a:buNone/>
             </a:pPr>
-            <a:endParaRPr lang="en-US" sz="2000" dirty="0" smtClean="0">
+            <a:endParaRPr lang="en-US" sz="2000" dirty="0">
               <a:latin typeface="Calibri" pitchFamily="34" charset="0"/>
             </a:endParaRPr>
           </a:p>
@@ -21794,9 +20851,7 @@
           <p:cNvGraphicFramePr>
             <a:graphicFrameLocks noChangeAspect="1"/>
           </p:cNvGraphicFramePr>
-          <p:nvPr>
-            <p:extLst/>
-          </p:nvPr>
+          <p:nvPr/>
         </p:nvGraphicFramePr>
         <p:xfrm>
           <a:off x="2138494" y="1812140"/>
@@ -21806,7 +20861,7 @@
           <a:graphicData uri="http://schemas.openxmlformats.org/presentationml/2006/ole">
             <mc:AlternateContent xmlns:mc="http://schemas.openxmlformats.org/markup-compatibility/2006">
               <mc:Choice xmlns:v="urn:schemas-microsoft-com:vml" Requires="v">
-                <p:oleObj spid="_x0000_s48205" name="Equation" r:id="rId4" imgW="3555720" imgH="457200" progId="Equation.DSMT4">
+                <p:oleObj spid="_x0000_s48207" name="Equation" r:id="rId4" imgW="3555720" imgH="457200" progId="Equation.DSMT4">
                   <p:embed/>
                 </p:oleObj>
               </mc:Choice>
@@ -21863,7 +20918,7 @@
           <a:graphicData uri="http://schemas.openxmlformats.org/presentationml/2006/ole">
             <mc:AlternateContent xmlns:mc="http://schemas.openxmlformats.org/markup-compatibility/2006">
               <mc:Choice xmlns:v="urn:schemas-microsoft-com:vml" Requires="v">
-                <p:oleObj spid="_x0000_s48206" name="Equation" r:id="rId6" imgW="3111480" imgH="965160" progId="Equation.DSMT4">
+                <p:oleObj spid="_x0000_s48208" name="Equation" r:id="rId6" imgW="3111480" imgH="965160" progId="Equation.DSMT4">
                   <p:embed/>
                 </p:oleObj>
               </mc:Choice>
@@ -21956,21 +21011,6 @@
   <p:clrMapOvr>
     <a:masterClrMapping/>
   </p:clrMapOvr>
-  <mc:AlternateContent xmlns:mc="http://schemas.openxmlformats.org/markup-compatibility/2006" xmlns:p14="http://schemas.microsoft.com/office/powerpoint/2010/main">
-    <mc:Choice Requires="p14">
-      <p:transition spd="slow" p14:dur="2000"/>
-    </mc:Choice>
-    <mc:Fallback xmlns="">
-      <p:transition spd="slow"/>
-    </mc:Fallback>
-  </mc:AlternateContent>
-  <p:timing>
-    <p:tnLst>
-      <p:par>
-        <p:cTn id="1" dur="indefinite" restart="never" nodeType="tmRoot"/>
-      </p:par>
-    </p:tnLst>
-  </p:timing>
 </p:sld>
 </file>
 
@@ -22060,16 +21100,10 @@
               </a:lnSpc>
             </a:pPr>
             <a:r>
-              <a:rPr lang="en-US" altLang="en-US" dirty="0" smtClean="0">
-                <a:latin typeface="Calibri" panose="020F0502020204030204" pitchFamily="34" charset="0"/>
-              </a:rPr>
-              <a:t>Data </a:t>
-            </a:r>
-            <a:r>
               <a:rPr lang="en-US" altLang="en-US" dirty="0">
                 <a:latin typeface="Calibri" panose="020F0502020204030204" pitchFamily="34" charset="0"/>
               </a:rPr>
-              <a:t>Cleaning</a:t>
+              <a:t>Data Cleaning</a:t>
             </a:r>
           </a:p>
           <a:p>
@@ -22095,17 +21129,8 @@
               <a:rPr lang="en-US" altLang="en-US" dirty="0">
                 <a:latin typeface="Calibri" panose="020F0502020204030204" pitchFamily="34" charset="0"/>
               </a:rPr>
-              <a:t>Data Reduction and </a:t>
-            </a:r>
-            <a:r>
-              <a:rPr lang="en-US" altLang="en-US" dirty="0" smtClean="0">
-                <a:latin typeface="Calibri" panose="020F0502020204030204" pitchFamily="34" charset="0"/>
-              </a:rPr>
-              <a:t>Transformation </a:t>
-            </a:r>
-            <a:endParaRPr lang="en-US" altLang="en-US" dirty="0">
-              <a:latin typeface="Calibri" panose="020F0502020204030204" pitchFamily="34" charset="0"/>
-            </a:endParaRPr>
+              <a:t>Data Reduction and Transformation </a:t>
+            </a:r>
           </a:p>
           <a:p>
             <a:pPr>
@@ -22114,20 +21139,11 @@
               </a:lnSpc>
             </a:pPr>
             <a:r>
-              <a:rPr lang="en-US" altLang="en-US" dirty="0" smtClean="0">
-                <a:latin typeface="Calibri" panose="020F0502020204030204" pitchFamily="34" charset="0"/>
-              </a:rPr>
-              <a:t>Dimensionality </a:t>
-            </a:r>
-            <a:r>
               <a:rPr lang="en-US" altLang="en-US" dirty="0">
                 <a:latin typeface="Calibri" panose="020F0502020204030204" pitchFamily="34" charset="0"/>
               </a:rPr>
-              <a:t>Reduction </a:t>
-            </a:r>
-            <a:endParaRPr lang="en-US" altLang="en-US" dirty="0" smtClean="0">
-              <a:latin typeface="Calibri" panose="020F0502020204030204" pitchFamily="34" charset="0"/>
-            </a:endParaRPr>
+              <a:t>Dimensionality Reduction </a:t>
+            </a:r>
           </a:p>
           <a:p>
             <a:pPr>
@@ -22136,14 +21152,11 @@
               </a:lnSpc>
             </a:pPr>
             <a:r>
-              <a:rPr lang="en-US" altLang="en-US" dirty="0" smtClean="0">
+              <a:rPr lang="en-US" altLang="en-US" dirty="0">
                 <a:latin typeface="Calibri" panose="020F0502020204030204" pitchFamily="34" charset="0"/>
               </a:rPr>
               <a:t>Summary</a:t>
             </a:r>
-            <a:endParaRPr lang="en-US" altLang="en-US" dirty="0">
-              <a:latin typeface="Calibri" panose="020F0502020204030204" pitchFamily="34" charset="0"/>
-            </a:endParaRPr>
           </a:p>
         </p:txBody>
       </p:sp>
@@ -22301,13 +21314,6 @@
   <p:transition>
     <p:zoom/>
   </p:transition>
-  <p:timing>
-    <p:tnLst>
-      <p:par>
-        <p:cTn id="1" dur="indefinite" restart="never" nodeType="tmRoot"/>
-      </p:par>
-    </p:tnLst>
-  </p:timing>
 </p:sld>
 </file>
 
@@ -22353,11 +21359,7 @@
             <a:pPr eaLnBrk="1" hangingPunct="1"/>
             <a:r>
               <a:rPr lang="en-US" altLang="en-US" dirty="0"/>
-              <a:t>Data </a:t>
-            </a:r>
-            <a:r>
-              <a:rPr lang="en-US" altLang="en-US" dirty="0" smtClean="0"/>
-              <a:t>Reduction</a:t>
+              <a:t>Data Reduction</a:t>
             </a:r>
           </a:p>
         </p:txBody>
@@ -22395,7 +21397,6 @@
               <a:rPr lang="en-US" altLang="en-US" sz="2400" dirty="0"/>
               <a:t>: </a:t>
             </a:r>
-            <a:endParaRPr lang="en-US" altLang="en-US" sz="2400" dirty="0" smtClean="0"/>
           </a:p>
           <a:p>
             <a:pPr lvl="1">
@@ -22404,14 +21405,9 @@
               </a:spcAft>
             </a:pPr>
             <a:r>
-              <a:rPr lang="en-US" altLang="en-US" sz="2400" dirty="0" smtClean="0"/>
-              <a:t>Obtain </a:t>
-            </a:r>
-            <a:r>
               <a:rPr lang="en-US" altLang="en-US" sz="2400" dirty="0"/>
-              <a:t>a reduced representation of the data set </a:t>
-            </a:r>
-            <a:endParaRPr lang="en-US" altLang="en-US" sz="2400" dirty="0" smtClean="0"/>
+              <a:t>Obtain a reduced representation of the data set </a:t>
+            </a:r>
           </a:p>
           <a:p>
             <a:pPr lvl="2">
@@ -22420,32 +21416,16 @@
               </a:spcAft>
             </a:pPr>
             <a:r>
-              <a:rPr lang="en-US" altLang="en-US" sz="2400" dirty="0" smtClean="0"/>
-              <a:t>much </a:t>
-            </a:r>
-            <a:r>
               <a:rPr lang="en-US" altLang="en-US" sz="2400" dirty="0"/>
-              <a:t>smaller in volume but yet produces </a:t>
-            </a:r>
-            <a:r>
-              <a:rPr lang="en-US" altLang="en-US" sz="2400" i="1" dirty="0" smtClean="0"/>
+              <a:t>much smaller in volume but yet produces </a:t>
+            </a:r>
+            <a:r>
+              <a:rPr lang="en-US" altLang="en-US" sz="2400" i="1" dirty="0"/>
               <a:t>almost</a:t>
             </a:r>
             <a:r>
-              <a:rPr lang="en-US" altLang="en-US" sz="2400" dirty="0" smtClean="0"/>
-              <a:t> </a:t>
-            </a:r>
-            <a:r>
               <a:rPr lang="en-US" altLang="en-US" sz="2400" dirty="0"/>
-              <a:t>the </a:t>
-            </a:r>
-            <a:r>
-              <a:rPr lang="en-US" altLang="en-US" sz="2400" dirty="0" smtClean="0"/>
-              <a:t>same </a:t>
-            </a:r>
-            <a:r>
-              <a:rPr lang="en-US" altLang="en-US" sz="2400" dirty="0"/>
-              <a:t>analytical results</a:t>
+              <a:t> the same analytical results</a:t>
             </a:r>
           </a:p>
           <a:p>
@@ -22456,29 +21436,17 @@
             </a:pPr>
             <a:r>
               <a:rPr lang="en-US" altLang="en-US" sz="2400" dirty="0"/>
-              <a:t>Why data reduction</a:t>
-            </a:r>
-            <a:r>
-              <a:rPr lang="en-US" altLang="en-US" sz="2400" dirty="0" smtClean="0"/>
-              <a:t>?</a:t>
-            </a:r>
-            <a:r>
-              <a:rPr lang="en-US" altLang="en-US" sz="2400" dirty="0" smtClean="0">
+              <a:t>Why data reduction?</a:t>
+            </a:r>
+            <a:r>
+              <a:rPr lang="en-US" altLang="en-US" sz="2400" dirty="0">
                 <a:cs typeface="Tahoma" panose="020B0604030504040204" pitchFamily="34" charset="0"/>
               </a:rPr>
               <a:t>—</a:t>
             </a:r>
             <a:r>
-              <a:rPr lang="en-US" altLang="en-US" sz="2400" dirty="0" smtClean="0"/>
-              <a:t>A </a:t>
-            </a:r>
-            <a:r>
               <a:rPr lang="en-US" altLang="en-US" sz="2400" dirty="0"/>
-              <a:t>database/data warehouse may store terabytes of </a:t>
-            </a:r>
-            <a:r>
-              <a:rPr lang="en-US" altLang="en-US" sz="2400" dirty="0" smtClean="0"/>
-              <a:t>data</a:t>
+              <a:t>A database/data warehouse may store terabytes of data</a:t>
             </a:r>
           </a:p>
           <a:p>
@@ -22488,18 +21456,9 @@
               </a:spcAft>
             </a:pPr>
             <a:r>
-              <a:rPr lang="en-US" altLang="en-US" sz="2400" dirty="0" smtClean="0"/>
-              <a:t>Complex analysis </a:t>
-            </a:r>
-            <a:r>
               <a:rPr lang="en-US" altLang="en-US" sz="2400" dirty="0"/>
-              <a:t>may take a very long time to run on the complete data </a:t>
-            </a:r>
-            <a:r>
-              <a:rPr lang="en-US" altLang="en-US" sz="2400" dirty="0" smtClean="0"/>
-              <a:t>set</a:t>
-            </a:r>
-            <a:endParaRPr lang="en-US" altLang="en-US" sz="2400" dirty="0"/>
+              <a:t>Complex analysis may take a very long time to run on the complete data set</a:t>
+            </a:r>
           </a:p>
           <a:p>
             <a:pPr>
@@ -22508,35 +21467,31 @@
               </a:spcAft>
             </a:pPr>
             <a:r>
-              <a:rPr lang="en-US" altLang="en-US" sz="2400" b="1" dirty="0" smtClean="0"/>
-              <a:t>Methods for data </a:t>
-            </a:r>
-            <a:r>
               <a:rPr lang="en-US" altLang="en-US" sz="2400" b="1" dirty="0"/>
-              <a:t>reduction </a:t>
-            </a:r>
-            <a:r>
-              <a:rPr lang="en-US" altLang="en-US" sz="2400" dirty="0" smtClean="0"/>
+              <a:t>Methods for data reduction </a:t>
+            </a:r>
+            <a:r>
+              <a:rPr lang="en-US" altLang="en-US" sz="2400" dirty="0"/>
               <a:t>(also </a:t>
             </a:r>
             <a:r>
-              <a:rPr lang="en-US" altLang="en-US" sz="2400" i="1" dirty="0" smtClean="0"/>
+              <a:rPr lang="en-US" altLang="en-US" sz="2400" i="1" dirty="0"/>
               <a:t>data size reduction </a:t>
             </a:r>
             <a:r>
-              <a:rPr lang="en-US" altLang="en-US" sz="2400" dirty="0" smtClean="0"/>
+              <a:rPr lang="en-US" altLang="en-US" sz="2400" dirty="0"/>
               <a:t>or </a:t>
             </a:r>
             <a:r>
-              <a:rPr lang="en-US" altLang="en-US" sz="2400" i="1" dirty="0" err="1" smtClean="0"/>
+              <a:rPr lang="en-US" altLang="en-US" sz="2400" i="1" dirty="0" err="1"/>
               <a:t>numerosity</a:t>
             </a:r>
             <a:r>
-              <a:rPr lang="en-US" altLang="en-US" sz="2400" i="1" dirty="0" smtClean="0"/>
+              <a:rPr lang="en-US" altLang="en-US" sz="2400" i="1" dirty="0"/>
               <a:t> reduction</a:t>
             </a:r>
             <a:r>
-              <a:rPr lang="en-US" altLang="en-US" sz="2400" dirty="0" smtClean="0"/>
+              <a:rPr lang="en-US" altLang="en-US" sz="2400" dirty="0"/>
               <a:t>) </a:t>
             </a:r>
           </a:p>
@@ -22547,12 +21502,8 @@
               </a:spcAft>
             </a:pPr>
             <a:r>
-              <a:rPr lang="en-US" altLang="en-US" sz="2400" dirty="0" smtClean="0"/>
-              <a:t>Regression </a:t>
-            </a:r>
-            <a:r>
               <a:rPr lang="en-US" altLang="en-US" sz="2400" dirty="0"/>
-              <a:t>and Log-Linear Models</a:t>
+              <a:t>Regression and Log-Linear Models</a:t>
             </a:r>
           </a:p>
           <a:p>
@@ -22600,21 +21551,6 @@
   <p:clrMapOvr>
     <a:masterClrMapping/>
   </p:clrMapOvr>
-  <mc:AlternateContent xmlns:mc="http://schemas.openxmlformats.org/markup-compatibility/2006" xmlns:p14="http://schemas.microsoft.com/office/powerpoint/2010/main">
-    <mc:Choice Requires="p14">
-      <p:transition spd="slow" p14:dur="2000"/>
-    </mc:Choice>
-    <mc:Fallback xmlns="">
-      <p:transition spd="slow"/>
-    </mc:Fallback>
-  </mc:AlternateContent>
-  <p:timing>
-    <p:tnLst>
-      <p:par>
-        <p:cTn id="1" dur="indefinite" restart="never" nodeType="tmRoot"/>
-      </p:par>
-    </p:tnLst>
-  </p:timing>
 </p:sld>
 </file>
 
@@ -22723,15 +21659,15 @@
           <a:lstStyle/>
           <a:p>
             <a:r>
-              <a:rPr lang="en-US" altLang="en-US" sz="3800" dirty="0" smtClean="0"/>
+              <a:rPr lang="en-US" altLang="en-US" sz="3800" dirty="0"/>
               <a:t>Data Reduction: </a:t>
             </a:r>
             <a:r>
-              <a:rPr lang="en-US" altLang="en-US" sz="3800" b="1" dirty="0" smtClean="0"/>
+              <a:rPr lang="en-US" altLang="en-US" sz="3800" b="1" dirty="0"/>
               <a:t>Parametric vs. Non-Parametric Methods</a:t>
             </a:r>
             <a:r>
-              <a:rPr lang="en-US" altLang="en-US" sz="3800" dirty="0" smtClean="0"/>
+              <a:rPr lang="en-US" altLang="en-US" sz="3800" dirty="0"/>
               <a:t> </a:t>
             </a:r>
           </a:p>
@@ -23007,15 +21943,7 @@
             <a:p>
               <a:r>
                 <a:rPr lang="en-US" altLang="en-US" sz="2000" dirty="0"/>
-                <a:t>tip </a:t>
-              </a:r>
-              <a:r>
-                <a:rPr lang="en-US" altLang="en-US" sz="2000" dirty="0" smtClean="0"/>
-                <a:t>vs. </a:t>
-              </a:r>
-              <a:r>
-                <a:rPr lang="en-US" altLang="en-US" sz="2000" dirty="0"/>
-                <a:t>bill</a:t>
+                <a:t>tip vs. bill</a:t>
               </a:r>
             </a:p>
           </p:txBody>
@@ -23043,7 +21971,6 @@
           <a:ln>
             <a:noFill/>
           </a:ln>
-          <a:extLst/>
         </p:spPr>
         <p:txBody>
           <a:bodyPr wrap="square">
@@ -23149,16 +22076,10 @@
           </a:lstStyle>
           <a:p>
             <a:r>
-              <a:rPr lang="en-US" altLang="en-US" sz="1800" dirty="0" smtClean="0">
-                <a:latin typeface="+mn-lt"/>
-              </a:rPr>
-              <a:t>Clustering on the Raw </a:t>
-            </a:r>
-            <a:r>
               <a:rPr lang="en-US" altLang="en-US" sz="1800" dirty="0">
                 <a:latin typeface="+mn-lt"/>
               </a:rPr>
-              <a:t>Data </a:t>
+              <a:t>Clustering on the Raw Data </a:t>
             </a:r>
           </a:p>
         </p:txBody>
@@ -30725,7 +29646,6 @@
           <a:ln>
             <a:noFill/>
           </a:ln>
-          <a:extLst/>
         </p:spPr>
         <p:txBody>
           <a:bodyPr wrap="square">
@@ -30832,14 +29752,11 @@
           <a:p>
             <a:pPr algn="ctr"/>
             <a:r>
-              <a:rPr lang="en-US" altLang="en-US" sz="2000" dirty="0" smtClean="0">
+              <a:rPr lang="en-US" altLang="en-US" sz="2000" dirty="0">
                 <a:latin typeface="+mn-lt"/>
               </a:rPr>
               <a:t>Stratified Sampling</a:t>
             </a:r>
-            <a:endParaRPr lang="en-US" altLang="en-US" sz="2000" dirty="0">
-              <a:latin typeface="+mn-lt"/>
-            </a:endParaRPr>
           </a:p>
         </p:txBody>
       </p:sp>
@@ -30865,7 +29782,6 @@
           <a:ln>
             <a:noFill/>
           </a:ln>
-          <a:extLst/>
         </p:spPr>
         <p:txBody>
           <a:bodyPr wrap="square">
@@ -30972,14 +29888,11 @@
           <a:p>
             <a:pPr algn="ctr"/>
             <a:r>
-              <a:rPr lang="en-US" altLang="en-US" sz="1800" dirty="0" smtClean="0">
+              <a:rPr lang="en-US" altLang="en-US" sz="1800" dirty="0">
                 <a:latin typeface="+mn-lt"/>
               </a:rPr>
               <a:t>Histogram</a:t>
             </a:r>
-            <a:endParaRPr lang="en-US" altLang="en-US" sz="1800" dirty="0">
-              <a:latin typeface="+mn-lt"/>
-            </a:endParaRPr>
           </a:p>
         </p:txBody>
       </p:sp>
@@ -30993,21 +29906,6 @@
   <p:clrMapOvr>
     <a:masterClrMapping/>
   </p:clrMapOvr>
-  <mc:AlternateContent xmlns:mc="http://schemas.openxmlformats.org/markup-compatibility/2006" xmlns:p14="http://schemas.microsoft.com/office/powerpoint/2010/main">
-    <mc:Choice Requires="p14">
-      <p:transition spd="slow" p14:dur="2000"/>
-    </mc:Choice>
-    <mc:Fallback xmlns="">
-      <p:transition spd="slow"/>
-    </mc:Fallback>
-  </mc:AlternateContent>
-  <p:timing>
-    <p:tnLst>
-      <p:par>
-        <p:cTn id="1" dur="indefinite" restart="never" nodeType="tmRoot"/>
-      </p:par>
-    </p:tnLst>
-  </p:timing>
 </p:sld>
 </file>
 
@@ -31052,11 +29950,7 @@
           <a:p>
             <a:r>
               <a:rPr lang="en-US" altLang="en-US" dirty="0"/>
-              <a:t>Parametric Data Reduction: Regression </a:t>
-            </a:r>
-            <a:r>
-              <a:rPr lang="en-US" altLang="en-US" dirty="0" smtClean="0"/>
-              <a:t>Analysis</a:t>
+              <a:t>Parametric Data Reduction: Regression Analysis</a:t>
             </a:r>
           </a:p>
         </p:txBody>
@@ -31165,25 +30059,13 @@
               <a:rPr lang="en-US" altLang="en-US" sz="2400" dirty="0">
                 <a:latin typeface="Calibri" panose="020F0502020204030204" pitchFamily="34" charset="0"/>
               </a:rPr>
-              <a:t> (</a:t>
-            </a:r>
-            <a:r>
-              <a:rPr lang="en-US" altLang="en-US" sz="2400" dirty="0" smtClean="0">
-                <a:latin typeface="Calibri" panose="020F0502020204030204" pitchFamily="34" charset="0"/>
-              </a:rPr>
-              <a:t>also known as </a:t>
-            </a:r>
-            <a:r>
-              <a:rPr lang="en-US" altLang="en-US" sz="2400" b="1" i="1" dirty="0" smtClean="0">
-                <a:latin typeface="Calibri" panose="020F0502020204030204" pitchFamily="34" charset="0"/>
-              </a:rPr>
-              <a:t>explanatory </a:t>
+              <a:t> (also known as </a:t>
             </a:r>
             <a:r>
               <a:rPr lang="en-US" altLang="en-US" sz="2400" b="1" i="1" dirty="0">
                 <a:latin typeface="Calibri" panose="020F0502020204030204" pitchFamily="34" charset="0"/>
               </a:rPr>
-              <a:t>variables</a:t>
+              <a:t>explanatory variables</a:t>
             </a:r>
             <a:r>
               <a:rPr lang="en-US" altLang="en-US" sz="2400" b="1" dirty="0">
@@ -34258,13 +33140,6 @@
   <p:transition>
     <p:zoom/>
   </p:transition>
-  <p:timing>
-    <p:tnLst>
-      <p:par>
-        <p:cTn id="1" dur="indefinite" restart="never" nodeType="tmRoot"/>
-      </p:par>
-    </p:tnLst>
-  </p:timing>
 </p:sld>
 </file>
 
@@ -34346,12 +33221,8 @@
           <a:p>
             <a:pPr lvl="1" eaLnBrk="1" hangingPunct="1"/>
             <a:r>
-              <a:rPr lang="en-US" altLang="en-US" sz="2400" dirty="0" smtClean="0"/>
-              <a:t>Two </a:t>
-            </a:r>
-            <a:r>
               <a:rPr lang="en-US" altLang="en-US" sz="2400" dirty="0"/>
-              <a:t>regression coefficients, </a:t>
+              <a:t>Two regression coefficients, </a:t>
             </a:r>
             <a:r>
               <a:rPr lang="en-US" altLang="en-US" sz="2400" i="1" dirty="0">
@@ -34416,53 +33287,32 @@
             </a:r>
             <a:r>
               <a:rPr lang="en-US" altLang="en-US" sz="2400" i="1" dirty="0"/>
-              <a:t>, ….</a:t>
+              <a:t>, …</a:t>
             </a:r>
           </a:p>
           <a:p>
             <a:pPr eaLnBrk="1" hangingPunct="1"/>
             <a:r>
-              <a:rPr lang="en-US" altLang="en-US" sz="2400" u="sng" dirty="0" smtClean="0"/>
-              <a:t>Nonlinear </a:t>
-            </a:r>
-            <a:r>
               <a:rPr lang="en-US" altLang="en-US" sz="2400" u="sng" dirty="0"/>
-              <a:t>regression</a:t>
-            </a:r>
-            <a:r>
-              <a:rPr lang="en-US" altLang="en-US" sz="2400" dirty="0" smtClean="0"/>
+              <a:t>Nonlinear regression</a:t>
+            </a:r>
+            <a:r>
+              <a:rPr lang="en-US" altLang="en-US" sz="2400" dirty="0"/>
               <a:t>:</a:t>
             </a:r>
-            <a:endParaRPr lang="en-US" altLang="en-US" sz="2400" dirty="0"/>
           </a:p>
           <a:p>
             <a:pPr lvl="1"/>
             <a:r>
-              <a:rPr lang="en-US" sz="2400" dirty="0" smtClean="0"/>
-              <a:t>Data </a:t>
-            </a:r>
-            <a:r>
               <a:rPr lang="en-US" sz="2400" dirty="0"/>
-              <a:t>are modeled by a function which is a nonlinear combination of the model parameters and depends on one or more independent </a:t>
-            </a:r>
-            <a:r>
-              <a:rPr lang="en-US" sz="2400" dirty="0" smtClean="0"/>
-              <a:t>variables</a:t>
+              <a:t>Data are modeled by a function which is a nonlinear combination of the model parameters and depends on one or more independent variables</a:t>
             </a:r>
           </a:p>
           <a:p>
             <a:pPr lvl="1"/>
             <a:r>
-              <a:rPr lang="en-US" sz="2400" dirty="0" smtClean="0"/>
-              <a:t>The </a:t>
-            </a:r>
-            <a:r>
               <a:rPr lang="en-US" sz="2400" dirty="0"/>
-              <a:t>data are fitted by a method of successive </a:t>
-            </a:r>
-            <a:r>
-              <a:rPr lang="en-US" sz="2400" dirty="0" smtClean="0"/>
-              <a:t>approximations</a:t>
+              <a:t>The data are fitted by a method of successive approximations</a:t>
             </a:r>
             <a:endParaRPr lang="en-US" altLang="en-US" sz="2400" i="1" dirty="0"/>
           </a:p>
@@ -34493,7 +33343,7 @@
           <a:p>
             <a:pPr eaLnBrk="1" hangingPunct="1"/>
             <a:r>
-              <a:rPr lang="en-US" altLang="en-US" dirty="0" smtClean="0"/>
+              <a:rPr lang="en-US" altLang="en-US" dirty="0"/>
               <a:t>Linear and Multiple Regression</a:t>
             </a:r>
             <a:endParaRPr lang="en-US" altLang="en-US" sz="2400" dirty="0"/>
@@ -34592,21 +33442,6 @@
   <p:clrMapOvr>
     <a:masterClrMapping/>
   </p:clrMapOvr>
-  <mc:AlternateContent xmlns:mc="http://schemas.openxmlformats.org/markup-compatibility/2006" xmlns:p14="http://schemas.microsoft.com/office/powerpoint/2010/main">
-    <mc:Choice Requires="p14">
-      <p:transition spd="slow" p14:dur="2000"/>
-    </mc:Choice>
-    <mc:Fallback xmlns="">
-      <p:transition spd="slow"/>
-    </mc:Fallback>
-  </mc:AlternateContent>
-  <p:timing>
-    <p:tnLst>
-      <p:par>
-        <p:cTn id="1" dur="indefinite" restart="never" nodeType="tmRoot"/>
-      </p:par>
-    </p:tnLst>
-  </p:timing>
 </p:sld>
 </file>
 
@@ -34734,12 +33569,8 @@
           <a:p>
             <a:pPr eaLnBrk="1" hangingPunct="1"/>
             <a:r>
-              <a:rPr lang="en-US" altLang="en-US" sz="2400" u="sng" dirty="0" smtClean="0"/>
-              <a:t>Multiple </a:t>
-            </a:r>
-            <a:r>
               <a:rPr lang="en-US" altLang="en-US" sz="2400" u="sng" dirty="0"/>
-              <a:t>regression</a:t>
+              <a:t>Multiple regression</a:t>
             </a:r>
             <a:r>
               <a:rPr lang="en-US" altLang="en-US" sz="2400" dirty="0"/>
@@ -34806,66 +33637,41 @@
           <a:p>
             <a:pPr eaLnBrk="1" hangingPunct="1"/>
             <a:r>
-              <a:rPr lang="en-US" altLang="en-US" sz="2400" u="sng" dirty="0" smtClean="0"/>
+              <a:rPr lang="en-US" altLang="en-US" sz="2400" u="sng" dirty="0"/>
               <a:t>Log-linear model</a:t>
             </a:r>
             <a:r>
-              <a:rPr lang="en-US" altLang="en-US" sz="2400" dirty="0" smtClean="0"/>
+              <a:rPr lang="en-US" altLang="en-US" sz="2400" dirty="0"/>
               <a:t>:</a:t>
             </a:r>
-            <a:endParaRPr lang="en-US" altLang="en-US" sz="2400" dirty="0"/>
           </a:p>
           <a:p>
             <a:pPr lvl="1"/>
             <a:r>
-              <a:rPr lang="en-US" sz="2400" dirty="0" smtClean="0"/>
-              <a:t>A math </a:t>
-            </a:r>
-            <a:r>
               <a:rPr lang="en-US" sz="2400" dirty="0"/>
-              <a:t>model that takes the form of a function whose logarithm is a linear combination of the parameters of the model, which makes it possible to apply (possibly multivariate) linear </a:t>
-            </a:r>
-            <a:r>
-              <a:rPr lang="en-US" sz="2400" dirty="0" smtClean="0"/>
-              <a:t>regression</a:t>
+              <a:t>A math model that takes the form of a function whose logarithm is a linear combination of the parameters of the model, which makes it possible to apply (possibly multivariate) linear regression</a:t>
             </a:r>
           </a:p>
           <a:p>
             <a:pPr lvl="1"/>
             <a:r>
-              <a:rPr lang="en-US" altLang="en-US" sz="2400" dirty="0" smtClean="0"/>
-              <a:t>Estimate </a:t>
-            </a:r>
-            <a:r>
               <a:rPr lang="en-US" altLang="en-US" sz="2400" dirty="0"/>
-              <a:t>the probability of each point (tuple) in a </a:t>
-            </a:r>
-            <a:r>
-              <a:rPr lang="en-US" altLang="en-US" sz="2400" dirty="0" smtClean="0"/>
-              <a:t>multi-</a:t>
-            </a:r>
-            <a:r>
-              <a:rPr lang="en-US" altLang="en-US" sz="2400" dirty="0" err="1" smtClean="0"/>
+              <a:t>Estimate the probability of each point (tuple) in a multi-</a:t>
+            </a:r>
+            <a:r>
+              <a:rPr lang="en-US" altLang="en-US" sz="2400" dirty="0" err="1"/>
               <a:t>dimen</a:t>
             </a:r>
             <a:r>
-              <a:rPr lang="en-US" altLang="en-US" sz="2400" dirty="0" smtClean="0"/>
-              <a:t>. </a:t>
-            </a:r>
-            <a:r>
               <a:rPr lang="en-US" altLang="en-US" sz="2400" dirty="0"/>
-              <a:t>space for a set of discretized attributes, based on a smaller subset of dimensional combinations</a:t>
+              <a:t>. space for a set of discretized attributes, based on a smaller subset of dimensional combinations</a:t>
             </a:r>
           </a:p>
           <a:p>
             <a:pPr lvl="1" eaLnBrk="1" hangingPunct="1"/>
             <a:r>
-              <a:rPr lang="en-US" altLang="en-US" sz="2400" dirty="0" smtClean="0"/>
-              <a:t>Useful </a:t>
-            </a:r>
-            <a:r>
               <a:rPr lang="en-US" altLang="en-US" sz="2400" dirty="0"/>
-              <a:t>for dimensionality reduction and data smoothing</a:t>
+              <a:t>Useful for dimensionality reduction and data smoothing</a:t>
             </a:r>
             <a:endParaRPr lang="en-US" altLang="en-US" sz="2400" i="1" baseline="-25000" dirty="0"/>
           </a:p>
@@ -34896,7 +33702,7 @@
           <a:p>
             <a:pPr eaLnBrk="1" hangingPunct="1"/>
             <a:r>
-              <a:rPr lang="en-US" altLang="en-US" dirty="0" smtClean="0"/>
+              <a:rPr lang="en-US" altLang="en-US" dirty="0"/>
               <a:t>Multiple Regression and Log-Linear Models</a:t>
             </a:r>
             <a:endParaRPr lang="en-US" altLang="en-US" sz="2400" dirty="0"/>
@@ -34913,21 +33719,6 @@
   <p:clrMapOvr>
     <a:masterClrMapping/>
   </p:clrMapOvr>
-  <mc:AlternateContent xmlns:mc="http://schemas.openxmlformats.org/markup-compatibility/2006" xmlns:p14="http://schemas.microsoft.com/office/powerpoint/2010/main">
-    <mc:Choice Requires="p14">
-      <p:transition spd="slow" p14:dur="2000"/>
-    </mc:Choice>
-    <mc:Fallback xmlns="">
-      <p:transition spd="slow"/>
-    </mc:Fallback>
-  </mc:AlternateContent>
-  <p:timing>
-    <p:tnLst>
-      <p:par>
-        <p:cTn id="1" dur="indefinite" restart="never" nodeType="tmRoot"/>
-      </p:par>
-    </p:tnLst>
-  </p:timing>
 </p:sld>
 </file>
 
@@ -34970,7 +33761,7 @@
           <a:p>
             <a:pPr eaLnBrk="1" hangingPunct="1"/>
             <a:r>
-              <a:rPr lang="en-US" altLang="en-US" dirty="0" smtClean="0"/>
+              <a:rPr lang="en-US" altLang="en-US" dirty="0"/>
               <a:t>Histogram Analysis</a:t>
             </a:r>
           </a:p>
@@ -35071,7 +33862,7 @@
           <a:graphicData uri="http://schemas.openxmlformats.org/presentationml/2006/ole">
             <mc:AlternateContent xmlns:mc="http://schemas.openxmlformats.org/markup-compatibility/2006">
               <mc:Choice xmlns:v="urn:schemas-microsoft-com:vml" Requires="v">
-                <p:oleObj spid="_x0000_s41022" name="Chart" r:id="rId4" imgW="7915188" imgH="3848049" progId="MSGraph.Chart.8">
+                <p:oleObj spid="_x0000_s41023" name="Chart" r:id="rId4" imgW="7915188" imgH="3848049" progId="MSGraph.Chart.8">
                   <p:embed followColorScheme="full"/>
                 </p:oleObj>
               </mc:Choice>
@@ -35152,21 +33943,6 @@
   <p:clrMapOvr>
     <a:masterClrMapping/>
   </p:clrMapOvr>
-  <mc:AlternateContent xmlns:mc="http://schemas.openxmlformats.org/markup-compatibility/2006" xmlns:p14="http://schemas.microsoft.com/office/powerpoint/2010/main">
-    <mc:Choice Requires="p14">
-      <p:transition spd="slow" p14:dur="2000"/>
-    </mc:Choice>
-    <mc:Fallback xmlns="">
-      <p:transition spd="slow"/>
-    </mc:Fallback>
-  </mc:AlternateContent>
-  <p:timing>
-    <p:tnLst>
-      <p:par>
-        <p:cTn id="1" dur="indefinite" restart="never" nodeType="tmRoot"/>
-      </p:par>
-    </p:tnLst>
-  </p:timing>
 </p:sld>
 </file>
 
@@ -35209,20 +33985,12 @@
           </a:bodyPr>
           <a:lstStyle/>
           <a:p>
-            <a:r>
-              <a:rPr lang="en-US" altLang="en-US" dirty="0" smtClean="0"/>
-              <a:t/>
-            </a:r>
             <a:br>
-              <a:rPr lang="en-US" altLang="en-US" dirty="0" smtClean="0"/>
+              <a:rPr lang="en-US" altLang="en-US" dirty="0"/>
             </a:br>
             <a:r>
-              <a:rPr lang="en-US" altLang="en-US" sz="4900" dirty="0" smtClean="0"/>
-              <a:t>What is Data Preprocessing? — Major </a:t>
-            </a:r>
-            <a:r>
               <a:rPr lang="en-US" altLang="en-US" sz="4900" dirty="0"/>
-              <a:t>Tasks </a:t>
+              <a:t>What is Data Preprocessing? — Major Tasks </a:t>
             </a:r>
             <a:endParaRPr lang="en-US" altLang="en-US" dirty="0"/>
           </a:p>
@@ -35257,12 +34025,8 @@
           <a:p>
             <a:pPr lvl="1" eaLnBrk="1" hangingPunct="1"/>
             <a:r>
-              <a:rPr lang="en-US" altLang="en-US" sz="2400" dirty="0" smtClean="0"/>
-              <a:t>Handle missing data, </a:t>
-            </a:r>
-            <a:r>
               <a:rPr lang="en-US" altLang="en-US" sz="2400" dirty="0"/>
-              <a:t>smooth noisy data, identify or remove outliers, and resolve inconsistencies</a:t>
+              <a:t>Handle missing data, smooth noisy data, identify or remove outliers, and resolve inconsistencies</a:t>
             </a:r>
           </a:p>
           <a:p>
@@ -35344,21 +34108,6 @@
   <p:clrMapOvr>
     <a:masterClrMapping/>
   </p:clrMapOvr>
-  <mc:AlternateContent xmlns:mc="http://schemas.openxmlformats.org/markup-compatibility/2006" xmlns:p14="http://schemas.microsoft.com/office/powerpoint/2010/main">
-    <mc:Choice Requires="p14">
-      <p:transition spd="slow" p14:dur="2000"/>
-    </mc:Choice>
-    <mc:Fallback xmlns="">
-      <p:transition spd="slow"/>
-    </mc:Fallback>
-  </mc:AlternateContent>
-  <p:timing>
-    <p:tnLst>
-      <p:par>
-        <p:cTn id="1" dur="indefinite" restart="never" nodeType="tmRoot"/>
-      </p:par>
-    </p:tnLst>
-  </p:timing>
 </p:sld>
 </file>
 
@@ -35388,9 +34137,7 @@
           <p:nvPr/>
         </p:nvPicPr>
         <p:blipFill>
-          <a:blip r:embed="rId3">
-            <a:extLst/>
-          </a:blip>
+          <a:blip r:embed="rId3"/>
           <a:srcRect l="5639" t="5639" r="5639" b="5639"/>
           <a:stretch>
             <a:fillRect/>
@@ -35433,7 +34180,7 @@
           <a:p>
             <a:pPr eaLnBrk="1" hangingPunct="1"/>
             <a:r>
-              <a:rPr lang="en-US" altLang="en-US" dirty="0" smtClean="0"/>
+              <a:rPr lang="en-US" altLang="en-US" dirty="0"/>
               <a:t>Clustering</a:t>
             </a:r>
           </a:p>
@@ -35528,21 +34275,6 @@
   <p:clrMapOvr>
     <a:masterClrMapping/>
   </p:clrMapOvr>
-  <mc:AlternateContent xmlns:mc="http://schemas.openxmlformats.org/markup-compatibility/2006" xmlns:p14="http://schemas.microsoft.com/office/powerpoint/2010/main">
-    <mc:Choice Requires="p14">
-      <p:transition spd="slow" p14:dur="2000"/>
-    </mc:Choice>
-    <mc:Fallback xmlns="">
-      <p:transition spd="slow"/>
-    </mc:Fallback>
-  </mc:AlternateContent>
-  <p:timing>
-    <p:tnLst>
-      <p:par>
-        <p:cTn id="1" dur="indefinite" restart="never" nodeType="tmRoot"/>
-      </p:par>
-    </p:tnLst>
-  </p:timing>
 </p:sld>
 </file>
 
@@ -35585,7 +34317,7 @@
           <a:p>
             <a:pPr eaLnBrk="1" hangingPunct="1"/>
             <a:r>
-              <a:rPr lang="en-US" altLang="en-US" dirty="0" smtClean="0"/>
+              <a:rPr lang="en-US" altLang="en-US" dirty="0"/>
               <a:t>Sampling</a:t>
             </a:r>
           </a:p>
@@ -35716,21 +34448,6 @@
   <p:clrMapOvr>
     <a:masterClrMapping/>
   </p:clrMapOvr>
-  <mc:AlternateContent xmlns:mc="http://schemas.openxmlformats.org/markup-compatibility/2006" xmlns:p14="http://schemas.microsoft.com/office/powerpoint/2010/main">
-    <mc:Choice Requires="p14">
-      <p:transition spd="slow" p14:dur="2000"/>
-    </mc:Choice>
-    <mc:Fallback xmlns="">
-      <p:transition spd="slow"/>
-    </mc:Fallback>
-  </mc:AlternateContent>
-  <p:timing>
-    <p:tnLst>
-      <p:par>
-        <p:cTn id="1" dur="indefinite" restart="never" nodeType="tmRoot"/>
-      </p:par>
-    </p:tnLst>
-  </p:timing>
 </p:sld>
 </file>
 
@@ -38835,7 +37552,7 @@
           <a:p>
             <a:pPr eaLnBrk="1" hangingPunct="1"/>
             <a:r>
-              <a:rPr lang="en-US" altLang="en-US" smtClean="0"/>
+              <a:rPr lang="en-US" altLang="en-US"/>
               <a:t>Types of Sampling</a:t>
             </a:r>
           </a:p>
@@ -38868,19 +37585,11 @@
             </a:pPr>
             <a:r>
               <a:rPr lang="en-US" altLang="en-US" sz="2400" b="1" dirty="0"/>
-              <a:t>Simple random </a:t>
-            </a:r>
-            <a:r>
-              <a:rPr lang="en-US" altLang="en-US" sz="2400" b="1" dirty="0" smtClean="0"/>
-              <a:t>sampling:  </a:t>
-            </a:r>
-            <a:r>
-              <a:rPr lang="en-US" altLang="en-US" sz="2400" dirty="0" smtClean="0"/>
-              <a:t>equal </a:t>
+              <a:t>Simple random sampling:  </a:t>
             </a:r>
             <a:r>
               <a:rPr lang="en-US" altLang="en-US" sz="2400" dirty="0"/>
-              <a:t>probability of selecting any particular item</a:t>
+              <a:t>equal probability of selecting any particular item</a:t>
             </a:r>
           </a:p>
           <a:p>
@@ -38924,11 +37633,7 @@
             </a:pPr>
             <a:r>
               <a:rPr lang="en-US" altLang="en-US" sz="2400" dirty="0"/>
-              <a:t>A selected object is not removed from the </a:t>
-            </a:r>
-            <a:r>
-              <a:rPr lang="en-US" altLang="en-US" sz="2400" dirty="0" smtClean="0"/>
-              <a:t>population</a:t>
+              <a:t>A selected object is not removed from the population</a:t>
             </a:r>
           </a:p>
           <a:p>
@@ -38938,7 +37643,7 @@
               </a:spcAft>
             </a:pPr>
             <a:r>
-              <a:rPr lang="en-US" altLang="en-US" sz="2400" b="1" dirty="0" smtClean="0"/>
+              <a:rPr lang="en-US" altLang="en-US" sz="2400" b="1" dirty="0"/>
               <a:t>Stratified sampling</a:t>
             </a:r>
           </a:p>
@@ -38952,7 +37657,7 @@
               <a:rPr lang="en-US" altLang="en-US" sz="2400" dirty="0"/>
               <a:t>Partition (or cluster) the data set, and draw samples from each partition (proportionally, i.e., approximately the same percentage of the data)</a:t>
             </a:r>
-            <a:endParaRPr lang="en-US" altLang="en-US" sz="2400" b="1" dirty="0" smtClean="0"/>
+            <a:endParaRPr lang="en-US" altLang="en-US" sz="2400" b="1" dirty="0"/>
           </a:p>
         </p:txBody>
       </p:sp>
@@ -39019,7 +37724,6 @@
           <a:ln>
             <a:noFill/>
           </a:ln>
-          <a:extLst/>
         </p:spPr>
         <p:txBody>
           <a:bodyPr wrap="none">
@@ -39125,14 +37829,11 @@
           </a:lstStyle>
           <a:p>
             <a:r>
-              <a:rPr lang="en-US" altLang="en-US" sz="2000" b="1" dirty="0" smtClean="0">
+              <a:rPr lang="en-US" altLang="en-US" sz="2000" b="1" dirty="0">
                 <a:latin typeface="+mj-lt"/>
               </a:rPr>
               <a:t>Stratified sampling</a:t>
             </a:r>
-            <a:endParaRPr lang="en-US" altLang="en-US" sz="2000" b="1" dirty="0">
-              <a:latin typeface="+mj-lt"/>
-            </a:endParaRPr>
           </a:p>
         </p:txBody>
       </p:sp>
@@ -39146,21 +37847,6 @@
   <p:clrMapOvr>
     <a:masterClrMapping/>
   </p:clrMapOvr>
-  <mc:AlternateContent xmlns:mc="http://schemas.openxmlformats.org/markup-compatibility/2006" xmlns:p14="http://schemas.microsoft.com/office/powerpoint/2010/main">
-    <mc:Choice Requires="p14">
-      <p:transition spd="slow" p14:dur="2000"/>
-    </mc:Choice>
-    <mc:Fallback xmlns="">
-      <p:transition spd="slow"/>
-    </mc:Fallback>
-  </mc:AlternateContent>
-  <p:timing>
-    <p:tnLst>
-      <p:par>
-        <p:cTn id="1" dur="indefinite" restart="never" nodeType="tmRoot"/>
-      </p:par>
-    </p:tnLst>
-  </p:timing>
 </p:sld>
 </file>
 
@@ -39203,7 +37889,7 @@
           <a:p>
             <a:pPr eaLnBrk="1" hangingPunct="1"/>
             <a:r>
-              <a:rPr lang="en-US" altLang="en-US" dirty="0" smtClean="0"/>
+              <a:rPr lang="en-US" altLang="en-US" dirty="0"/>
               <a:t>Data Cube Aggregation</a:t>
             </a:r>
           </a:p>
@@ -39394,13 +38080,6 @@
   <p:transition>
     <p:zoom/>
   </p:transition>
-  <p:timing>
-    <p:tnLst>
-      <p:par>
-        <p:cTn id="1" dur="indefinite" restart="never" nodeType="tmRoot"/>
-      </p:par>
-    </p:tnLst>
-  </p:timing>
 </p:sld>
 </file>
 
@@ -39443,7 +38122,7 @@
           <a:p>
             <a:pPr eaLnBrk="1" hangingPunct="1"/>
             <a:r>
-              <a:rPr lang="en-US" altLang="en-US" dirty="0" smtClean="0"/>
+              <a:rPr lang="en-US" altLang="en-US" dirty="0"/>
               <a:t>Data Compression</a:t>
             </a:r>
           </a:p>
@@ -39566,30 +38245,12 @@
           <a:p>
             <a:pPr eaLnBrk="1" hangingPunct="1"/>
             <a:r>
-              <a:rPr lang="en-US" altLang="en-US" dirty="0" smtClean="0">
-                <a:latin typeface="Calibri" panose="020F0502020204030204" pitchFamily="34" charset="0"/>
-                <a:sym typeface="Symbol" panose="05050102010706020507" pitchFamily="18" charset="2"/>
-              </a:rPr>
-              <a:t>Data reduction and dimensionality reduction </a:t>
-            </a:r>
-            <a:r>
               <a:rPr lang="en-US" altLang="en-US" dirty="0">
                 <a:latin typeface="Calibri" panose="020F0502020204030204" pitchFamily="34" charset="0"/>
                 <a:sym typeface="Symbol" panose="05050102010706020507" pitchFamily="18" charset="2"/>
               </a:rPr>
-              <a:t>may also be considered as forms of data </a:t>
-            </a:r>
-            <a:r>
-              <a:rPr lang="en-US" altLang="en-US" dirty="0" smtClean="0">
-                <a:latin typeface="Calibri" panose="020F0502020204030204" pitchFamily="34" charset="0"/>
-                <a:sym typeface="Symbol" panose="05050102010706020507" pitchFamily="18" charset="2"/>
-              </a:rPr>
-              <a:t>compression</a:t>
-            </a:r>
-            <a:endParaRPr lang="en-US" altLang="en-US" dirty="0">
-              <a:latin typeface="Calibri" panose="020F0502020204030204" pitchFamily="34" charset="0"/>
-              <a:sym typeface="Symbol" panose="05050102010706020507" pitchFamily="18" charset="2"/>
-            </a:endParaRPr>
+              <a:t>Data reduction and dimensionality reduction may also be considered as forms of data compression</a:t>
+            </a:r>
           </a:p>
         </p:txBody>
       </p:sp>
@@ -40265,7 +38926,7 @@
             <a:p>
               <a:pPr algn="ctr"/>
               <a:r>
-                <a:rPr lang="en-US" altLang="en-US" dirty="0" smtClean="0">
+                <a:rPr lang="en-US" altLang="en-US" dirty="0">
                   <a:latin typeface="+mn-lt"/>
                 </a:rPr>
                 <a:t>Original Data</a:t>
@@ -40274,14 +38935,11 @@
             <a:p>
               <a:pPr algn="ctr"/>
               <a:r>
-                <a:rPr lang="en-US" altLang="en-US" dirty="0" smtClean="0">
+                <a:rPr lang="en-US" altLang="en-US" dirty="0">
                   <a:latin typeface="+mn-lt"/>
                 </a:rPr>
                 <a:t>Approximated </a:t>
               </a:r>
-              <a:endParaRPr lang="en-US" altLang="en-US" dirty="0">
-                <a:latin typeface="+mn-lt"/>
-              </a:endParaRPr>
             </a:p>
           </p:txBody>
         </p:sp>
@@ -40507,14 +39165,13 @@
           <a:lstStyle/>
           <a:p>
             <a:r>
-              <a:rPr lang="en-US" sz="2400" dirty="0" err="1" smtClean="0"/>
+              <a:rPr lang="en-US" sz="2400" dirty="0" err="1"/>
               <a:t>Lossy</a:t>
             </a:r>
             <a:r>
-              <a:rPr lang="en-US" sz="2400" dirty="0" smtClean="0"/>
+              <a:rPr lang="en-US" sz="2400" dirty="0"/>
               <a:t> vs. lossless compression</a:t>
             </a:r>
-            <a:endParaRPr lang="en-US" sz="2400" dirty="0"/>
           </a:p>
         </p:txBody>
       </p:sp>
@@ -40531,13 +39188,6 @@
   <p:transition>
     <p:zoom/>
   </p:transition>
-  <p:timing>
-    <p:tnLst>
-      <p:par>
-        <p:cTn id="1" dur="indefinite" restart="never" nodeType="tmRoot"/>
-      </p:par>
-    </p:tnLst>
-  </p:timing>
 </p:sld>
 </file>
 
@@ -40580,13 +39230,6 @@
           </a:bodyPr>
           <a:lstStyle/>
           <a:p>
-            <a:r>
-              <a:rPr lang="en-US" altLang="en-US" b="1" dirty="0">
-                <a:latin typeface="Calibri" panose="020F0502020204030204" pitchFamily="34" charset="0"/>
-                <a:cs typeface="Tahoma" panose="020B0604030504040204" pitchFamily="34" charset="0"/>
-              </a:rPr>
-              <a:t/>
-            </a:r>
             <a:br>
               <a:rPr lang="en-US" altLang="en-US" b="1" dirty="0">
                 <a:latin typeface="Calibri" panose="020F0502020204030204" pitchFamily="34" charset="0"/>
@@ -40594,7 +39237,7 @@
               </a:rPr>
             </a:br>
             <a:r>
-              <a:rPr lang="en-US" altLang="en-US" sz="4600" dirty="0" smtClean="0"/>
+              <a:rPr lang="en-US" altLang="en-US" sz="4600" dirty="0"/>
               <a:t>Wavelet Transform: A Data Compression Technique</a:t>
             </a:r>
           </a:p>
@@ -40631,7 +39274,7 @@
                 <a:tab pos="1198563" algn="l"/>
               </a:tabLst>
             </a:pPr>
-            <a:endParaRPr lang="en-US" altLang="en-US" b="1" smtClean="0">
+            <a:endParaRPr lang="en-US" altLang="en-US" b="1">
               <a:latin typeface="Times New Roman" panose="02020603050405020304" pitchFamily="18" charset="0"/>
               <a:cs typeface="Times New Roman" panose="02020603050405020304" pitchFamily="18" charset="0"/>
             </a:endParaRPr>
@@ -40645,7 +39288,7 @@
                 <a:tab pos="1198563" algn="l"/>
               </a:tabLst>
             </a:pPr>
-            <a:endParaRPr lang="en-US" altLang="en-US" b="1" smtClean="0">
+            <a:endParaRPr lang="en-US" altLang="en-US" b="1">
               <a:latin typeface="Times New Roman" panose="02020603050405020304" pitchFamily="18" charset="0"/>
               <a:cs typeface="Times New Roman" panose="02020603050405020304" pitchFamily="18" charset="0"/>
             </a:endParaRPr>
@@ -41412,7 +40055,7 @@
               </a:lnSpc>
             </a:pPr>
             <a:r>
-              <a:rPr lang="en-US" altLang="en-US" dirty="0" smtClean="0"/>
+              <a:rPr lang="en-US" altLang="en-US" dirty="0"/>
               <a:t>Wavelet Transform</a:t>
             </a:r>
           </a:p>
@@ -41423,18 +40066,18 @@
               </a:lnSpc>
             </a:pPr>
             <a:r>
-              <a:rPr lang="en-US" altLang="en-US" dirty="0" smtClean="0">
+              <a:rPr lang="en-US" altLang="en-US" dirty="0">
                 <a:latin typeface="Calibri" panose="020F0502020204030204" pitchFamily="34" charset="0"/>
               </a:rPr>
               <a:t>Decomposes a signal into different frequency </a:t>
             </a:r>
             <a:r>
-              <a:rPr lang="en-US" altLang="en-US" dirty="0" err="1" smtClean="0">
+              <a:rPr lang="en-US" altLang="en-US" dirty="0" err="1">
                 <a:latin typeface="Calibri" panose="020F0502020204030204" pitchFamily="34" charset="0"/>
               </a:rPr>
               <a:t>subbands</a:t>
             </a:r>
-            <a:endParaRPr lang="en-US" altLang="en-US" dirty="0" smtClean="0">
+            <a:endParaRPr lang="en-US" altLang="en-US" dirty="0">
               <a:latin typeface="Calibri" panose="020F0502020204030204" pitchFamily="34" charset="0"/>
             </a:endParaRPr>
           </a:p>
@@ -41445,7 +40088,7 @@
               </a:lnSpc>
             </a:pPr>
             <a:r>
-              <a:rPr lang="en-US" altLang="en-US" dirty="0" smtClean="0">
+              <a:rPr lang="en-US" altLang="en-US" dirty="0">
                 <a:latin typeface="Calibri" panose="020F0502020204030204" pitchFamily="34" charset="0"/>
               </a:rPr>
               <a:t>Applicable to n-dimensional signals</a:t>
@@ -41458,7 +40101,7 @@
               </a:lnSpc>
             </a:pPr>
             <a:r>
-              <a:rPr lang="en-US" altLang="en-US" dirty="0" smtClean="0">
+              <a:rPr lang="en-US" altLang="en-US" dirty="0">
                 <a:latin typeface="Calibri" panose="020F0502020204030204" pitchFamily="34" charset="0"/>
               </a:rPr>
               <a:t>Data are transformed to preserve relative distance between objects at different levels of resolution</a:t>
@@ -41471,7 +40114,7 @@
               </a:lnSpc>
             </a:pPr>
             <a:r>
-              <a:rPr lang="en-US" altLang="en-US" dirty="0" smtClean="0">
+              <a:rPr lang="en-US" altLang="en-US" dirty="0">
                 <a:latin typeface="Calibri" panose="020F0502020204030204" pitchFamily="34" charset="0"/>
               </a:rPr>
               <a:t>Allow natural clusters to become more distinguishable</a:t>
@@ -41484,14 +40127,11 @@
               </a:lnSpc>
             </a:pPr>
             <a:r>
-              <a:rPr lang="en-US" altLang="en-US" dirty="0" smtClean="0">
+              <a:rPr lang="en-US" altLang="en-US" dirty="0">
                 <a:latin typeface="Calibri" panose="020F0502020204030204" pitchFamily="34" charset="0"/>
               </a:rPr>
               <a:t>Used for image compression</a:t>
             </a:r>
-            <a:endParaRPr lang="en-US" altLang="en-US" dirty="0">
-              <a:latin typeface="Calibri" panose="020F0502020204030204" pitchFamily="34" charset="0"/>
-            </a:endParaRPr>
           </a:p>
         </p:txBody>
       </p:sp>
@@ -41549,13 +40189,6 @@
   <p:transition>
     <p:zoom/>
   </p:transition>
-  <p:timing>
-    <p:tnLst>
-      <p:par>
-        <p:cTn id="1" dur="indefinite" restart="never" nodeType="tmRoot"/>
-      </p:par>
-    </p:tnLst>
-  </p:timing>
 </p:sld>
 </file>
 
@@ -41648,19 +40281,7 @@
               <a:rPr lang="en-US" altLang="en-US" dirty="0">
                 <a:latin typeface="Calibri" panose="020F0502020204030204" pitchFamily="34" charset="0"/>
               </a:rPr>
-              <a:t>Compressed approximation: </a:t>
-            </a:r>
-            <a:r>
-              <a:rPr lang="en-US" altLang="en-US" dirty="0" smtClean="0">
-                <a:latin typeface="Calibri" panose="020F0502020204030204" pitchFamily="34" charset="0"/>
-              </a:rPr>
-              <a:t>Store </a:t>
-            </a:r>
-            <a:r>
-              <a:rPr lang="en-US" altLang="en-US" dirty="0">
-                <a:latin typeface="Calibri" panose="020F0502020204030204" pitchFamily="34" charset="0"/>
-              </a:rPr>
-              <a:t>only a small fraction of the strongest of the wavelet coefficients</a:t>
+              <a:t>Compressed approximation: Store only a small fraction of the strongest of the wavelet coefficients</a:t>
             </a:r>
           </a:p>
           <a:p>
@@ -42693,13 +41314,6 @@
   <p:transition>
     <p:zoom/>
   </p:transition>
-  <p:timing>
-    <p:tnLst>
-      <p:par>
-        <p:cTn id="1" dur="indefinite" restart="never" nodeType="tmRoot"/>
-      </p:par>
-    </p:tnLst>
-  </p:timing>
 </p:sld>
 </file>
 
@@ -42737,7 +41351,7 @@
           <a:p>
             <a:pPr eaLnBrk="1" hangingPunct="1"/>
             <a:r>
-              <a:rPr lang="en-US" altLang="en-US" dirty="0" smtClean="0"/>
+              <a:rPr lang="en-US" altLang="en-US" dirty="0"/>
               <a:t>Why Wavelet Transform?</a:t>
             </a:r>
           </a:p>
@@ -42907,13 +41521,6 @@
   <p:transition>
     <p:zoom/>
   </p:transition>
-  <p:timing>
-    <p:tnLst>
-      <p:par>
-        <p:cTn id="1" dur="indefinite" restart="never" nodeType="tmRoot"/>
-      </p:par>
-    </p:tnLst>
-  </p:timing>
 </p:sld>
 </file>
 
@@ -42958,7 +41565,7 @@
           <a:p>
             <a:pPr eaLnBrk="1" hangingPunct="1"/>
             <a:r>
-              <a:rPr lang="en-US" altLang="en-US" dirty="0" smtClean="0"/>
+              <a:rPr lang="en-US" altLang="en-US" dirty="0"/>
               <a:t>Data Transformation</a:t>
             </a:r>
           </a:p>
@@ -43153,13 +41760,6 @@
   <p:transition>
     <p:zoom/>
   </p:transition>
-  <p:timing>
-    <p:tnLst>
-      <p:par>
-        <p:cTn id="1" dur="indefinite" restart="never" nodeType="tmRoot"/>
-      </p:par>
-    </p:tnLst>
-  </p:timing>
 </p:sld>
 </file>
 
@@ -43204,7 +41804,7 @@
           <a:p>
             <a:pPr eaLnBrk="1" hangingPunct="1"/>
             <a:r>
-              <a:rPr lang="en-US" altLang="en-US" dirty="0" smtClean="0"/>
+              <a:rPr lang="en-US" altLang="en-US" dirty="0"/>
               <a:t>Normalization</a:t>
             </a:r>
           </a:p>
@@ -43314,13 +41914,7 @@
               <a:rPr lang="en-US" altLang="en-US" dirty="0">
                 <a:latin typeface="Calibri" panose="020F0502020204030204" pitchFamily="34" charset="0"/>
               </a:rPr>
-              <a:t>Ex.  Let income range $12,000 to $98,000 normalized to [0.0, 1.0</a:t>
-            </a:r>
-            <a:r>
-              <a:rPr lang="en-US" altLang="en-US" dirty="0" smtClean="0">
-                <a:latin typeface="Calibri" panose="020F0502020204030204" pitchFamily="34" charset="0"/>
-              </a:rPr>
-              <a:t>]</a:t>
+              <a:t>Ex.  Let income range $12,000 to $98,000 normalized to [0.0, 1.0]</a:t>
             </a:r>
           </a:p>
           <a:p>
@@ -43330,16 +41924,10 @@
               </a:spcAft>
             </a:pPr>
             <a:r>
-              <a:rPr lang="en-US" altLang="en-US" dirty="0" smtClean="0">
-                <a:latin typeface="Calibri" panose="020F0502020204030204" pitchFamily="34" charset="0"/>
-              </a:rPr>
-              <a:t>Then </a:t>
-            </a:r>
-            <a:r>
               <a:rPr lang="en-US" altLang="en-US" dirty="0">
                 <a:latin typeface="Calibri" panose="020F0502020204030204" pitchFamily="34" charset="0"/>
               </a:rPr>
-              <a:t>$73,000 is mapped to  </a:t>
+              <a:t>Then $73,000 is mapped to  </a:t>
             </a:r>
           </a:p>
           <a:p>
@@ -43483,7 +42071,7 @@
           <a:graphicData uri="http://schemas.openxmlformats.org/presentationml/2006/ole">
             <mc:AlternateContent xmlns:mc="http://schemas.openxmlformats.org/markup-compatibility/2006">
               <mc:Choice xmlns:v="urn:schemas-microsoft-com:vml" Requires="v">
-                <p:oleObj spid="_x0000_s42335" name="Equation" r:id="rId4" imgW="2222500" imgH="419100" progId="Equation.3">
+                <p:oleObj spid="_x0000_s42341" name="Equation" r:id="rId4" imgW="2222500" imgH="419100" progId="Equation.3">
                   <p:embed/>
                 </p:oleObj>
               </mc:Choice>
@@ -43582,7 +42170,7 @@
           <a:graphicData uri="http://schemas.openxmlformats.org/presentationml/2006/ole">
             <mc:AlternateContent xmlns:mc="http://schemas.openxmlformats.org/markup-compatibility/2006">
               <mc:Choice xmlns:v="urn:schemas-microsoft-com:vml" Requires="v">
-                <p:oleObj spid="_x0000_s42336" name="Equation" r:id="rId6" imgW="3340100" imgH="393700" progId="Equation.3">
+                <p:oleObj spid="_x0000_s42342" name="Equation" r:id="rId6" imgW="3340100" imgH="393700" progId="Equation.3">
                   <p:embed/>
                 </p:oleObj>
               </mc:Choice>
@@ -43681,7 +42269,7 @@
           <a:graphicData uri="http://schemas.openxmlformats.org/presentationml/2006/ole">
             <mc:AlternateContent xmlns:mc="http://schemas.openxmlformats.org/markup-compatibility/2006">
               <mc:Choice xmlns:v="urn:schemas-microsoft-com:vml" Requires="v">
-                <p:oleObj spid="_x0000_s42337" name="Equation" r:id="rId8" imgW="634725" imgH="393529" progId="Equation.3">
+                <p:oleObj spid="_x0000_s42343" name="Equation" r:id="rId8" imgW="634725" imgH="393529" progId="Equation.3">
                   <p:embed/>
                 </p:oleObj>
               </mc:Choice>
@@ -43780,7 +42368,7 @@
           <a:graphicData uri="http://schemas.openxmlformats.org/presentationml/2006/ole">
             <mc:AlternateContent xmlns:mc="http://schemas.openxmlformats.org/markup-compatibility/2006">
               <mc:Choice xmlns:v="urn:schemas-microsoft-com:vml" Requires="v">
-                <p:oleObj spid="_x0000_s42338" name="Equation" r:id="rId10" imgW="495085" imgH="393529" progId="Equation.3">
+                <p:oleObj spid="_x0000_s42344" name="Equation" r:id="rId10" imgW="495085" imgH="393529" progId="Equation.3">
                   <p:embed/>
                 </p:oleObj>
               </mc:Choice>
@@ -43873,7 +42461,7 @@
           <a:graphicData uri="http://schemas.openxmlformats.org/presentationml/2006/ole">
             <mc:AlternateContent xmlns:mc="http://schemas.openxmlformats.org/markup-compatibility/2006">
               <mc:Choice xmlns:v="urn:schemas-microsoft-com:vml" Requires="v">
-                <p:oleObj spid="_x0000_s42339" name="Equation" r:id="rId12" imgW="114151" imgH="215619" progId="Equation.3">
+                <p:oleObj spid="_x0000_s42345" name="Equation" r:id="rId12" imgW="114151" imgH="215619" progId="Equation.3">
                   <p:embed/>
                 </p:oleObj>
               </mc:Choice>
@@ -44160,7 +42748,7 @@
           <a:graphicData uri="http://schemas.openxmlformats.org/presentationml/2006/ole">
             <mc:AlternateContent xmlns:mc="http://schemas.openxmlformats.org/markup-compatibility/2006">
               <mc:Choice xmlns:v="urn:schemas-microsoft-com:vml" Requires="v">
-                <p:oleObj spid="_x0000_s42340" name="Equation" r:id="rId14" imgW="1498600" imgH="419100" progId="Equation.3">
+                <p:oleObj spid="_x0000_s42346" name="Equation" r:id="rId14" imgW="1498600" imgH="419100" progId="Equation.3">
                   <p:embed/>
                 </p:oleObj>
               </mc:Choice>
@@ -44267,40 +42855,10 @@
               </a:lnSpc>
             </a:pPr>
             <a:r>
-              <a:rPr lang="en-US" altLang="en-US" sz="2000" dirty="0" smtClean="0">
-                <a:latin typeface="Calibri" panose="020F0502020204030204" pitchFamily="34" charset="0"/>
-              </a:rPr>
-              <a:t>Z-score: The </a:t>
-            </a:r>
-            <a:r>
               <a:rPr lang="en-US" altLang="en-US" sz="2000" dirty="0">
                 <a:latin typeface="Calibri" panose="020F0502020204030204" pitchFamily="34" charset="0"/>
               </a:rPr>
-              <a:t>distance between the raw score and the population mean in </a:t>
-            </a:r>
-            <a:r>
-              <a:rPr lang="en-US" altLang="en-US" sz="2000" dirty="0" smtClean="0">
-                <a:latin typeface="Calibri" panose="020F0502020204030204" pitchFamily="34" charset="0"/>
-              </a:rPr>
-              <a:t>the unit </a:t>
-            </a:r>
-            <a:r>
-              <a:rPr lang="en-US" altLang="en-US" sz="2000" dirty="0">
-                <a:latin typeface="Calibri" panose="020F0502020204030204" pitchFamily="34" charset="0"/>
-              </a:rPr>
-              <a:t>of </a:t>
-            </a:r>
-            <a:r>
-              <a:rPr lang="en-US" altLang="en-US" sz="2000" dirty="0" smtClean="0">
-                <a:latin typeface="Calibri" panose="020F0502020204030204" pitchFamily="34" charset="0"/>
-              </a:rPr>
-              <a:t>the standard </a:t>
-            </a:r>
-            <a:r>
-              <a:rPr lang="en-US" altLang="en-US" sz="2000" dirty="0">
-                <a:latin typeface="Calibri" panose="020F0502020204030204" pitchFamily="34" charset="0"/>
-              </a:rPr>
-              <a:t>deviation</a:t>
+              <a:t>Z-score: The distance between the raw score and the population mean in the unit of the standard deviation</a:t>
             </a:r>
           </a:p>
         </p:txBody>
@@ -44318,13 +42876,6 @@
   <p:transition>
     <p:zoom/>
   </p:transition>
-  <p:timing>
-    <p:tnLst>
-      <p:par>
-        <p:cTn id="1" dur="indefinite" restart="never" nodeType="tmRoot"/>
-      </p:par>
-    </p:tnLst>
-  </p:timing>
 </p:sld>
 </file>
 
@@ -44368,16 +42919,8 @@
           <a:lstStyle/>
           <a:p>
             <a:r>
-              <a:rPr lang="en-US" altLang="en-US" dirty="0" smtClean="0"/>
-              <a:t>Why </a:t>
-            </a:r>
-            <a:r>
               <a:rPr lang="en-US" altLang="en-US" dirty="0"/>
-              <a:t>Preprocess the Data? — </a:t>
-            </a:r>
-            <a:r>
-              <a:rPr lang="en-US" altLang="en-US" dirty="0" smtClean="0"/>
-              <a:t>Data Quality Issues </a:t>
+              <a:t>Why Preprocess the Data? — Data Quality Issues </a:t>
             </a:r>
           </a:p>
         </p:txBody>
@@ -44490,21 +43033,6 @@
   <p:clrMapOvr>
     <a:masterClrMapping/>
   </p:clrMapOvr>
-  <mc:AlternateContent xmlns:mc="http://schemas.openxmlformats.org/markup-compatibility/2006" xmlns:p14="http://schemas.microsoft.com/office/powerpoint/2010/main">
-    <mc:Choice Requires="p14">
-      <p:transition spd="slow" p14:dur="2000"/>
-    </mc:Choice>
-    <mc:Fallback xmlns="">
-      <p:transition spd="slow"/>
-    </mc:Fallback>
-  </mc:AlternateContent>
-  <p:timing>
-    <p:tnLst>
-      <p:par>
-        <p:cTn id="1" dur="indefinite" restart="never" nodeType="tmRoot"/>
-      </p:par>
-    </p:tnLst>
-  </p:timing>
 </p:sld>
 </file>
 
@@ -44542,7 +43070,7 @@
           <a:p>
             <a:pPr eaLnBrk="1" hangingPunct="1"/>
             <a:r>
-              <a:rPr lang="en-US" altLang="en-US" dirty="0" smtClean="0"/>
+              <a:rPr lang="en-US" altLang="en-US" dirty="0"/>
               <a:t>Discretization </a:t>
             </a:r>
           </a:p>
@@ -44656,21 +43184,6 @@
   <p:clrMapOvr>
     <a:masterClrMapping/>
   </p:clrMapOvr>
-  <mc:AlternateContent xmlns:mc="http://schemas.openxmlformats.org/markup-compatibility/2006" xmlns:p14="http://schemas.microsoft.com/office/powerpoint/2010/main">
-    <mc:Choice Requires="p14">
-      <p:transition spd="slow" p14:dur="2000"/>
-    </mc:Choice>
-    <mc:Fallback xmlns="">
-      <p:transition spd="slow"/>
-    </mc:Fallback>
-  </mc:AlternateContent>
-  <p:timing>
-    <p:tnLst>
-      <p:par>
-        <p:cTn id="1" dur="indefinite" restart="never" nodeType="tmRoot"/>
-      </p:par>
-    </p:tnLst>
-  </p:timing>
 </p:sld>
 </file>
 
@@ -44713,7 +43226,7 @@
           <a:p>
             <a:pPr eaLnBrk="1" hangingPunct="1"/>
             <a:r>
-              <a:rPr lang="en-US" altLang="en-US" smtClean="0"/>
+              <a:rPr lang="en-US" altLang="en-US"/>
               <a:t>Data Discretization Methods</a:t>
             </a:r>
           </a:p>
@@ -44745,14 +43258,11 @@
               </a:spcAft>
             </a:pPr>
             <a:r>
-              <a:rPr lang="en-US" altLang="en-US" dirty="0" smtClean="0">
+              <a:rPr lang="en-US" altLang="en-US" dirty="0">
                 <a:latin typeface="Calibri" panose="020F0502020204030204" pitchFamily="34" charset="0"/>
               </a:rPr>
               <a:t>Binning </a:t>
             </a:r>
-            <a:endParaRPr lang="en-US" altLang="en-US" dirty="0">
-              <a:latin typeface="Calibri" panose="020F0502020204030204" pitchFamily="34" charset="0"/>
-            </a:endParaRPr>
           </a:p>
           <a:p>
             <a:pPr lvl="1">
@@ -44761,7 +43271,7 @@
               </a:spcAft>
             </a:pPr>
             <a:r>
-              <a:rPr lang="en-US" altLang="en-US" dirty="0" smtClean="0">
+              <a:rPr lang="en-US" altLang="en-US" dirty="0">
                 <a:latin typeface="Calibri" panose="020F0502020204030204" pitchFamily="34" charset="0"/>
               </a:rPr>
               <a:t>Top-down split, unsupervised</a:t>
@@ -44787,7 +43297,7 @@
               </a:spcAft>
             </a:pPr>
             <a:r>
-              <a:rPr lang="en-US" altLang="en-US" dirty="0" smtClean="0">
+              <a:rPr lang="en-US" altLang="en-US" dirty="0">
                 <a:latin typeface="Calibri" panose="020F0502020204030204" pitchFamily="34" charset="0"/>
               </a:rPr>
               <a:t>Top-down split, unsupervised</a:t>
@@ -44805,9 +43315,6 @@
               </a:rPr>
               <a:t>Clustering analysis </a:t>
             </a:r>
-            <a:endParaRPr lang="en-US" altLang="en-US" dirty="0" smtClean="0">
-              <a:latin typeface="Calibri" panose="020F0502020204030204" pitchFamily="34" charset="0"/>
-            </a:endParaRPr>
           </a:p>
           <a:p>
             <a:pPr lvl="1">
@@ -44816,26 +43323,11 @@
               </a:spcAft>
             </a:pPr>
             <a:r>
-              <a:rPr lang="en-US" altLang="en-US" dirty="0" smtClean="0">
-                <a:latin typeface="Calibri" panose="020F0502020204030204" pitchFamily="34" charset="0"/>
-              </a:rPr>
-              <a:t>Unsupervised</a:t>
-            </a:r>
-            <a:r>
               <a:rPr lang="en-US" altLang="en-US" dirty="0">
                 <a:latin typeface="Calibri" panose="020F0502020204030204" pitchFamily="34" charset="0"/>
               </a:rPr>
-              <a:t>, top-down split or bottom-up </a:t>
-            </a:r>
-            <a:r>
-              <a:rPr lang="en-US" altLang="en-US" dirty="0" smtClean="0">
-                <a:latin typeface="Calibri" panose="020F0502020204030204" pitchFamily="34" charset="0"/>
-              </a:rPr>
-              <a:t>merge</a:t>
-            </a:r>
-            <a:endParaRPr lang="en-US" altLang="en-US" dirty="0">
-              <a:latin typeface="Calibri" panose="020F0502020204030204" pitchFamily="34" charset="0"/>
-            </a:endParaRPr>
+              <a:t>Unsupervised, top-down split or bottom-up merge</a:t>
+            </a:r>
           </a:p>
           <a:p>
             <a:pPr>
@@ -44847,13 +43339,7 @@
               <a:rPr lang="en-US" altLang="en-US" dirty="0">
                 <a:latin typeface="Calibri" panose="020F0502020204030204" pitchFamily="34" charset="0"/>
               </a:rPr>
-              <a:t>Decision-tree </a:t>
-            </a:r>
-            <a:r>
-              <a:rPr lang="en-US" altLang="en-US" dirty="0" smtClean="0">
-                <a:latin typeface="Calibri" panose="020F0502020204030204" pitchFamily="34" charset="0"/>
-              </a:rPr>
-              <a:t>analysis</a:t>
+              <a:t>Decision-tree analysis</a:t>
             </a:r>
           </a:p>
           <a:p>
@@ -44863,26 +43349,11 @@
               </a:spcAft>
             </a:pPr>
             <a:r>
-              <a:rPr lang="en-US" altLang="en-US" dirty="0" smtClean="0">
-                <a:latin typeface="Calibri" panose="020F0502020204030204" pitchFamily="34" charset="0"/>
-              </a:rPr>
-              <a:t>Supervised</a:t>
-            </a:r>
-            <a:r>
               <a:rPr lang="en-US" altLang="en-US" dirty="0">
                 <a:latin typeface="Calibri" panose="020F0502020204030204" pitchFamily="34" charset="0"/>
               </a:rPr>
-              <a:t>, top-down </a:t>
-            </a:r>
-            <a:r>
-              <a:rPr lang="en-US" altLang="en-US" dirty="0" smtClean="0">
-                <a:latin typeface="Calibri" panose="020F0502020204030204" pitchFamily="34" charset="0"/>
-              </a:rPr>
-              <a:t>split</a:t>
-            </a:r>
-            <a:endParaRPr lang="en-US" altLang="en-US" dirty="0">
-              <a:latin typeface="Calibri" panose="020F0502020204030204" pitchFamily="34" charset="0"/>
-            </a:endParaRPr>
+              <a:t>Supervised, top-down split</a:t>
+            </a:r>
           </a:p>
           <a:p>
             <a:pPr>
@@ -44909,9 +43380,6 @@
               </a:rPr>
               <a:t>) analysis </a:t>
             </a:r>
-            <a:endParaRPr lang="en-US" altLang="en-US" dirty="0" smtClean="0">
-              <a:latin typeface="Calibri" panose="020F0502020204030204" pitchFamily="34" charset="0"/>
-            </a:endParaRPr>
           </a:p>
           <a:p>
             <a:pPr lvl="1">
@@ -44920,22 +43388,10 @@
               </a:spcAft>
             </a:pPr>
             <a:r>
-              <a:rPr lang="en-US" altLang="en-US" dirty="0" smtClean="0">
-                <a:latin typeface="Calibri" panose="020F0502020204030204" pitchFamily="34" charset="0"/>
-              </a:rPr>
-              <a:t>Unsupervised</a:t>
-            </a:r>
-            <a:r>
               <a:rPr lang="en-US" altLang="en-US" dirty="0">
                 <a:latin typeface="Calibri" panose="020F0502020204030204" pitchFamily="34" charset="0"/>
               </a:rPr>
-              <a:t>, bottom-up </a:t>
-            </a:r>
-            <a:r>
-              <a:rPr lang="en-US" altLang="en-US" dirty="0" smtClean="0">
-                <a:latin typeface="Calibri" panose="020F0502020204030204" pitchFamily="34" charset="0"/>
-              </a:rPr>
-              <a:t>merge</a:t>
+              <a:t>Unsupervised, bottom-up merge</a:t>
             </a:r>
           </a:p>
           <a:p>
@@ -44945,26 +43401,11 @@
               </a:spcAft>
             </a:pPr>
             <a:r>
-              <a:rPr lang="en-US" altLang="en-US" dirty="0" smtClean="0">
-                <a:latin typeface="Calibri" panose="020F0502020204030204" pitchFamily="34" charset="0"/>
-              </a:rPr>
-              <a:t>Note: All </a:t>
-            </a:r>
-            <a:r>
               <a:rPr lang="en-US" altLang="en-US" dirty="0">
                 <a:latin typeface="Calibri" panose="020F0502020204030204" pitchFamily="34" charset="0"/>
               </a:rPr>
-              <a:t>the methods can be applied </a:t>
-            </a:r>
-            <a:r>
-              <a:rPr lang="en-US" altLang="en-US" dirty="0" smtClean="0">
-                <a:latin typeface="Calibri" panose="020F0502020204030204" pitchFamily="34" charset="0"/>
-              </a:rPr>
-              <a:t>recursively</a:t>
-            </a:r>
-            <a:endParaRPr lang="en-US" altLang="en-US" dirty="0">
-              <a:latin typeface="Calibri" panose="020F0502020204030204" pitchFamily="34" charset="0"/>
-            </a:endParaRPr>
+              <a:t>Note: All the methods can be applied recursively</a:t>
+            </a:r>
           </a:p>
         </p:txBody>
       </p:sp>
@@ -44978,21 +43419,6 @@
   <p:clrMapOvr>
     <a:masterClrMapping/>
   </p:clrMapOvr>
-  <mc:AlternateContent xmlns:mc="http://schemas.openxmlformats.org/markup-compatibility/2006" xmlns:p14="http://schemas.microsoft.com/office/powerpoint/2010/main">
-    <mc:Choice Requires="p14">
-      <p:transition spd="slow" p14:dur="2000"/>
-    </mc:Choice>
-    <mc:Fallback xmlns="">
-      <p:transition spd="slow"/>
-    </mc:Fallback>
-  </mc:AlternateContent>
-  <p:timing>
-    <p:tnLst>
-      <p:par>
-        <p:cTn id="1" dur="indefinite" restart="never" nodeType="tmRoot"/>
-      </p:par>
-    </p:tnLst>
-  </p:timing>
 </p:sld>
 </file>
 
@@ -45040,7 +43466,6 @@
               <a:rPr lang="en-US" altLang="en-US" dirty="0"/>
               <a:t>Simple Discretization: Binning</a:t>
             </a:r>
-            <a:endParaRPr lang="en-US" altLang="en-US" dirty="0" smtClean="0"/>
           </a:p>
         </p:txBody>
       </p:sp>
@@ -45166,7 +43591,7 @@
             </a:r>
             <a:r>
               <a:rPr lang="en-US" altLang="en-US" sz="2400" i="1" dirty="0"/>
-              <a:t>N.</a:t>
+              <a:t>N</a:t>
             </a:r>
             <a:endParaRPr lang="en-US" altLang="en-US" sz="2400" dirty="0"/>
           </a:p>
@@ -45265,21 +43690,6 @@
   <p:clrMapOvr>
     <a:masterClrMapping/>
   </p:clrMapOvr>
-  <mc:AlternateContent xmlns:mc="http://schemas.openxmlformats.org/markup-compatibility/2006" xmlns:p14="http://schemas.microsoft.com/office/powerpoint/2010/main">
-    <mc:Choice Requires="p14">
-      <p:transition spd="slow" p14:dur="2000"/>
-    </mc:Choice>
-    <mc:Fallback xmlns="">
-      <p:transition spd="slow"/>
-    </mc:Fallback>
-  </mc:AlternateContent>
-  <p:timing>
-    <p:tnLst>
-      <p:par>
-        <p:cTn id="1" dur="indefinite" restart="never" nodeType="tmRoot"/>
-      </p:par>
-    </p:tnLst>
-  </p:timing>
 </p:sld>
 </file>
 
@@ -45324,7 +43734,7 @@
           <a:p>
             <a:pPr eaLnBrk="1" hangingPunct="1"/>
             <a:r>
-              <a:rPr lang="en-US" altLang="en-US" dirty="0" smtClean="0"/>
+              <a:rPr lang="en-US" altLang="en-US" dirty="0"/>
               <a:t>Example: Binning Methods for Data Smoothing</a:t>
             </a:r>
           </a:p>
@@ -45375,7 +43785,7 @@
               <a:t>*  Partition into equal-frequency (</a:t>
             </a:r>
             <a:r>
-              <a:rPr lang="en-US" altLang="en-US" sz="2400" b="1" dirty="0" smtClean="0"/>
+              <a:rPr lang="en-US" altLang="en-US" sz="2400" b="1" dirty="0"/>
               <a:t>equal-depth</a:t>
             </a:r>
             <a:r>
@@ -45554,21 +43964,6 @@
   <p:clrMapOvr>
     <a:masterClrMapping/>
   </p:clrMapOvr>
-  <mc:AlternateContent xmlns:mc="http://schemas.openxmlformats.org/markup-compatibility/2006" xmlns:p14="http://schemas.microsoft.com/office/powerpoint/2010/main">
-    <mc:Choice Requires="p14">
-      <p:transition spd="slow" p14:dur="2000"/>
-    </mc:Choice>
-    <mc:Fallback xmlns="">
-      <p:transition spd="slow"/>
-    </mc:Fallback>
-  </mc:AlternateContent>
-  <p:timing>
-    <p:tnLst>
-      <p:par>
-        <p:cTn id="1" dur="indefinite" restart="never" nodeType="tmRoot"/>
-      </p:par>
-    </p:tnLst>
-  </p:timing>
 </p:sld>
 </file>
 
@@ -45613,7 +44008,7 @@
           <a:p>
             <a:pPr eaLnBrk="1" hangingPunct="1"/>
             <a:r>
-              <a:rPr lang="en-US" altLang="en-US" sz="3600" dirty="0" smtClean="0"/>
+              <a:rPr lang="en-US" altLang="en-US" sz="3600" dirty="0"/>
               <a:t>Discretization Without Supervision: Binning vs. Clustering</a:t>
             </a:r>
           </a:p>
@@ -45957,7 +44352,6 @@
           <a:ln>
             <a:noFill/>
           </a:ln>
-          <a:extLst/>
         </p:spPr>
         <p:txBody>
           <a:bodyPr wrap="square">
@@ -46098,7 +44492,6 @@
           <a:ln>
             <a:noFill/>
           </a:ln>
-          <a:extLst/>
         </p:spPr>
         <p:txBody>
           <a:bodyPr wrap="square">
@@ -46212,19 +44605,7 @@
               <a:rPr lang="en-US" altLang="en-US" sz="1800" b="1" dirty="0">
                 <a:latin typeface="+mn-lt"/>
               </a:rPr>
-              <a:t>Equal </a:t>
-            </a:r>
-            <a:r>
-              <a:rPr lang="en-US" altLang="en-US" sz="1800" b="1" dirty="0" smtClean="0">
-                <a:latin typeface="+mn-lt"/>
-              </a:rPr>
-              <a:t>depth (frequency) </a:t>
-            </a:r>
-            <a:r>
-              <a:rPr lang="en-US" altLang="en-US" sz="1800" b="1" dirty="0">
-                <a:latin typeface="+mn-lt"/>
-              </a:rPr>
-              <a:t>(binning)</a:t>
+              <a:t>Equal depth (frequency) (binning)</a:t>
             </a:r>
           </a:p>
         </p:txBody>
@@ -46251,7 +44632,6 @@
           <a:ln>
             <a:noFill/>
           </a:ln>
-          <a:extLst/>
         </p:spPr>
         <p:txBody>
           <a:bodyPr wrap="square">
@@ -46446,7 +44826,6 @@
           <a:ln>
             <a:noFill/>
           </a:ln>
-          <a:extLst/>
         </p:spPr>
         <p:txBody>
           <a:bodyPr wrap="square">
@@ -46560,17 +44939,8 @@
               <a:rPr lang="en-US" altLang="en-US" sz="1800" b="1" dirty="0">
                 <a:latin typeface="+mn-lt"/>
               </a:rPr>
-              <a:t>Equal </a:t>
-            </a:r>
-            <a:r>
-              <a:rPr lang="en-US" altLang="en-US" sz="1800" b="1" dirty="0" smtClean="0">
-                <a:latin typeface="+mn-lt"/>
-              </a:rPr>
-              <a:t>width (distance) binning</a:t>
-            </a:r>
-            <a:endParaRPr lang="en-US" altLang="en-US" sz="1800" b="1" dirty="0">
-              <a:latin typeface="+mn-lt"/>
-            </a:endParaRPr>
+              <a:t>Equal width (distance) binning</a:t>
+            </a:r>
           </a:p>
         </p:txBody>
       </p:sp>
@@ -46584,21 +44954,6 @@
   <p:clrMapOvr>
     <a:masterClrMapping/>
   </p:clrMapOvr>
-  <mc:AlternateContent xmlns:mc="http://schemas.openxmlformats.org/markup-compatibility/2006" xmlns:p14="http://schemas.microsoft.com/office/powerpoint/2010/main">
-    <mc:Choice Requires="p14">
-      <p:transition spd="slow" p14:dur="2000"/>
-    </mc:Choice>
-    <mc:Fallback xmlns="">
-      <p:transition spd="slow"/>
-    </mc:Fallback>
-  </mc:AlternateContent>
-  <p:timing>
-    <p:tnLst>
-      <p:par>
-        <p:cTn id="1" dur="indefinite" restart="never" nodeType="tmRoot"/>
-      </p:par>
-    </p:tnLst>
-  </p:timing>
 </p:sld>
 </file>
 
@@ -46837,19 +45192,7 @@
               <a:rPr lang="en-US" altLang="en-US" dirty="0">
                 <a:cs typeface="Tahoma" panose="020B0604030504040204" pitchFamily="34" charset="0"/>
               </a:rPr>
-              <a:t>Bottom-up merge: </a:t>
-            </a:r>
-            <a:r>
-              <a:rPr lang="en-US" altLang="en-US" dirty="0" smtClean="0">
-                <a:cs typeface="Tahoma" panose="020B0604030504040204" pitchFamily="34" charset="0"/>
-              </a:rPr>
-              <a:t>Find </a:t>
-            </a:r>
-            <a:r>
-              <a:rPr lang="en-US" altLang="en-US" dirty="0">
-                <a:cs typeface="Tahoma" panose="020B0604030504040204" pitchFamily="34" charset="0"/>
-              </a:rPr>
-              <a:t>the best neighboring intervals (those having similar distributions of classes, i.e., low </a:t>
+              <a:t>Bottom-up merge: Find the best neighboring intervals (those having similar distributions of classes, i.e., low </a:t>
             </a:r>
             <a:r>
               <a:rPr lang="el-GR" altLang="en-US" dirty="0">
@@ -47206,21 +45549,6 @@
   <p:clrMapOvr>
     <a:masterClrMapping/>
   </p:clrMapOvr>
-  <mc:AlternateContent xmlns:mc="http://schemas.openxmlformats.org/markup-compatibility/2006" xmlns:p14="http://schemas.microsoft.com/office/powerpoint/2010/main">
-    <mc:Choice Requires="p14">
-      <p:transition spd="slow" p14:dur="2000"/>
-    </mc:Choice>
-    <mc:Fallback xmlns="">
-      <p:transition spd="slow"/>
-    </mc:Fallback>
-  </mc:AlternateContent>
-  <p:timing>
-    <p:tnLst>
-      <p:par>
-        <p:cTn id="1" dur="indefinite" restart="never" nodeType="tmRoot"/>
-      </p:par>
-    </p:tnLst>
-  </p:timing>
 </p:sld>
 </file>
 
@@ -47310,16 +45638,10 @@
               </a:lnSpc>
             </a:pPr>
             <a:r>
-              <a:rPr lang="en-US" altLang="en-US" dirty="0" smtClean="0">
-                <a:latin typeface="Calibri" panose="020F0502020204030204" pitchFamily="34" charset="0"/>
-              </a:rPr>
-              <a:t>Data </a:t>
-            </a:r>
-            <a:r>
               <a:rPr lang="en-US" altLang="en-US" dirty="0">
                 <a:latin typeface="Calibri" panose="020F0502020204030204" pitchFamily="34" charset="0"/>
               </a:rPr>
-              <a:t>Cleaning</a:t>
+              <a:t>Data Cleaning</a:t>
             </a:r>
           </a:p>
           <a:p>
@@ -47345,17 +45667,8 @@
               <a:rPr lang="en-US" altLang="en-US" dirty="0">
                 <a:latin typeface="Calibri" panose="020F0502020204030204" pitchFamily="34" charset="0"/>
               </a:rPr>
-              <a:t>Data Reduction and </a:t>
-            </a:r>
-            <a:r>
-              <a:rPr lang="en-US" altLang="en-US" dirty="0" smtClean="0">
-                <a:latin typeface="Calibri" panose="020F0502020204030204" pitchFamily="34" charset="0"/>
-              </a:rPr>
-              <a:t>Transformation </a:t>
-            </a:r>
-            <a:endParaRPr lang="en-US" altLang="en-US" dirty="0">
-              <a:latin typeface="Calibri" panose="020F0502020204030204" pitchFamily="34" charset="0"/>
-            </a:endParaRPr>
+              <a:t>Data Reduction and Transformation </a:t>
+            </a:r>
           </a:p>
           <a:p>
             <a:pPr>
@@ -47364,20 +45677,11 @@
               </a:lnSpc>
             </a:pPr>
             <a:r>
-              <a:rPr lang="en-US" altLang="en-US" dirty="0" smtClean="0">
-                <a:latin typeface="Calibri" panose="020F0502020204030204" pitchFamily="34" charset="0"/>
-              </a:rPr>
-              <a:t>Dimensionality </a:t>
-            </a:r>
-            <a:r>
               <a:rPr lang="en-US" altLang="en-US" dirty="0">
                 <a:latin typeface="Calibri" panose="020F0502020204030204" pitchFamily="34" charset="0"/>
               </a:rPr>
-              <a:t>Reduction </a:t>
-            </a:r>
-            <a:endParaRPr lang="en-US" altLang="en-US" dirty="0" smtClean="0">
-              <a:latin typeface="Calibri" panose="020F0502020204030204" pitchFamily="34" charset="0"/>
-            </a:endParaRPr>
+              <a:t>Dimensionality Reduction </a:t>
+            </a:r>
           </a:p>
           <a:p>
             <a:pPr>
@@ -47386,14 +45690,11 @@
               </a:lnSpc>
             </a:pPr>
             <a:r>
-              <a:rPr lang="en-US" altLang="en-US" dirty="0" smtClean="0">
+              <a:rPr lang="en-US" altLang="en-US" dirty="0">
                 <a:latin typeface="Calibri" panose="020F0502020204030204" pitchFamily="34" charset="0"/>
               </a:rPr>
               <a:t>Summary</a:t>
             </a:r>
-            <a:endParaRPr lang="en-US" altLang="en-US" dirty="0">
-              <a:latin typeface="Calibri" panose="020F0502020204030204" pitchFamily="34" charset="0"/>
-            </a:endParaRPr>
           </a:p>
         </p:txBody>
       </p:sp>
@@ -47551,13 +45852,6 @@
   <p:transition>
     <p:zoom/>
   </p:transition>
-  <p:timing>
-    <p:tnLst>
-      <p:par>
-        <p:cTn id="1" dur="indefinite" restart="never" nodeType="tmRoot"/>
-      </p:par>
-    </p:tnLst>
-  </p:timing>
 </p:sld>
 </file>
 
@@ -47602,7 +45896,7 @@
           <a:p>
             <a:pPr eaLnBrk="1" hangingPunct="1"/>
             <a:r>
-              <a:rPr lang="en-US" altLang="en-US" dirty="0" smtClean="0"/>
+              <a:rPr lang="en-US" altLang="en-US" dirty="0"/>
               <a:t>Dimensionality Reduction</a:t>
             </a:r>
           </a:p>
@@ -47665,24 +45959,16 @@
           <a:p>
             <a:pPr lvl="1"/>
             <a:r>
-              <a:rPr lang="en-US" dirty="0" smtClean="0"/>
-              <a:t>Reducing </a:t>
-            </a:r>
-            <a:r>
               <a:rPr lang="en-US" dirty="0"/>
-              <a:t>the number of random variables under consideration, via obtaining a set of principal </a:t>
-            </a:r>
-            <a:r>
-              <a:rPr lang="en-US" dirty="0" smtClean="0"/>
-              <a:t>variables</a:t>
-            </a:r>
-          </a:p>
-          <a:p>
-            <a:r>
-              <a:rPr lang="en-US" altLang="en-US" b="1" dirty="0" smtClean="0"/>
+              <a:t>Reducing the number of random variables under consideration, via obtaining a set of principal variables</a:t>
+            </a:r>
+          </a:p>
+          <a:p>
+            <a:r>
+              <a:rPr lang="en-US" altLang="en-US" b="1" dirty="0"/>
               <a:t>Advantages of dimensionality reduction</a:t>
             </a:r>
-            <a:endParaRPr lang="en-US" dirty="0" smtClean="0"/>
+            <a:endParaRPr lang="en-US" dirty="0"/>
           </a:p>
           <a:p>
             <a:pPr lvl="1"/>
@@ -47717,17 +46003,8 @@
               <a:rPr lang="en-US" altLang="en-US" dirty="0">
                 <a:latin typeface="Calibri" panose="020F0502020204030204" pitchFamily="34" charset="0"/>
               </a:rPr>
-              <a:t>Allow easier </a:t>
-            </a:r>
-            <a:r>
-              <a:rPr lang="en-US" altLang="en-US" dirty="0" smtClean="0">
-                <a:latin typeface="Calibri" panose="020F0502020204030204" pitchFamily="34" charset="0"/>
-              </a:rPr>
-              <a:t>visualization</a:t>
-            </a:r>
-            <a:endParaRPr lang="en-US" altLang="en-US" dirty="0">
-              <a:latin typeface="Calibri" panose="020F0502020204030204" pitchFamily="34" charset="0"/>
-            </a:endParaRPr>
+              <a:t>Allow easier visualization</a:t>
+            </a:r>
           </a:p>
         </p:txBody>
       </p:sp>
@@ -47744,13 +46021,6 @@
   <p:transition>
     <p:zoom/>
   </p:transition>
-  <p:timing>
-    <p:tnLst>
-      <p:par>
-        <p:cTn id="1" dur="indefinite" restart="never" nodeType="tmRoot"/>
-      </p:par>
-    </p:tnLst>
-  </p:timing>
 </p:sld>
 </file>
 
@@ -47794,7 +46064,7 @@
           <a:lstStyle/>
           <a:p>
             <a:r>
-              <a:rPr lang="en-US" altLang="en-US" dirty="0" smtClean="0"/>
+              <a:rPr lang="en-US" altLang="en-US" dirty="0"/>
               <a:t>Dimensionality Reduction Techniques</a:t>
             </a:r>
           </a:p>
@@ -47867,7 +46137,7 @@
               </a:spcAft>
             </a:pPr>
             <a:r>
-              <a:rPr lang="en-US" altLang="en-US" dirty="0" smtClean="0"/>
+              <a:rPr lang="en-US" altLang="en-US" dirty="0"/>
               <a:t>Some typical dimensionality methods</a:t>
             </a:r>
           </a:p>
@@ -47878,12 +46148,8 @@
               </a:spcAft>
             </a:pPr>
             <a:r>
-              <a:rPr lang="en-US" altLang="en-US" dirty="0" smtClean="0"/>
-              <a:t>Principal </a:t>
-            </a:r>
-            <a:r>
               <a:rPr lang="en-US" altLang="en-US" dirty="0"/>
-              <a:t>Component Analysis</a:t>
+              <a:t>Principal Component Analysis</a:t>
             </a:r>
           </a:p>
           <a:p>
@@ -47896,7 +46162,6 @@
               <a:rPr lang="en-US" altLang="en-US" dirty="0"/>
               <a:t>Supervised and nonlinear techniques </a:t>
             </a:r>
-            <a:endParaRPr lang="en-US" altLang="en-US" dirty="0" smtClean="0"/>
           </a:p>
           <a:p>
             <a:pPr lvl="2">
@@ -47905,16 +46170,8 @@
               </a:spcAft>
             </a:pPr>
             <a:r>
-              <a:rPr lang="en-US" altLang="en-US" dirty="0" smtClean="0"/>
-              <a:t>Feature </a:t>
-            </a:r>
-            <a:r>
               <a:rPr lang="en-US" altLang="en-US" dirty="0"/>
-              <a:t>subset </a:t>
-            </a:r>
-            <a:r>
-              <a:rPr lang="en-US" altLang="en-US" dirty="0" smtClean="0"/>
-              <a:t>selection</a:t>
+              <a:t>Feature subset selection</a:t>
             </a:r>
           </a:p>
           <a:p>
@@ -47925,11 +46182,7 @@
             </a:pPr>
             <a:r>
               <a:rPr lang="en-US" altLang="en-US" dirty="0"/>
-              <a:t>F</a:t>
-            </a:r>
-            <a:r>
-              <a:rPr lang="en-US" altLang="en-US" dirty="0" smtClean="0"/>
-              <a:t>eature creation</a:t>
+              <a:t>Feature creation</a:t>
             </a:r>
             <a:endParaRPr lang="en-US" dirty="0"/>
           </a:p>
@@ -47948,7 +46201,7 @@
               </a:spcAft>
               <a:buNone/>
             </a:pPr>
-            <a:endParaRPr lang="en-US" altLang="en-US" dirty="0" smtClean="0">
+            <a:endParaRPr lang="en-US" altLang="en-US" dirty="0">
               <a:latin typeface="Calibri" panose="020F0502020204030204" pitchFamily="34" charset="0"/>
             </a:endParaRPr>
           </a:p>
@@ -47967,13 +46220,6 @@
   <p:transition>
     <p:zoom/>
   </p:transition>
-  <p:timing>
-    <p:tnLst>
-      <p:par>
-        <p:cTn id="1" dur="indefinite" restart="never" nodeType="tmRoot"/>
-      </p:par>
-    </p:tnLst>
-  </p:timing>
 </p:sld>
 </file>
 
@@ -48115,22 +46361,14 @@
               </a:lnSpc>
             </a:pPr>
             <a:r>
-              <a:rPr lang="en-US" sz="2400" dirty="0" smtClean="0"/>
-              <a:t>PCA:  A </a:t>
-            </a:r>
-            <a:r>
               <a:rPr lang="en-US" sz="2400" dirty="0"/>
-              <a:t>statistical procedure that uses an orthogonal transformation to convert a set of observations of possibly correlated variables into a set of values of linearly uncorrelated variables called </a:t>
+              <a:t>PCA:  A statistical procedure that uses an orthogonal transformation to convert a set of observations of possibly correlated variables into a set of values of linearly uncorrelated variables called </a:t>
             </a:r>
             <a:r>
               <a:rPr lang="en-US" sz="2400" b="1" i="1" dirty="0"/>
-              <a:t>principal </a:t>
-            </a:r>
-            <a:r>
-              <a:rPr lang="en-US" sz="2400" b="1" i="1" dirty="0" smtClean="0"/>
-              <a:t>components</a:t>
-            </a:r>
-            <a:endParaRPr lang="en-US" sz="2400" dirty="0" smtClean="0"/>
+              <a:t>principal components</a:t>
+            </a:r>
+            <a:endParaRPr lang="en-US" sz="2400" dirty="0"/>
           </a:p>
           <a:p>
             <a:pPr eaLnBrk="1" hangingPunct="1">
@@ -48139,16 +46377,8 @@
               </a:lnSpc>
             </a:pPr>
             <a:r>
-              <a:rPr lang="en-US" altLang="en-US" sz="2400" dirty="0" smtClean="0"/>
-              <a:t>The </a:t>
-            </a:r>
-            <a:r>
               <a:rPr lang="en-US" altLang="en-US" sz="2400" dirty="0"/>
-              <a:t>original data are projected onto a much smaller space, resulting in dimensionality </a:t>
-            </a:r>
-            <a:r>
-              <a:rPr lang="en-US" altLang="en-US" sz="2400" dirty="0" smtClean="0"/>
-              <a:t>reduction</a:t>
+              <a:t>The original data are projected onto a much smaller space, resulting in dimensionality reduction</a:t>
             </a:r>
           </a:p>
           <a:p>
@@ -48158,18 +46388,9 @@
               </a:lnSpc>
             </a:pPr>
             <a:r>
-              <a:rPr lang="en-US" altLang="en-US" sz="2400" dirty="0" smtClean="0"/>
-              <a:t>Method:  Find </a:t>
-            </a:r>
-            <a:r>
               <a:rPr lang="en-US" altLang="en-US" sz="2400" dirty="0"/>
-              <a:t>the eigenvectors of the covariance matrix, and these eigenvectors define the new </a:t>
-            </a:r>
-            <a:r>
-              <a:rPr lang="en-US" altLang="en-US" sz="2400" dirty="0" smtClean="0"/>
-              <a:t>space</a:t>
-            </a:r>
-            <a:endParaRPr lang="en-US" altLang="en-US" sz="2400" dirty="0"/>
+              <a:t>Method:  Find the eigenvectors of the covariance matrix, and these eigenvectors define the new space</a:t>
+            </a:r>
           </a:p>
         </p:txBody>
       </p:sp>
@@ -48199,14 +46420,13 @@
           <a:p>
             <a:pPr algn="ctr"/>
             <a:r>
-              <a:rPr lang="en-US" sz="1800" dirty="0" smtClean="0"/>
+              <a:rPr lang="en-US" sz="1800" dirty="0"/>
               <a:t>Ball travels in a straight line. Data from </a:t>
             </a:r>
             <a:r>
-              <a:rPr lang="en-US" altLang="en-US" sz="1800" dirty="0" smtClean="0"/>
+              <a:rPr lang="en-US" altLang="en-US" sz="1800" dirty="0"/>
               <a:t>three cameras contain much redundancy</a:t>
             </a:r>
-            <a:endParaRPr lang="en-US" altLang="en-US" sz="1800" dirty="0"/>
           </a:p>
         </p:txBody>
       </p:sp>
@@ -48220,21 +46440,6 @@
   <p:clrMapOvr>
     <a:masterClrMapping/>
   </p:clrMapOvr>
-  <mc:AlternateContent xmlns:mc="http://schemas.openxmlformats.org/markup-compatibility/2006" xmlns:p14="http://schemas.microsoft.com/office/powerpoint/2010/main">
-    <mc:Choice Requires="p14">
-      <p:transition spd="slow" p14:dur="2000"/>
-    </mc:Choice>
-    <mc:Fallback xmlns="">
-      <p:transition spd="slow"/>
-    </mc:Fallback>
-  </mc:AlternateContent>
-  <p:timing>
-    <p:tnLst>
-      <p:par>
-        <p:cTn id="1" dur="indefinite" restart="never" nodeType="tmRoot"/>
-      </p:par>
-    </p:tnLst>
-  </p:timing>
 </p:sld>
 </file>
 
@@ -48324,16 +46529,10 @@
               </a:lnSpc>
             </a:pPr>
             <a:r>
-              <a:rPr lang="en-US" altLang="en-US" dirty="0" smtClean="0">
-                <a:latin typeface="Calibri" panose="020F0502020204030204" pitchFamily="34" charset="0"/>
-              </a:rPr>
-              <a:t>Data </a:t>
-            </a:r>
-            <a:r>
               <a:rPr lang="en-US" altLang="en-US" dirty="0">
                 <a:latin typeface="Calibri" panose="020F0502020204030204" pitchFamily="34" charset="0"/>
               </a:rPr>
-              <a:t>Cleaning</a:t>
+              <a:t>Data Cleaning</a:t>
             </a:r>
           </a:p>
           <a:p>
@@ -48359,17 +46558,8 @@
               <a:rPr lang="en-US" altLang="en-US" dirty="0">
                 <a:latin typeface="Calibri" panose="020F0502020204030204" pitchFamily="34" charset="0"/>
               </a:rPr>
-              <a:t>Data Reduction and </a:t>
-            </a:r>
-            <a:r>
-              <a:rPr lang="en-US" altLang="en-US" dirty="0" smtClean="0">
-                <a:latin typeface="Calibri" panose="020F0502020204030204" pitchFamily="34" charset="0"/>
-              </a:rPr>
-              <a:t>Transformation </a:t>
-            </a:r>
-            <a:endParaRPr lang="en-US" altLang="en-US" dirty="0">
-              <a:latin typeface="Calibri" panose="020F0502020204030204" pitchFamily="34" charset="0"/>
-            </a:endParaRPr>
+              <a:t>Data Reduction and Transformation </a:t>
+            </a:r>
           </a:p>
           <a:p>
             <a:pPr>
@@ -48378,20 +46568,11 @@
               </a:lnSpc>
             </a:pPr>
             <a:r>
-              <a:rPr lang="en-US" altLang="en-US" dirty="0" smtClean="0">
-                <a:latin typeface="Calibri" panose="020F0502020204030204" pitchFamily="34" charset="0"/>
-              </a:rPr>
-              <a:t>Dimensionality </a:t>
-            </a:r>
-            <a:r>
               <a:rPr lang="en-US" altLang="en-US" dirty="0">
                 <a:latin typeface="Calibri" panose="020F0502020204030204" pitchFamily="34" charset="0"/>
               </a:rPr>
-              <a:t>Reduction </a:t>
-            </a:r>
-            <a:endParaRPr lang="en-US" altLang="en-US" dirty="0" smtClean="0">
-              <a:latin typeface="Calibri" panose="020F0502020204030204" pitchFamily="34" charset="0"/>
-            </a:endParaRPr>
+              <a:t>Dimensionality Reduction </a:t>
+            </a:r>
           </a:p>
           <a:p>
             <a:pPr>
@@ -48400,14 +46581,11 @@
               </a:lnSpc>
             </a:pPr>
             <a:r>
-              <a:rPr lang="en-US" altLang="en-US" dirty="0" smtClean="0">
+              <a:rPr lang="en-US" altLang="en-US" dirty="0">
                 <a:latin typeface="Calibri" panose="020F0502020204030204" pitchFamily="34" charset="0"/>
               </a:rPr>
               <a:t>Summary</a:t>
             </a:r>
-            <a:endParaRPr lang="en-US" altLang="en-US" dirty="0">
-              <a:latin typeface="Calibri" panose="020F0502020204030204" pitchFamily="34" charset="0"/>
-            </a:endParaRPr>
           </a:p>
         </p:txBody>
       </p:sp>
@@ -48565,13 +46743,6 @@
   <p:transition>
     <p:zoom/>
   </p:transition>
-  <p:timing>
-    <p:tnLst>
-      <p:par>
-        <p:cTn id="1" dur="indefinite" restart="never" nodeType="tmRoot"/>
-      </p:par>
-    </p:tnLst>
-  </p:timing>
 </p:sld>
 </file>
 
@@ -48700,15 +46871,7 @@
             </a:r>
             <a:r>
               <a:rPr lang="en-US" altLang="en-US" sz="2400" dirty="0"/>
-              <a:t>) </a:t>
-            </a:r>
-            <a:r>
-              <a:rPr lang="en-US" altLang="en-US" sz="2400" dirty="0" smtClean="0"/>
-              <a:t>best </a:t>
-            </a:r>
-            <a:r>
-              <a:rPr lang="en-US" altLang="en-US" sz="2400" dirty="0"/>
-              <a:t>used to represent data </a:t>
+              <a:t>) best used to represent data </a:t>
             </a:r>
           </a:p>
           <a:p>
@@ -48800,19 +46963,7 @@
               <a:rPr lang="en-US" altLang="en-US" sz="2400" dirty="0">
                 <a:sym typeface="Symbol" panose="05050102010706020507" pitchFamily="18" charset="2"/>
               </a:rPr>
-              <a:t>, i.e., those with low variance (i.e., using the strongest principal components, </a:t>
-            </a:r>
-            <a:r>
-              <a:rPr lang="en-US" altLang="en-US" sz="2400" dirty="0" smtClean="0">
-                <a:sym typeface="Symbol" panose="05050102010706020507" pitchFamily="18" charset="2"/>
-              </a:rPr>
-              <a:t>to </a:t>
-            </a:r>
-            <a:r>
-              <a:rPr lang="en-US" altLang="en-US" sz="2400" dirty="0">
-                <a:sym typeface="Symbol" panose="05050102010706020507" pitchFamily="18" charset="2"/>
-              </a:rPr>
-              <a:t>reconstruct a good approximation of the original data)</a:t>
+              <a:t>, i.e., those with low variance (i.e., using the strongest principal components, to reconstruct a good approximation of the original data)</a:t>
             </a:r>
           </a:p>
           <a:p>
@@ -48852,7 +47003,7 @@
           <a:lstStyle/>
           <a:p>
             <a:r>
-              <a:rPr lang="en-US" altLang="en-US" dirty="0" smtClean="0"/>
+              <a:rPr lang="en-US" altLang="en-US" dirty="0"/>
               <a:t>Principal Component Analysis (Method)</a:t>
             </a:r>
           </a:p>
@@ -48884,7 +47035,7 @@
           <a:p>
             <a:pPr algn="ctr"/>
             <a:r>
-              <a:rPr lang="en-US" sz="1600" dirty="0" smtClean="0"/>
+              <a:rPr lang="en-US" sz="1600" dirty="0"/>
               <a:t>Ack.  Wikipedia: </a:t>
             </a:r>
             <a:r>
@@ -48905,21 +47056,6 @@
   <p:clrMapOvr>
     <a:masterClrMapping/>
   </p:clrMapOvr>
-  <mc:AlternateContent xmlns:mc="http://schemas.openxmlformats.org/markup-compatibility/2006" xmlns:p14="http://schemas.microsoft.com/office/powerpoint/2010/main">
-    <mc:Choice Requires="p14">
-      <p:transition spd="slow" p14:dur="2000"/>
-    </mc:Choice>
-    <mc:Fallback xmlns="">
-      <p:transition spd="slow"/>
-    </mc:Fallback>
-  </mc:AlternateContent>
-  <p:timing>
-    <p:tnLst>
-      <p:par>
-        <p:cTn id="1" dur="indefinite" restart="never" nodeType="tmRoot"/>
-      </p:par>
-    </p:tnLst>
-  </p:timing>
 </p:sld>
 </file>
 
@@ -48957,7 +47093,7 @@
           <a:p>
             <a:pPr eaLnBrk="1" hangingPunct="1"/>
             <a:r>
-              <a:rPr lang="en-US" altLang="en-US" smtClean="0"/>
+              <a:rPr lang="en-US" altLang="en-US"/>
               <a:t>Attribute Subset Selection</a:t>
             </a:r>
           </a:p>
@@ -49055,20 +47191,8 @@
               </a:lnSpc>
             </a:pPr>
             <a:r>
-              <a:rPr lang="en-US" altLang="en-US" sz="2400" dirty="0" smtClean="0"/>
-              <a:t>Ex. A student’s </a:t>
-            </a:r>
-            <a:r>
               <a:rPr lang="en-US" altLang="en-US" sz="2400" dirty="0"/>
-              <a:t>ID is often irrelevant to the task of predicting </a:t>
-            </a:r>
-            <a:r>
-              <a:rPr lang="en-US" altLang="en-US" sz="2400" dirty="0" smtClean="0"/>
-              <a:t>his/her </a:t>
-            </a:r>
-            <a:r>
-              <a:rPr lang="en-US" altLang="en-US" sz="2400" dirty="0"/>
-              <a:t>GPA</a:t>
+              <a:t>Ex. A student’s ID is often irrelevant to the task of predicting his/her GPA</a:t>
             </a:r>
           </a:p>
         </p:txBody>
@@ -49432,21 +47556,6 @@
   <p:clrMapOvr>
     <a:masterClrMapping/>
   </p:clrMapOvr>
-  <mc:AlternateContent xmlns:mc="http://schemas.openxmlformats.org/markup-compatibility/2006" xmlns:p14="http://schemas.microsoft.com/office/powerpoint/2010/main">
-    <mc:Choice Requires="p14">
-      <p:transition spd="slow" p14:dur="2000"/>
-    </mc:Choice>
-    <mc:Fallback xmlns="">
-      <p:transition spd="slow"/>
-    </mc:Fallback>
-  </mc:AlternateContent>
-  <p:timing>
-    <p:tnLst>
-      <p:par>
-        <p:cTn id="1" dur="indefinite" restart="never" nodeType="tmRoot"/>
-      </p:par>
-    </p:tnLst>
-  </p:timing>
 </p:sld>
 </file>
 
@@ -49562,14 +47671,14 @@
           <a:p>
             <a:pPr lvl="2" eaLnBrk="1" hangingPunct="1"/>
             <a:r>
-              <a:rPr lang="en-US" altLang="en-US" sz="2400" dirty="0" smtClean="0"/>
+              <a:rPr lang="en-US" altLang="en-US" sz="2400" dirty="0"/>
               <a:t>The best single-attribute is picked first</a:t>
             </a:r>
           </a:p>
           <a:p>
             <a:pPr lvl="2" eaLnBrk="1" hangingPunct="1"/>
             <a:r>
-              <a:rPr lang="en-US" altLang="en-US" sz="2400" dirty="0" smtClean="0"/>
+              <a:rPr lang="en-US" altLang="en-US" sz="2400" dirty="0"/>
               <a:t>Then next best attribute condition to the first, ...</a:t>
             </a:r>
           </a:p>
@@ -49583,7 +47692,7 @@
           <a:p>
             <a:pPr lvl="2" eaLnBrk="1" hangingPunct="1"/>
             <a:r>
-              <a:rPr lang="en-US" altLang="en-US" sz="2400" dirty="0" smtClean="0"/>
+              <a:rPr lang="en-US" altLang="en-US" sz="2400" dirty="0"/>
               <a:t>Repeatedly eliminate the worst attribute</a:t>
             </a:r>
           </a:p>
@@ -49604,12 +47713,12 @@
           <a:p>
             <a:pPr lvl="2" eaLnBrk="1" hangingPunct="1"/>
             <a:r>
-              <a:rPr lang="en-US" altLang="en-US" sz="2400" dirty="0" smtClean="0">
+              <a:rPr lang="en-US" altLang="en-US" sz="2400" dirty="0">
                 <a:sym typeface="Symbol" panose="05050102010706020507" pitchFamily="18" charset="2"/>
               </a:rPr>
               <a:t>Use attribute elimination and backtracking</a:t>
             </a:r>
-            <a:endParaRPr lang="en-US" altLang="en-US" sz="2400" dirty="0" smtClean="0"/>
+            <a:endParaRPr lang="en-US" altLang="en-US" sz="2400" dirty="0"/>
           </a:p>
         </p:txBody>
       </p:sp>
@@ -49623,21 +47732,6 @@
   <p:clrMapOvr>
     <a:masterClrMapping/>
   </p:clrMapOvr>
-  <mc:AlternateContent xmlns:mc="http://schemas.openxmlformats.org/markup-compatibility/2006" xmlns:p14="http://schemas.microsoft.com/office/powerpoint/2010/main">
-    <mc:Choice Requires="p14">
-      <p:transition spd="slow" p14:dur="2000"/>
-    </mc:Choice>
-    <mc:Fallback xmlns="">
-      <p:transition spd="slow"/>
-    </mc:Fallback>
-  </mc:AlternateContent>
-  <p:timing>
-    <p:tnLst>
-      <p:par>
-        <p:cTn id="1" dur="indefinite" restart="never" nodeType="tmRoot"/>
-      </p:par>
-    </p:tnLst>
-  </p:timing>
 </p:sld>
 </file>
 
@@ -49675,7 +47769,7 @@
           <a:p>
             <a:pPr eaLnBrk="1" hangingPunct="1"/>
             <a:r>
-              <a:rPr lang="en-US" altLang="en-US" smtClean="0"/>
+              <a:rPr lang="en-US" altLang="en-US"/>
               <a:t>Attribute Creation (Feature Generation)</a:t>
             </a:r>
           </a:p>
@@ -49730,7 +47824,7 @@
           <a:p>
             <a:pPr lvl="2" eaLnBrk="1" hangingPunct="1"/>
             <a:r>
-              <a:rPr lang="en-US" altLang="en-US" dirty="0" smtClean="0">
+              <a:rPr lang="en-US" altLang="en-US" dirty="0">
                 <a:latin typeface="Calibri" panose="020F0502020204030204" pitchFamily="34" charset="0"/>
               </a:rPr>
               <a:t> Domain-specific</a:t>
@@ -49748,7 +47842,7 @@
           <a:p>
             <a:pPr lvl="2" eaLnBrk="1" hangingPunct="1"/>
             <a:r>
-              <a:rPr lang="en-US" altLang="en-US" dirty="0" smtClean="0">
+              <a:rPr lang="en-US" altLang="en-US" dirty="0">
                 <a:latin typeface="Calibri" panose="020F0502020204030204" pitchFamily="34" charset="0"/>
               </a:rPr>
               <a:t>E.g., Fourier transformation, wavelet transformation, manifold approaches (not covered)</a:t>
@@ -49766,7 +47860,7 @@
           <a:p>
             <a:pPr lvl="2" eaLnBrk="1" hangingPunct="1"/>
             <a:r>
-              <a:rPr lang="en-US" altLang="en-US" dirty="0" smtClean="0">
+              <a:rPr lang="en-US" altLang="en-US" dirty="0">
                 <a:latin typeface="Calibri" panose="020F0502020204030204" pitchFamily="34" charset="0"/>
               </a:rPr>
               <a:t>Combining features (see: discriminative frequent patterns in Chapter on “Advanced Classification”)</a:t>
@@ -49775,7 +47869,7 @@
           <a:p>
             <a:pPr lvl="2" eaLnBrk="1" hangingPunct="1"/>
             <a:r>
-              <a:rPr lang="en-US" altLang="en-US" dirty="0" smtClean="0">
+              <a:rPr lang="en-US" altLang="en-US" dirty="0">
                 <a:latin typeface="Calibri" panose="020F0502020204030204" pitchFamily="34" charset="0"/>
               </a:rPr>
               <a:t>Data discretization</a:t>
@@ -49793,21 +47887,6 @@
   <p:clrMapOvr>
     <a:masterClrMapping/>
   </p:clrMapOvr>
-  <mc:AlternateContent xmlns:mc="http://schemas.openxmlformats.org/markup-compatibility/2006" xmlns:p14="http://schemas.microsoft.com/office/powerpoint/2010/main">
-    <mc:Choice Requires="p14">
-      <p:transition spd="slow" p14:dur="2000"/>
-    </mc:Choice>
-    <mc:Fallback xmlns="">
-      <p:transition spd="slow"/>
-    </mc:Fallback>
-  </mc:AlternateContent>
-  <p:timing>
-    <p:tnLst>
-      <p:par>
-        <p:cTn id="1" dur="indefinite" restart="never" nodeType="tmRoot"/>
-      </p:par>
-    </p:tnLst>
-  </p:timing>
 </p:sld>
 </file>
 
@@ -49945,21 +48024,12 @@
             </a:r>
             <a:r>
               <a:rPr lang="en-US" altLang="en-US" sz="2400" b="1"/>
-              <a:t>, </a:t>
-            </a:r>
-            <a:r>
-              <a:rPr lang="en-US" altLang="en-US" sz="2400" b="1" smtClean="0"/>
-              <a:t>data </a:t>
+              <a:t>, data </a:t>
             </a:r>
             <a:r>
               <a:rPr lang="en-US" altLang="en-US" sz="2400" b="1" dirty="0"/>
-              <a:t>transformation and data </a:t>
-            </a:r>
-            <a:r>
-              <a:rPr lang="en-US" altLang="en-US" sz="2400" b="1" dirty="0" smtClean="0"/>
-              <a:t>discretization</a:t>
-            </a:r>
-            <a:endParaRPr lang="en-US" altLang="en-US" sz="2400" b="1" dirty="0"/>
+              <a:t>transformation and data discretization</a:t>
+            </a:r>
           </a:p>
           <a:p>
             <a:pPr lvl="1">
@@ -49968,16 +48038,12 @@
               </a:spcAft>
             </a:pPr>
             <a:r>
-              <a:rPr lang="en-US" altLang="en-US" sz="2400" dirty="0" err="1" smtClean="0"/>
+              <a:rPr lang="en-US" altLang="en-US" sz="2400" dirty="0" err="1"/>
               <a:t>Numerosity</a:t>
             </a:r>
             <a:r>
-              <a:rPr lang="en-US" altLang="en-US" sz="2400" dirty="0" smtClean="0"/>
-              <a:t> </a:t>
-            </a:r>
-            <a:r>
               <a:rPr lang="en-US" altLang="en-US" sz="2400" dirty="0"/>
-              <a:t>reduction; Data compression</a:t>
+              <a:t> reduction; Data compression</a:t>
             </a:r>
           </a:p>
           <a:p>
@@ -49987,16 +48053,8 @@
               </a:spcAft>
             </a:pPr>
             <a:r>
-              <a:rPr lang="en-US" altLang="en-US" sz="2400" dirty="0" smtClean="0"/>
-              <a:t>Normalization</a:t>
-            </a:r>
-            <a:r>
               <a:rPr lang="en-US" altLang="en-US" sz="2400" dirty="0"/>
-              <a:t>; Concept hierarchy </a:t>
-            </a:r>
-            <a:r>
-              <a:rPr lang="en-US" altLang="en-US" sz="2400" dirty="0" smtClean="0"/>
-              <a:t>generation</a:t>
+              <a:t>Normalization; Concept hierarchy generation</a:t>
             </a:r>
           </a:p>
           <a:p>
@@ -50007,13 +48065,8 @@
             </a:pPr>
             <a:r>
               <a:rPr lang="en-US" altLang="en-US" sz="2400" b="1" dirty="0"/>
-              <a:t>Dimensionality </a:t>
-            </a:r>
-            <a:r>
-              <a:rPr lang="en-US" altLang="en-US" sz="2400" b="1" dirty="0" smtClean="0"/>
-              <a:t>reduction</a:t>
-            </a:r>
-            <a:endParaRPr lang="en-US" altLang="en-US" sz="2400" b="1" dirty="0"/>
+              <a:t>Dimensionality reduction</a:t>
+            </a:r>
           </a:p>
           <a:p>
             <a:pPr lvl="1" eaLnBrk="1" hangingPunct="1">
@@ -50053,21 +48106,6 @@
   <p:clrMapOvr>
     <a:masterClrMapping/>
   </p:clrMapOvr>
-  <mc:AlternateContent xmlns:mc="http://schemas.openxmlformats.org/markup-compatibility/2006" xmlns:p14="http://schemas.microsoft.com/office/powerpoint/2010/main">
-    <mc:Choice Requires="p14">
-      <p:transition spd="slow" p14:dur="2000"/>
-    </mc:Choice>
-    <mc:Fallback xmlns="">
-      <p:transition spd="slow"/>
-    </mc:Fallback>
-  </mc:AlternateContent>
-  <p:timing>
-    <p:tnLst>
-      <p:par>
-        <p:cTn id="1" dur="indefinite" restart="never" nodeType="tmRoot"/>
-      </p:par>
-    </p:tnLst>
-  </p:timing>
 </p:sld>
 </file>
 
@@ -50105,7 +48143,7 @@
           <a:p>
             <a:pPr eaLnBrk="1" hangingPunct="1"/>
             <a:r>
-              <a:rPr lang="en-US" altLang="en-US" dirty="0" smtClean="0"/>
+              <a:rPr lang="en-US" altLang="en-US" dirty="0"/>
               <a:t>References</a:t>
             </a:r>
           </a:p>
@@ -50368,21 +48406,6 @@
   <p:clrMapOvr>
     <a:masterClrMapping/>
   </p:clrMapOvr>
-  <mc:AlternateContent xmlns:mc="http://schemas.openxmlformats.org/markup-compatibility/2006" xmlns:p14="http://schemas.microsoft.com/office/powerpoint/2010/main">
-    <mc:Choice Requires="p14">
-      <p:transition spd="slow" p14:dur="2000"/>
-    </mc:Choice>
-    <mc:Fallback xmlns="">
-      <p:transition spd="slow"/>
-    </mc:Fallback>
-  </mc:AlternateContent>
-  <p:timing>
-    <p:tnLst>
-      <p:par>
-        <p:cTn id="1" dur="indefinite" restart="never" nodeType="tmRoot"/>
-      </p:par>
-    </p:tnLst>
-  </p:timing>
 </p:sld>
 </file>
 
@@ -50420,7 +48443,7 @@
           <a:p>
             <a:pPr eaLnBrk="1" hangingPunct="1"/>
             <a:r>
-              <a:rPr lang="en-US" altLang="en-US" dirty="0" smtClean="0"/>
+              <a:rPr lang="en-US" altLang="en-US" dirty="0"/>
               <a:t>Data Cleaning</a:t>
             </a:r>
           </a:p>
@@ -50449,21 +48472,13 @@
             <a:pPr eaLnBrk="1" hangingPunct="1"/>
             <a:r>
               <a:rPr lang="en-US" altLang="en-US" sz="2200" dirty="0"/>
-              <a:t>Data in the Real World Is Dirty: Lots of potentially incorrect data, e.g., instrument faulty, human or computer error, </a:t>
-            </a:r>
-            <a:r>
-              <a:rPr lang="en-US" altLang="en-US" sz="2200" dirty="0" smtClean="0"/>
-              <a:t>and transmission </a:t>
-            </a:r>
-            <a:r>
-              <a:rPr lang="en-US" altLang="en-US" sz="2200" dirty="0"/>
-              <a:t>error</a:t>
+              <a:t>Data in the Real World Is Dirty: Lots of potentially incorrect data, e.g., instrument faulty, human or computer error, and transmission error</a:t>
             </a:r>
           </a:p>
           <a:p>
             <a:pPr lvl="1" eaLnBrk="1" hangingPunct="1"/>
             <a:r>
-              <a:rPr lang="en-US" altLang="en-US" sz="2200" u="sng" dirty="0" smtClean="0"/>
+              <a:rPr lang="en-US" altLang="en-US" sz="2200" u="sng" dirty="0"/>
               <a:t>Incomplete</a:t>
             </a:r>
             <a:r>
@@ -50489,7 +48504,7 @@
           <a:p>
             <a:pPr lvl="1" eaLnBrk="1" hangingPunct="1"/>
             <a:r>
-              <a:rPr lang="en-US" altLang="en-US" sz="2200" u="sng" dirty="0" smtClean="0"/>
+              <a:rPr lang="en-US" altLang="en-US" sz="2200" u="sng" dirty="0"/>
               <a:t>Noisy</a:t>
             </a:r>
             <a:r>
@@ -50525,7 +48540,7 @@
           <a:p>
             <a:pPr lvl="1" eaLnBrk="1" hangingPunct="1"/>
             <a:r>
-              <a:rPr lang="en-US" altLang="en-US" sz="2200" u="sng" dirty="0" smtClean="0"/>
+              <a:rPr lang="en-US" altLang="en-US" sz="2200" u="sng" dirty="0"/>
               <a:t>Inconsistent</a:t>
             </a:r>
             <a:r>
@@ -50608,21 +48623,6 @@
   <p:clrMapOvr>
     <a:masterClrMapping/>
   </p:clrMapOvr>
-  <mc:AlternateContent xmlns:mc="http://schemas.openxmlformats.org/markup-compatibility/2006" xmlns:p14="http://schemas.microsoft.com/office/powerpoint/2010/main">
-    <mc:Choice Requires="p14">
-      <p:transition spd="slow" p14:dur="2000"/>
-    </mc:Choice>
-    <mc:Fallback xmlns="">
-      <p:transition spd="slow"/>
-    </mc:Fallback>
-  </mc:AlternateContent>
-  <p:timing>
-    <p:tnLst>
-      <p:par>
-        <p:cTn id="1" dur="indefinite" restart="never" nodeType="tmRoot"/>
-      </p:par>
-    </p:tnLst>
-  </p:timing>
 </p:sld>
 </file>
 
@@ -50667,7 +48667,7 @@
           <a:p>
             <a:pPr eaLnBrk="1" hangingPunct="1"/>
             <a:r>
-              <a:rPr lang="en-US" altLang="en-US" dirty="0" smtClean="0"/>
+              <a:rPr lang="en-US" altLang="en-US" dirty="0"/>
               <a:t>Incomplete (Missing) Data</a:t>
             </a:r>
           </a:p>
@@ -50732,12 +48732,8 @@
               </a:lnSpc>
             </a:pPr>
             <a:r>
-              <a:rPr lang="en-US" altLang="en-US" sz="2400" dirty="0" smtClean="0"/>
-              <a:t>Equipment </a:t>
-            </a:r>
-            <a:r>
               <a:rPr lang="en-US" altLang="en-US" sz="2400" dirty="0"/>
-              <a:t>malfunction</a:t>
+              <a:t>Equipment malfunction</a:t>
             </a:r>
           </a:p>
           <a:p>
@@ -50747,12 +48743,8 @@
               </a:lnSpc>
             </a:pPr>
             <a:r>
-              <a:rPr lang="en-US" altLang="en-US" sz="2400" dirty="0" smtClean="0"/>
-              <a:t>Inconsistent </a:t>
-            </a:r>
-            <a:r>
               <a:rPr lang="en-US" altLang="en-US" sz="2400" dirty="0"/>
-              <a:t>with other recorded data and thus deleted</a:t>
+              <a:t>Inconsistent with other recorded data and thus deleted</a:t>
             </a:r>
           </a:p>
           <a:p>
@@ -50762,12 +48754,8 @@
               </a:lnSpc>
             </a:pPr>
             <a:r>
-              <a:rPr lang="en-US" altLang="en-US" sz="2400" dirty="0" smtClean="0"/>
-              <a:t>Data were not </a:t>
-            </a:r>
-            <a:r>
               <a:rPr lang="en-US" altLang="en-US" sz="2400" dirty="0"/>
-              <a:t>entered due to misunderstanding</a:t>
+              <a:t>Data were not entered due to misunderstanding</a:t>
             </a:r>
           </a:p>
           <a:p>
@@ -50777,12 +48765,8 @@
               </a:lnSpc>
             </a:pPr>
             <a:r>
-              <a:rPr lang="en-US" altLang="en-US" sz="2400" dirty="0" smtClean="0"/>
-              <a:t>Certain </a:t>
-            </a:r>
-            <a:r>
               <a:rPr lang="en-US" altLang="en-US" sz="2400" dirty="0"/>
-              <a:t>data may not be considered important at the time of entry</a:t>
+              <a:t>Certain data may not be considered important at the time of entry</a:t>
             </a:r>
           </a:p>
           <a:p>
@@ -50792,12 +48776,8 @@
               </a:lnSpc>
             </a:pPr>
             <a:r>
-              <a:rPr lang="en-US" altLang="en-US" sz="2400" dirty="0" smtClean="0"/>
-              <a:t>Did not </a:t>
-            </a:r>
-            <a:r>
               <a:rPr lang="en-US" altLang="en-US" sz="2400" dirty="0"/>
-              <a:t>register history or changes of the data</a:t>
+              <a:t>Did not register history or changes of the data</a:t>
             </a:r>
           </a:p>
           <a:p>
@@ -50823,21 +48803,6 @@
   <p:clrMapOvr>
     <a:masterClrMapping/>
   </p:clrMapOvr>
-  <mc:AlternateContent xmlns:mc="http://schemas.openxmlformats.org/markup-compatibility/2006" xmlns:p14="http://schemas.microsoft.com/office/powerpoint/2010/main">
-    <mc:Choice Requires="p14">
-      <p:transition spd="slow" p14:dur="2000"/>
-    </mc:Choice>
-    <mc:Fallback xmlns="">
-      <p:transition spd="slow"/>
-    </mc:Fallback>
-  </mc:AlternateContent>
-  <p:timing>
-    <p:tnLst>
-      <p:par>
-        <p:cTn id="1" dur="indefinite" restart="never" nodeType="tmRoot"/>
-      </p:par>
-    </p:tnLst>
-  </p:timing>
 </p:sld>
 </file>
 
@@ -50880,7 +48845,7 @@
           <a:p>
             <a:pPr eaLnBrk="1" hangingPunct="1"/>
             <a:r>
-              <a:rPr lang="en-US" altLang="en-US" dirty="0" smtClean="0"/>
+              <a:rPr lang="en-US" altLang="en-US" dirty="0"/>
               <a:t>How to Handle Missing Data?</a:t>
             </a:r>
           </a:p>
@@ -50994,21 +48959,6 @@
   <p:clrMapOvr>
     <a:masterClrMapping/>
   </p:clrMapOvr>
-  <mc:AlternateContent xmlns:mc="http://schemas.openxmlformats.org/markup-compatibility/2006" xmlns:p14="http://schemas.microsoft.com/office/powerpoint/2010/main">
-    <mc:Choice Requires="p14">
-      <p:transition spd="slow" p14:dur="2000"/>
-    </mc:Choice>
-    <mc:Fallback xmlns="">
-      <p:transition spd="slow"/>
-    </mc:Fallback>
-  </mc:AlternateContent>
-  <p:timing>
-    <p:tnLst>
-      <p:par>
-        <p:cTn id="1" dur="indefinite" restart="never" nodeType="tmRoot"/>
-      </p:par>
-    </p:tnLst>
-  </p:timing>
 </p:sld>
 </file>
 
@@ -51051,7 +49001,7 @@
           <a:p>
             <a:pPr eaLnBrk="1" hangingPunct="1"/>
             <a:r>
-              <a:rPr lang="en-US" altLang="en-US" dirty="0" smtClean="0"/>
+              <a:rPr lang="en-US" altLang="en-US" dirty="0"/>
               <a:t>Noisy Data</a:t>
             </a:r>
           </a:p>
@@ -51127,76 +49077,46 @@
           <a:p>
             <a:pPr lvl="1" eaLnBrk="1" hangingPunct="1"/>
             <a:r>
-              <a:rPr lang="en-US" altLang="en-US" dirty="0" smtClean="0">
-                <a:latin typeface="Calibri" panose="020F0502020204030204" pitchFamily="34" charset="0"/>
-              </a:rPr>
-              <a:t>Faulty </a:t>
-            </a:r>
-            <a:r>
               <a:rPr lang="en-US" altLang="en-US" dirty="0">
                 <a:latin typeface="Calibri" panose="020F0502020204030204" pitchFamily="34" charset="0"/>
               </a:rPr>
-              <a:t>data collection instruments</a:t>
+              <a:t>Faulty data collection instruments</a:t>
             </a:r>
           </a:p>
           <a:p>
             <a:pPr lvl="1" eaLnBrk="1" hangingPunct="1"/>
-            <a:r>
-              <a:rPr lang="en-US" altLang="en-US" dirty="0" smtClean="0">
-                <a:latin typeface="Calibri" panose="020F0502020204030204" pitchFamily="34" charset="0"/>
-              </a:rPr>
-              <a:t>Data </a:t>
-            </a:r>
             <a:r>
               <a:rPr lang="en-US" altLang="en-US" dirty="0">
                 <a:latin typeface="Calibri" panose="020F0502020204030204" pitchFamily="34" charset="0"/>
               </a:rPr>
-              <a:t>entry problems</a:t>
+              <a:t>Data entry problems</a:t>
             </a:r>
           </a:p>
           <a:p>
             <a:pPr lvl="1" eaLnBrk="1" hangingPunct="1"/>
-            <a:r>
-              <a:rPr lang="en-US" altLang="en-US" dirty="0" smtClean="0">
-                <a:latin typeface="Calibri" panose="020F0502020204030204" pitchFamily="34" charset="0"/>
-              </a:rPr>
-              <a:t>Data </a:t>
-            </a:r>
             <a:r>
               <a:rPr lang="en-US" altLang="en-US" dirty="0">
                 <a:latin typeface="Calibri" panose="020F0502020204030204" pitchFamily="34" charset="0"/>
               </a:rPr>
-              <a:t>transmission problems</a:t>
+              <a:t>Data transmission problems</a:t>
             </a:r>
           </a:p>
           <a:p>
             <a:pPr lvl="1" eaLnBrk="1" hangingPunct="1"/>
-            <a:r>
-              <a:rPr lang="en-US" altLang="en-US" dirty="0" smtClean="0">
-                <a:latin typeface="Calibri" panose="020F0502020204030204" pitchFamily="34" charset="0"/>
-              </a:rPr>
-              <a:t>Technology </a:t>
-            </a:r>
             <a:r>
               <a:rPr lang="en-US" altLang="en-US" dirty="0">
                 <a:latin typeface="Calibri" panose="020F0502020204030204" pitchFamily="34" charset="0"/>
               </a:rPr>
-              <a:t>limitation</a:t>
+              <a:t>Technology limitation</a:t>
             </a:r>
           </a:p>
           <a:p>
             <a:pPr lvl="1" eaLnBrk="1" hangingPunct="1"/>
-            <a:r>
-              <a:rPr lang="en-US" altLang="en-US" dirty="0" smtClean="0">
-                <a:latin typeface="Calibri" panose="020F0502020204030204" pitchFamily="34" charset="0"/>
-              </a:rPr>
-              <a:t>Inconsistency </a:t>
-            </a:r>
             <a:r>
               <a:rPr lang="en-US" altLang="en-US" dirty="0">
                 <a:latin typeface="Calibri" panose="020F0502020204030204" pitchFamily="34" charset="0"/>
               </a:rPr>
-              <a:t>in naming convention </a:t>
+              <a:t>Inconsistency in naming convention </a:t>
             </a:r>
           </a:p>
           <a:p>
@@ -51205,61 +49125,34 @@
               <a:rPr lang="en-US" altLang="en-US" b="1" dirty="0">
                 <a:latin typeface="Calibri" panose="020F0502020204030204" pitchFamily="34" charset="0"/>
               </a:rPr>
-              <a:t>Other data </a:t>
-            </a:r>
-            <a:r>
-              <a:rPr lang="en-US" altLang="en-US" b="1" dirty="0" smtClean="0">
-                <a:latin typeface="Calibri" panose="020F0502020204030204" pitchFamily="34" charset="0"/>
-              </a:rPr>
-              <a:t>problems</a:t>
-            </a:r>
-            <a:endParaRPr lang="en-US" altLang="en-US" b="1" dirty="0">
-              <a:latin typeface="Calibri" panose="020F0502020204030204" pitchFamily="34" charset="0"/>
-            </a:endParaRPr>
+              <a:t>Other data problems</a:t>
+            </a:r>
           </a:p>
           <a:p>
             <a:pPr lvl="1" eaLnBrk="1" hangingPunct="1"/>
-            <a:r>
-              <a:rPr lang="en-US" altLang="en-US" dirty="0" smtClean="0">
-                <a:latin typeface="Calibri" panose="020F0502020204030204" pitchFamily="34" charset="0"/>
-              </a:rPr>
-              <a:t>Duplicate </a:t>
-            </a:r>
             <a:r>
               <a:rPr lang="en-US" altLang="en-US" dirty="0">
                 <a:latin typeface="Calibri" panose="020F0502020204030204" pitchFamily="34" charset="0"/>
               </a:rPr>
-              <a:t>records</a:t>
+              <a:t>Duplicate records</a:t>
             </a:r>
           </a:p>
           <a:p>
             <a:pPr lvl="1" eaLnBrk="1" hangingPunct="1"/>
-            <a:r>
-              <a:rPr lang="en-US" altLang="en-US" dirty="0" smtClean="0">
-                <a:latin typeface="Calibri" panose="020F0502020204030204" pitchFamily="34" charset="0"/>
-              </a:rPr>
-              <a:t>Incomplete </a:t>
-            </a:r>
             <a:r>
               <a:rPr lang="en-US" altLang="en-US" dirty="0">
                 <a:latin typeface="Calibri" panose="020F0502020204030204" pitchFamily="34" charset="0"/>
               </a:rPr>
-              <a:t>data</a:t>
+              <a:t>Incomplete data</a:t>
             </a:r>
           </a:p>
           <a:p>
             <a:pPr lvl="1" eaLnBrk="1" hangingPunct="1"/>
-            <a:r>
-              <a:rPr lang="en-US" altLang="en-US" dirty="0" smtClean="0">
-                <a:latin typeface="Calibri" panose="020F0502020204030204" pitchFamily="34" charset="0"/>
-              </a:rPr>
-              <a:t>Inconsistent </a:t>
-            </a:r>
             <a:r>
               <a:rPr lang="en-US" altLang="en-US" dirty="0">
                 <a:latin typeface="Calibri" panose="020F0502020204030204" pitchFamily="34" charset="0"/>
               </a:rPr>
-              <a:t>data</a:t>
+              <a:t>Inconsistent data</a:t>
             </a:r>
           </a:p>
         </p:txBody>
@@ -51274,21 +49167,6 @@
   <p:clrMapOvr>
     <a:masterClrMapping/>
   </p:clrMapOvr>
-  <mc:AlternateContent xmlns:mc="http://schemas.openxmlformats.org/markup-compatibility/2006" xmlns:p14="http://schemas.microsoft.com/office/powerpoint/2010/main">
-    <mc:Choice Requires="p14">
-      <p:transition spd="slow" p14:dur="2000"/>
-    </mc:Choice>
-    <mc:Fallback xmlns="">
-      <p:transition spd="slow"/>
-    </mc:Fallback>
-  </mc:AlternateContent>
-  <p:timing>
-    <p:tnLst>
-      <p:par>
-        <p:cTn id="1" dur="indefinite" restart="never" nodeType="tmRoot"/>
-      </p:par>
-    </p:tnLst>
-  </p:timing>
 </p:sld>
 </file>
 

--- a/BDA_IFM/03Preprocessing.pptx
+++ b/BDA_IFM/03Preprocessing.pptx
@@ -268,7 +268,7 @@
           <a:p>
             <a:fld id="{F87AF23C-6CAB-4A6A-B3BC-A88F610E0570}" type="datetimeFigureOut">
               <a:rPr lang="en-US" smtClean="0"/>
-              <a:t>9/29/2024</a:t>
+              <a:t>9/25/2025</a:t>
             </a:fld>
             <a:endParaRPr lang="en-US"/>
           </a:p>
@@ -13760,7 +13760,7 @@
               <a:pPr>
                 <a:defRPr/>
               </a:pPr>
-              <a:t>9/29/2024</a:t>
+              <a:t>9/25/2025</a:t>
             </a:fld>
             <a:endParaRPr lang="en-US"/>
           </a:p>
@@ -14105,7 +14105,7 @@
               <a:pPr>
                 <a:defRPr/>
               </a:pPr>
-              <a:t>9/29/2024</a:t>
+              <a:t>9/25/2025</a:t>
             </a:fld>
             <a:endParaRPr lang="en-US"/>
           </a:p>
@@ -16451,7 +16451,7 @@
           <a:graphicData uri="http://schemas.openxmlformats.org/presentationml/2006/ole">
             <mc:AlternateContent xmlns:mc="http://schemas.openxmlformats.org/markup-compatibility/2006">
               <mc:Choice xmlns:v="urn:schemas-microsoft-com:vml" Requires="v">
-                <p:oleObj spid="_x0000_s35906" name="Equation" r:id="rId4" imgW="4381500" imgH="419100" progId="Equation.3">
+                <p:oleObj spid="_x0000_s35908" name="Equation" r:id="rId4" imgW="4381500" imgH="419100" progId="Equation.3">
                   <p:embed/>
                 </p:oleObj>
               </mc:Choice>
@@ -18362,7 +18362,7 @@
           <a:graphicData uri="http://schemas.openxmlformats.org/presentationml/2006/ole">
             <mc:AlternateContent xmlns:mc="http://schemas.openxmlformats.org/markup-compatibility/2006">
               <mc:Choice xmlns:v="urn:schemas-microsoft-com:vml" Requires="v">
-                <p:oleObj spid="_x0000_s43135" name="Equation" r:id="rId4" imgW="4178160" imgH="838080" progId="Equation.DSMT4">
+                <p:oleObj spid="_x0000_s43143" name="Equation" r:id="rId4" imgW="4178160" imgH="838080" progId="Equation.DSMT4">
                   <p:embed/>
                 </p:oleObj>
               </mc:Choice>
@@ -18419,7 +18419,7 @@
           <a:graphicData uri="http://schemas.openxmlformats.org/presentationml/2006/ole">
             <mc:AlternateContent xmlns:mc="http://schemas.openxmlformats.org/markup-compatibility/2006">
               <mc:Choice xmlns:v="urn:schemas-microsoft-com:vml" Requires="v">
-                <p:oleObj spid="_x0000_s43136" name="Equation" r:id="rId6" imgW="3555720" imgH="228600" progId="Equation.DSMT4">
+                <p:oleObj spid="_x0000_s43144" name="Equation" r:id="rId6" imgW="3555720" imgH="228600" progId="Equation.DSMT4">
                   <p:embed/>
                 </p:oleObj>
               </mc:Choice>
@@ -18454,57 +18454,331 @@
           </a:graphicData>
         </a:graphic>
       </p:graphicFrame>
-      <p:graphicFrame>
-        <p:nvGraphicFramePr>
-          <p:cNvPr id="12" name="Object 11"/>
-          <p:cNvGraphicFramePr>
-            <a:graphicFrameLocks noChangeAspect="1"/>
-          </p:cNvGraphicFramePr>
-          <p:nvPr/>
-        </p:nvGraphicFramePr>
-        <p:xfrm>
-          <a:off x="3975888" y="5824177"/>
-          <a:ext cx="2275587" cy="781568"/>
-        </p:xfrm>
-        <a:graphic>
-          <a:graphicData uri="http://schemas.openxmlformats.org/presentationml/2006/ole">
-            <mc:AlternateContent xmlns:mc="http://schemas.openxmlformats.org/markup-compatibility/2006">
-              <mc:Choice xmlns:v="urn:schemas-microsoft-com:vml" Requires="v">
-                <p:oleObj spid="_x0000_s43137" name="Equation" r:id="rId8" imgW="1193760" imgH="431640" progId="Equation.DSMT4">
-                  <p:embed/>
-                </p:oleObj>
-              </mc:Choice>
-              <mc:Fallback>
-                <p:oleObj name="Equation" r:id="rId8" imgW="1193760" imgH="431640" progId="Equation.DSMT4">
-                  <p:embed/>
-                  <p:pic>
-                    <p:nvPicPr>
-                      <p:cNvPr id="0" name=""/>
-                      <p:cNvPicPr/>
-                      <p:nvPr/>
-                    </p:nvPicPr>
-                    <p:blipFill>
-                      <a:blip r:embed="rId9"/>
-                      <a:stretch>
-                        <a:fillRect/>
-                      </a:stretch>
-                    </p:blipFill>
-                    <p:spPr>
-                      <a:xfrm>
-                        <a:off x="3975888" y="5824177"/>
-                        <a:ext cx="2275587" cy="781568"/>
-                      </a:xfrm>
-                      <a:prstGeom prst="rect">
-                        <a:avLst/>
-                      </a:prstGeom>
-                    </p:spPr>
-                  </p:pic>
-                </p:oleObj>
-              </mc:Fallback>
-            </mc:AlternateContent>
-          </a:graphicData>
-        </a:graphic>
-      </p:graphicFrame>
+      <mc:AlternateContent xmlns:mc="http://schemas.openxmlformats.org/markup-compatibility/2006">
+        <mc:Choice xmlns:a14="http://schemas.microsoft.com/office/drawing/2010/main" Requires="a14">
+          <p:sp>
+            <p:nvSpPr>
+              <p:cNvPr id="12" name="Object 11"/>
+              <p:cNvSpPr txBox="1"/>
+              <p:nvPr/>
+            </p:nvSpPr>
+            <p:spPr>
+              <a:xfrm>
+                <a:off x="3975100" y="5824538"/>
+                <a:ext cx="2276475" cy="781050"/>
+              </a:xfrm>
+              <a:prstGeom prst="rect">
+                <a:avLst/>
+              </a:prstGeom>
+            </p:spPr>
+            <p:txBody>
+              <a:bodyPr>
+                <a:normAutofit fontScale="85000" lnSpcReduction="10000"/>
+              </a:bodyPr>
+              <a:lstStyle/>
+              <a:p>
+                <a:pPr/>
+                <a14:m>
+                  <m:oMathPara xmlns:m="http://schemas.openxmlformats.org/officeDocument/2006/math">
+                    <m:oMathParaPr>
+                      <m:jc m:val="left"/>
+                    </m:oMathParaPr>
+                    <m:oMath xmlns:m="http://schemas.openxmlformats.org/officeDocument/2006/math">
+                      <m:sSup>
+                        <m:sSupPr>
+                          <m:ctrlPr>
+                            <a:rPr lang="zh-TW" altLang="en-US" i="1">
+                              <a:solidFill>
+                                <a:srgbClr val="000000"/>
+                              </a:solidFill>
+                              <a:latin typeface="Cambria Math" panose="02040503050406030204" pitchFamily="18" charset="0"/>
+                            </a:rPr>
+                          </m:ctrlPr>
+                        </m:sSupPr>
+                        <m:e>
+                          <m:acc>
+                            <m:accPr>
+                              <m:chr m:val="̂"/>
+                              <m:ctrlPr>
+                                <a:rPr lang="zh-TW" altLang="en-US" i="1">
+                                  <a:solidFill>
+                                    <a:srgbClr val="000000"/>
+                                  </a:solidFill>
+                                  <a:latin typeface="Cambria Math" panose="02040503050406030204" pitchFamily="18" charset="0"/>
+                                </a:rPr>
+                              </m:ctrlPr>
+                            </m:accPr>
+                            <m:e>
+                              <m:r>
+                                <a:rPr lang="zh-TW" altLang="en-US" i="1">
+                                  <a:solidFill>
+                                    <a:srgbClr val="000000"/>
+                                  </a:solidFill>
+                                  <a:latin typeface="Cambria Math" panose="02040503050406030204" pitchFamily="18" charset="0"/>
+                                </a:rPr>
+                                <m:t>𝜎</m:t>
+                              </m:r>
+                            </m:e>
+                          </m:acc>
+                        </m:e>
+                        <m:sup>
+                          <m:r>
+                            <a:rPr lang="zh-TW" altLang="en-US" i="1">
+                              <a:solidFill>
+                                <a:srgbClr val="000000"/>
+                              </a:solidFill>
+                              <a:latin typeface="Cambria Math" panose="02040503050406030204" pitchFamily="18" charset="0"/>
+                            </a:rPr>
+                            <m:t>2</m:t>
+                          </m:r>
+                        </m:sup>
+                      </m:sSup>
+                      <m:r>
+                        <a:rPr lang="zh-TW" altLang="en-US" i="1">
+                          <a:solidFill>
+                            <a:srgbClr val="000000"/>
+                          </a:solidFill>
+                          <a:latin typeface="Cambria Math" panose="02040503050406030204" pitchFamily="18" charset="0"/>
+                        </a:rPr>
+                        <m:t>=</m:t>
+                      </m:r>
+                      <m:f>
+                        <m:fPr>
+                          <m:ctrlPr>
+                            <a:rPr lang="zh-TW" altLang="en-US" i="1">
+                              <a:solidFill>
+                                <a:srgbClr val="000000"/>
+                              </a:solidFill>
+                              <a:latin typeface="Cambria Math" panose="02040503050406030204" pitchFamily="18" charset="0"/>
+                            </a:rPr>
+                          </m:ctrlPr>
+                        </m:fPr>
+                        <m:num>
+                          <m:r>
+                            <a:rPr lang="zh-TW" altLang="en-US" i="1">
+                              <a:solidFill>
+                                <a:srgbClr val="000000"/>
+                              </a:solidFill>
+                              <a:latin typeface="Cambria Math" panose="02040503050406030204" pitchFamily="18" charset="0"/>
+                            </a:rPr>
+                            <m:t>1</m:t>
+                          </m:r>
+                        </m:num>
+                        <m:den>
+                          <m:r>
+                            <a:rPr lang="zh-TW" altLang="en-US" i="1">
+                              <a:solidFill>
+                                <a:srgbClr val="000000"/>
+                              </a:solidFill>
+                              <a:latin typeface="Cambria Math" panose="02040503050406030204" pitchFamily="18" charset="0"/>
+                            </a:rPr>
+                            <m:t>𝑛</m:t>
+                          </m:r>
+                        </m:den>
+                      </m:f>
+                      <m:nary>
+                        <m:naryPr>
+                          <m:chr m:val="∑"/>
+                          <m:ctrlPr>
+                            <a:rPr lang="zh-TW" altLang="en-US" i="1">
+                              <a:solidFill>
+                                <a:srgbClr val="000000"/>
+                              </a:solidFill>
+                              <a:latin typeface="Cambria Math" panose="02040503050406030204" pitchFamily="18" charset="0"/>
+                            </a:rPr>
+                          </m:ctrlPr>
+                        </m:naryPr>
+                        <m:sub>
+                          <m:r>
+                            <a:rPr lang="zh-TW" altLang="en-US" i="1">
+                              <a:solidFill>
+                                <a:srgbClr val="000000"/>
+                              </a:solidFill>
+                              <a:latin typeface="Cambria Math" panose="02040503050406030204" pitchFamily="18" charset="0"/>
+                            </a:rPr>
+                            <m:t>𝑖</m:t>
+                          </m:r>
+                          <m:r>
+                            <a:rPr lang="zh-TW" altLang="en-US" i="1">
+                              <a:solidFill>
+                                <a:srgbClr val="000000"/>
+                              </a:solidFill>
+                              <a:latin typeface="Cambria Math" panose="02040503050406030204" pitchFamily="18" charset="0"/>
+                            </a:rPr>
+                            <m:t>=1</m:t>
+                          </m:r>
+                        </m:sub>
+                        <m:sup>
+                          <m:r>
+                            <a:rPr lang="zh-TW" altLang="en-US" i="1">
+                              <a:solidFill>
+                                <a:srgbClr val="000000"/>
+                              </a:solidFill>
+                              <a:latin typeface="Cambria Math" panose="02040503050406030204" pitchFamily="18" charset="0"/>
+                            </a:rPr>
+                            <m:t>𝑛</m:t>
+                          </m:r>
+                        </m:sup>
+                        <m:e>
+                          <m:r>
+                            <a:rPr lang="zh-TW" altLang="en-US" i="1">
+                              <a:solidFill>
+                                <a:srgbClr val="000000"/>
+                              </a:solidFill>
+                              <a:latin typeface="Cambria Math" panose="02040503050406030204" pitchFamily="18" charset="0"/>
+                            </a:rPr>
+                            <m:t>(</m:t>
+                          </m:r>
+                          <m:sSub>
+                            <m:sSubPr>
+                              <m:ctrlPr>
+                                <a:rPr lang="zh-TW" altLang="en-US" i="1">
+                                  <a:solidFill>
+                                    <a:srgbClr val="000000"/>
+                                  </a:solidFill>
+                                  <a:latin typeface="Cambria Math" panose="02040503050406030204" pitchFamily="18" charset="0"/>
+                                </a:rPr>
+                              </m:ctrlPr>
+                            </m:sSubPr>
+                            <m:e>
+                              <m:r>
+                                <a:rPr lang="zh-TW" altLang="en-US" i="1">
+                                  <a:solidFill>
+                                    <a:srgbClr val="000000"/>
+                                  </a:solidFill>
+                                  <a:latin typeface="Cambria Math" panose="02040503050406030204" pitchFamily="18" charset="0"/>
+                                </a:rPr>
+                                <m:t>𝑥</m:t>
+                              </m:r>
+                            </m:e>
+                            <m:sub>
+                              <m:r>
+                                <a:rPr lang="zh-TW" altLang="en-US" i="1">
+                                  <a:solidFill>
+                                    <a:srgbClr val="000000"/>
+                                  </a:solidFill>
+                                  <a:latin typeface="Cambria Math" panose="02040503050406030204" pitchFamily="18" charset="0"/>
+                                </a:rPr>
+                                <m:t>𝑖</m:t>
+                              </m:r>
+                            </m:sub>
+                          </m:sSub>
+                          <m:r>
+                            <a:rPr lang="zh-TW" altLang="en-US" i="1">
+                              <a:solidFill>
+                                <a:srgbClr val="000000"/>
+                              </a:solidFill>
+                              <a:latin typeface="Cambria Math" panose="02040503050406030204" pitchFamily="18" charset="0"/>
+                            </a:rPr>
+                            <m:t>−</m:t>
+                          </m:r>
+                          <m:acc>
+                            <m:accPr>
+                              <m:chr m:val="̂"/>
+                              <m:ctrlPr>
+                                <a:rPr lang="zh-TW" altLang="en-US" i="1">
+                                  <a:solidFill>
+                                    <a:srgbClr val="000000"/>
+                                  </a:solidFill>
+                                  <a:latin typeface="Cambria Math" panose="02040503050406030204" pitchFamily="18" charset="0"/>
+                                </a:rPr>
+                              </m:ctrlPr>
+                            </m:accPr>
+                            <m:e>
+                              <m:r>
+                                <a:rPr lang="zh-TW" altLang="en-US" i="1">
+                                  <a:solidFill>
+                                    <a:srgbClr val="000000"/>
+                                  </a:solidFill>
+                                  <a:latin typeface="Cambria Math" panose="02040503050406030204" pitchFamily="18" charset="0"/>
+                                </a:rPr>
+                                <m:t>𝜇</m:t>
+                              </m:r>
+                            </m:e>
+                          </m:acc>
+                          <m:sSup>
+                            <m:sSupPr>
+                              <m:ctrlPr>
+                                <a:rPr lang="zh-TW" altLang="en-US" i="1">
+                                  <a:solidFill>
+                                    <a:srgbClr val="000000"/>
+                                  </a:solidFill>
+                                  <a:latin typeface="Cambria Math" panose="02040503050406030204" pitchFamily="18" charset="0"/>
+                                </a:rPr>
+                              </m:ctrlPr>
+                            </m:sSupPr>
+                            <m:e>
+                              <m:r>
+                                <a:rPr lang="zh-TW" altLang="en-US" i="1">
+                                  <a:solidFill>
+                                    <a:srgbClr val="000000"/>
+                                  </a:solidFill>
+                                  <a:latin typeface="Cambria Math" panose="02040503050406030204" pitchFamily="18" charset="0"/>
+                                </a:rPr>
+                                <m:t>)</m:t>
+                              </m:r>
+                            </m:e>
+                            <m:sup>
+                              <m:r>
+                                <a:rPr lang="zh-TW" altLang="en-US" i="1">
+                                  <a:solidFill>
+                                    <a:srgbClr val="000000"/>
+                                  </a:solidFill>
+                                  <a:latin typeface="Cambria Math" panose="02040503050406030204" pitchFamily="18" charset="0"/>
+                                </a:rPr>
+                                <m:t>2</m:t>
+                              </m:r>
+                            </m:sup>
+                          </m:sSup>
+                        </m:e>
+                      </m:nary>
+                    </m:oMath>
+                  </m:oMathPara>
+                </a14:m>
+                <a:endParaRPr lang="zh-TW" altLang="en-US" dirty="0"/>
+              </a:p>
+            </p:txBody>
+          </p:sp>
+        </mc:Choice>
+        <mc:Fallback>
+          <p:sp>
+            <p:nvSpPr>
+              <p:cNvPr id="12" name="Object 11"/>
+              <p:cNvSpPr txBox="1">
+                <a:spLocks noRot="1" noChangeAspect="1" noMove="1" noResize="1" noEditPoints="1" noAdjustHandles="1" noChangeArrowheads="1" noChangeShapeType="1" noTextEdit="1"/>
+              </p:cNvSpPr>
+              <p:nvPr/>
+            </p:nvSpPr>
+            <p:spPr>
+              <a:xfrm>
+                <a:off x="3975100" y="5824538"/>
+                <a:ext cx="2276475" cy="781050"/>
+              </a:xfrm>
+              <a:prstGeom prst="rect">
+                <a:avLst/>
+              </a:prstGeom>
+              <a:blipFill>
+                <a:blip r:embed="rId8"/>
+                <a:stretch>
+                  <a:fillRect/>
+                </a:stretch>
+              </a:blipFill>
+            </p:spPr>
+            <p:txBody>
+              <a:bodyPr/>
+              <a:lstStyle/>
+              <a:p>
+                <a:r>
+                  <a:rPr lang="zh-TW" altLang="en-US">
+                    <a:noFill/>
+                  </a:rPr>
+                  <a:t> </a:t>
+                </a:r>
+              </a:p>
+            </p:txBody>
+          </p:sp>
+        </mc:Fallback>
+      </mc:AlternateContent>
       <p:graphicFrame>
         <p:nvGraphicFramePr>
           <p:cNvPr id="13" name="Object 12"/>
@@ -18520,19 +18794,19 @@
           </p:nvPr>
         </p:nvGraphicFramePr>
         <p:xfrm>
-          <a:off x="2779944" y="6018210"/>
-          <a:ext cx="310261" cy="393502"/>
+          <a:off x="2779713" y="6018213"/>
+          <a:ext cx="311150" cy="393700"/>
         </p:xfrm>
         <a:graphic>
           <a:graphicData uri="http://schemas.openxmlformats.org/presentationml/2006/ole">
             <mc:AlternateContent xmlns:mc="http://schemas.openxmlformats.org/markup-compatibility/2006">
               <mc:Choice xmlns:v="urn:schemas-microsoft-com:vml" Requires="v">
-                <p:oleObj spid="_x0000_s43138" name="Equation" r:id="rId10" imgW="152280" imgH="203040" progId="Equation.DSMT4">
+                <p:oleObj spid="_x0000_s43145" name="Equation" r:id="rId9" imgW="152280" imgH="203040" progId="Equation.DSMT4">
                   <p:embed/>
                 </p:oleObj>
               </mc:Choice>
               <mc:Fallback>
-                <p:oleObj name="Equation" r:id="rId10" imgW="152280" imgH="203040" progId="Equation.DSMT4">
+                <p:oleObj name="Equation" r:id="rId9" imgW="152280" imgH="203040" progId="Equation.DSMT4">
                   <p:embed/>
                   <p:pic>
                     <p:nvPicPr>
@@ -18541,15 +18815,15 @@
                       <p:nvPr/>
                     </p:nvPicPr>
                     <p:blipFill>
-                      <a:blip r:embed="rId11"/>
+                      <a:blip r:embed="rId10"/>
                       <a:stretch>
                         <a:fillRect/>
                       </a:stretch>
                     </p:blipFill>
                     <p:spPr>
                       <a:xfrm>
-                        <a:off x="2779944" y="6018210"/>
-                        <a:ext cx="310261" cy="393502"/>
+                        <a:off x="2779713" y="6018213"/>
+                        <a:ext cx="311150" cy="393700"/>
                       </a:xfrm>
                       <a:prstGeom prst="rect">
                         <a:avLst/>
@@ -18993,7 +19267,7 @@
               <a:rPr lang="en-US" altLang="en-US" sz="2400" dirty="0">
                 <a:latin typeface="Calibri" panose="020F0502020204030204" pitchFamily="34" charset="0"/>
               </a:rPr>
-              <a:t> = 0 but the reverse is not true</a:t>
+              <a:t> = 0; but the reverse is not true</a:t>
             </a:r>
           </a:p>
           <a:p>
@@ -19032,7 +19306,7 @@
           <a:graphicData uri="http://schemas.openxmlformats.org/presentationml/2006/ole">
             <mc:AlternateContent xmlns:mc="http://schemas.openxmlformats.org/markup-compatibility/2006">
               <mc:Choice xmlns:v="urn:schemas-microsoft-com:vml" Requires="v">
-                <p:oleObj spid="_x0000_s44128" name="Equation" r:id="rId4" imgW="4381200" imgH="228600" progId="Equation.DSMT4">
+                <p:oleObj spid="_x0000_s44134" name="Equation" r:id="rId4" imgW="4381200" imgH="228600" progId="Equation.DSMT4">
                   <p:embed/>
                 </p:oleObj>
               </mc:Choice>
@@ -19067,114 +19341,1219 @@
           </a:graphicData>
         </a:graphic>
       </p:graphicFrame>
-      <p:graphicFrame>
-        <p:nvGraphicFramePr>
-          <p:cNvPr id="11" name="Object 10"/>
-          <p:cNvGraphicFramePr>
-            <a:graphicFrameLocks noChangeAspect="1"/>
-          </p:cNvGraphicFramePr>
-          <p:nvPr/>
-        </p:nvGraphicFramePr>
-        <p:xfrm>
-          <a:off x="5845662" y="2465141"/>
-          <a:ext cx="3294062" cy="796925"/>
-        </p:xfrm>
-        <a:graphic>
-          <a:graphicData uri="http://schemas.openxmlformats.org/presentationml/2006/ole">
-            <mc:AlternateContent xmlns:mc="http://schemas.openxmlformats.org/markup-compatibility/2006">
-              <mc:Choice xmlns:v="urn:schemas-microsoft-com:vml" Requires="v">
-                <p:oleObj spid="_x0000_s44129" name="Equation" r:id="rId6" imgW="1777680" imgH="431640" progId="Equation.DSMT4">
-                  <p:embed/>
-                </p:oleObj>
-              </mc:Choice>
-              <mc:Fallback>
-                <p:oleObj name="Equation" r:id="rId6" imgW="1777680" imgH="431640" progId="Equation.DSMT4">
-                  <p:embed/>
-                  <p:pic>
-                    <p:nvPicPr>
-                      <p:cNvPr id="0" name=""/>
-                      <p:cNvPicPr/>
-                      <p:nvPr/>
-                    </p:nvPicPr>
-                    <p:blipFill>
-                      <a:blip r:embed="rId7"/>
-                      <a:stretch>
-                        <a:fillRect/>
-                      </a:stretch>
-                    </p:blipFill>
-                    <p:spPr>
-                      <a:xfrm>
-                        <a:off x="5845662" y="2465141"/>
-                        <a:ext cx="3294062" cy="796925"/>
-                      </a:xfrm>
-                      <a:prstGeom prst="rect">
-                        <a:avLst/>
-                      </a:prstGeom>
-                    </p:spPr>
-                  </p:pic>
-                </p:oleObj>
-              </mc:Fallback>
-            </mc:AlternateContent>
-          </a:graphicData>
-        </a:graphic>
-      </p:graphicFrame>
-      <p:graphicFrame>
-        <p:nvGraphicFramePr>
-          <p:cNvPr id="12" name="Object 11"/>
-          <p:cNvGraphicFramePr>
-            <a:graphicFrameLocks noChangeAspect="1"/>
-          </p:cNvGraphicFramePr>
-          <p:nvPr>
-            <p:extLst>
-              <p:ext uri="{D42A27DB-BD31-4B8C-83A1-F6EECF244321}">
-                <p14:modId xmlns:p14="http://schemas.microsoft.com/office/powerpoint/2010/main" val="3627791514"/>
-              </p:ext>
-            </p:extLst>
-          </p:nvPr>
-        </p:nvGraphicFramePr>
-        <p:xfrm>
-          <a:off x="1798550" y="3488358"/>
-          <a:ext cx="5954799" cy="640024"/>
-        </p:xfrm>
-        <a:graphic>
-          <a:graphicData uri="http://schemas.openxmlformats.org/presentationml/2006/ole">
-            <mc:AlternateContent xmlns:mc="http://schemas.openxmlformats.org/markup-compatibility/2006">
-              <mc:Choice xmlns:v="urn:schemas-microsoft-com:vml" Requires="v">
-                <p:oleObj spid="_x0000_s44130" name="Equation" r:id="rId8" imgW="3124080" imgH="431640" progId="Equation.DSMT4">
-                  <p:embed/>
-                </p:oleObj>
-              </mc:Choice>
-              <mc:Fallback>
-                <p:oleObj name="Equation" r:id="rId8" imgW="3124080" imgH="431640" progId="Equation.DSMT4">
-                  <p:embed/>
-                  <p:pic>
-                    <p:nvPicPr>
-                      <p:cNvPr id="0" name=""/>
-                      <p:cNvPicPr/>
-                      <p:nvPr/>
-                    </p:nvPicPr>
-                    <p:blipFill>
-                      <a:blip r:embed="rId9"/>
-                      <a:stretch>
-                        <a:fillRect/>
-                      </a:stretch>
-                    </p:blipFill>
-                    <p:spPr>
-                      <a:xfrm>
-                        <a:off x="1798550" y="3488358"/>
-                        <a:ext cx="5954799" cy="640024"/>
-                      </a:xfrm>
-                      <a:prstGeom prst="rect">
-                        <a:avLst/>
-                      </a:prstGeom>
-                    </p:spPr>
-                  </p:pic>
-                </p:oleObj>
-              </mc:Fallback>
-            </mc:AlternateContent>
-          </a:graphicData>
-        </a:graphic>
-      </p:graphicFrame>
+      <mc:AlternateContent xmlns:mc="http://schemas.openxmlformats.org/markup-compatibility/2006">
+        <mc:Choice xmlns:a14="http://schemas.microsoft.com/office/drawing/2010/main" Requires="a14">
+          <p:sp>
+            <p:nvSpPr>
+              <p:cNvPr id="11" name="Object 10"/>
+              <p:cNvSpPr txBox="1"/>
+              <p:nvPr/>
+            </p:nvSpPr>
+            <p:spPr>
+              <a:xfrm>
+                <a:off x="5845175" y="2465388"/>
+                <a:ext cx="3294063" cy="796925"/>
+              </a:xfrm>
+              <a:prstGeom prst="rect">
+                <a:avLst/>
+              </a:prstGeom>
+            </p:spPr>
+            <p:txBody>
+              <a:bodyPr>
+                <a:normAutofit fontScale="85000" lnSpcReduction="10000"/>
+              </a:bodyPr>
+              <a:lstStyle/>
+              <a:p>
+                <a:pPr/>
+                <a14:m>
+                  <m:oMathPara xmlns:m="http://schemas.openxmlformats.org/officeDocument/2006/math">
+                    <m:oMathParaPr>
+                      <m:jc m:val="left"/>
+                    </m:oMathParaPr>
+                    <m:oMath xmlns:m="http://schemas.openxmlformats.org/officeDocument/2006/math">
+                      <m:sSub>
+                        <m:sSubPr>
+                          <m:ctrlPr>
+                            <a:rPr lang="zh-TW" altLang="en-US" i="1">
+                              <a:solidFill>
+                                <a:srgbClr val="000000"/>
+                              </a:solidFill>
+                              <a:latin typeface="Cambria Math" panose="02040503050406030204" pitchFamily="18" charset="0"/>
+                            </a:rPr>
+                          </m:ctrlPr>
+                        </m:sSubPr>
+                        <m:e>
+                          <m:acc>
+                            <m:accPr>
+                              <m:chr m:val="̂"/>
+                              <m:ctrlPr>
+                                <a:rPr lang="zh-TW" altLang="en-US" i="1">
+                                  <a:solidFill>
+                                    <a:srgbClr val="000000"/>
+                                  </a:solidFill>
+                                  <a:latin typeface="Cambria Math" panose="02040503050406030204" pitchFamily="18" charset="0"/>
+                                </a:rPr>
+                              </m:ctrlPr>
+                            </m:accPr>
+                            <m:e>
+                              <m:r>
+                                <a:rPr lang="zh-TW" altLang="en-US" i="1">
+                                  <a:solidFill>
+                                    <a:srgbClr val="000000"/>
+                                  </a:solidFill>
+                                  <a:latin typeface="Cambria Math" panose="02040503050406030204" pitchFamily="18" charset="0"/>
+                                </a:rPr>
+                                <m:t>𝜎</m:t>
+                              </m:r>
+                            </m:e>
+                          </m:acc>
+                        </m:e>
+                        <m:sub>
+                          <m:r>
+                            <a:rPr lang="zh-TW" altLang="en-US" i="1">
+                              <a:solidFill>
+                                <a:srgbClr val="000000"/>
+                              </a:solidFill>
+                              <a:latin typeface="Cambria Math" panose="02040503050406030204" pitchFamily="18" charset="0"/>
+                            </a:rPr>
+                            <m:t>12</m:t>
+                          </m:r>
+                        </m:sub>
+                      </m:sSub>
+                      <m:r>
+                        <a:rPr lang="zh-TW" altLang="en-US" i="1">
+                          <a:solidFill>
+                            <a:srgbClr val="000000"/>
+                          </a:solidFill>
+                          <a:latin typeface="Cambria Math" panose="02040503050406030204" pitchFamily="18" charset="0"/>
+                        </a:rPr>
+                        <m:t>=</m:t>
+                      </m:r>
+                      <m:f>
+                        <m:fPr>
+                          <m:ctrlPr>
+                            <a:rPr lang="zh-TW" altLang="en-US" i="1">
+                              <a:solidFill>
+                                <a:srgbClr val="000000"/>
+                              </a:solidFill>
+                              <a:latin typeface="Cambria Math" panose="02040503050406030204" pitchFamily="18" charset="0"/>
+                            </a:rPr>
+                          </m:ctrlPr>
+                        </m:fPr>
+                        <m:num>
+                          <m:r>
+                            <a:rPr lang="zh-TW" altLang="en-US" i="1">
+                              <a:solidFill>
+                                <a:srgbClr val="000000"/>
+                              </a:solidFill>
+                              <a:latin typeface="Cambria Math" panose="02040503050406030204" pitchFamily="18" charset="0"/>
+                            </a:rPr>
+                            <m:t>1</m:t>
+                          </m:r>
+                        </m:num>
+                        <m:den>
+                          <m:r>
+                            <a:rPr lang="zh-TW" altLang="en-US" i="1">
+                              <a:solidFill>
+                                <a:srgbClr val="000000"/>
+                              </a:solidFill>
+                              <a:latin typeface="Cambria Math" panose="02040503050406030204" pitchFamily="18" charset="0"/>
+                            </a:rPr>
+                            <m:t>𝑛</m:t>
+                          </m:r>
+                        </m:den>
+                      </m:f>
+                      <m:nary>
+                        <m:naryPr>
+                          <m:chr m:val="∑"/>
+                          <m:ctrlPr>
+                            <a:rPr lang="zh-TW" altLang="en-US" i="1">
+                              <a:solidFill>
+                                <a:srgbClr val="000000"/>
+                              </a:solidFill>
+                              <a:latin typeface="Cambria Math" panose="02040503050406030204" pitchFamily="18" charset="0"/>
+                            </a:rPr>
+                          </m:ctrlPr>
+                        </m:naryPr>
+                        <m:sub>
+                          <m:r>
+                            <a:rPr lang="zh-TW" altLang="en-US" i="1">
+                              <a:solidFill>
+                                <a:srgbClr val="000000"/>
+                              </a:solidFill>
+                              <a:latin typeface="Cambria Math" panose="02040503050406030204" pitchFamily="18" charset="0"/>
+                            </a:rPr>
+                            <m:t>𝑖</m:t>
+                          </m:r>
+                          <m:r>
+                            <a:rPr lang="zh-TW" altLang="en-US" i="1">
+                              <a:solidFill>
+                                <a:srgbClr val="000000"/>
+                              </a:solidFill>
+                              <a:latin typeface="Cambria Math" panose="02040503050406030204" pitchFamily="18" charset="0"/>
+                            </a:rPr>
+                            <m:t>=1</m:t>
+                          </m:r>
+                        </m:sub>
+                        <m:sup>
+                          <m:r>
+                            <a:rPr lang="zh-TW" altLang="en-US" i="1">
+                              <a:solidFill>
+                                <a:srgbClr val="000000"/>
+                              </a:solidFill>
+                              <a:latin typeface="Cambria Math" panose="02040503050406030204" pitchFamily="18" charset="0"/>
+                            </a:rPr>
+                            <m:t>𝑛</m:t>
+                          </m:r>
+                        </m:sup>
+                        <m:e>
+                          <m:r>
+                            <a:rPr lang="zh-TW" altLang="en-US" i="1">
+                              <a:solidFill>
+                                <a:srgbClr val="000000"/>
+                              </a:solidFill>
+                              <a:latin typeface="Cambria Math" panose="02040503050406030204" pitchFamily="18" charset="0"/>
+                            </a:rPr>
+                            <m:t>(</m:t>
+                          </m:r>
+                          <m:sSub>
+                            <m:sSubPr>
+                              <m:ctrlPr>
+                                <a:rPr lang="zh-TW" altLang="en-US" i="1">
+                                  <a:solidFill>
+                                    <a:srgbClr val="000000"/>
+                                  </a:solidFill>
+                                  <a:latin typeface="Cambria Math" panose="02040503050406030204" pitchFamily="18" charset="0"/>
+                                </a:rPr>
+                              </m:ctrlPr>
+                            </m:sSubPr>
+                            <m:e>
+                              <m:r>
+                                <a:rPr lang="zh-TW" altLang="en-US" i="1">
+                                  <a:solidFill>
+                                    <a:srgbClr val="000000"/>
+                                  </a:solidFill>
+                                  <a:latin typeface="Cambria Math" panose="02040503050406030204" pitchFamily="18" charset="0"/>
+                                </a:rPr>
+                                <m:t>𝑥</m:t>
+                              </m:r>
+                            </m:e>
+                            <m:sub>
+                              <m:r>
+                                <a:rPr lang="zh-TW" altLang="en-US" i="1">
+                                  <a:solidFill>
+                                    <a:srgbClr val="000000"/>
+                                  </a:solidFill>
+                                  <a:latin typeface="Cambria Math" panose="02040503050406030204" pitchFamily="18" charset="0"/>
+                                </a:rPr>
+                                <m:t>𝑖</m:t>
+                              </m:r>
+                              <m:r>
+                                <a:rPr lang="zh-TW" altLang="en-US" i="1">
+                                  <a:solidFill>
+                                    <a:srgbClr val="000000"/>
+                                  </a:solidFill>
+                                  <a:latin typeface="Cambria Math" panose="02040503050406030204" pitchFamily="18" charset="0"/>
+                                </a:rPr>
+                                <m:t>1</m:t>
+                              </m:r>
+                            </m:sub>
+                          </m:sSub>
+                          <m:r>
+                            <a:rPr lang="zh-TW" altLang="en-US" i="1">
+                              <a:solidFill>
+                                <a:srgbClr val="000000"/>
+                              </a:solidFill>
+                              <a:latin typeface="Cambria Math" panose="02040503050406030204" pitchFamily="18" charset="0"/>
+                            </a:rPr>
+                            <m:t>−</m:t>
+                          </m:r>
+                          <m:sSub>
+                            <m:sSubPr>
+                              <m:ctrlPr>
+                                <a:rPr lang="zh-TW" altLang="en-US" i="1">
+                                  <a:solidFill>
+                                    <a:srgbClr val="000000"/>
+                                  </a:solidFill>
+                                  <a:latin typeface="Cambria Math" panose="02040503050406030204" pitchFamily="18" charset="0"/>
+                                </a:rPr>
+                              </m:ctrlPr>
+                            </m:sSubPr>
+                            <m:e>
+                              <m:acc>
+                                <m:accPr>
+                                  <m:chr m:val="̂"/>
+                                  <m:ctrlPr>
+                                    <a:rPr lang="zh-TW" altLang="en-US" i="1">
+                                      <a:solidFill>
+                                        <a:srgbClr val="000000"/>
+                                      </a:solidFill>
+                                      <a:latin typeface="Cambria Math" panose="02040503050406030204" pitchFamily="18" charset="0"/>
+                                    </a:rPr>
+                                  </m:ctrlPr>
+                                </m:accPr>
+                                <m:e>
+                                  <m:r>
+                                    <a:rPr lang="zh-TW" altLang="en-US" i="1">
+                                      <a:solidFill>
+                                        <a:srgbClr val="000000"/>
+                                      </a:solidFill>
+                                      <a:latin typeface="Cambria Math" panose="02040503050406030204" pitchFamily="18" charset="0"/>
+                                    </a:rPr>
+                                    <m:t>𝜇</m:t>
+                                  </m:r>
+                                </m:e>
+                              </m:acc>
+                            </m:e>
+                            <m:sub>
+                              <m:r>
+                                <a:rPr lang="zh-TW" altLang="en-US" i="1">
+                                  <a:solidFill>
+                                    <a:srgbClr val="000000"/>
+                                  </a:solidFill>
+                                  <a:latin typeface="Cambria Math" panose="02040503050406030204" pitchFamily="18" charset="0"/>
+                                </a:rPr>
+                                <m:t>1</m:t>
+                              </m:r>
+                            </m:sub>
+                          </m:sSub>
+                          <m:r>
+                            <a:rPr lang="zh-TW" altLang="en-US" i="1">
+                              <a:solidFill>
+                                <a:srgbClr val="000000"/>
+                              </a:solidFill>
+                              <a:latin typeface="Cambria Math" panose="02040503050406030204" pitchFamily="18" charset="0"/>
+                            </a:rPr>
+                            <m:t>)</m:t>
+                          </m:r>
+                        </m:e>
+                      </m:nary>
+                      <m:r>
+                        <a:rPr lang="zh-TW" altLang="en-US" i="1">
+                          <a:solidFill>
+                            <a:srgbClr val="000000"/>
+                          </a:solidFill>
+                          <a:latin typeface="Cambria Math" panose="02040503050406030204" pitchFamily="18" charset="0"/>
+                        </a:rPr>
+                        <m:t>(</m:t>
+                      </m:r>
+                      <m:sSub>
+                        <m:sSubPr>
+                          <m:ctrlPr>
+                            <a:rPr lang="zh-TW" altLang="en-US" i="1">
+                              <a:solidFill>
+                                <a:srgbClr val="000000"/>
+                              </a:solidFill>
+                              <a:latin typeface="Cambria Math" panose="02040503050406030204" pitchFamily="18" charset="0"/>
+                            </a:rPr>
+                          </m:ctrlPr>
+                        </m:sSubPr>
+                        <m:e>
+                          <m:r>
+                            <a:rPr lang="zh-TW" altLang="en-US" i="1">
+                              <a:solidFill>
+                                <a:srgbClr val="000000"/>
+                              </a:solidFill>
+                              <a:latin typeface="Cambria Math" panose="02040503050406030204" pitchFamily="18" charset="0"/>
+                            </a:rPr>
+                            <m:t>𝑥</m:t>
+                          </m:r>
+                        </m:e>
+                        <m:sub>
+                          <m:r>
+                            <a:rPr lang="zh-TW" altLang="en-US" i="1">
+                              <a:solidFill>
+                                <a:srgbClr val="000000"/>
+                              </a:solidFill>
+                              <a:latin typeface="Cambria Math" panose="02040503050406030204" pitchFamily="18" charset="0"/>
+                            </a:rPr>
+                            <m:t>𝑖</m:t>
+                          </m:r>
+                          <m:r>
+                            <a:rPr lang="zh-TW" altLang="en-US" i="1">
+                              <a:solidFill>
+                                <a:srgbClr val="000000"/>
+                              </a:solidFill>
+                              <a:latin typeface="Cambria Math" panose="02040503050406030204" pitchFamily="18" charset="0"/>
+                            </a:rPr>
+                            <m:t>2</m:t>
+                          </m:r>
+                        </m:sub>
+                      </m:sSub>
+                      <m:r>
+                        <a:rPr lang="zh-TW" altLang="en-US" i="1">
+                          <a:solidFill>
+                            <a:srgbClr val="000000"/>
+                          </a:solidFill>
+                          <a:latin typeface="Cambria Math" panose="02040503050406030204" pitchFamily="18" charset="0"/>
+                        </a:rPr>
+                        <m:t>−</m:t>
+                      </m:r>
+                      <m:sSub>
+                        <m:sSubPr>
+                          <m:ctrlPr>
+                            <a:rPr lang="zh-TW" altLang="en-US" i="1">
+                              <a:solidFill>
+                                <a:srgbClr val="000000"/>
+                              </a:solidFill>
+                              <a:latin typeface="Cambria Math" panose="02040503050406030204" pitchFamily="18" charset="0"/>
+                            </a:rPr>
+                          </m:ctrlPr>
+                        </m:sSubPr>
+                        <m:e>
+                          <m:acc>
+                            <m:accPr>
+                              <m:chr m:val="̂"/>
+                              <m:ctrlPr>
+                                <a:rPr lang="zh-TW" altLang="en-US" i="1">
+                                  <a:solidFill>
+                                    <a:srgbClr val="000000"/>
+                                  </a:solidFill>
+                                  <a:latin typeface="Cambria Math" panose="02040503050406030204" pitchFamily="18" charset="0"/>
+                                </a:rPr>
+                              </m:ctrlPr>
+                            </m:accPr>
+                            <m:e>
+                              <m:r>
+                                <a:rPr lang="zh-TW" altLang="en-US" i="1">
+                                  <a:solidFill>
+                                    <a:srgbClr val="000000"/>
+                                  </a:solidFill>
+                                  <a:latin typeface="Cambria Math" panose="02040503050406030204" pitchFamily="18" charset="0"/>
+                                </a:rPr>
+                                <m:t>𝜇</m:t>
+                              </m:r>
+                            </m:e>
+                          </m:acc>
+                        </m:e>
+                        <m:sub>
+                          <m:r>
+                            <a:rPr lang="zh-TW" altLang="en-US" i="1">
+                              <a:solidFill>
+                                <a:srgbClr val="000000"/>
+                              </a:solidFill>
+                              <a:latin typeface="Cambria Math" panose="02040503050406030204" pitchFamily="18" charset="0"/>
+                            </a:rPr>
+                            <m:t>2</m:t>
+                          </m:r>
+                        </m:sub>
+                      </m:sSub>
+                      <m:r>
+                        <a:rPr lang="zh-TW" altLang="en-US" i="1">
+                          <a:solidFill>
+                            <a:srgbClr val="000000"/>
+                          </a:solidFill>
+                          <a:latin typeface="Cambria Math" panose="02040503050406030204" pitchFamily="18" charset="0"/>
+                        </a:rPr>
+                        <m:t>)</m:t>
+                      </m:r>
+                    </m:oMath>
+                  </m:oMathPara>
+                </a14:m>
+                <a:endParaRPr lang="zh-TW" altLang="en-US" dirty="0"/>
+              </a:p>
+            </p:txBody>
+          </p:sp>
+        </mc:Choice>
+        <mc:Fallback>
+          <p:sp>
+            <p:nvSpPr>
+              <p:cNvPr id="11" name="Object 10"/>
+              <p:cNvSpPr txBox="1">
+                <a:spLocks noRot="1" noChangeAspect="1" noMove="1" noResize="1" noEditPoints="1" noAdjustHandles="1" noChangeArrowheads="1" noChangeShapeType="1" noTextEdit="1"/>
+              </p:cNvSpPr>
+              <p:nvPr/>
+            </p:nvSpPr>
+            <p:spPr>
+              <a:xfrm>
+                <a:off x="5845175" y="2465388"/>
+                <a:ext cx="3294063" cy="796925"/>
+              </a:xfrm>
+              <a:prstGeom prst="rect">
+                <a:avLst/>
+              </a:prstGeom>
+              <a:blipFill>
+                <a:blip r:embed="rId6"/>
+                <a:stretch>
+                  <a:fillRect/>
+                </a:stretch>
+              </a:blipFill>
+            </p:spPr>
+            <p:txBody>
+              <a:bodyPr/>
+              <a:lstStyle/>
+              <a:p>
+                <a:r>
+                  <a:rPr lang="zh-TW" altLang="en-US">
+                    <a:noFill/>
+                  </a:rPr>
+                  <a:t> </a:t>
+                </a:r>
+              </a:p>
+            </p:txBody>
+          </p:sp>
+        </mc:Fallback>
+      </mc:AlternateContent>
+      <mc:AlternateContent xmlns:mc="http://schemas.openxmlformats.org/markup-compatibility/2006">
+        <mc:Choice xmlns:a14="http://schemas.microsoft.com/office/drawing/2010/main" Requires="a14">
+          <p:sp>
+            <p:nvSpPr>
+              <p:cNvPr id="12" name="Object 11"/>
+              <p:cNvSpPr txBox="1"/>
+              <p:nvPr/>
+            </p:nvSpPr>
+            <p:spPr>
+              <a:xfrm>
+                <a:off x="1798638" y="3487738"/>
+                <a:ext cx="5954712" cy="641350"/>
+              </a:xfrm>
+              <a:prstGeom prst="rect">
+                <a:avLst/>
+              </a:prstGeom>
+            </p:spPr>
+            <p:txBody>
+              <a:bodyPr>
+                <a:normAutofit fontScale="70000" lnSpcReduction="20000"/>
+              </a:bodyPr>
+              <a:lstStyle/>
+              <a:p>
+                <a:pPr/>
+                <a14:m>
+                  <m:oMathPara xmlns:m="http://schemas.openxmlformats.org/officeDocument/2006/math">
+                    <m:oMathParaPr>
+                      <m:jc m:val="left"/>
+                    </m:oMathParaPr>
+                    <m:oMath xmlns:m="http://schemas.openxmlformats.org/officeDocument/2006/math">
+                      <m:sSub>
+                        <m:sSubPr>
+                          <m:ctrlPr>
+                            <a:rPr lang="zh-TW" altLang="en-US" i="1">
+                              <a:solidFill>
+                                <a:srgbClr val="000000"/>
+                              </a:solidFill>
+                              <a:latin typeface="Cambria Math" panose="02040503050406030204" pitchFamily="18" charset="0"/>
+                            </a:rPr>
+                          </m:ctrlPr>
+                        </m:sSubPr>
+                        <m:e>
+                          <m:acc>
+                            <m:accPr>
+                              <m:chr m:val="̂"/>
+                              <m:ctrlPr>
+                                <a:rPr lang="zh-TW" altLang="en-US" i="1">
+                                  <a:solidFill>
+                                    <a:srgbClr val="000000"/>
+                                  </a:solidFill>
+                                  <a:latin typeface="Cambria Math" panose="02040503050406030204" pitchFamily="18" charset="0"/>
+                                </a:rPr>
+                              </m:ctrlPr>
+                            </m:accPr>
+                            <m:e>
+                              <m:r>
+                                <a:rPr lang="zh-TW" altLang="en-US" i="1">
+                                  <a:solidFill>
+                                    <a:srgbClr val="000000"/>
+                                  </a:solidFill>
+                                  <a:latin typeface="Cambria Math" panose="02040503050406030204" pitchFamily="18" charset="0"/>
+                                </a:rPr>
+                                <m:t>𝜎</m:t>
+                              </m:r>
+                            </m:e>
+                          </m:acc>
+                        </m:e>
+                        <m:sub>
+                          <m:r>
+                            <a:rPr lang="zh-TW" altLang="en-US" i="1">
+                              <a:solidFill>
+                                <a:srgbClr val="000000"/>
+                              </a:solidFill>
+                              <a:latin typeface="Cambria Math" panose="02040503050406030204" pitchFamily="18" charset="0"/>
+                            </a:rPr>
+                            <m:t>11</m:t>
+                          </m:r>
+                        </m:sub>
+                      </m:sSub>
+                      <m:r>
+                        <a:rPr lang="zh-TW" altLang="en-US" i="1">
+                          <a:solidFill>
+                            <a:srgbClr val="000000"/>
+                          </a:solidFill>
+                          <a:latin typeface="Cambria Math" panose="02040503050406030204" pitchFamily="18" charset="0"/>
+                        </a:rPr>
+                        <m:t>=</m:t>
+                      </m:r>
+                      <m:f>
+                        <m:fPr>
+                          <m:ctrlPr>
+                            <a:rPr lang="zh-TW" altLang="en-US" i="1">
+                              <a:solidFill>
+                                <a:srgbClr val="000000"/>
+                              </a:solidFill>
+                              <a:latin typeface="Cambria Math" panose="02040503050406030204" pitchFamily="18" charset="0"/>
+                            </a:rPr>
+                          </m:ctrlPr>
+                        </m:fPr>
+                        <m:num>
+                          <m:r>
+                            <a:rPr lang="zh-TW" altLang="en-US" i="1">
+                              <a:solidFill>
+                                <a:srgbClr val="000000"/>
+                              </a:solidFill>
+                              <a:latin typeface="Cambria Math" panose="02040503050406030204" pitchFamily="18" charset="0"/>
+                            </a:rPr>
+                            <m:t>1</m:t>
+                          </m:r>
+                        </m:num>
+                        <m:den>
+                          <m:r>
+                            <a:rPr lang="zh-TW" altLang="en-US" i="1">
+                              <a:solidFill>
+                                <a:srgbClr val="000000"/>
+                              </a:solidFill>
+                              <a:latin typeface="Cambria Math" panose="02040503050406030204" pitchFamily="18" charset="0"/>
+                            </a:rPr>
+                            <m:t>𝑛</m:t>
+                          </m:r>
+                        </m:den>
+                      </m:f>
+                      <m:nary>
+                        <m:naryPr>
+                          <m:chr m:val="∑"/>
+                          <m:ctrlPr>
+                            <a:rPr lang="zh-TW" altLang="en-US" i="1">
+                              <a:solidFill>
+                                <a:srgbClr val="000000"/>
+                              </a:solidFill>
+                              <a:latin typeface="Cambria Math" panose="02040503050406030204" pitchFamily="18" charset="0"/>
+                            </a:rPr>
+                          </m:ctrlPr>
+                        </m:naryPr>
+                        <m:sub>
+                          <m:r>
+                            <a:rPr lang="zh-TW" altLang="en-US" i="1">
+                              <a:solidFill>
+                                <a:srgbClr val="000000"/>
+                              </a:solidFill>
+                              <a:latin typeface="Cambria Math" panose="02040503050406030204" pitchFamily="18" charset="0"/>
+                            </a:rPr>
+                            <m:t>𝑖</m:t>
+                          </m:r>
+                          <m:r>
+                            <a:rPr lang="zh-TW" altLang="en-US" i="1">
+                              <a:solidFill>
+                                <a:srgbClr val="000000"/>
+                              </a:solidFill>
+                              <a:latin typeface="Cambria Math" panose="02040503050406030204" pitchFamily="18" charset="0"/>
+                            </a:rPr>
+                            <m:t>=1</m:t>
+                          </m:r>
+                        </m:sub>
+                        <m:sup>
+                          <m:r>
+                            <a:rPr lang="zh-TW" altLang="en-US" i="1">
+                              <a:solidFill>
+                                <a:srgbClr val="000000"/>
+                              </a:solidFill>
+                              <a:latin typeface="Cambria Math" panose="02040503050406030204" pitchFamily="18" charset="0"/>
+                            </a:rPr>
+                            <m:t>𝑛</m:t>
+                          </m:r>
+                        </m:sup>
+                        <m:e>
+                          <m:r>
+                            <a:rPr lang="zh-TW" altLang="en-US" i="1">
+                              <a:solidFill>
+                                <a:srgbClr val="000000"/>
+                              </a:solidFill>
+                              <a:latin typeface="Cambria Math" panose="02040503050406030204" pitchFamily="18" charset="0"/>
+                            </a:rPr>
+                            <m:t>(</m:t>
+                          </m:r>
+                          <m:sSub>
+                            <m:sSubPr>
+                              <m:ctrlPr>
+                                <a:rPr lang="zh-TW" altLang="en-US" i="1">
+                                  <a:solidFill>
+                                    <a:srgbClr val="000000"/>
+                                  </a:solidFill>
+                                  <a:latin typeface="Cambria Math" panose="02040503050406030204" pitchFamily="18" charset="0"/>
+                                </a:rPr>
+                              </m:ctrlPr>
+                            </m:sSubPr>
+                            <m:e>
+                              <m:r>
+                                <a:rPr lang="zh-TW" altLang="en-US" i="1">
+                                  <a:solidFill>
+                                    <a:srgbClr val="000000"/>
+                                  </a:solidFill>
+                                  <a:latin typeface="Cambria Math" panose="02040503050406030204" pitchFamily="18" charset="0"/>
+                                </a:rPr>
+                                <m:t>𝑥</m:t>
+                              </m:r>
+                            </m:e>
+                            <m:sub>
+                              <m:r>
+                                <a:rPr lang="zh-TW" altLang="en-US" i="1">
+                                  <a:solidFill>
+                                    <a:srgbClr val="000000"/>
+                                  </a:solidFill>
+                                  <a:latin typeface="Cambria Math" panose="02040503050406030204" pitchFamily="18" charset="0"/>
+                                </a:rPr>
+                                <m:t>𝑖</m:t>
+                              </m:r>
+                              <m:r>
+                                <a:rPr lang="zh-TW" altLang="en-US" i="1">
+                                  <a:solidFill>
+                                    <a:srgbClr val="000000"/>
+                                  </a:solidFill>
+                                  <a:latin typeface="Cambria Math" panose="02040503050406030204" pitchFamily="18" charset="0"/>
+                                </a:rPr>
+                                <m:t>1</m:t>
+                              </m:r>
+                            </m:sub>
+                          </m:sSub>
+                          <m:r>
+                            <a:rPr lang="zh-TW" altLang="en-US" i="1">
+                              <a:solidFill>
+                                <a:srgbClr val="000000"/>
+                              </a:solidFill>
+                              <a:latin typeface="Cambria Math" panose="02040503050406030204" pitchFamily="18" charset="0"/>
+                            </a:rPr>
+                            <m:t>−</m:t>
+                          </m:r>
+                          <m:sSub>
+                            <m:sSubPr>
+                              <m:ctrlPr>
+                                <a:rPr lang="zh-TW" altLang="en-US" i="1">
+                                  <a:solidFill>
+                                    <a:srgbClr val="000000"/>
+                                  </a:solidFill>
+                                  <a:latin typeface="Cambria Math" panose="02040503050406030204" pitchFamily="18" charset="0"/>
+                                </a:rPr>
+                              </m:ctrlPr>
+                            </m:sSubPr>
+                            <m:e>
+                              <m:acc>
+                                <m:accPr>
+                                  <m:chr m:val="̂"/>
+                                  <m:ctrlPr>
+                                    <a:rPr lang="zh-TW" altLang="en-US" i="1">
+                                      <a:solidFill>
+                                        <a:srgbClr val="000000"/>
+                                      </a:solidFill>
+                                      <a:latin typeface="Cambria Math" panose="02040503050406030204" pitchFamily="18" charset="0"/>
+                                    </a:rPr>
+                                  </m:ctrlPr>
+                                </m:accPr>
+                                <m:e>
+                                  <m:r>
+                                    <a:rPr lang="zh-TW" altLang="en-US" i="1">
+                                      <a:solidFill>
+                                        <a:srgbClr val="000000"/>
+                                      </a:solidFill>
+                                      <a:latin typeface="Cambria Math" panose="02040503050406030204" pitchFamily="18" charset="0"/>
+                                    </a:rPr>
+                                    <m:t>𝜇</m:t>
+                                  </m:r>
+                                </m:e>
+                              </m:acc>
+                            </m:e>
+                            <m:sub>
+                              <m:r>
+                                <a:rPr lang="zh-TW" altLang="en-US" i="1">
+                                  <a:solidFill>
+                                    <a:srgbClr val="000000"/>
+                                  </a:solidFill>
+                                  <a:latin typeface="Cambria Math" panose="02040503050406030204" pitchFamily="18" charset="0"/>
+                                </a:rPr>
+                                <m:t>1</m:t>
+                              </m:r>
+                            </m:sub>
+                          </m:sSub>
+                          <m:r>
+                            <a:rPr lang="zh-TW" altLang="en-US" i="1">
+                              <a:solidFill>
+                                <a:srgbClr val="000000"/>
+                              </a:solidFill>
+                              <a:latin typeface="Cambria Math" panose="02040503050406030204" pitchFamily="18" charset="0"/>
+                            </a:rPr>
+                            <m:t>)</m:t>
+                          </m:r>
+                        </m:e>
+                      </m:nary>
+                      <m:r>
+                        <a:rPr lang="zh-TW" altLang="en-US" i="1">
+                          <a:solidFill>
+                            <a:srgbClr val="000000"/>
+                          </a:solidFill>
+                          <a:latin typeface="Cambria Math" panose="02040503050406030204" pitchFamily="18" charset="0"/>
+                        </a:rPr>
+                        <m:t>(</m:t>
+                      </m:r>
+                      <m:sSub>
+                        <m:sSubPr>
+                          <m:ctrlPr>
+                            <a:rPr lang="zh-TW" altLang="en-US" i="1">
+                              <a:solidFill>
+                                <a:srgbClr val="000000"/>
+                              </a:solidFill>
+                              <a:latin typeface="Cambria Math" panose="02040503050406030204" pitchFamily="18" charset="0"/>
+                            </a:rPr>
+                          </m:ctrlPr>
+                        </m:sSubPr>
+                        <m:e>
+                          <m:r>
+                            <a:rPr lang="zh-TW" altLang="en-US" i="1">
+                              <a:solidFill>
+                                <a:srgbClr val="000000"/>
+                              </a:solidFill>
+                              <a:latin typeface="Cambria Math" panose="02040503050406030204" pitchFamily="18" charset="0"/>
+                            </a:rPr>
+                            <m:t>𝑥</m:t>
+                          </m:r>
+                        </m:e>
+                        <m:sub>
+                          <m:r>
+                            <a:rPr lang="zh-TW" altLang="en-US" i="1">
+                              <a:solidFill>
+                                <a:srgbClr val="000000"/>
+                              </a:solidFill>
+                              <a:latin typeface="Cambria Math" panose="02040503050406030204" pitchFamily="18" charset="0"/>
+                            </a:rPr>
+                            <m:t>𝑖</m:t>
+                          </m:r>
+                          <m:r>
+                            <a:rPr lang="zh-TW" altLang="en-US" i="1">
+                              <a:solidFill>
+                                <a:srgbClr val="000000"/>
+                              </a:solidFill>
+                              <a:latin typeface="Cambria Math" panose="02040503050406030204" pitchFamily="18" charset="0"/>
+                            </a:rPr>
+                            <m:t>1</m:t>
+                          </m:r>
+                        </m:sub>
+                      </m:sSub>
+                      <m:r>
+                        <a:rPr lang="zh-TW" altLang="en-US" i="1">
+                          <a:solidFill>
+                            <a:srgbClr val="000000"/>
+                          </a:solidFill>
+                          <a:latin typeface="Cambria Math" panose="02040503050406030204" pitchFamily="18" charset="0"/>
+                        </a:rPr>
+                        <m:t>−</m:t>
+                      </m:r>
+                      <m:sSub>
+                        <m:sSubPr>
+                          <m:ctrlPr>
+                            <a:rPr lang="zh-TW" altLang="en-US" i="1">
+                              <a:solidFill>
+                                <a:srgbClr val="000000"/>
+                              </a:solidFill>
+                              <a:latin typeface="Cambria Math" panose="02040503050406030204" pitchFamily="18" charset="0"/>
+                            </a:rPr>
+                          </m:ctrlPr>
+                        </m:sSubPr>
+                        <m:e>
+                          <m:acc>
+                            <m:accPr>
+                              <m:chr m:val="̂"/>
+                              <m:ctrlPr>
+                                <a:rPr lang="zh-TW" altLang="en-US" i="1">
+                                  <a:solidFill>
+                                    <a:srgbClr val="000000"/>
+                                  </a:solidFill>
+                                  <a:latin typeface="Cambria Math" panose="02040503050406030204" pitchFamily="18" charset="0"/>
+                                </a:rPr>
+                              </m:ctrlPr>
+                            </m:accPr>
+                            <m:e>
+                              <m:r>
+                                <a:rPr lang="zh-TW" altLang="en-US" i="1">
+                                  <a:solidFill>
+                                    <a:srgbClr val="000000"/>
+                                  </a:solidFill>
+                                  <a:latin typeface="Cambria Math" panose="02040503050406030204" pitchFamily="18" charset="0"/>
+                                </a:rPr>
+                                <m:t>𝜇</m:t>
+                              </m:r>
+                            </m:e>
+                          </m:acc>
+                        </m:e>
+                        <m:sub>
+                          <m:r>
+                            <a:rPr lang="zh-TW" altLang="en-US" i="1">
+                              <a:solidFill>
+                                <a:srgbClr val="000000"/>
+                              </a:solidFill>
+                              <a:latin typeface="Cambria Math" panose="02040503050406030204" pitchFamily="18" charset="0"/>
+                            </a:rPr>
+                            <m:t>1</m:t>
+                          </m:r>
+                        </m:sub>
+                      </m:sSub>
+                      <m:r>
+                        <a:rPr lang="zh-TW" altLang="en-US" i="1">
+                          <a:solidFill>
+                            <a:srgbClr val="000000"/>
+                          </a:solidFill>
+                          <a:latin typeface="Cambria Math" panose="02040503050406030204" pitchFamily="18" charset="0"/>
+                        </a:rPr>
+                        <m:t>)=</m:t>
+                      </m:r>
+                      <m:f>
+                        <m:fPr>
+                          <m:ctrlPr>
+                            <a:rPr lang="zh-TW" altLang="en-US" i="1">
+                              <a:solidFill>
+                                <a:srgbClr val="000000"/>
+                              </a:solidFill>
+                              <a:latin typeface="Cambria Math" panose="02040503050406030204" pitchFamily="18" charset="0"/>
+                            </a:rPr>
+                          </m:ctrlPr>
+                        </m:fPr>
+                        <m:num>
+                          <m:r>
+                            <a:rPr lang="zh-TW" altLang="en-US" i="1">
+                              <a:solidFill>
+                                <a:srgbClr val="000000"/>
+                              </a:solidFill>
+                              <a:latin typeface="Cambria Math" panose="02040503050406030204" pitchFamily="18" charset="0"/>
+                            </a:rPr>
+                            <m:t>1</m:t>
+                          </m:r>
+                        </m:num>
+                        <m:den>
+                          <m:r>
+                            <a:rPr lang="zh-TW" altLang="en-US" i="1">
+                              <a:solidFill>
+                                <a:srgbClr val="000000"/>
+                              </a:solidFill>
+                              <a:latin typeface="Cambria Math" panose="02040503050406030204" pitchFamily="18" charset="0"/>
+                            </a:rPr>
+                            <m:t>𝑛</m:t>
+                          </m:r>
+                        </m:den>
+                      </m:f>
+                      <m:nary>
+                        <m:naryPr>
+                          <m:chr m:val="∑"/>
+                          <m:ctrlPr>
+                            <a:rPr lang="zh-TW" altLang="en-US" i="1">
+                              <a:solidFill>
+                                <a:srgbClr val="000000"/>
+                              </a:solidFill>
+                              <a:latin typeface="Cambria Math" panose="02040503050406030204" pitchFamily="18" charset="0"/>
+                            </a:rPr>
+                          </m:ctrlPr>
+                        </m:naryPr>
+                        <m:sub>
+                          <m:r>
+                            <a:rPr lang="zh-TW" altLang="en-US" i="1">
+                              <a:solidFill>
+                                <a:srgbClr val="000000"/>
+                              </a:solidFill>
+                              <a:latin typeface="Cambria Math" panose="02040503050406030204" pitchFamily="18" charset="0"/>
+                            </a:rPr>
+                            <m:t>𝑖</m:t>
+                          </m:r>
+                          <m:r>
+                            <a:rPr lang="zh-TW" altLang="en-US" i="1">
+                              <a:solidFill>
+                                <a:srgbClr val="000000"/>
+                              </a:solidFill>
+                              <a:latin typeface="Cambria Math" panose="02040503050406030204" pitchFamily="18" charset="0"/>
+                            </a:rPr>
+                            <m:t>=1</m:t>
+                          </m:r>
+                        </m:sub>
+                        <m:sup>
+                          <m:r>
+                            <a:rPr lang="zh-TW" altLang="en-US" i="1">
+                              <a:solidFill>
+                                <a:srgbClr val="000000"/>
+                              </a:solidFill>
+                              <a:latin typeface="Cambria Math" panose="02040503050406030204" pitchFamily="18" charset="0"/>
+                            </a:rPr>
+                            <m:t>𝑛</m:t>
+                          </m:r>
+                        </m:sup>
+                        <m:e>
+                          <m:r>
+                            <a:rPr lang="zh-TW" altLang="en-US" i="1">
+                              <a:solidFill>
+                                <a:srgbClr val="000000"/>
+                              </a:solidFill>
+                              <a:latin typeface="Cambria Math" panose="02040503050406030204" pitchFamily="18" charset="0"/>
+                            </a:rPr>
+                            <m:t>(</m:t>
+                          </m:r>
+                          <m:sSub>
+                            <m:sSubPr>
+                              <m:ctrlPr>
+                                <a:rPr lang="zh-TW" altLang="en-US" i="1">
+                                  <a:solidFill>
+                                    <a:srgbClr val="000000"/>
+                                  </a:solidFill>
+                                  <a:latin typeface="Cambria Math" panose="02040503050406030204" pitchFamily="18" charset="0"/>
+                                </a:rPr>
+                              </m:ctrlPr>
+                            </m:sSubPr>
+                            <m:e>
+                              <m:r>
+                                <a:rPr lang="zh-TW" altLang="en-US" i="1">
+                                  <a:solidFill>
+                                    <a:srgbClr val="000000"/>
+                                  </a:solidFill>
+                                  <a:latin typeface="Cambria Math" panose="02040503050406030204" pitchFamily="18" charset="0"/>
+                                </a:rPr>
+                                <m:t>𝑥</m:t>
+                              </m:r>
+                            </m:e>
+                            <m:sub>
+                              <m:r>
+                                <a:rPr lang="zh-TW" altLang="en-US" i="1">
+                                  <a:solidFill>
+                                    <a:srgbClr val="000000"/>
+                                  </a:solidFill>
+                                  <a:latin typeface="Cambria Math" panose="02040503050406030204" pitchFamily="18" charset="0"/>
+                                </a:rPr>
+                                <m:t>𝑖</m:t>
+                              </m:r>
+                              <m:r>
+                                <a:rPr lang="zh-TW" altLang="en-US" i="1">
+                                  <a:solidFill>
+                                    <a:srgbClr val="000000"/>
+                                  </a:solidFill>
+                                  <a:latin typeface="Cambria Math" panose="02040503050406030204" pitchFamily="18" charset="0"/>
+                                </a:rPr>
+                                <m:t>1</m:t>
+                              </m:r>
+                            </m:sub>
+                          </m:sSub>
+                          <m:r>
+                            <a:rPr lang="zh-TW" altLang="en-US" i="1">
+                              <a:solidFill>
+                                <a:srgbClr val="000000"/>
+                              </a:solidFill>
+                              <a:latin typeface="Cambria Math" panose="02040503050406030204" pitchFamily="18" charset="0"/>
+                            </a:rPr>
+                            <m:t>−</m:t>
+                          </m:r>
+                          <m:sSub>
+                            <m:sSubPr>
+                              <m:ctrlPr>
+                                <a:rPr lang="zh-TW" altLang="en-US" i="1">
+                                  <a:solidFill>
+                                    <a:srgbClr val="000000"/>
+                                  </a:solidFill>
+                                  <a:latin typeface="Cambria Math" panose="02040503050406030204" pitchFamily="18" charset="0"/>
+                                </a:rPr>
+                              </m:ctrlPr>
+                            </m:sSubPr>
+                            <m:e>
+                              <m:acc>
+                                <m:accPr>
+                                  <m:chr m:val="̂"/>
+                                  <m:ctrlPr>
+                                    <a:rPr lang="zh-TW" altLang="en-US" i="1">
+                                      <a:solidFill>
+                                        <a:srgbClr val="000000"/>
+                                      </a:solidFill>
+                                      <a:latin typeface="Cambria Math" panose="02040503050406030204" pitchFamily="18" charset="0"/>
+                                    </a:rPr>
+                                  </m:ctrlPr>
+                                </m:accPr>
+                                <m:e>
+                                  <m:r>
+                                    <a:rPr lang="zh-TW" altLang="en-US" i="1">
+                                      <a:solidFill>
+                                        <a:srgbClr val="000000"/>
+                                      </a:solidFill>
+                                      <a:latin typeface="Cambria Math" panose="02040503050406030204" pitchFamily="18" charset="0"/>
+                                    </a:rPr>
+                                    <m:t>𝜇</m:t>
+                                  </m:r>
+                                </m:e>
+                              </m:acc>
+                            </m:e>
+                            <m:sub>
+                              <m:r>
+                                <a:rPr lang="zh-TW" altLang="en-US" i="1">
+                                  <a:solidFill>
+                                    <a:srgbClr val="000000"/>
+                                  </a:solidFill>
+                                  <a:latin typeface="Cambria Math" panose="02040503050406030204" pitchFamily="18" charset="0"/>
+                                </a:rPr>
+                                <m:t>1</m:t>
+                              </m:r>
+                            </m:sub>
+                          </m:sSub>
+                          <m:sSup>
+                            <m:sSupPr>
+                              <m:ctrlPr>
+                                <a:rPr lang="zh-TW" altLang="en-US" i="1">
+                                  <a:solidFill>
+                                    <a:srgbClr val="000000"/>
+                                  </a:solidFill>
+                                  <a:latin typeface="Cambria Math" panose="02040503050406030204" pitchFamily="18" charset="0"/>
+                                </a:rPr>
+                              </m:ctrlPr>
+                            </m:sSupPr>
+                            <m:e>
+                              <m:r>
+                                <a:rPr lang="zh-TW" altLang="en-US" i="1">
+                                  <a:solidFill>
+                                    <a:srgbClr val="000000"/>
+                                  </a:solidFill>
+                                  <a:latin typeface="Cambria Math" panose="02040503050406030204" pitchFamily="18" charset="0"/>
+                                </a:rPr>
+                                <m:t>)</m:t>
+                              </m:r>
+                            </m:e>
+                            <m:sup>
+                              <m:r>
+                                <a:rPr lang="zh-TW" altLang="en-US" i="1">
+                                  <a:solidFill>
+                                    <a:srgbClr val="000000"/>
+                                  </a:solidFill>
+                                  <a:latin typeface="Cambria Math" panose="02040503050406030204" pitchFamily="18" charset="0"/>
+                                </a:rPr>
+                                <m:t>2</m:t>
+                              </m:r>
+                            </m:sup>
+                          </m:sSup>
+                        </m:e>
+                      </m:nary>
+                      <m:r>
+                        <a:rPr lang="zh-TW" altLang="en-US" i="1">
+                          <a:solidFill>
+                            <a:srgbClr val="000000"/>
+                          </a:solidFill>
+                          <a:latin typeface="Cambria Math" panose="02040503050406030204" pitchFamily="18" charset="0"/>
+                        </a:rPr>
+                        <m:t>=</m:t>
+                      </m:r>
+                      <m:sSup>
+                        <m:sSupPr>
+                          <m:ctrlPr>
+                            <a:rPr lang="zh-TW" altLang="en-US" i="1">
+                              <a:solidFill>
+                                <a:srgbClr val="000000"/>
+                              </a:solidFill>
+                              <a:latin typeface="Cambria Math" panose="02040503050406030204" pitchFamily="18" charset="0"/>
+                            </a:rPr>
+                          </m:ctrlPr>
+                        </m:sSupPr>
+                        <m:e>
+                          <m:sSub>
+                            <m:sSubPr>
+                              <m:ctrlPr>
+                                <a:rPr lang="zh-TW" altLang="en-US" i="1">
+                                  <a:solidFill>
+                                    <a:srgbClr val="000000"/>
+                                  </a:solidFill>
+                                  <a:latin typeface="Cambria Math" panose="02040503050406030204" pitchFamily="18" charset="0"/>
+                                </a:rPr>
+                              </m:ctrlPr>
+                            </m:sSubPr>
+                            <m:e>
+                              <m:acc>
+                                <m:accPr>
+                                  <m:chr m:val="̂"/>
+                                  <m:ctrlPr>
+                                    <a:rPr lang="zh-TW" altLang="en-US" i="1">
+                                      <a:solidFill>
+                                        <a:srgbClr val="000000"/>
+                                      </a:solidFill>
+                                      <a:latin typeface="Cambria Math" panose="02040503050406030204" pitchFamily="18" charset="0"/>
+                                    </a:rPr>
+                                  </m:ctrlPr>
+                                </m:accPr>
+                                <m:e>
+                                  <m:r>
+                                    <a:rPr lang="zh-TW" altLang="en-US" i="1">
+                                      <a:solidFill>
+                                        <a:srgbClr val="000000"/>
+                                      </a:solidFill>
+                                      <a:latin typeface="Cambria Math" panose="02040503050406030204" pitchFamily="18" charset="0"/>
+                                    </a:rPr>
+                                    <m:t>𝜎</m:t>
+                                  </m:r>
+                                </m:e>
+                              </m:acc>
+                            </m:e>
+                            <m:sub>
+                              <m:r>
+                                <a:rPr lang="zh-TW" altLang="en-US" i="1">
+                                  <a:solidFill>
+                                    <a:srgbClr val="000000"/>
+                                  </a:solidFill>
+                                  <a:latin typeface="Cambria Math" panose="02040503050406030204" pitchFamily="18" charset="0"/>
+                                </a:rPr>
+                                <m:t>1</m:t>
+                              </m:r>
+                            </m:sub>
+                          </m:sSub>
+                        </m:e>
+                        <m:sup>
+                          <m:r>
+                            <a:rPr lang="zh-TW" altLang="en-US" i="1">
+                              <a:solidFill>
+                                <a:srgbClr val="000000"/>
+                              </a:solidFill>
+                              <a:latin typeface="Cambria Math" panose="02040503050406030204" pitchFamily="18" charset="0"/>
+                            </a:rPr>
+                            <m:t>2</m:t>
+                          </m:r>
+                        </m:sup>
+                      </m:sSup>
+                    </m:oMath>
+                  </m:oMathPara>
+                </a14:m>
+                <a:endParaRPr lang="zh-TW" altLang="en-US" dirty="0"/>
+              </a:p>
+            </p:txBody>
+          </p:sp>
+        </mc:Choice>
+        <mc:Fallback>
+          <p:sp>
+            <p:nvSpPr>
+              <p:cNvPr id="12" name="Object 11"/>
+              <p:cNvSpPr txBox="1">
+                <a:spLocks noRot="1" noChangeAspect="1" noMove="1" noResize="1" noEditPoints="1" noAdjustHandles="1" noChangeArrowheads="1" noChangeShapeType="1" noTextEdit="1"/>
+              </p:cNvSpPr>
+              <p:nvPr/>
+            </p:nvSpPr>
+            <p:spPr>
+              <a:xfrm>
+                <a:off x="1798638" y="3487738"/>
+                <a:ext cx="5954712" cy="641350"/>
+              </a:xfrm>
+              <a:prstGeom prst="rect">
+                <a:avLst/>
+              </a:prstGeom>
+              <a:blipFill>
+                <a:blip r:embed="rId7"/>
+                <a:stretch>
+                  <a:fillRect/>
+                </a:stretch>
+              </a:blipFill>
+            </p:spPr>
+            <p:txBody>
+              <a:bodyPr/>
+              <a:lstStyle/>
+              <a:p>
+                <a:r>
+                  <a:rPr lang="zh-TW" altLang="en-US">
+                    <a:noFill/>
+                  </a:rPr>
+                  <a:t> </a:t>
+                </a:r>
+              </a:p>
+            </p:txBody>
+          </p:sp>
+        </mc:Fallback>
+      </mc:AlternateContent>
     </p:spTree>
     <p:extLst>
       <p:ext uri="{BB962C8B-B14F-4D97-AF65-F5344CB8AC3E}">
@@ -19509,7 +20888,7 @@
           <a:graphicData uri="http://schemas.openxmlformats.org/presentationml/2006/ole">
             <mc:AlternateContent xmlns:mc="http://schemas.openxmlformats.org/markup-compatibility/2006">
               <mc:Choice xmlns:v="urn:schemas-microsoft-com:vml" Requires="v">
-                <p:oleObj spid="_x0000_s45121" name="Equation" r:id="rId4" imgW="4381200" imgH="228600" progId="Equation.DSMT4">
+                <p:oleObj spid="_x0000_s45125" name="Equation" r:id="rId4" imgW="4381200" imgH="228600" progId="Equation.DSMT4">
                   <p:embed/>
                 </p:oleObj>
               </mc:Choice>
@@ -19560,7 +20939,7 @@
           <a:graphicData uri="http://schemas.openxmlformats.org/presentationml/2006/ole">
             <mc:AlternateContent xmlns:mc="http://schemas.openxmlformats.org/markup-compatibility/2006">
               <mc:Choice xmlns:v="urn:schemas-microsoft-com:vml" Requires="v">
-                <p:oleObj spid="_x0000_s45122" name="Equation" r:id="rId6" imgW="1803240" imgH="228600" progId="Equation.DSMT4">
+                <p:oleObj spid="_x0000_s45126" name="Equation" r:id="rId6" imgW="1803240" imgH="228600" progId="Equation.DSMT4">
                   <p:embed/>
                 </p:oleObj>
               </mc:Choice>
@@ -20346,7 +21725,7 @@
           <a:graphicData uri="http://schemas.openxmlformats.org/presentationml/2006/ole">
             <mc:AlternateContent xmlns:mc="http://schemas.openxmlformats.org/markup-compatibility/2006">
               <mc:Choice xmlns:v="urn:schemas-microsoft-com:vml" Requires="v">
-                <p:oleObj spid="_x0000_s46145" name="Equation" r:id="rId4" imgW="1384200" imgH="469800" progId="Equation.DSMT4">
+                <p:oleObj spid="_x0000_s46149" name="Equation" r:id="rId4" imgW="1384200" imgH="469800" progId="Equation.DSMT4">
                   <p:embed/>
                 </p:oleObj>
               </mc:Choice>
@@ -20381,57 +21760,1009 @@
           </a:graphicData>
         </a:graphic>
       </p:graphicFrame>
-      <p:graphicFrame>
-        <p:nvGraphicFramePr>
-          <p:cNvPr id="8" name="Object 7"/>
-          <p:cNvGraphicFramePr>
-            <a:graphicFrameLocks noChangeAspect="1"/>
-          </p:cNvGraphicFramePr>
-          <p:nvPr/>
-        </p:nvGraphicFramePr>
-        <p:xfrm>
-          <a:off x="7017725" y="2337510"/>
-          <a:ext cx="4453838" cy="1140738"/>
-        </p:xfrm>
-        <a:graphic>
-          <a:graphicData uri="http://schemas.openxmlformats.org/presentationml/2006/ole">
-            <mc:AlternateContent xmlns:mc="http://schemas.openxmlformats.org/markup-compatibility/2006">
-              <mc:Choice xmlns:v="urn:schemas-microsoft-com:vml" Requires="v">
-                <p:oleObj spid="_x0000_s46146" name="Equation" r:id="rId6" imgW="2577960" imgH="876240" progId="Equation.DSMT4">
-                  <p:embed/>
-                </p:oleObj>
-              </mc:Choice>
-              <mc:Fallback>
-                <p:oleObj name="Equation" r:id="rId6" imgW="2577960" imgH="876240" progId="Equation.DSMT4">
-                  <p:embed/>
-                  <p:pic>
-                    <p:nvPicPr>
-                      <p:cNvPr id="0" name=""/>
-                      <p:cNvPicPr/>
-                      <p:nvPr/>
-                    </p:nvPicPr>
-                    <p:blipFill>
-                      <a:blip r:embed="rId7"/>
-                      <a:stretch>
-                        <a:fillRect/>
-                      </a:stretch>
-                    </p:blipFill>
-                    <p:spPr>
-                      <a:xfrm>
-                        <a:off x="7017725" y="2337510"/>
-                        <a:ext cx="4453838" cy="1140738"/>
-                      </a:xfrm>
-                      <a:prstGeom prst="rect">
-                        <a:avLst/>
-                      </a:prstGeom>
-                    </p:spPr>
-                  </p:pic>
-                </p:oleObj>
-              </mc:Fallback>
-            </mc:AlternateContent>
-          </a:graphicData>
-        </a:graphic>
-      </p:graphicFrame>
+      <mc:AlternateContent xmlns:mc="http://schemas.openxmlformats.org/markup-compatibility/2006">
+        <mc:Choice xmlns:a14="http://schemas.microsoft.com/office/drawing/2010/main" Requires="a14">
+          <p:sp>
+            <p:nvSpPr>
+              <p:cNvPr id="8" name="Object 7"/>
+              <p:cNvSpPr txBox="1"/>
+              <p:nvPr/>
+            </p:nvSpPr>
+            <p:spPr>
+              <a:xfrm>
+                <a:off x="7018338" y="2336800"/>
+                <a:ext cx="4452937" cy="1141413"/>
+              </a:xfrm>
+              <a:prstGeom prst="rect">
+                <a:avLst/>
+              </a:prstGeom>
+            </p:spPr>
+            <p:txBody>
+              <a:bodyPr>
+                <a:normAutofit fontScale="85000" lnSpcReduction="10000"/>
+              </a:bodyPr>
+              <a:lstStyle/>
+              <a:p>
+                <a:pPr/>
+                <a14:m>
+                  <m:oMathPara xmlns:m="http://schemas.openxmlformats.org/officeDocument/2006/math">
+                    <m:oMathParaPr>
+                      <m:jc m:val="left"/>
+                    </m:oMathParaPr>
+                    <m:oMath xmlns:m="http://schemas.openxmlformats.org/officeDocument/2006/math">
+                      <m:sSub>
+                        <m:sSubPr>
+                          <m:ctrlPr>
+                            <a:rPr lang="zh-TW" altLang="en-US" i="1">
+                              <a:solidFill>
+                                <a:srgbClr val="000000"/>
+                              </a:solidFill>
+                              <a:latin typeface="Cambria Math" panose="02040503050406030204" pitchFamily="18" charset="0"/>
+                            </a:rPr>
+                          </m:ctrlPr>
+                        </m:sSubPr>
+                        <m:e>
+                          <m:acc>
+                            <m:accPr>
+                              <m:chr m:val="̂"/>
+                              <m:ctrlPr>
+                                <a:rPr lang="zh-TW" altLang="en-US" i="1">
+                                  <a:solidFill>
+                                    <a:srgbClr val="000000"/>
+                                  </a:solidFill>
+                                  <a:latin typeface="Cambria Math" panose="02040503050406030204" pitchFamily="18" charset="0"/>
+                                </a:rPr>
+                              </m:ctrlPr>
+                            </m:accPr>
+                            <m:e>
+                              <m:r>
+                                <a:rPr lang="zh-TW" altLang="en-US" i="1">
+                                  <a:solidFill>
+                                    <a:srgbClr val="000000"/>
+                                  </a:solidFill>
+                                  <a:latin typeface="Cambria Math" panose="02040503050406030204" pitchFamily="18" charset="0"/>
+                                </a:rPr>
+                                <m:t>𝜌</m:t>
+                              </m:r>
+                            </m:e>
+                          </m:acc>
+                        </m:e>
+                        <m:sub>
+                          <m:r>
+                            <a:rPr lang="zh-TW" altLang="en-US" i="1">
+                              <a:solidFill>
+                                <a:srgbClr val="000000"/>
+                              </a:solidFill>
+                              <a:latin typeface="Cambria Math" panose="02040503050406030204" pitchFamily="18" charset="0"/>
+                            </a:rPr>
+                            <m:t>12</m:t>
+                          </m:r>
+                        </m:sub>
+                      </m:sSub>
+                      <m:r>
+                        <a:rPr lang="zh-TW" altLang="en-US" i="1">
+                          <a:solidFill>
+                            <a:srgbClr val="000000"/>
+                          </a:solidFill>
+                          <a:latin typeface="Cambria Math" panose="02040503050406030204" pitchFamily="18" charset="0"/>
+                        </a:rPr>
+                        <m:t>=</m:t>
+                      </m:r>
+                      <m:f>
+                        <m:fPr>
+                          <m:ctrlPr>
+                            <a:rPr lang="zh-TW" altLang="en-US" i="1">
+                              <a:solidFill>
+                                <a:srgbClr val="000000"/>
+                              </a:solidFill>
+                              <a:latin typeface="Cambria Math" panose="02040503050406030204" pitchFamily="18" charset="0"/>
+                            </a:rPr>
+                          </m:ctrlPr>
+                        </m:fPr>
+                        <m:num>
+                          <m:sSub>
+                            <m:sSubPr>
+                              <m:ctrlPr>
+                                <a:rPr lang="zh-TW" altLang="en-US" i="1">
+                                  <a:solidFill>
+                                    <a:srgbClr val="000000"/>
+                                  </a:solidFill>
+                                  <a:latin typeface="Cambria Math" panose="02040503050406030204" pitchFamily="18" charset="0"/>
+                                </a:rPr>
+                              </m:ctrlPr>
+                            </m:sSubPr>
+                            <m:e>
+                              <m:acc>
+                                <m:accPr>
+                                  <m:chr m:val="̂"/>
+                                  <m:ctrlPr>
+                                    <a:rPr lang="zh-TW" altLang="en-US" i="1">
+                                      <a:solidFill>
+                                        <a:srgbClr val="000000"/>
+                                      </a:solidFill>
+                                      <a:latin typeface="Cambria Math" panose="02040503050406030204" pitchFamily="18" charset="0"/>
+                                    </a:rPr>
+                                  </m:ctrlPr>
+                                </m:accPr>
+                                <m:e>
+                                  <m:r>
+                                    <a:rPr lang="zh-TW" altLang="en-US" i="1">
+                                      <a:solidFill>
+                                        <a:srgbClr val="000000"/>
+                                      </a:solidFill>
+                                      <a:latin typeface="Cambria Math" panose="02040503050406030204" pitchFamily="18" charset="0"/>
+                                    </a:rPr>
+                                    <m:t>𝜎</m:t>
+                                  </m:r>
+                                </m:e>
+                              </m:acc>
+                            </m:e>
+                            <m:sub>
+                              <m:r>
+                                <a:rPr lang="zh-TW" altLang="en-US" i="1">
+                                  <a:solidFill>
+                                    <a:srgbClr val="000000"/>
+                                  </a:solidFill>
+                                  <a:latin typeface="Cambria Math" panose="02040503050406030204" pitchFamily="18" charset="0"/>
+                                </a:rPr>
+                                <m:t>12</m:t>
+                              </m:r>
+                            </m:sub>
+                          </m:sSub>
+                        </m:num>
+                        <m:den>
+                          <m:sSub>
+                            <m:sSubPr>
+                              <m:ctrlPr>
+                                <a:rPr lang="zh-TW" altLang="en-US" i="1">
+                                  <a:solidFill>
+                                    <a:srgbClr val="000000"/>
+                                  </a:solidFill>
+                                  <a:latin typeface="Cambria Math" panose="02040503050406030204" pitchFamily="18" charset="0"/>
+                                </a:rPr>
+                              </m:ctrlPr>
+                            </m:sSubPr>
+                            <m:e>
+                              <m:acc>
+                                <m:accPr>
+                                  <m:chr m:val="̂"/>
+                                  <m:ctrlPr>
+                                    <a:rPr lang="zh-TW" altLang="en-US" i="1">
+                                      <a:solidFill>
+                                        <a:srgbClr val="000000"/>
+                                      </a:solidFill>
+                                      <a:latin typeface="Cambria Math" panose="02040503050406030204" pitchFamily="18" charset="0"/>
+                                    </a:rPr>
+                                  </m:ctrlPr>
+                                </m:accPr>
+                                <m:e>
+                                  <m:r>
+                                    <a:rPr lang="zh-TW" altLang="en-US" i="1">
+                                      <a:solidFill>
+                                        <a:srgbClr val="000000"/>
+                                      </a:solidFill>
+                                      <a:latin typeface="Cambria Math" panose="02040503050406030204" pitchFamily="18" charset="0"/>
+                                    </a:rPr>
+                                    <m:t>𝜎</m:t>
+                                  </m:r>
+                                </m:e>
+                              </m:acc>
+                            </m:e>
+                            <m:sub>
+                              <m:r>
+                                <a:rPr lang="zh-TW" altLang="en-US" i="1">
+                                  <a:solidFill>
+                                    <a:srgbClr val="000000"/>
+                                  </a:solidFill>
+                                  <a:latin typeface="Cambria Math" panose="02040503050406030204" pitchFamily="18" charset="0"/>
+                                </a:rPr>
+                                <m:t>1</m:t>
+                              </m:r>
+                            </m:sub>
+                          </m:sSub>
+                          <m:sSub>
+                            <m:sSubPr>
+                              <m:ctrlPr>
+                                <a:rPr lang="zh-TW" altLang="en-US" i="1">
+                                  <a:solidFill>
+                                    <a:srgbClr val="000000"/>
+                                  </a:solidFill>
+                                  <a:latin typeface="Cambria Math" panose="02040503050406030204" pitchFamily="18" charset="0"/>
+                                </a:rPr>
+                              </m:ctrlPr>
+                            </m:sSubPr>
+                            <m:e>
+                              <m:acc>
+                                <m:accPr>
+                                  <m:chr m:val="̂"/>
+                                  <m:ctrlPr>
+                                    <a:rPr lang="zh-TW" altLang="en-US" i="1">
+                                      <a:solidFill>
+                                        <a:srgbClr val="000000"/>
+                                      </a:solidFill>
+                                      <a:latin typeface="Cambria Math" panose="02040503050406030204" pitchFamily="18" charset="0"/>
+                                    </a:rPr>
+                                  </m:ctrlPr>
+                                </m:accPr>
+                                <m:e>
+                                  <m:r>
+                                    <a:rPr lang="zh-TW" altLang="en-US" i="1">
+                                      <a:solidFill>
+                                        <a:srgbClr val="000000"/>
+                                      </a:solidFill>
+                                      <a:latin typeface="Cambria Math" panose="02040503050406030204" pitchFamily="18" charset="0"/>
+                                    </a:rPr>
+                                    <m:t>𝜎</m:t>
+                                  </m:r>
+                                </m:e>
+                              </m:acc>
+                            </m:e>
+                            <m:sub>
+                              <m:r>
+                                <a:rPr lang="zh-TW" altLang="en-US" i="1">
+                                  <a:solidFill>
+                                    <a:srgbClr val="000000"/>
+                                  </a:solidFill>
+                                  <a:latin typeface="Cambria Math" panose="02040503050406030204" pitchFamily="18" charset="0"/>
+                                </a:rPr>
+                                <m:t>2</m:t>
+                              </m:r>
+                            </m:sub>
+                          </m:sSub>
+                        </m:den>
+                      </m:f>
+                      <m:r>
+                        <a:rPr lang="zh-TW" altLang="en-US" i="1">
+                          <a:solidFill>
+                            <a:srgbClr val="000000"/>
+                          </a:solidFill>
+                          <a:latin typeface="Cambria Math" panose="02040503050406030204" pitchFamily="18" charset="0"/>
+                        </a:rPr>
+                        <m:t>=</m:t>
+                      </m:r>
+                      <m:f>
+                        <m:fPr>
+                          <m:ctrlPr>
+                            <a:rPr lang="zh-TW" altLang="en-US" i="1">
+                              <a:solidFill>
+                                <a:srgbClr val="000000"/>
+                              </a:solidFill>
+                              <a:latin typeface="Cambria Math" panose="02040503050406030204" pitchFamily="18" charset="0"/>
+                            </a:rPr>
+                          </m:ctrlPr>
+                        </m:fPr>
+                        <m:num>
+                          <m:nary>
+                            <m:naryPr>
+                              <m:chr m:val="∑"/>
+                              <m:ctrlPr>
+                                <a:rPr lang="zh-TW" altLang="en-US" i="1">
+                                  <a:solidFill>
+                                    <a:srgbClr val="000000"/>
+                                  </a:solidFill>
+                                  <a:latin typeface="Cambria Math" panose="02040503050406030204" pitchFamily="18" charset="0"/>
+                                </a:rPr>
+                              </m:ctrlPr>
+                            </m:naryPr>
+                            <m:sub>
+                              <m:r>
+                                <a:rPr lang="zh-TW" altLang="en-US" i="1">
+                                  <a:solidFill>
+                                    <a:srgbClr val="000000"/>
+                                  </a:solidFill>
+                                  <a:latin typeface="Cambria Math" panose="02040503050406030204" pitchFamily="18" charset="0"/>
+                                </a:rPr>
+                                <m:t>𝑖</m:t>
+                              </m:r>
+                              <m:r>
+                                <a:rPr lang="zh-TW" altLang="en-US" i="1">
+                                  <a:solidFill>
+                                    <a:srgbClr val="000000"/>
+                                  </a:solidFill>
+                                  <a:latin typeface="Cambria Math" panose="02040503050406030204" pitchFamily="18" charset="0"/>
+                                </a:rPr>
+                                <m:t>=1</m:t>
+                              </m:r>
+                            </m:sub>
+                            <m:sup>
+                              <m:r>
+                                <a:rPr lang="zh-TW" altLang="en-US" i="1">
+                                  <a:solidFill>
+                                    <a:srgbClr val="000000"/>
+                                  </a:solidFill>
+                                  <a:latin typeface="Cambria Math" panose="02040503050406030204" pitchFamily="18" charset="0"/>
+                                </a:rPr>
+                                <m:t>𝑛</m:t>
+                              </m:r>
+                            </m:sup>
+                            <m:e>
+                              <m:r>
+                                <a:rPr lang="zh-TW" altLang="en-US" i="1">
+                                  <a:solidFill>
+                                    <a:srgbClr val="000000"/>
+                                  </a:solidFill>
+                                  <a:latin typeface="Cambria Math" panose="02040503050406030204" pitchFamily="18" charset="0"/>
+                                </a:rPr>
+                                <m:t>(</m:t>
+                              </m:r>
+                              <m:sSub>
+                                <m:sSubPr>
+                                  <m:ctrlPr>
+                                    <a:rPr lang="zh-TW" altLang="en-US" i="1">
+                                      <a:solidFill>
+                                        <a:srgbClr val="000000"/>
+                                      </a:solidFill>
+                                      <a:latin typeface="Cambria Math" panose="02040503050406030204" pitchFamily="18" charset="0"/>
+                                    </a:rPr>
+                                  </m:ctrlPr>
+                                </m:sSubPr>
+                                <m:e>
+                                  <m:r>
+                                    <a:rPr lang="zh-TW" altLang="en-US" i="1">
+                                      <a:solidFill>
+                                        <a:srgbClr val="000000"/>
+                                      </a:solidFill>
+                                      <a:latin typeface="Cambria Math" panose="02040503050406030204" pitchFamily="18" charset="0"/>
+                                    </a:rPr>
+                                    <m:t>𝑥</m:t>
+                                  </m:r>
+                                </m:e>
+                                <m:sub>
+                                  <m:r>
+                                    <a:rPr lang="zh-TW" altLang="en-US" i="1">
+                                      <a:solidFill>
+                                        <a:srgbClr val="000000"/>
+                                      </a:solidFill>
+                                      <a:latin typeface="Cambria Math" panose="02040503050406030204" pitchFamily="18" charset="0"/>
+                                    </a:rPr>
+                                    <m:t>𝑖</m:t>
+                                  </m:r>
+                                  <m:r>
+                                    <a:rPr lang="zh-TW" altLang="en-US" i="1">
+                                      <a:solidFill>
+                                        <a:srgbClr val="000000"/>
+                                      </a:solidFill>
+                                      <a:latin typeface="Cambria Math" panose="02040503050406030204" pitchFamily="18" charset="0"/>
+                                    </a:rPr>
+                                    <m:t>1</m:t>
+                                  </m:r>
+                                </m:sub>
+                              </m:sSub>
+                              <m:r>
+                                <a:rPr lang="zh-TW" altLang="en-US" i="1">
+                                  <a:solidFill>
+                                    <a:srgbClr val="000000"/>
+                                  </a:solidFill>
+                                  <a:latin typeface="Cambria Math" panose="02040503050406030204" pitchFamily="18" charset="0"/>
+                                </a:rPr>
+                                <m:t>−</m:t>
+                              </m:r>
+                              <m:sSub>
+                                <m:sSubPr>
+                                  <m:ctrlPr>
+                                    <a:rPr lang="zh-TW" altLang="en-US" i="1">
+                                      <a:solidFill>
+                                        <a:srgbClr val="000000"/>
+                                      </a:solidFill>
+                                      <a:latin typeface="Cambria Math" panose="02040503050406030204" pitchFamily="18" charset="0"/>
+                                    </a:rPr>
+                                  </m:ctrlPr>
+                                </m:sSubPr>
+                                <m:e>
+                                  <m:acc>
+                                    <m:accPr>
+                                      <m:chr m:val="̂"/>
+                                      <m:ctrlPr>
+                                        <a:rPr lang="zh-TW" altLang="en-US" i="1">
+                                          <a:solidFill>
+                                            <a:srgbClr val="000000"/>
+                                          </a:solidFill>
+                                          <a:latin typeface="Cambria Math" panose="02040503050406030204" pitchFamily="18" charset="0"/>
+                                        </a:rPr>
+                                      </m:ctrlPr>
+                                    </m:accPr>
+                                    <m:e>
+                                      <m:r>
+                                        <a:rPr lang="zh-TW" altLang="en-US" i="1">
+                                          <a:solidFill>
+                                            <a:srgbClr val="000000"/>
+                                          </a:solidFill>
+                                          <a:latin typeface="Cambria Math" panose="02040503050406030204" pitchFamily="18" charset="0"/>
+                                        </a:rPr>
+                                        <m:t>𝜇</m:t>
+                                      </m:r>
+                                    </m:e>
+                                  </m:acc>
+                                </m:e>
+                                <m:sub>
+                                  <m:r>
+                                    <a:rPr lang="zh-TW" altLang="en-US" i="1">
+                                      <a:solidFill>
+                                        <a:srgbClr val="000000"/>
+                                      </a:solidFill>
+                                      <a:latin typeface="Cambria Math" panose="02040503050406030204" pitchFamily="18" charset="0"/>
+                                    </a:rPr>
+                                    <m:t>1</m:t>
+                                  </m:r>
+                                </m:sub>
+                              </m:sSub>
+                              <m:r>
+                                <a:rPr lang="zh-TW" altLang="en-US" i="1">
+                                  <a:solidFill>
+                                    <a:srgbClr val="000000"/>
+                                  </a:solidFill>
+                                  <a:latin typeface="Cambria Math" panose="02040503050406030204" pitchFamily="18" charset="0"/>
+                                </a:rPr>
+                                <m:t>)</m:t>
+                              </m:r>
+                            </m:e>
+                          </m:nary>
+                          <m:r>
+                            <a:rPr lang="zh-TW" altLang="en-US" i="1">
+                              <a:solidFill>
+                                <a:srgbClr val="000000"/>
+                              </a:solidFill>
+                              <a:latin typeface="Cambria Math" panose="02040503050406030204" pitchFamily="18" charset="0"/>
+                            </a:rPr>
+                            <m:t>(</m:t>
+                          </m:r>
+                          <m:sSub>
+                            <m:sSubPr>
+                              <m:ctrlPr>
+                                <a:rPr lang="zh-TW" altLang="en-US" i="1">
+                                  <a:solidFill>
+                                    <a:srgbClr val="000000"/>
+                                  </a:solidFill>
+                                  <a:latin typeface="Cambria Math" panose="02040503050406030204" pitchFamily="18" charset="0"/>
+                                </a:rPr>
+                              </m:ctrlPr>
+                            </m:sSubPr>
+                            <m:e>
+                              <m:r>
+                                <a:rPr lang="zh-TW" altLang="en-US" i="1">
+                                  <a:solidFill>
+                                    <a:srgbClr val="000000"/>
+                                  </a:solidFill>
+                                  <a:latin typeface="Cambria Math" panose="02040503050406030204" pitchFamily="18" charset="0"/>
+                                </a:rPr>
+                                <m:t>𝑥</m:t>
+                              </m:r>
+                            </m:e>
+                            <m:sub>
+                              <m:r>
+                                <a:rPr lang="zh-TW" altLang="en-US" i="1">
+                                  <a:solidFill>
+                                    <a:srgbClr val="000000"/>
+                                  </a:solidFill>
+                                  <a:latin typeface="Cambria Math" panose="02040503050406030204" pitchFamily="18" charset="0"/>
+                                </a:rPr>
+                                <m:t>𝑖</m:t>
+                              </m:r>
+                              <m:r>
+                                <a:rPr lang="zh-TW" altLang="en-US" i="1">
+                                  <a:solidFill>
+                                    <a:srgbClr val="000000"/>
+                                  </a:solidFill>
+                                  <a:latin typeface="Cambria Math" panose="02040503050406030204" pitchFamily="18" charset="0"/>
+                                </a:rPr>
+                                <m:t>2</m:t>
+                              </m:r>
+                            </m:sub>
+                          </m:sSub>
+                          <m:r>
+                            <a:rPr lang="zh-TW" altLang="en-US" i="1">
+                              <a:solidFill>
+                                <a:srgbClr val="000000"/>
+                              </a:solidFill>
+                              <a:latin typeface="Cambria Math" panose="02040503050406030204" pitchFamily="18" charset="0"/>
+                            </a:rPr>
+                            <m:t>−</m:t>
+                          </m:r>
+                          <m:sSub>
+                            <m:sSubPr>
+                              <m:ctrlPr>
+                                <a:rPr lang="zh-TW" altLang="en-US" i="1">
+                                  <a:solidFill>
+                                    <a:srgbClr val="000000"/>
+                                  </a:solidFill>
+                                  <a:latin typeface="Cambria Math" panose="02040503050406030204" pitchFamily="18" charset="0"/>
+                                </a:rPr>
+                              </m:ctrlPr>
+                            </m:sSubPr>
+                            <m:e>
+                              <m:acc>
+                                <m:accPr>
+                                  <m:chr m:val="̂"/>
+                                  <m:ctrlPr>
+                                    <a:rPr lang="zh-TW" altLang="en-US" i="1">
+                                      <a:solidFill>
+                                        <a:srgbClr val="000000"/>
+                                      </a:solidFill>
+                                      <a:latin typeface="Cambria Math" panose="02040503050406030204" pitchFamily="18" charset="0"/>
+                                    </a:rPr>
+                                  </m:ctrlPr>
+                                </m:accPr>
+                                <m:e>
+                                  <m:r>
+                                    <a:rPr lang="zh-TW" altLang="en-US" i="1">
+                                      <a:solidFill>
+                                        <a:srgbClr val="000000"/>
+                                      </a:solidFill>
+                                      <a:latin typeface="Cambria Math" panose="02040503050406030204" pitchFamily="18" charset="0"/>
+                                    </a:rPr>
+                                    <m:t>𝜇</m:t>
+                                  </m:r>
+                                </m:e>
+                              </m:acc>
+                            </m:e>
+                            <m:sub>
+                              <m:r>
+                                <a:rPr lang="zh-TW" altLang="en-US" i="1">
+                                  <a:solidFill>
+                                    <a:srgbClr val="000000"/>
+                                  </a:solidFill>
+                                  <a:latin typeface="Cambria Math" panose="02040503050406030204" pitchFamily="18" charset="0"/>
+                                </a:rPr>
+                                <m:t>2</m:t>
+                              </m:r>
+                            </m:sub>
+                          </m:sSub>
+                          <m:r>
+                            <a:rPr lang="zh-TW" altLang="en-US" i="1">
+                              <a:solidFill>
+                                <a:srgbClr val="000000"/>
+                              </a:solidFill>
+                              <a:latin typeface="Cambria Math" panose="02040503050406030204" pitchFamily="18" charset="0"/>
+                            </a:rPr>
+                            <m:t>)</m:t>
+                          </m:r>
+                        </m:num>
+                        <m:den>
+                          <m:rad>
+                            <m:radPr>
+                              <m:degHide m:val="on"/>
+                              <m:ctrlPr>
+                                <a:rPr lang="zh-TW" altLang="en-US" i="1">
+                                  <a:solidFill>
+                                    <a:srgbClr val="000000"/>
+                                  </a:solidFill>
+                                  <a:latin typeface="Cambria Math" panose="02040503050406030204" pitchFamily="18" charset="0"/>
+                                </a:rPr>
+                              </m:ctrlPr>
+                            </m:radPr>
+                            <m:deg/>
+                            <m:e>
+                              <m:nary>
+                                <m:naryPr>
+                                  <m:chr m:val="∑"/>
+                                  <m:ctrlPr>
+                                    <a:rPr lang="zh-TW" altLang="en-US" i="1">
+                                      <a:solidFill>
+                                        <a:srgbClr val="000000"/>
+                                      </a:solidFill>
+                                      <a:latin typeface="Cambria Math" panose="02040503050406030204" pitchFamily="18" charset="0"/>
+                                    </a:rPr>
+                                  </m:ctrlPr>
+                                </m:naryPr>
+                                <m:sub>
+                                  <m:r>
+                                    <a:rPr lang="zh-TW" altLang="en-US" i="1">
+                                      <a:solidFill>
+                                        <a:srgbClr val="000000"/>
+                                      </a:solidFill>
+                                      <a:latin typeface="Cambria Math" panose="02040503050406030204" pitchFamily="18" charset="0"/>
+                                    </a:rPr>
+                                    <m:t>𝑖</m:t>
+                                  </m:r>
+                                  <m:r>
+                                    <a:rPr lang="zh-TW" altLang="en-US" i="1">
+                                      <a:solidFill>
+                                        <a:srgbClr val="000000"/>
+                                      </a:solidFill>
+                                      <a:latin typeface="Cambria Math" panose="02040503050406030204" pitchFamily="18" charset="0"/>
+                                    </a:rPr>
+                                    <m:t>=1</m:t>
+                                  </m:r>
+                                </m:sub>
+                                <m:sup>
+                                  <m:r>
+                                    <a:rPr lang="zh-TW" altLang="en-US" i="1">
+                                      <a:solidFill>
+                                        <a:srgbClr val="000000"/>
+                                      </a:solidFill>
+                                      <a:latin typeface="Cambria Math" panose="02040503050406030204" pitchFamily="18" charset="0"/>
+                                    </a:rPr>
+                                    <m:t>𝑛</m:t>
+                                  </m:r>
+                                </m:sup>
+                                <m:e>
+                                  <m:r>
+                                    <a:rPr lang="zh-TW" altLang="en-US" i="1">
+                                      <a:solidFill>
+                                        <a:srgbClr val="000000"/>
+                                      </a:solidFill>
+                                      <a:latin typeface="Cambria Math" panose="02040503050406030204" pitchFamily="18" charset="0"/>
+                                    </a:rPr>
+                                    <m:t>(</m:t>
+                                  </m:r>
+                                  <m:sSub>
+                                    <m:sSubPr>
+                                      <m:ctrlPr>
+                                        <a:rPr lang="zh-TW" altLang="en-US" i="1">
+                                          <a:solidFill>
+                                            <a:srgbClr val="000000"/>
+                                          </a:solidFill>
+                                          <a:latin typeface="Cambria Math" panose="02040503050406030204" pitchFamily="18" charset="0"/>
+                                        </a:rPr>
+                                      </m:ctrlPr>
+                                    </m:sSubPr>
+                                    <m:e>
+                                      <m:r>
+                                        <a:rPr lang="zh-TW" altLang="en-US" i="1">
+                                          <a:solidFill>
+                                            <a:srgbClr val="000000"/>
+                                          </a:solidFill>
+                                          <a:latin typeface="Cambria Math" panose="02040503050406030204" pitchFamily="18" charset="0"/>
+                                        </a:rPr>
+                                        <m:t>𝑥</m:t>
+                                      </m:r>
+                                    </m:e>
+                                    <m:sub>
+                                      <m:r>
+                                        <a:rPr lang="zh-TW" altLang="en-US" i="1">
+                                          <a:solidFill>
+                                            <a:srgbClr val="000000"/>
+                                          </a:solidFill>
+                                          <a:latin typeface="Cambria Math" panose="02040503050406030204" pitchFamily="18" charset="0"/>
+                                        </a:rPr>
+                                        <m:t>𝑖</m:t>
+                                      </m:r>
+                                      <m:r>
+                                        <a:rPr lang="zh-TW" altLang="en-US" i="1">
+                                          <a:solidFill>
+                                            <a:srgbClr val="000000"/>
+                                          </a:solidFill>
+                                          <a:latin typeface="Cambria Math" panose="02040503050406030204" pitchFamily="18" charset="0"/>
+                                        </a:rPr>
+                                        <m:t>1</m:t>
+                                      </m:r>
+                                    </m:sub>
+                                  </m:sSub>
+                                  <m:r>
+                                    <a:rPr lang="zh-TW" altLang="en-US" i="1">
+                                      <a:solidFill>
+                                        <a:srgbClr val="000000"/>
+                                      </a:solidFill>
+                                      <a:latin typeface="Cambria Math" panose="02040503050406030204" pitchFamily="18" charset="0"/>
+                                    </a:rPr>
+                                    <m:t>−</m:t>
+                                  </m:r>
+                                  <m:sSub>
+                                    <m:sSubPr>
+                                      <m:ctrlPr>
+                                        <a:rPr lang="zh-TW" altLang="en-US" i="1">
+                                          <a:solidFill>
+                                            <a:srgbClr val="000000"/>
+                                          </a:solidFill>
+                                          <a:latin typeface="Cambria Math" panose="02040503050406030204" pitchFamily="18" charset="0"/>
+                                        </a:rPr>
+                                      </m:ctrlPr>
+                                    </m:sSubPr>
+                                    <m:e>
+                                      <m:acc>
+                                        <m:accPr>
+                                          <m:chr m:val="̂"/>
+                                          <m:ctrlPr>
+                                            <a:rPr lang="zh-TW" altLang="en-US" i="1">
+                                              <a:solidFill>
+                                                <a:srgbClr val="000000"/>
+                                              </a:solidFill>
+                                              <a:latin typeface="Cambria Math" panose="02040503050406030204" pitchFamily="18" charset="0"/>
+                                            </a:rPr>
+                                          </m:ctrlPr>
+                                        </m:accPr>
+                                        <m:e>
+                                          <m:r>
+                                            <a:rPr lang="zh-TW" altLang="en-US" i="1">
+                                              <a:solidFill>
+                                                <a:srgbClr val="000000"/>
+                                              </a:solidFill>
+                                              <a:latin typeface="Cambria Math" panose="02040503050406030204" pitchFamily="18" charset="0"/>
+                                            </a:rPr>
+                                            <m:t>𝜇</m:t>
+                                          </m:r>
+                                        </m:e>
+                                      </m:acc>
+                                    </m:e>
+                                    <m:sub>
+                                      <m:r>
+                                        <a:rPr lang="zh-TW" altLang="en-US" i="1">
+                                          <a:solidFill>
+                                            <a:srgbClr val="000000"/>
+                                          </a:solidFill>
+                                          <a:latin typeface="Cambria Math" panose="02040503050406030204" pitchFamily="18" charset="0"/>
+                                        </a:rPr>
+                                        <m:t>1</m:t>
+                                      </m:r>
+                                    </m:sub>
+                                  </m:sSub>
+                                  <m:sSup>
+                                    <m:sSupPr>
+                                      <m:ctrlPr>
+                                        <a:rPr lang="zh-TW" altLang="en-US" i="1">
+                                          <a:solidFill>
+                                            <a:srgbClr val="000000"/>
+                                          </a:solidFill>
+                                          <a:latin typeface="Cambria Math" panose="02040503050406030204" pitchFamily="18" charset="0"/>
+                                        </a:rPr>
+                                      </m:ctrlPr>
+                                    </m:sSupPr>
+                                    <m:e>
+                                      <m:r>
+                                        <a:rPr lang="zh-TW" altLang="en-US" i="1">
+                                          <a:solidFill>
+                                            <a:srgbClr val="000000"/>
+                                          </a:solidFill>
+                                          <a:latin typeface="Cambria Math" panose="02040503050406030204" pitchFamily="18" charset="0"/>
+                                        </a:rPr>
+                                        <m:t>)</m:t>
+                                      </m:r>
+                                    </m:e>
+                                    <m:sup>
+                                      <m:r>
+                                        <a:rPr lang="zh-TW" altLang="en-US" i="1">
+                                          <a:solidFill>
+                                            <a:srgbClr val="000000"/>
+                                          </a:solidFill>
+                                          <a:latin typeface="Cambria Math" panose="02040503050406030204" pitchFamily="18" charset="0"/>
+                                        </a:rPr>
+                                        <m:t>2</m:t>
+                                      </m:r>
+                                    </m:sup>
+                                  </m:sSup>
+                                </m:e>
+                              </m:nary>
+                              <m:nary>
+                                <m:naryPr>
+                                  <m:chr m:val="∑"/>
+                                  <m:ctrlPr>
+                                    <a:rPr lang="zh-TW" altLang="en-US" i="1">
+                                      <a:solidFill>
+                                        <a:srgbClr val="000000"/>
+                                      </a:solidFill>
+                                      <a:latin typeface="Cambria Math" panose="02040503050406030204" pitchFamily="18" charset="0"/>
+                                    </a:rPr>
+                                  </m:ctrlPr>
+                                </m:naryPr>
+                                <m:sub>
+                                  <m:r>
+                                    <a:rPr lang="zh-TW" altLang="en-US" i="1">
+                                      <a:solidFill>
+                                        <a:srgbClr val="000000"/>
+                                      </a:solidFill>
+                                      <a:latin typeface="Cambria Math" panose="02040503050406030204" pitchFamily="18" charset="0"/>
+                                    </a:rPr>
+                                    <m:t>𝑖</m:t>
+                                  </m:r>
+                                  <m:r>
+                                    <a:rPr lang="zh-TW" altLang="en-US" i="1">
+                                      <a:solidFill>
+                                        <a:srgbClr val="000000"/>
+                                      </a:solidFill>
+                                      <a:latin typeface="Cambria Math" panose="02040503050406030204" pitchFamily="18" charset="0"/>
+                                    </a:rPr>
+                                    <m:t>=1</m:t>
+                                  </m:r>
+                                </m:sub>
+                                <m:sup>
+                                  <m:r>
+                                    <a:rPr lang="zh-TW" altLang="en-US" i="1">
+                                      <a:solidFill>
+                                        <a:srgbClr val="000000"/>
+                                      </a:solidFill>
+                                      <a:latin typeface="Cambria Math" panose="02040503050406030204" pitchFamily="18" charset="0"/>
+                                    </a:rPr>
+                                    <m:t>𝑛</m:t>
+                                  </m:r>
+                                </m:sup>
+                                <m:e>
+                                  <m:r>
+                                    <a:rPr lang="zh-TW" altLang="en-US" i="1">
+                                      <a:solidFill>
+                                        <a:srgbClr val="000000"/>
+                                      </a:solidFill>
+                                      <a:latin typeface="Cambria Math" panose="02040503050406030204" pitchFamily="18" charset="0"/>
+                                    </a:rPr>
+                                    <m:t>(</m:t>
+                                  </m:r>
+                                  <m:sSub>
+                                    <m:sSubPr>
+                                      <m:ctrlPr>
+                                        <a:rPr lang="zh-TW" altLang="en-US" i="1">
+                                          <a:solidFill>
+                                            <a:srgbClr val="000000"/>
+                                          </a:solidFill>
+                                          <a:latin typeface="Cambria Math" panose="02040503050406030204" pitchFamily="18" charset="0"/>
+                                        </a:rPr>
+                                      </m:ctrlPr>
+                                    </m:sSubPr>
+                                    <m:e>
+                                      <m:r>
+                                        <a:rPr lang="zh-TW" altLang="en-US" i="1">
+                                          <a:solidFill>
+                                            <a:srgbClr val="000000"/>
+                                          </a:solidFill>
+                                          <a:latin typeface="Cambria Math" panose="02040503050406030204" pitchFamily="18" charset="0"/>
+                                        </a:rPr>
+                                        <m:t>𝑥</m:t>
+                                      </m:r>
+                                    </m:e>
+                                    <m:sub>
+                                      <m:r>
+                                        <a:rPr lang="zh-TW" altLang="en-US" i="1">
+                                          <a:solidFill>
+                                            <a:srgbClr val="000000"/>
+                                          </a:solidFill>
+                                          <a:latin typeface="Cambria Math" panose="02040503050406030204" pitchFamily="18" charset="0"/>
+                                        </a:rPr>
+                                        <m:t>𝑖</m:t>
+                                      </m:r>
+                                      <m:r>
+                                        <a:rPr lang="zh-TW" altLang="en-US" i="1">
+                                          <a:solidFill>
+                                            <a:srgbClr val="000000"/>
+                                          </a:solidFill>
+                                          <a:latin typeface="Cambria Math" panose="02040503050406030204" pitchFamily="18" charset="0"/>
+                                        </a:rPr>
+                                        <m:t>2</m:t>
+                                      </m:r>
+                                    </m:sub>
+                                  </m:sSub>
+                                  <m:r>
+                                    <a:rPr lang="zh-TW" altLang="en-US" i="1">
+                                      <a:solidFill>
+                                        <a:srgbClr val="000000"/>
+                                      </a:solidFill>
+                                      <a:latin typeface="Cambria Math" panose="02040503050406030204" pitchFamily="18" charset="0"/>
+                                    </a:rPr>
+                                    <m:t>−</m:t>
+                                  </m:r>
+                                  <m:sSub>
+                                    <m:sSubPr>
+                                      <m:ctrlPr>
+                                        <a:rPr lang="zh-TW" altLang="en-US" i="1">
+                                          <a:solidFill>
+                                            <a:srgbClr val="000000"/>
+                                          </a:solidFill>
+                                          <a:latin typeface="Cambria Math" panose="02040503050406030204" pitchFamily="18" charset="0"/>
+                                        </a:rPr>
+                                      </m:ctrlPr>
+                                    </m:sSubPr>
+                                    <m:e>
+                                      <m:acc>
+                                        <m:accPr>
+                                          <m:chr m:val="̂"/>
+                                          <m:ctrlPr>
+                                            <a:rPr lang="zh-TW" altLang="en-US" i="1">
+                                              <a:solidFill>
+                                                <a:srgbClr val="000000"/>
+                                              </a:solidFill>
+                                              <a:latin typeface="Cambria Math" panose="02040503050406030204" pitchFamily="18" charset="0"/>
+                                            </a:rPr>
+                                          </m:ctrlPr>
+                                        </m:accPr>
+                                        <m:e>
+                                          <m:r>
+                                            <a:rPr lang="zh-TW" altLang="en-US" i="1">
+                                              <a:solidFill>
+                                                <a:srgbClr val="000000"/>
+                                              </a:solidFill>
+                                              <a:latin typeface="Cambria Math" panose="02040503050406030204" pitchFamily="18" charset="0"/>
+                                            </a:rPr>
+                                            <m:t>𝜇</m:t>
+                                          </m:r>
+                                        </m:e>
+                                      </m:acc>
+                                    </m:e>
+                                    <m:sub>
+                                      <m:r>
+                                        <a:rPr lang="zh-TW" altLang="en-US" i="1">
+                                          <a:solidFill>
+                                            <a:srgbClr val="000000"/>
+                                          </a:solidFill>
+                                          <a:latin typeface="Cambria Math" panose="02040503050406030204" pitchFamily="18" charset="0"/>
+                                        </a:rPr>
+                                        <m:t>2</m:t>
+                                      </m:r>
+                                    </m:sub>
+                                  </m:sSub>
+                                  <m:sSup>
+                                    <m:sSupPr>
+                                      <m:ctrlPr>
+                                        <a:rPr lang="zh-TW" altLang="en-US" i="1">
+                                          <a:solidFill>
+                                            <a:srgbClr val="000000"/>
+                                          </a:solidFill>
+                                          <a:latin typeface="Cambria Math" panose="02040503050406030204" pitchFamily="18" charset="0"/>
+                                        </a:rPr>
+                                      </m:ctrlPr>
+                                    </m:sSupPr>
+                                    <m:e>
+                                      <m:r>
+                                        <a:rPr lang="zh-TW" altLang="en-US" i="1">
+                                          <a:solidFill>
+                                            <a:srgbClr val="000000"/>
+                                          </a:solidFill>
+                                          <a:latin typeface="Cambria Math" panose="02040503050406030204" pitchFamily="18" charset="0"/>
+                                        </a:rPr>
+                                        <m:t>)</m:t>
+                                      </m:r>
+                                    </m:e>
+                                    <m:sup>
+                                      <m:r>
+                                        <a:rPr lang="zh-TW" altLang="en-US" i="1">
+                                          <a:solidFill>
+                                            <a:srgbClr val="000000"/>
+                                          </a:solidFill>
+                                          <a:latin typeface="Cambria Math" panose="02040503050406030204" pitchFamily="18" charset="0"/>
+                                        </a:rPr>
+                                        <m:t>2</m:t>
+                                      </m:r>
+                                    </m:sup>
+                                  </m:sSup>
+                                </m:e>
+                              </m:nary>
+                            </m:e>
+                          </m:rad>
+                        </m:den>
+                      </m:f>
+                    </m:oMath>
+                  </m:oMathPara>
+                </a14:m>
+                <a:endParaRPr lang="zh-TW" altLang="en-US" dirty="0"/>
+              </a:p>
+            </p:txBody>
+          </p:sp>
+        </mc:Choice>
+        <mc:Fallback>
+          <p:sp>
+            <p:nvSpPr>
+              <p:cNvPr id="8" name="Object 7"/>
+              <p:cNvSpPr txBox="1">
+                <a:spLocks noRot="1" noChangeAspect="1" noMove="1" noResize="1" noEditPoints="1" noAdjustHandles="1" noChangeArrowheads="1" noChangeShapeType="1" noTextEdit="1"/>
+              </p:cNvSpPr>
+              <p:nvPr/>
+            </p:nvSpPr>
+            <p:spPr>
+              <a:xfrm>
+                <a:off x="7018338" y="2336800"/>
+                <a:ext cx="4452937" cy="1141413"/>
+              </a:xfrm>
+              <a:prstGeom prst="rect">
+                <a:avLst/>
+              </a:prstGeom>
+              <a:blipFill>
+                <a:blip r:embed="rId6"/>
+                <a:stretch>
+                  <a:fillRect/>
+                </a:stretch>
+              </a:blipFill>
+            </p:spPr>
+            <p:txBody>
+              <a:bodyPr/>
+              <a:lstStyle/>
+              <a:p>
+                <a:r>
+                  <a:rPr lang="zh-TW" altLang="en-US">
+                    <a:noFill/>
+                  </a:rPr>
+                  <a:t> </a:t>
+                </a:r>
+              </a:p>
+            </p:txBody>
+          </p:sp>
+        </mc:Fallback>
+      </mc:AlternateContent>
     </p:spTree>
     <p:extLst>
       <p:ext uri="{BB962C8B-B14F-4D97-AF65-F5344CB8AC3E}">
@@ -20568,7 +22899,7 @@
           <a:graphicData uri="http://schemas.openxmlformats.org/presentationml/2006/ole">
             <mc:AlternateContent xmlns:mc="http://schemas.openxmlformats.org/markup-compatibility/2006">
               <mc:Choice xmlns:v="urn:schemas-microsoft-com:vml" Requires="v">
-                <p:oleObj spid="_x0000_s47138" name="Bitmap Image" r:id="rId4" imgW="6035563" imgH="5784081" progId="Paint.Picture">
+                <p:oleObj spid="_x0000_s47140" name="Bitmap Image" r:id="rId4" imgW="6035563" imgH="5784081" progId="Paint.Picture">
                   <p:embed/>
                 </p:oleObj>
               </mc:Choice>
@@ -20861,7 +23192,7 @@
           <a:graphicData uri="http://schemas.openxmlformats.org/presentationml/2006/ole">
             <mc:AlternateContent xmlns:mc="http://schemas.openxmlformats.org/markup-compatibility/2006">
               <mc:Choice xmlns:v="urn:schemas-microsoft-com:vml" Requires="v">
-                <p:oleObj spid="_x0000_s48207" name="Equation" r:id="rId4" imgW="3555720" imgH="457200" progId="Equation.DSMT4">
+                <p:oleObj spid="_x0000_s48211" name="Equation" r:id="rId4" imgW="3555720" imgH="457200" progId="Equation.DSMT4">
                   <p:embed/>
                 </p:oleObj>
               </mc:Choice>
@@ -20918,7 +23249,7 @@
           <a:graphicData uri="http://schemas.openxmlformats.org/presentationml/2006/ole">
             <mc:AlternateContent xmlns:mc="http://schemas.openxmlformats.org/markup-compatibility/2006">
               <mc:Choice xmlns:v="urn:schemas-microsoft-com:vml" Requires="v">
-                <p:oleObj spid="_x0000_s48208" name="Equation" r:id="rId6" imgW="3111480" imgH="965160" progId="Equation.DSMT4">
+                <p:oleObj spid="_x0000_s48212" name="Equation" r:id="rId6" imgW="3111480" imgH="965160" progId="Equation.DSMT4">
                   <p:embed/>
                 </p:oleObj>
               </mc:Choice>
@@ -21417,7 +23748,7 @@
             </a:pPr>
             <a:r>
               <a:rPr lang="en-US" altLang="en-US" sz="2400" dirty="0"/>
-              <a:t>much smaller in volume but yet produces </a:t>
+              <a:t>Much smaller in volume, but yet produces </a:t>
             </a:r>
             <a:r>
               <a:rPr lang="en-US" altLang="en-US" sz="2400" i="1" dirty="0"/>
@@ -33862,7 +36193,7 @@
           <a:graphicData uri="http://schemas.openxmlformats.org/presentationml/2006/ole">
             <mc:AlternateContent xmlns:mc="http://schemas.openxmlformats.org/markup-compatibility/2006">
               <mc:Choice xmlns:v="urn:schemas-microsoft-com:vml" Requires="v">
-                <p:oleObj spid="_x0000_s41023" name="Chart" r:id="rId4" imgW="7915188" imgH="3848049" progId="MSGraph.Chart.8">
+                <p:oleObj spid="_x0000_s41025" name="Chart" r:id="rId4" imgW="7915188" imgH="3848049" progId="MSGraph.Chart.8">
                   <p:embed followColorScheme="full"/>
                 </p:oleObj>
               </mc:Choice>
@@ -42071,7 +44402,7 @@
           <a:graphicData uri="http://schemas.openxmlformats.org/presentationml/2006/ole">
             <mc:AlternateContent xmlns:mc="http://schemas.openxmlformats.org/markup-compatibility/2006">
               <mc:Choice xmlns:v="urn:schemas-microsoft-com:vml" Requires="v">
-                <p:oleObj spid="_x0000_s42341" name="Equation" r:id="rId4" imgW="2222500" imgH="419100" progId="Equation.3">
+                <p:oleObj spid="_x0000_s42353" name="Equation" r:id="rId4" imgW="2222500" imgH="419100" progId="Equation.3">
                   <p:embed/>
                 </p:oleObj>
               </mc:Choice>
@@ -42170,7 +44501,7 @@
           <a:graphicData uri="http://schemas.openxmlformats.org/presentationml/2006/ole">
             <mc:AlternateContent xmlns:mc="http://schemas.openxmlformats.org/markup-compatibility/2006">
               <mc:Choice xmlns:v="urn:schemas-microsoft-com:vml" Requires="v">
-                <p:oleObj spid="_x0000_s42342" name="Equation" r:id="rId6" imgW="3340100" imgH="393700" progId="Equation.3">
+                <p:oleObj spid="_x0000_s42354" name="Equation" r:id="rId6" imgW="3340100" imgH="393700" progId="Equation.3">
                   <p:embed/>
                 </p:oleObj>
               </mc:Choice>
@@ -42269,7 +44600,7 @@
           <a:graphicData uri="http://schemas.openxmlformats.org/presentationml/2006/ole">
             <mc:AlternateContent xmlns:mc="http://schemas.openxmlformats.org/markup-compatibility/2006">
               <mc:Choice xmlns:v="urn:schemas-microsoft-com:vml" Requires="v">
-                <p:oleObj spid="_x0000_s42343" name="Equation" r:id="rId8" imgW="634725" imgH="393529" progId="Equation.3">
+                <p:oleObj spid="_x0000_s42355" name="Equation" r:id="rId8" imgW="634725" imgH="393529" progId="Equation.3">
                   <p:embed/>
                 </p:oleObj>
               </mc:Choice>
@@ -42368,7 +44699,7 @@
           <a:graphicData uri="http://schemas.openxmlformats.org/presentationml/2006/ole">
             <mc:AlternateContent xmlns:mc="http://schemas.openxmlformats.org/markup-compatibility/2006">
               <mc:Choice xmlns:v="urn:schemas-microsoft-com:vml" Requires="v">
-                <p:oleObj spid="_x0000_s42344" name="Equation" r:id="rId10" imgW="495085" imgH="393529" progId="Equation.3">
+                <p:oleObj spid="_x0000_s42356" name="Equation" r:id="rId10" imgW="495085" imgH="393529" progId="Equation.3">
                   <p:embed/>
                 </p:oleObj>
               </mc:Choice>
@@ -42461,7 +44792,7 @@
           <a:graphicData uri="http://schemas.openxmlformats.org/presentationml/2006/ole">
             <mc:AlternateContent xmlns:mc="http://schemas.openxmlformats.org/markup-compatibility/2006">
               <mc:Choice xmlns:v="urn:schemas-microsoft-com:vml" Requires="v">
-                <p:oleObj spid="_x0000_s42345" name="Equation" r:id="rId12" imgW="114151" imgH="215619" progId="Equation.3">
+                <p:oleObj spid="_x0000_s42357" name="Equation" r:id="rId12" imgW="114151" imgH="215619" progId="Equation.3">
                   <p:embed/>
                 </p:oleObj>
               </mc:Choice>
@@ -42748,7 +45079,7 @@
           <a:graphicData uri="http://schemas.openxmlformats.org/presentationml/2006/ole">
             <mc:AlternateContent xmlns:mc="http://schemas.openxmlformats.org/markup-compatibility/2006">
               <mc:Choice xmlns:v="urn:schemas-microsoft-com:vml" Requires="v">
-                <p:oleObj spid="_x0000_s42346" name="Equation" r:id="rId14" imgW="1498600" imgH="419100" progId="Equation.3">
+                <p:oleObj spid="_x0000_s42358" name="Equation" r:id="rId14" imgW="1498600" imgH="419100" progId="Equation.3">
                   <p:embed/>
                 </p:oleObj>
               </mc:Choice>
@@ -48578,7 +50909,7 @@
             <a:pPr lvl="2" eaLnBrk="1" hangingPunct="1"/>
             <a:r>
               <a:rPr lang="en-US" altLang="en-US" sz="2200" dirty="0"/>
-              <a:t>discrepancy between duplicate records</a:t>
+              <a:t>Discrepancy between duplicate records</a:t>
             </a:r>
           </a:p>
           <a:p>
